--- a/Slides/NET 6 Clean Architecture.pptx
+++ b/Slides/NET 6 Clean Architecture.pptx
@@ -16,6 +16,7 @@
     <p:sldId id="261" r:id="rId10"/>
     <p:sldId id="265" r:id="rId11"/>
     <p:sldId id="266" r:id="rId12"/>
+    <p:sldId id="267" r:id="rId13"/>
   </p:sldIdLst>
   <p:sldSz cx="12192000" cy="6858000"/>
   <p:notesSz cx="6858000" cy="9144000"/>
@@ -122,784 +123,6 @@
 </p:presentation>
 </file>
 
-<file path=ppt/changesInfos/changesInfo1.xml><?xml version="1.0" encoding="utf-8"?>
-<pc:chgInfo xmlns:a="http://schemas.openxmlformats.org/drawingml/2006/main" xmlns:r="http://schemas.openxmlformats.org/officeDocument/2006/relationships" xmlns:ac="http://schemas.microsoft.com/office/drawing/2013/main/command" xmlns:pc="http://schemas.microsoft.com/office/powerpoint/2013/main/command">
-  <pc:docChgLst>
-    <pc:chgData name="Muhammad Hanif" userId="560e93c7833e5b88" providerId="LiveId" clId="{61FC319D-9951-4B3E-8B80-A0CFC7C47794}"/>
-    <pc:docChg chg="undo redo custSel addSld delSld modSld sldOrd">
-      <pc:chgData name="Muhammad Hanif" userId="560e93c7833e5b88" providerId="LiveId" clId="{61FC319D-9951-4B3E-8B80-A0CFC7C47794}" dt="2023-12-30T15:08:23.744" v="3984" actId="20577"/>
-      <pc:docMkLst>
-        <pc:docMk/>
-      </pc:docMkLst>
-      <pc:sldChg chg="addSp delSp modSp mod ord addAnim delAnim modAnim">
-        <pc:chgData name="Muhammad Hanif" userId="560e93c7833e5b88" providerId="LiveId" clId="{61FC319D-9951-4B3E-8B80-A0CFC7C47794}" dt="2023-10-05T15:29:29.438" v="2325"/>
-        <pc:sldMkLst>
-          <pc:docMk/>
-          <pc:sldMk cId="90653608" sldId="256"/>
-        </pc:sldMkLst>
-        <pc:spChg chg="mod">
-          <ac:chgData name="Muhammad Hanif" userId="560e93c7833e5b88" providerId="LiveId" clId="{61FC319D-9951-4B3E-8B80-A0CFC7C47794}" dt="2023-06-28T11:06:38.919" v="1065" actId="20577"/>
-          <ac:spMkLst>
-            <pc:docMk/>
-            <pc:sldMk cId="90653608" sldId="256"/>
-            <ac:spMk id="4" creationId="{0A4045B0-C940-93C6-79DB-351A147113E4}"/>
-          </ac:spMkLst>
-        </pc:spChg>
-        <pc:spChg chg="add del mod">
-          <ac:chgData name="Muhammad Hanif" userId="560e93c7833e5b88" providerId="LiveId" clId="{61FC319D-9951-4B3E-8B80-A0CFC7C47794}" dt="2023-06-28T10:53:50.571" v="1007"/>
-          <ac:spMkLst>
-            <pc:docMk/>
-            <pc:sldMk cId="90653608" sldId="256"/>
-            <ac:spMk id="5" creationId="{68ED6C88-4D30-47B1-98F2-10B61639E784}"/>
-          </ac:spMkLst>
-        </pc:spChg>
-        <pc:spChg chg="add del mod">
-          <ac:chgData name="Muhammad Hanif" userId="560e93c7833e5b88" providerId="LiveId" clId="{61FC319D-9951-4B3E-8B80-A0CFC7C47794}" dt="2023-06-10T15:49:36.854" v="395" actId="478"/>
-          <ac:spMkLst>
-            <pc:docMk/>
-            <pc:sldMk cId="90653608" sldId="256"/>
-            <ac:spMk id="6" creationId="{6C6D794C-0904-DF49-661D-84DA6117CE3C}"/>
-          </ac:spMkLst>
-        </pc:spChg>
-        <pc:spChg chg="add mod">
-          <ac:chgData name="Muhammad Hanif" userId="560e93c7833e5b88" providerId="LiveId" clId="{61FC319D-9951-4B3E-8B80-A0CFC7C47794}" dt="2023-06-28T10:55:08.333" v="1044" actId="20577"/>
-          <ac:spMkLst>
-            <pc:docMk/>
-            <pc:sldMk cId="90653608" sldId="256"/>
-            <ac:spMk id="6" creationId="{DF3DBA21-50B3-332B-D2D0-1673209B9496}"/>
-          </ac:spMkLst>
-        </pc:spChg>
-        <pc:spChg chg="del mod">
-          <ac:chgData name="Muhammad Hanif" userId="560e93c7833e5b88" providerId="LiveId" clId="{61FC319D-9951-4B3E-8B80-A0CFC7C47794}" dt="2023-06-10T13:56:18.487" v="310" actId="478"/>
-          <ac:spMkLst>
-            <pc:docMk/>
-            <pc:sldMk cId="90653608" sldId="256"/>
-            <ac:spMk id="7" creationId="{181E6021-7F36-2E5F-7306-5EE6EE8D420E}"/>
-          </ac:spMkLst>
-        </pc:spChg>
-        <pc:spChg chg="add del">
-          <ac:chgData name="Muhammad Hanif" userId="560e93c7833e5b88" providerId="LiveId" clId="{61FC319D-9951-4B3E-8B80-A0CFC7C47794}" dt="2023-06-28T10:54:43.636" v="1015" actId="22"/>
-          <ac:spMkLst>
-            <pc:docMk/>
-            <pc:sldMk cId="90653608" sldId="256"/>
-            <ac:spMk id="8" creationId="{307237E3-7C2F-74B9-0714-F520051F7C11}"/>
-          </ac:spMkLst>
-        </pc:spChg>
-        <pc:spChg chg="add del mod">
-          <ac:chgData name="Muhammad Hanif" userId="560e93c7833e5b88" providerId="LiveId" clId="{61FC319D-9951-4B3E-8B80-A0CFC7C47794}" dt="2023-06-10T15:50:46.666" v="427" actId="478"/>
-          <ac:spMkLst>
-            <pc:docMk/>
-            <pc:sldMk cId="90653608" sldId="256"/>
-            <ac:spMk id="8" creationId="{4CC95D78-62BC-F9B2-BD71-C281330F99CC}"/>
-          </ac:spMkLst>
-        </pc:spChg>
-        <pc:spChg chg="add del mod">
-          <ac:chgData name="Muhammad Hanif" userId="560e93c7833e5b88" providerId="LiveId" clId="{61FC319D-9951-4B3E-8B80-A0CFC7C47794}" dt="2023-06-10T13:27:02.609" v="127" actId="478"/>
-          <ac:spMkLst>
-            <pc:docMk/>
-            <pc:sldMk cId="90653608" sldId="256"/>
-            <ac:spMk id="9" creationId="{1156CCE3-435B-8EE0-E4B7-4CD5A166CAED}"/>
-          </ac:spMkLst>
-        </pc:spChg>
-        <pc:spChg chg="add del mod">
-          <ac:chgData name="Muhammad Hanif" userId="560e93c7833e5b88" providerId="LiveId" clId="{61FC319D-9951-4B3E-8B80-A0CFC7C47794}" dt="2023-06-10T15:58:57.728" v="491" actId="21"/>
-          <ac:spMkLst>
-            <pc:docMk/>
-            <pc:sldMk cId="90653608" sldId="256"/>
-            <ac:spMk id="10" creationId="{49B964C9-07EC-6AEF-C136-4B7C2FB084DB}"/>
-          </ac:spMkLst>
-        </pc:spChg>
-        <pc:spChg chg="add mod">
-          <ac:chgData name="Muhammad Hanif" userId="560e93c7833e5b88" providerId="LiveId" clId="{61FC319D-9951-4B3E-8B80-A0CFC7C47794}" dt="2023-06-28T10:57:19.568" v="1058" actId="20577"/>
-          <ac:spMkLst>
-            <pc:docMk/>
-            <pc:sldMk cId="90653608" sldId="256"/>
-            <ac:spMk id="10" creationId="{95C399D3-9FFE-F9D2-8DD0-04F8296DD6C5}"/>
-          </ac:spMkLst>
-        </pc:spChg>
-        <pc:spChg chg="add del mod">
-          <ac:chgData name="Muhammad Hanif" userId="560e93c7833e5b88" providerId="LiveId" clId="{61FC319D-9951-4B3E-8B80-A0CFC7C47794}" dt="2023-06-10T15:50:19.648" v="425" actId="478"/>
-          <ac:spMkLst>
-            <pc:docMk/>
-            <pc:sldMk cId="90653608" sldId="256"/>
-            <ac:spMk id="11" creationId="{4BA1D969-8ABA-C209-747D-087CFD78955E}"/>
-          </ac:spMkLst>
-        </pc:spChg>
-        <pc:spChg chg="add del">
-          <ac:chgData name="Muhammad Hanif" userId="560e93c7833e5b88" providerId="LiveId" clId="{61FC319D-9951-4B3E-8B80-A0CFC7C47794}" dt="2023-06-10T14:07:51.319" v="334"/>
-          <ac:spMkLst>
-            <pc:docMk/>
-            <pc:sldMk cId="90653608" sldId="256"/>
-            <ac:spMk id="12" creationId="{DED13B00-0560-4668-D40C-BDEBE22BC044}"/>
-          </ac:spMkLst>
-        </pc:spChg>
-        <pc:spChg chg="add del mod">
-          <ac:chgData name="Muhammad Hanif" userId="560e93c7833e5b88" providerId="LiveId" clId="{61FC319D-9951-4B3E-8B80-A0CFC7C47794}" dt="2023-06-10T15:50:23.321" v="426" actId="478"/>
-          <ac:spMkLst>
-            <pc:docMk/>
-            <pc:sldMk cId="90653608" sldId="256"/>
-            <ac:spMk id="13" creationId="{BB47B0BC-A326-85C0-D846-A23CEC290225}"/>
-          </ac:spMkLst>
-        </pc:spChg>
-        <pc:spChg chg="add del">
-          <ac:chgData name="Muhammad Hanif" userId="560e93c7833e5b88" providerId="LiveId" clId="{61FC319D-9951-4B3E-8B80-A0CFC7C47794}" dt="2023-06-10T14:08:13.981" v="339"/>
-          <ac:spMkLst>
-            <pc:docMk/>
-            <pc:sldMk cId="90653608" sldId="256"/>
-            <ac:spMk id="14" creationId="{AD52B6AF-379E-1EA9-30B3-8CD4D1FC32F4}"/>
-          </ac:spMkLst>
-        </pc:spChg>
-        <pc:spChg chg="add del mod">
-          <ac:chgData name="Muhammad Hanif" userId="560e93c7833e5b88" providerId="LiveId" clId="{61FC319D-9951-4B3E-8B80-A0CFC7C47794}" dt="2023-06-24T04:35:00.078" v="832"/>
-          <ac:spMkLst>
-            <pc:docMk/>
-            <pc:sldMk cId="90653608" sldId="256"/>
-            <ac:spMk id="15" creationId="{06A683E2-ECB0-5E82-4C2B-2CCBFF4A8D4B}"/>
-          </ac:spMkLst>
-        </pc:spChg>
-        <pc:spChg chg="add del mod">
-          <ac:chgData name="Muhammad Hanif" userId="560e93c7833e5b88" providerId="LiveId" clId="{61FC319D-9951-4B3E-8B80-A0CFC7C47794}" dt="2023-06-28T05:09:01.055" v="869" actId="478"/>
-          <ac:spMkLst>
-            <pc:docMk/>
-            <pc:sldMk cId="90653608" sldId="256"/>
-            <ac:spMk id="16" creationId="{34FEC4EB-6265-3C9A-194F-C9E41AAAC52C}"/>
-          </ac:spMkLst>
-        </pc:spChg>
-        <pc:spChg chg="add del mod">
-          <ac:chgData name="Muhammad Hanif" userId="560e93c7833e5b88" providerId="LiveId" clId="{61FC319D-9951-4B3E-8B80-A0CFC7C47794}" dt="2023-06-28T05:08:58.022" v="868" actId="478"/>
-          <ac:spMkLst>
-            <pc:docMk/>
-            <pc:sldMk cId="90653608" sldId="256"/>
-            <ac:spMk id="17" creationId="{21C37205-2E9B-A3D7-453C-BA1143389C47}"/>
-          </ac:spMkLst>
-        </pc:spChg>
-        <pc:spChg chg="add del mod">
-          <ac:chgData name="Muhammad Hanif" userId="560e93c7833e5b88" providerId="LiveId" clId="{61FC319D-9951-4B3E-8B80-A0CFC7C47794}" dt="2023-06-28T05:09:05.275" v="870" actId="478"/>
-          <ac:spMkLst>
-            <pc:docMk/>
-            <pc:sldMk cId="90653608" sldId="256"/>
-            <ac:spMk id="18" creationId="{C11EB94A-7599-12BE-A015-138DF82E7D88}"/>
-          </ac:spMkLst>
-        </pc:spChg>
-        <pc:graphicFrameChg chg="del mod">
-          <ac:chgData name="Muhammad Hanif" userId="560e93c7833e5b88" providerId="LiveId" clId="{61FC319D-9951-4B3E-8B80-A0CFC7C47794}" dt="2023-10-05T15:22:59.163" v="2312"/>
-          <ac:graphicFrameMkLst>
-            <pc:docMk/>
-            <pc:sldMk cId="90653608" sldId="256"/>
-            <ac:graphicFrameMk id="2" creationId="{86C805A9-1B6D-6127-CC5E-B5DD99DCEF13}"/>
-          </ac:graphicFrameMkLst>
-        </pc:graphicFrameChg>
-        <pc:graphicFrameChg chg="add del mod">
-          <ac:chgData name="Muhammad Hanif" userId="560e93c7833e5b88" providerId="LiveId" clId="{61FC319D-9951-4B3E-8B80-A0CFC7C47794}" dt="2023-10-05T15:25:35.601" v="2314"/>
-          <ac:graphicFrameMkLst>
-            <pc:docMk/>
-            <pc:sldMk cId="90653608" sldId="256"/>
-            <ac:graphicFrameMk id="3" creationId="{76136A44-49B0-46C5-411A-2ABB5C62DF03}"/>
-          </ac:graphicFrameMkLst>
-        </pc:graphicFrameChg>
-        <pc:picChg chg="add del mod">
-          <ac:chgData name="Muhammad Hanif" userId="560e93c7833e5b88" providerId="LiveId" clId="{61FC319D-9951-4B3E-8B80-A0CFC7C47794}" dt="2023-06-10T16:09:05.235" v="651" actId="478"/>
-          <ac:picMkLst>
-            <pc:docMk/>
-            <pc:sldMk cId="90653608" sldId="256"/>
-            <ac:picMk id="3" creationId="{2F34FC97-85CC-F127-9ECE-1A3E11198222}"/>
-          </ac:picMkLst>
-        </pc:picChg>
-        <pc:picChg chg="add del mod">
-          <ac:chgData name="Muhammad Hanif" userId="560e93c7833e5b88" providerId="LiveId" clId="{61FC319D-9951-4B3E-8B80-A0CFC7C47794}" dt="2023-06-28T10:53:21.717" v="1002" actId="478"/>
-          <ac:picMkLst>
-            <pc:docMk/>
-            <pc:sldMk cId="90653608" sldId="256"/>
-            <ac:picMk id="3" creationId="{E985BB60-F59D-58A6-2949-592F211CF11D}"/>
-          </ac:picMkLst>
-        </pc:picChg>
-        <pc:picChg chg="add del mod">
-          <ac:chgData name="Muhammad Hanif" userId="560e93c7833e5b88" providerId="LiveId" clId="{61FC319D-9951-4B3E-8B80-A0CFC7C47794}" dt="2023-06-10T16:10:54.886" v="661" actId="478"/>
-          <ac:picMkLst>
-            <pc:docMk/>
-            <pc:sldMk cId="90653608" sldId="256"/>
-            <ac:picMk id="7" creationId="{54E97FA8-7EBD-251C-50AD-98526D63D67A}"/>
-          </ac:picMkLst>
-        </pc:picChg>
-        <pc:picChg chg="add del mod">
-          <ac:chgData name="Muhammad Hanif" userId="560e93c7833e5b88" providerId="LiveId" clId="{61FC319D-9951-4B3E-8B80-A0CFC7C47794}" dt="2023-06-28T05:08:54.939" v="867" actId="478"/>
-          <ac:picMkLst>
-            <pc:docMk/>
-            <pc:sldMk cId="90653608" sldId="256"/>
-            <ac:picMk id="9" creationId="{F3934AA7-7FA1-4AF5-11DF-34C8209BBBC5}"/>
-          </ac:picMkLst>
-        </pc:picChg>
-        <pc:picChg chg="add mod">
-          <ac:chgData name="Muhammad Hanif" userId="560e93c7833e5b88" providerId="LiveId" clId="{61FC319D-9951-4B3E-8B80-A0CFC7C47794}" dt="2023-06-28T11:06:26.510" v="1064" actId="1076"/>
-          <ac:picMkLst>
-            <pc:docMk/>
-            <pc:sldMk cId="90653608" sldId="256"/>
-            <ac:picMk id="12" creationId="{6F0558F7-9155-B500-7EB5-FE4B29AFAC65}"/>
-          </ac:picMkLst>
-        </pc:picChg>
-      </pc:sldChg>
-      <pc:sldChg chg="modSp add mod">
-        <pc:chgData name="Muhammad Hanif" userId="560e93c7833e5b88" providerId="LiveId" clId="{61FC319D-9951-4B3E-8B80-A0CFC7C47794}" dt="2023-07-04T14:01:03.344" v="1091" actId="1076"/>
-        <pc:sldMkLst>
-          <pc:docMk/>
-          <pc:sldMk cId="2941187924" sldId="257"/>
-        </pc:sldMkLst>
-        <pc:spChg chg="mod">
-          <ac:chgData name="Muhammad Hanif" userId="560e93c7833e5b88" providerId="LiveId" clId="{61FC319D-9951-4B3E-8B80-A0CFC7C47794}" dt="2023-07-04T14:00:57.868" v="1086" actId="1076"/>
-          <ac:spMkLst>
-            <pc:docMk/>
-            <pc:sldMk cId="2941187924" sldId="257"/>
-            <ac:spMk id="4" creationId="{0A4045B0-C940-93C6-79DB-351A147113E4}"/>
-          </ac:spMkLst>
-        </pc:spChg>
-        <pc:spChg chg="mod">
-          <ac:chgData name="Muhammad Hanif" userId="560e93c7833e5b88" providerId="LiveId" clId="{61FC319D-9951-4B3E-8B80-A0CFC7C47794}" dt="2023-07-04T14:00:59.186" v="1087" actId="1076"/>
-          <ac:spMkLst>
-            <pc:docMk/>
-            <pc:sldMk cId="2941187924" sldId="257"/>
-            <ac:spMk id="5" creationId="{68ED6C88-4D30-47B1-98F2-10B61639E784}"/>
-          </ac:spMkLst>
-        </pc:spChg>
-        <pc:spChg chg="mod">
-          <ac:chgData name="Muhammad Hanif" userId="560e93c7833e5b88" providerId="LiveId" clId="{61FC319D-9951-4B3E-8B80-A0CFC7C47794}" dt="2023-07-04T13:18:33.987" v="1070" actId="1076"/>
-          <ac:spMkLst>
-            <pc:docMk/>
-            <pc:sldMk cId="2941187924" sldId="257"/>
-            <ac:spMk id="16" creationId="{34FEC4EB-6265-3C9A-194F-C9E41AAAC52C}"/>
-          </ac:spMkLst>
-        </pc:spChg>
-        <pc:spChg chg="mod">
-          <ac:chgData name="Muhammad Hanif" userId="560e93c7833e5b88" providerId="LiveId" clId="{61FC319D-9951-4B3E-8B80-A0CFC7C47794}" dt="2023-07-04T13:18:18.967" v="1069" actId="1076"/>
-          <ac:spMkLst>
-            <pc:docMk/>
-            <pc:sldMk cId="2941187924" sldId="257"/>
-            <ac:spMk id="17" creationId="{21C37205-2E9B-A3D7-453C-BA1143389C47}"/>
-          </ac:spMkLst>
-        </pc:spChg>
-        <pc:spChg chg="mod">
-          <ac:chgData name="Muhammad Hanif" userId="560e93c7833e5b88" providerId="LiveId" clId="{61FC319D-9951-4B3E-8B80-A0CFC7C47794}" dt="2023-07-04T14:01:03.344" v="1091" actId="1076"/>
-          <ac:spMkLst>
-            <pc:docMk/>
-            <pc:sldMk cId="2941187924" sldId="257"/>
-            <ac:spMk id="18" creationId="{C11EB94A-7599-12BE-A015-138DF82E7D88}"/>
-          </ac:spMkLst>
-        </pc:spChg>
-        <pc:picChg chg="mod">
-          <ac:chgData name="Muhammad Hanif" userId="560e93c7833e5b88" providerId="LiveId" clId="{61FC319D-9951-4B3E-8B80-A0CFC7C47794}" dt="2023-07-04T14:01:00.703" v="1089" actId="14100"/>
-          <ac:picMkLst>
-            <pc:docMk/>
-            <pc:sldMk cId="2941187924" sldId="257"/>
-            <ac:picMk id="9" creationId="{F3934AA7-7FA1-4AF5-11DF-34C8209BBBC5}"/>
-          </ac:picMkLst>
-        </pc:picChg>
-      </pc:sldChg>
-      <pc:sldChg chg="addSp delSp modSp add mod delAnim modAnim">
-        <pc:chgData name="Muhammad Hanif" userId="560e93c7833e5b88" providerId="LiveId" clId="{61FC319D-9951-4B3E-8B80-A0CFC7C47794}" dt="2023-07-23T10:45:06.301" v="1346" actId="20577"/>
-        <pc:sldMkLst>
-          <pc:docMk/>
-          <pc:sldMk cId="805505049" sldId="258"/>
-        </pc:sldMkLst>
-        <pc:spChg chg="add del mod">
-          <ac:chgData name="Muhammad Hanif" userId="560e93c7833e5b88" providerId="LiveId" clId="{61FC319D-9951-4B3E-8B80-A0CFC7C47794}" dt="2023-07-23T10:16:03.495" v="1230" actId="478"/>
-          <ac:spMkLst>
-            <pc:docMk/>
-            <pc:sldMk cId="805505049" sldId="258"/>
-            <ac:spMk id="2" creationId="{ACEC3863-18BA-E831-64B2-2E1DE591DC7A}"/>
-          </ac:spMkLst>
-        </pc:spChg>
-        <pc:spChg chg="add del mod">
-          <ac:chgData name="Muhammad Hanif" userId="560e93c7833e5b88" providerId="LiveId" clId="{61FC319D-9951-4B3E-8B80-A0CFC7C47794}" dt="2023-07-23T10:15:45.602" v="1224" actId="478"/>
-          <ac:spMkLst>
-            <pc:docMk/>
-            <pc:sldMk cId="805505049" sldId="258"/>
-            <ac:spMk id="3" creationId="{B203CDC4-0A1A-54A4-E8AB-5DC7FA43E7FE}"/>
-          </ac:spMkLst>
-        </pc:spChg>
-        <pc:spChg chg="mod">
-          <ac:chgData name="Muhammad Hanif" userId="560e93c7833e5b88" providerId="LiveId" clId="{61FC319D-9951-4B3E-8B80-A0CFC7C47794}" dt="2023-07-23T10:40:37.452" v="1312" actId="1076"/>
-          <ac:spMkLst>
-            <pc:docMk/>
-            <pc:sldMk cId="805505049" sldId="258"/>
-            <ac:spMk id="4" creationId="{0A4045B0-C940-93C6-79DB-351A147113E4}"/>
-          </ac:spMkLst>
-        </pc:spChg>
-        <pc:spChg chg="del">
-          <ac:chgData name="Muhammad Hanif" userId="560e93c7833e5b88" providerId="LiveId" clId="{61FC319D-9951-4B3E-8B80-A0CFC7C47794}" dt="2023-07-22T03:49:55.331" v="1094" actId="478"/>
-          <ac:spMkLst>
-            <pc:docMk/>
-            <pc:sldMk cId="805505049" sldId="258"/>
-            <ac:spMk id="5" creationId="{68ED6C88-4D30-47B1-98F2-10B61639E784}"/>
-          </ac:spMkLst>
-        </pc:spChg>
-        <pc:spChg chg="add mod">
-          <ac:chgData name="Muhammad Hanif" userId="560e93c7833e5b88" providerId="LiveId" clId="{61FC319D-9951-4B3E-8B80-A0CFC7C47794}" dt="2023-07-23T10:45:06.301" v="1346" actId="20577"/>
-          <ac:spMkLst>
-            <pc:docMk/>
-            <pc:sldMk cId="805505049" sldId="258"/>
-            <ac:spMk id="5" creationId="{AAC62DE3-37FA-81ED-2B19-6155C5C4FB6A}"/>
-          </ac:spMkLst>
-        </pc:spChg>
-        <pc:spChg chg="del">
-          <ac:chgData name="Muhammad Hanif" userId="560e93c7833e5b88" providerId="LiveId" clId="{61FC319D-9951-4B3E-8B80-A0CFC7C47794}" dt="2023-07-22T03:50:00.257" v="1097" actId="478"/>
-          <ac:spMkLst>
-            <pc:docMk/>
-            <pc:sldMk cId="805505049" sldId="258"/>
-            <ac:spMk id="16" creationId="{34FEC4EB-6265-3C9A-194F-C9E41AAAC52C}"/>
-          </ac:spMkLst>
-        </pc:spChg>
-        <pc:spChg chg="del mod">
-          <ac:chgData name="Muhammad Hanif" userId="560e93c7833e5b88" providerId="LiveId" clId="{61FC319D-9951-4B3E-8B80-A0CFC7C47794}" dt="2023-07-22T03:49:58.765" v="1096" actId="478"/>
-          <ac:spMkLst>
-            <pc:docMk/>
-            <pc:sldMk cId="805505049" sldId="258"/>
-            <ac:spMk id="17" creationId="{21C37205-2E9B-A3D7-453C-BA1143389C47}"/>
-          </ac:spMkLst>
-        </pc:spChg>
-        <pc:spChg chg="del">
-          <ac:chgData name="Muhammad Hanif" userId="560e93c7833e5b88" providerId="LiveId" clId="{61FC319D-9951-4B3E-8B80-A0CFC7C47794}" dt="2023-07-22T03:50:02.245" v="1098" actId="478"/>
-          <ac:spMkLst>
-            <pc:docMk/>
-            <pc:sldMk cId="805505049" sldId="258"/>
-            <ac:spMk id="18" creationId="{C11EB94A-7599-12BE-A015-138DF82E7D88}"/>
-          </ac:spMkLst>
-        </pc:spChg>
-        <pc:picChg chg="add del mod">
-          <ac:chgData name="Muhammad Hanif" userId="560e93c7833e5b88" providerId="LiveId" clId="{61FC319D-9951-4B3E-8B80-A0CFC7C47794}" dt="2023-07-23T10:25:53.594" v="1296" actId="478"/>
-          <ac:picMkLst>
-            <pc:docMk/>
-            <pc:sldMk cId="805505049" sldId="258"/>
-            <ac:picMk id="7" creationId="{9D759F0E-7113-AE35-97AC-2E2F7233A635}"/>
-          </ac:picMkLst>
-        </pc:picChg>
-        <pc:picChg chg="add mod">
-          <ac:chgData name="Muhammad Hanif" userId="560e93c7833e5b88" providerId="LiveId" clId="{61FC319D-9951-4B3E-8B80-A0CFC7C47794}" dt="2023-07-23T10:40:45.550" v="1314" actId="14100"/>
-          <ac:picMkLst>
-            <pc:docMk/>
-            <pc:sldMk cId="805505049" sldId="258"/>
-            <ac:picMk id="9" creationId="{DC69AF7A-D5F6-AF94-6226-64A1B3D13F3D}"/>
-          </ac:picMkLst>
-        </pc:picChg>
-        <pc:picChg chg="del">
-          <ac:chgData name="Muhammad Hanif" userId="560e93c7833e5b88" providerId="LiveId" clId="{61FC319D-9951-4B3E-8B80-A0CFC7C47794}" dt="2023-07-22T03:49:46.504" v="1093" actId="478"/>
-          <ac:picMkLst>
-            <pc:docMk/>
-            <pc:sldMk cId="805505049" sldId="258"/>
-            <ac:picMk id="9" creationId="{F3934AA7-7FA1-4AF5-11DF-34C8209BBBC5}"/>
-          </ac:picMkLst>
-        </pc:picChg>
-      </pc:sldChg>
-      <pc:sldChg chg="addSp delSp modSp add mod modAnim">
-        <pc:chgData name="Muhammad Hanif" userId="560e93c7833e5b88" providerId="LiveId" clId="{61FC319D-9951-4B3E-8B80-A0CFC7C47794}" dt="2023-08-10T00:34:05.977" v="1799" actId="14100"/>
-        <pc:sldMkLst>
-          <pc:docMk/>
-          <pc:sldMk cId="1913107204" sldId="259"/>
-        </pc:sldMkLst>
-        <pc:spChg chg="mod">
-          <ac:chgData name="Muhammad Hanif" userId="560e93c7833e5b88" providerId="LiveId" clId="{61FC319D-9951-4B3E-8B80-A0CFC7C47794}" dt="2023-08-06T14:29:11.848" v="1790" actId="20577"/>
-          <ac:spMkLst>
-            <pc:docMk/>
-            <pc:sldMk cId="1913107204" sldId="259"/>
-            <ac:spMk id="4" creationId="{0A4045B0-C940-93C6-79DB-351A147113E4}"/>
-          </ac:spMkLst>
-        </pc:spChg>
-        <pc:spChg chg="mod">
-          <ac:chgData name="Muhammad Hanif" userId="560e93c7833e5b88" providerId="LiveId" clId="{61FC319D-9951-4B3E-8B80-A0CFC7C47794}" dt="2023-08-06T14:13:45.286" v="1781"/>
-          <ac:spMkLst>
-            <pc:docMk/>
-            <pc:sldMk cId="1913107204" sldId="259"/>
-            <ac:spMk id="5" creationId="{AAC62DE3-37FA-81ED-2B19-6155C5C4FB6A}"/>
-          </ac:spMkLst>
-        </pc:spChg>
-        <pc:picChg chg="add mod">
-          <ac:chgData name="Muhammad Hanif" userId="560e93c7833e5b88" providerId="LiveId" clId="{61FC319D-9951-4B3E-8B80-A0CFC7C47794}" dt="2023-08-10T00:34:05.977" v="1799" actId="14100"/>
-          <ac:picMkLst>
-            <pc:docMk/>
-            <pc:sldMk cId="1913107204" sldId="259"/>
-            <ac:picMk id="3" creationId="{26D9E3AC-C35C-EBF0-20C7-EAD5FC9B88C7}"/>
-          </ac:picMkLst>
-        </pc:picChg>
-        <pc:picChg chg="del mod">
-          <ac:chgData name="Muhammad Hanif" userId="560e93c7833e5b88" providerId="LiveId" clId="{61FC319D-9951-4B3E-8B80-A0CFC7C47794}" dt="2023-08-10T00:33:17.506" v="1791" actId="478"/>
-          <ac:picMkLst>
-            <pc:docMk/>
-            <pc:sldMk cId="1913107204" sldId="259"/>
-            <ac:picMk id="9" creationId="{DC69AF7A-D5F6-AF94-6226-64A1B3D13F3D}"/>
-          </ac:picMkLst>
-        </pc:picChg>
-      </pc:sldChg>
-      <pc:sldChg chg="addSp delSp modSp add mod modAnim">
-        <pc:chgData name="Muhammad Hanif" userId="560e93c7833e5b88" providerId="LiveId" clId="{61FC319D-9951-4B3E-8B80-A0CFC7C47794}" dt="2023-09-03T16:11:11.889" v="2160" actId="20577"/>
-        <pc:sldMkLst>
-          <pc:docMk/>
-          <pc:sldMk cId="3186687087" sldId="260"/>
-        </pc:sldMkLst>
-        <pc:spChg chg="mod">
-          <ac:chgData name="Muhammad Hanif" userId="560e93c7833e5b88" providerId="LiveId" clId="{61FC319D-9951-4B3E-8B80-A0CFC7C47794}" dt="2023-09-03T14:19:02.428" v="1816" actId="14100"/>
-          <ac:spMkLst>
-            <pc:docMk/>
-            <pc:sldMk cId="3186687087" sldId="260"/>
-            <ac:spMk id="4" creationId="{0A4045B0-C940-93C6-79DB-351A147113E4}"/>
-          </ac:spMkLst>
-        </pc:spChg>
-        <pc:spChg chg="mod">
-          <ac:chgData name="Muhammad Hanif" userId="560e93c7833e5b88" providerId="LiveId" clId="{61FC319D-9951-4B3E-8B80-A0CFC7C47794}" dt="2023-09-03T15:59:32.593" v="2155" actId="113"/>
-          <ac:spMkLst>
-            <pc:docMk/>
-            <pc:sldMk cId="3186687087" sldId="260"/>
-            <ac:spMk id="5" creationId="{AAC62DE3-37FA-81ED-2B19-6155C5C4FB6A}"/>
-          </ac:spMkLst>
-        </pc:spChg>
-        <pc:spChg chg="add mod">
-          <ac:chgData name="Muhammad Hanif" userId="560e93c7833e5b88" providerId="LiveId" clId="{61FC319D-9951-4B3E-8B80-A0CFC7C47794}" dt="2023-09-03T16:11:11.889" v="2160" actId="20577"/>
-          <ac:spMkLst>
-            <pc:docMk/>
-            <pc:sldMk cId="3186687087" sldId="260"/>
-            <ac:spMk id="7" creationId="{1F77591A-DB2F-9F91-4945-B2EC29845B38}"/>
-          </ac:spMkLst>
-        </pc:spChg>
-        <pc:picChg chg="del">
-          <ac:chgData name="Muhammad Hanif" userId="560e93c7833e5b88" providerId="LiveId" clId="{61FC319D-9951-4B3E-8B80-A0CFC7C47794}" dt="2023-09-03T14:19:21.695" v="1817" actId="478"/>
-          <ac:picMkLst>
-            <pc:docMk/>
-            <pc:sldMk cId="3186687087" sldId="260"/>
-            <ac:picMk id="3" creationId="{26D9E3AC-C35C-EBF0-20C7-EAD5FC9B88C7}"/>
-          </ac:picMkLst>
-        </pc:picChg>
-        <pc:picChg chg="add mod">
-          <ac:chgData name="Muhammad Hanif" userId="560e93c7833e5b88" providerId="LiveId" clId="{61FC319D-9951-4B3E-8B80-A0CFC7C47794}" dt="2023-09-03T14:21:48.601" v="1819" actId="1076"/>
-          <ac:picMkLst>
-            <pc:docMk/>
-            <pc:sldMk cId="3186687087" sldId="260"/>
-            <ac:picMk id="6" creationId="{7C88032A-86F2-5985-C0A4-6E39C9F51CC6}"/>
-          </ac:picMkLst>
-        </pc:picChg>
-      </pc:sldChg>
-      <pc:sldChg chg="addSp delSp modSp add mod delAnim modAnim">
-        <pc:chgData name="Muhammad Hanif" userId="560e93c7833e5b88" providerId="LiveId" clId="{61FC319D-9951-4B3E-8B80-A0CFC7C47794}" dt="2023-09-17T06:28:09.431" v="2309"/>
-        <pc:sldMkLst>
-          <pc:docMk/>
-          <pc:sldMk cId="3891470303" sldId="261"/>
-        </pc:sldMkLst>
-        <pc:spChg chg="add del mod">
-          <ac:chgData name="Muhammad Hanif" userId="560e93c7833e5b88" providerId="LiveId" clId="{61FC319D-9951-4B3E-8B80-A0CFC7C47794}" dt="2023-09-17T06:14:14.320" v="2216"/>
-          <ac:spMkLst>
-            <pc:docMk/>
-            <pc:sldMk cId="3891470303" sldId="261"/>
-            <ac:spMk id="2" creationId="{1621F38B-0FCA-7D45-B807-265E97FCECA7}"/>
-          </ac:spMkLst>
-        </pc:spChg>
-        <pc:spChg chg="mod">
-          <ac:chgData name="Muhammad Hanif" userId="560e93c7833e5b88" providerId="LiveId" clId="{61FC319D-9951-4B3E-8B80-A0CFC7C47794}" dt="2023-09-17T06:07:39.644" v="2199" actId="20577"/>
-          <ac:spMkLst>
-            <pc:docMk/>
-            <pc:sldMk cId="3891470303" sldId="261"/>
-            <ac:spMk id="4" creationId="{0A4045B0-C940-93C6-79DB-351A147113E4}"/>
-          </ac:spMkLst>
-        </pc:spChg>
-        <pc:spChg chg="del">
-          <ac:chgData name="Muhammad Hanif" userId="560e93c7833e5b88" providerId="LiveId" clId="{61FC319D-9951-4B3E-8B80-A0CFC7C47794}" dt="2023-09-17T06:06:11.785" v="2172" actId="478"/>
-          <ac:spMkLst>
-            <pc:docMk/>
-            <pc:sldMk cId="3891470303" sldId="261"/>
-            <ac:spMk id="5" creationId="{AAC62DE3-37FA-81ED-2B19-6155C5C4FB6A}"/>
-          </ac:spMkLst>
-        </pc:spChg>
-        <pc:spChg chg="mod">
-          <ac:chgData name="Muhammad Hanif" userId="560e93c7833e5b88" providerId="LiveId" clId="{61FC319D-9951-4B3E-8B80-A0CFC7C47794}" dt="2023-09-17T06:27:14.024" v="2300" actId="20577"/>
-          <ac:spMkLst>
-            <pc:docMk/>
-            <pc:sldMk cId="3891470303" sldId="261"/>
-            <ac:spMk id="7" creationId="{1F77591A-DB2F-9F91-4945-B2EC29845B38}"/>
-          </ac:spMkLst>
-        </pc:spChg>
-        <pc:spChg chg="add mod">
-          <ac:chgData name="Muhammad Hanif" userId="560e93c7833e5b88" providerId="LiveId" clId="{61FC319D-9951-4B3E-8B80-A0CFC7C47794}" dt="2023-09-17T06:27:50.649" v="2308" actId="255"/>
-          <ac:spMkLst>
-            <pc:docMk/>
-            <pc:sldMk cId="3891470303" sldId="261"/>
-            <ac:spMk id="9" creationId="{4CEDAA70-1CF5-7892-405B-9D24EFE25BE8}"/>
-          </ac:spMkLst>
-        </pc:spChg>
-        <pc:picChg chg="del">
-          <ac:chgData name="Muhammad Hanif" userId="560e93c7833e5b88" providerId="LiveId" clId="{61FC319D-9951-4B3E-8B80-A0CFC7C47794}" dt="2023-09-17T06:06:08.047" v="2171" actId="478"/>
-          <ac:picMkLst>
-            <pc:docMk/>
-            <pc:sldMk cId="3891470303" sldId="261"/>
-            <ac:picMk id="6" creationId="{7C88032A-86F2-5985-C0A4-6E39C9F51CC6}"/>
-          </ac:picMkLst>
-        </pc:picChg>
-        <pc:picChg chg="add mod">
-          <ac:chgData name="Muhammad Hanif" userId="560e93c7833e5b88" providerId="LiveId" clId="{61FC319D-9951-4B3E-8B80-A0CFC7C47794}" dt="2023-09-17T06:26:21.274" v="2298" actId="14100"/>
-          <ac:picMkLst>
-            <pc:docMk/>
-            <pc:sldMk cId="3891470303" sldId="261"/>
-            <ac:picMk id="8" creationId="{B643EA6D-4B4D-8F4A-AF04-E12FB151ED2B}"/>
-          </ac:picMkLst>
-        </pc:picChg>
-      </pc:sldChg>
-      <pc:sldChg chg="add ord">
-        <pc:chgData name="Muhammad Hanif" userId="560e93c7833e5b88" providerId="LiveId" clId="{61FC319D-9951-4B3E-8B80-A0CFC7C47794}" dt="2023-10-05T15:29:16.557" v="2321"/>
-        <pc:sldMkLst>
-          <pc:docMk/>
-          <pc:sldMk cId="3045337773" sldId="262"/>
-        </pc:sldMkLst>
-      </pc:sldChg>
-      <pc:sldChg chg="add ord">
-        <pc:chgData name="Muhammad Hanif" userId="560e93c7833e5b88" providerId="LiveId" clId="{61FC319D-9951-4B3E-8B80-A0CFC7C47794}" dt="2023-10-05T15:29:19.621" v="2323"/>
-        <pc:sldMkLst>
-          <pc:docMk/>
-          <pc:sldMk cId="2573660072" sldId="263"/>
-        </pc:sldMkLst>
-      </pc:sldChg>
-      <pc:sldChg chg="add">
-        <pc:chgData name="Muhammad Hanif" userId="560e93c7833e5b88" providerId="LiveId" clId="{61FC319D-9951-4B3E-8B80-A0CFC7C47794}" dt="2023-10-05T15:29:06.041" v="2317"/>
-        <pc:sldMkLst>
-          <pc:docMk/>
-          <pc:sldMk cId="3971925135" sldId="264"/>
-        </pc:sldMkLst>
-      </pc:sldChg>
-      <pc:sldChg chg="addSp delSp modSp add mod delAnim modAnim">
-        <pc:chgData name="Muhammad Hanif" userId="560e93c7833e5b88" providerId="LiveId" clId="{61FC319D-9951-4B3E-8B80-A0CFC7C47794}" dt="2023-10-22T09:46:46.446" v="2759"/>
-        <pc:sldMkLst>
-          <pc:docMk/>
-          <pc:sldMk cId="2609687741" sldId="265"/>
-        </pc:sldMkLst>
-        <pc:spChg chg="add mod">
-          <ac:chgData name="Muhammad Hanif" userId="560e93c7833e5b88" providerId="LiveId" clId="{61FC319D-9951-4B3E-8B80-A0CFC7C47794}" dt="2023-10-15T14:40:05.515" v="2732" actId="1076"/>
-          <ac:spMkLst>
-            <pc:docMk/>
-            <pc:sldMk cId="2609687741" sldId="265"/>
-            <ac:spMk id="3" creationId="{75CE1D91-0A05-A797-DFCC-8AC0D954B8C4}"/>
-          </ac:spMkLst>
-        </pc:spChg>
-        <pc:spChg chg="mod">
-          <ac:chgData name="Muhammad Hanif" userId="560e93c7833e5b88" providerId="LiveId" clId="{61FC319D-9951-4B3E-8B80-A0CFC7C47794}" dt="2023-10-15T07:47:22.011" v="2360" actId="20577"/>
-          <ac:spMkLst>
-            <pc:docMk/>
-            <pc:sldMk cId="2609687741" sldId="265"/>
-            <ac:spMk id="4" creationId="{0A4045B0-C940-93C6-79DB-351A147113E4}"/>
-          </ac:spMkLst>
-        </pc:spChg>
-        <pc:spChg chg="add mod">
-          <ac:chgData name="Muhammad Hanif" userId="560e93c7833e5b88" providerId="LiveId" clId="{61FC319D-9951-4B3E-8B80-A0CFC7C47794}" dt="2023-10-15T14:40:03.329" v="2731" actId="20577"/>
-          <ac:spMkLst>
-            <pc:docMk/>
-            <pc:sldMk cId="2609687741" sldId="265"/>
-            <ac:spMk id="5" creationId="{D3A024AE-BC83-07F5-3885-BC864E91208B}"/>
-          </ac:spMkLst>
-        </pc:spChg>
-        <pc:spChg chg="mod">
-          <ac:chgData name="Muhammad Hanif" userId="560e93c7833e5b88" providerId="LiveId" clId="{61FC319D-9951-4B3E-8B80-A0CFC7C47794}" dt="2023-10-15T14:39:36.409" v="2729" actId="1076"/>
-          <ac:spMkLst>
-            <pc:docMk/>
-            <pc:sldMk cId="2609687741" sldId="265"/>
-            <ac:spMk id="7" creationId="{1F77591A-DB2F-9F91-4945-B2EC29845B38}"/>
-          </ac:spMkLst>
-        </pc:spChg>
-        <pc:spChg chg="del">
-          <ac:chgData name="Muhammad Hanif" userId="560e93c7833e5b88" providerId="LiveId" clId="{61FC319D-9951-4B3E-8B80-A0CFC7C47794}" dt="2023-10-15T13:09:47.785" v="2384" actId="478"/>
-          <ac:spMkLst>
-            <pc:docMk/>
-            <pc:sldMk cId="2609687741" sldId="265"/>
-            <ac:spMk id="9" creationId="{4CEDAA70-1CF5-7892-405B-9D24EFE25BE8}"/>
-          </ac:spMkLst>
-        </pc:spChg>
-        <pc:picChg chg="del">
-          <ac:chgData name="Muhammad Hanif" userId="560e93c7833e5b88" providerId="LiveId" clId="{61FC319D-9951-4B3E-8B80-A0CFC7C47794}" dt="2023-10-15T14:42:33.915" v="2733" actId="478"/>
-          <ac:picMkLst>
-            <pc:docMk/>
-            <pc:sldMk cId="2609687741" sldId="265"/>
-            <ac:picMk id="8" creationId="{B643EA6D-4B4D-8F4A-AF04-E12FB151ED2B}"/>
-          </ac:picMkLst>
-        </pc:picChg>
-        <pc:picChg chg="add del mod">
-          <ac:chgData name="Muhammad Hanif" userId="560e93c7833e5b88" providerId="LiveId" clId="{61FC319D-9951-4B3E-8B80-A0CFC7C47794}" dt="2023-10-15T14:42:47.709" v="2737" actId="22"/>
-          <ac:picMkLst>
-            <pc:docMk/>
-            <pc:sldMk cId="2609687741" sldId="265"/>
-            <ac:picMk id="10" creationId="{BDC12961-F594-3763-5173-C4EF578F9BC5}"/>
-          </ac:picMkLst>
-        </pc:picChg>
-        <pc:picChg chg="add del mod">
-          <ac:chgData name="Muhammad Hanif" userId="560e93c7833e5b88" providerId="LiveId" clId="{61FC319D-9951-4B3E-8B80-A0CFC7C47794}" dt="2023-10-15T14:44:02.017" v="2748" actId="478"/>
-          <ac:picMkLst>
-            <pc:docMk/>
-            <pc:sldMk cId="2609687741" sldId="265"/>
-            <ac:picMk id="12" creationId="{E70252C1-F0EF-2774-8A0C-FE846BFA8AD5}"/>
-          </ac:picMkLst>
-        </pc:picChg>
-        <pc:picChg chg="add mod">
-          <ac:chgData name="Muhammad Hanif" userId="560e93c7833e5b88" providerId="LiveId" clId="{61FC319D-9951-4B3E-8B80-A0CFC7C47794}" dt="2023-10-15T14:44:17.308" v="2754" actId="14100"/>
-          <ac:picMkLst>
-            <pc:docMk/>
-            <pc:sldMk cId="2609687741" sldId="265"/>
-            <ac:picMk id="14" creationId="{21282115-67E0-FC53-E5ED-24264FAF013C}"/>
-          </ac:picMkLst>
-        </pc:picChg>
-      </pc:sldChg>
-      <pc:sldChg chg="addSp delSp modSp add mod delAnim modAnim">
-        <pc:chgData name="Muhammad Hanif" userId="560e93c7833e5b88" providerId="LiveId" clId="{61FC319D-9951-4B3E-8B80-A0CFC7C47794}" dt="2023-12-30T15:08:23.744" v="3984" actId="20577"/>
-        <pc:sldMkLst>
-          <pc:docMk/>
-          <pc:sldMk cId="274217945" sldId="266"/>
-        </pc:sldMkLst>
-        <pc:spChg chg="add del mod">
-          <ac:chgData name="Muhammad Hanif" userId="560e93c7833e5b88" providerId="LiveId" clId="{61FC319D-9951-4B3E-8B80-A0CFC7C47794}" dt="2023-11-25T15:22:13.487" v="3684" actId="21"/>
-          <ac:spMkLst>
-            <pc:docMk/>
-            <pc:sldMk cId="274217945" sldId="266"/>
-            <ac:spMk id="2" creationId="{2694B9CA-8EE8-8478-C47F-B39AB5973F15}"/>
-          </ac:spMkLst>
-        </pc:spChg>
-        <pc:spChg chg="del mod">
-          <ac:chgData name="Muhammad Hanif" userId="560e93c7833e5b88" providerId="LiveId" clId="{61FC319D-9951-4B3E-8B80-A0CFC7C47794}" dt="2023-11-25T13:52:54.646" v="3438" actId="478"/>
-          <ac:spMkLst>
-            <pc:docMk/>
-            <pc:sldMk cId="274217945" sldId="266"/>
-            <ac:spMk id="3" creationId="{75CE1D91-0A05-A797-DFCC-8AC0D954B8C4}"/>
-          </ac:spMkLst>
-        </pc:spChg>
-        <pc:spChg chg="mod">
-          <ac:chgData name="Muhammad Hanif" userId="560e93c7833e5b88" providerId="LiveId" clId="{61FC319D-9951-4B3E-8B80-A0CFC7C47794}" dt="2023-11-25T05:51:56.007" v="2783" actId="14100"/>
-          <ac:spMkLst>
-            <pc:docMk/>
-            <pc:sldMk cId="274217945" sldId="266"/>
-            <ac:spMk id="4" creationId="{0A4045B0-C940-93C6-79DB-351A147113E4}"/>
-          </ac:spMkLst>
-        </pc:spChg>
-        <pc:spChg chg="del mod">
-          <ac:chgData name="Muhammad Hanif" userId="560e93c7833e5b88" providerId="LiveId" clId="{61FC319D-9951-4B3E-8B80-A0CFC7C47794}" dt="2023-11-25T15:22:13.487" v="3684" actId="21"/>
-          <ac:spMkLst>
-            <pc:docMk/>
-            <pc:sldMk cId="274217945" sldId="266"/>
-            <ac:spMk id="5" creationId="{D3A024AE-BC83-07F5-3885-BC864E91208B}"/>
-          </ac:spMkLst>
-        </pc:spChg>
-        <pc:spChg chg="add mod">
-          <ac:chgData name="Muhammad Hanif" userId="560e93c7833e5b88" providerId="LiveId" clId="{61FC319D-9951-4B3E-8B80-A0CFC7C47794}" dt="2023-11-25T15:29:04.889" v="3799" actId="255"/>
-          <ac:spMkLst>
-            <pc:docMk/>
-            <pc:sldMk cId="274217945" sldId="266"/>
-            <ac:spMk id="6" creationId="{9CA64FD6-BEA4-2353-8A07-33D717CADA3A}"/>
-          </ac:spMkLst>
-        </pc:spChg>
-        <pc:spChg chg="mod">
-          <ac:chgData name="Muhammad Hanif" userId="560e93c7833e5b88" providerId="LiveId" clId="{61FC319D-9951-4B3E-8B80-A0CFC7C47794}" dt="2023-11-26T02:46:42.541" v="3834" actId="20577"/>
-          <ac:spMkLst>
-            <pc:docMk/>
-            <pc:sldMk cId="274217945" sldId="266"/>
-            <ac:spMk id="7" creationId="{1F77591A-DB2F-9F91-4945-B2EC29845B38}"/>
-          </ac:spMkLst>
-        </pc:spChg>
-        <pc:spChg chg="add del">
-          <ac:chgData name="Muhammad Hanif" userId="560e93c7833e5b88" providerId="LiveId" clId="{61FC319D-9951-4B3E-8B80-A0CFC7C47794}" dt="2023-11-25T15:27:36.907" v="3786" actId="22"/>
-          <ac:spMkLst>
-            <pc:docMk/>
-            <pc:sldMk cId="274217945" sldId="266"/>
-            <ac:spMk id="9" creationId="{457E5AC2-C0B1-7B43-A40E-FF50BA54ABFA}"/>
-          </ac:spMkLst>
-        </pc:spChg>
-        <pc:spChg chg="add mod">
-          <ac:chgData name="Muhammad Hanif" userId="560e93c7833e5b88" providerId="LiveId" clId="{61FC319D-9951-4B3E-8B80-A0CFC7C47794}" dt="2023-12-30T14:27:52.283" v="3874" actId="20577"/>
-          <ac:spMkLst>
-            <pc:docMk/>
-            <pc:sldMk cId="274217945" sldId="266"/>
-            <ac:spMk id="10" creationId="{C89914A2-3B6D-D077-104F-47737F2D1CC9}"/>
-          </ac:spMkLst>
-        </pc:spChg>
-        <pc:spChg chg="add del mod">
-          <ac:chgData name="Muhammad Hanif" userId="560e93c7833e5b88" providerId="LiveId" clId="{61FC319D-9951-4B3E-8B80-A0CFC7C47794}" dt="2023-11-25T15:29:39.264" v="3801" actId="478"/>
-          <ac:spMkLst>
-            <pc:docMk/>
-            <pc:sldMk cId="274217945" sldId="266"/>
-            <ac:spMk id="11" creationId="{EC61F1F7-A43E-4911-DD74-67A60D1A0803}"/>
-          </ac:spMkLst>
-        </pc:spChg>
-        <pc:spChg chg="add mod">
-          <ac:chgData name="Muhammad Hanif" userId="560e93c7833e5b88" providerId="LiveId" clId="{61FC319D-9951-4B3E-8B80-A0CFC7C47794}" dt="2023-12-30T15:08:23.744" v="3984" actId="20577"/>
-          <ac:spMkLst>
-            <pc:docMk/>
-            <pc:sldMk cId="274217945" sldId="266"/>
-            <ac:spMk id="12" creationId="{12B26B99-AF94-9433-984F-83ACFDE565BB}"/>
-          </ac:spMkLst>
-        </pc:spChg>
-        <pc:picChg chg="add del mod">
-          <ac:chgData name="Muhammad Hanif" userId="560e93c7833e5b88" providerId="LiveId" clId="{61FC319D-9951-4B3E-8B80-A0CFC7C47794}" dt="2023-12-30T14:31:22.233" v="3973" actId="22"/>
-          <ac:picMkLst>
-            <pc:docMk/>
-            <pc:sldMk cId="274217945" sldId="266"/>
-            <ac:picMk id="3" creationId="{7FF7BB39-AA5C-95FB-3B57-20C71BC5BDA7}"/>
-          </ac:picMkLst>
-        </pc:picChg>
-        <pc:picChg chg="add mod">
-          <ac:chgData name="Muhammad Hanif" userId="560e93c7833e5b88" providerId="LiveId" clId="{61FC319D-9951-4B3E-8B80-A0CFC7C47794}" dt="2023-12-30T14:32:35.307" v="3980" actId="14100"/>
-          <ac:picMkLst>
-            <pc:docMk/>
-            <pc:sldMk cId="274217945" sldId="266"/>
-            <ac:picMk id="8" creationId="{CC045C0D-B68C-E07A-C5D4-4E8FBA8837BB}"/>
-          </ac:picMkLst>
-        </pc:picChg>
-        <pc:picChg chg="del">
-          <ac:chgData name="Muhammad Hanif" userId="560e93c7833e5b88" providerId="LiveId" clId="{61FC319D-9951-4B3E-8B80-A0CFC7C47794}" dt="2023-12-30T14:29:47.619" v="3967" actId="478"/>
-          <ac:picMkLst>
-            <pc:docMk/>
-            <pc:sldMk cId="274217945" sldId="266"/>
-            <ac:picMk id="14" creationId="{21282115-67E0-FC53-E5ED-24264FAF013C}"/>
-          </ac:picMkLst>
-        </pc:picChg>
-      </pc:sldChg>
-      <pc:sldChg chg="addSp delSp modSp add del mod delAnim modAnim">
-        <pc:chgData name="Muhammad Hanif" userId="560e93c7833e5b88" providerId="LiveId" clId="{61FC319D-9951-4B3E-8B80-A0CFC7C47794}" dt="2023-11-25T15:30:27.630" v="3811" actId="47"/>
-        <pc:sldMkLst>
-          <pc:docMk/>
-          <pc:sldMk cId="2155878594" sldId="267"/>
-        </pc:sldMkLst>
-        <pc:spChg chg="del">
-          <ac:chgData name="Muhammad Hanif" userId="560e93c7833e5b88" providerId="LiveId" clId="{61FC319D-9951-4B3E-8B80-A0CFC7C47794}" dt="2023-11-25T15:21:50.384" v="3680" actId="478"/>
-          <ac:spMkLst>
-            <pc:docMk/>
-            <pc:sldMk cId="2155878594" sldId="267"/>
-            <ac:spMk id="2" creationId="{2694B9CA-8EE8-8478-C47F-B39AB5973F15}"/>
-          </ac:spMkLst>
-        </pc:spChg>
-        <pc:spChg chg="add mod">
-          <ac:chgData name="Muhammad Hanif" userId="560e93c7833e5b88" providerId="LiveId" clId="{61FC319D-9951-4B3E-8B80-A0CFC7C47794}" dt="2023-11-25T15:22:24.019" v="3687" actId="1076"/>
-          <ac:spMkLst>
-            <pc:docMk/>
-            <pc:sldMk cId="2155878594" sldId="267"/>
-            <ac:spMk id="3" creationId="{BC2A309D-6F5F-24B2-A166-32B5B6C889A7}"/>
-          </ac:spMkLst>
-        </pc:spChg>
-        <pc:spChg chg="del mod">
-          <ac:chgData name="Muhammad Hanif" userId="560e93c7833e5b88" providerId="LiveId" clId="{61FC319D-9951-4B3E-8B80-A0CFC7C47794}" dt="2023-11-25T15:21:47.280" v="3679" actId="478"/>
-          <ac:spMkLst>
-            <pc:docMk/>
-            <pc:sldMk cId="2155878594" sldId="267"/>
-            <ac:spMk id="5" creationId="{D3A024AE-BC83-07F5-3885-BC864E91208B}"/>
-          </ac:spMkLst>
-        </pc:spChg>
-        <pc:spChg chg="add mod">
-          <ac:chgData name="Muhammad Hanif" userId="560e93c7833e5b88" providerId="LiveId" clId="{61FC319D-9951-4B3E-8B80-A0CFC7C47794}" dt="2023-11-25T15:22:18.691" v="3686" actId="1076"/>
-          <ac:spMkLst>
-            <pc:docMk/>
-            <pc:sldMk cId="2155878594" sldId="267"/>
-            <ac:spMk id="6" creationId="{DDDA44EB-6046-57AB-BFE5-4409E86985E9}"/>
-          </ac:spMkLst>
-        </pc:spChg>
-        <pc:spChg chg="del mod">
-          <ac:chgData name="Muhammad Hanif" userId="560e93c7833e5b88" providerId="LiveId" clId="{61FC319D-9951-4B3E-8B80-A0CFC7C47794}" dt="2023-11-25T15:22:07.425" v="3683" actId="478"/>
-          <ac:spMkLst>
-            <pc:docMk/>
-            <pc:sldMk cId="2155878594" sldId="267"/>
-            <ac:spMk id="7" creationId="{1F77591A-DB2F-9F91-4945-B2EC29845B38}"/>
-          </ac:spMkLst>
-        </pc:spChg>
-      </pc:sldChg>
-    </pc:docChg>
-  </pc:docChgLst>
-</pc:chgInfo>
-</file>
-
 <file path=ppt/slideLayouts/slideLayout1.xml><?xml version="1.0" encoding="utf-8"?>
 <p:sldLayout xmlns:a="http://schemas.openxmlformats.org/drawingml/2006/main" xmlns:r="http://schemas.openxmlformats.org/officeDocument/2006/relationships" xmlns:p="http://schemas.openxmlformats.org/presentationml/2006/main" showMasterSp="0" type="title" preserve="1">
   <p:cSld name="Title Slide">
@@ -1235,7 +458,7 @@
           <a:p>
             <a:fld id="{4852023B-35B4-406B-9C51-63D33C4B20A9}" type="datetimeFigureOut">
               <a:rPr lang="en-US" smtClean="0"/>
-              <a:t>12/30/2023</a:t>
+              <a:t>2/18/2024</a:t>
             </a:fld>
             <a:endParaRPr lang="en-US"/>
           </a:p>
@@ -2323,7 +1546,7 @@
           <a:p>
             <a:fld id="{4852023B-35B4-406B-9C51-63D33C4B20A9}" type="datetimeFigureOut">
               <a:rPr lang="en-US" smtClean="0"/>
-              <a:t>12/30/2023</a:t>
+              <a:t>2/18/2024</a:t>
             </a:fld>
             <a:endParaRPr lang="en-US"/>
           </a:p>
@@ -3303,7 +2526,7 @@
           <a:p>
             <a:fld id="{4852023B-35B4-406B-9C51-63D33C4B20A9}" type="datetimeFigureOut">
               <a:rPr lang="en-US" smtClean="0"/>
-              <a:t>12/30/2023</a:t>
+              <a:t>2/18/2024</a:t>
             </a:fld>
             <a:endParaRPr lang="en-US"/>
           </a:p>
@@ -4437,7 +3660,7 @@
           <a:p>
             <a:fld id="{4852023B-35B4-406B-9C51-63D33C4B20A9}" type="datetimeFigureOut">
               <a:rPr lang="en-US" smtClean="0"/>
-              <a:t>12/30/2023</a:t>
+              <a:t>2/18/2024</a:t>
             </a:fld>
             <a:endParaRPr lang="en-US"/>
           </a:p>
@@ -5470,7 +4693,7 @@
           <a:p>
             <a:fld id="{4852023B-35B4-406B-9C51-63D33C4B20A9}" type="datetimeFigureOut">
               <a:rPr lang="en-US" smtClean="0"/>
-              <a:t>12/30/2023</a:t>
+              <a:t>2/18/2024</a:t>
             </a:fld>
             <a:endParaRPr lang="en-US"/>
           </a:p>
@@ -6130,7 +5353,7 @@
           <a:p>
             <a:fld id="{4852023B-35B4-406B-9C51-63D33C4B20A9}" type="datetimeFigureOut">
               <a:rPr lang="en-US" smtClean="0"/>
-              <a:t>12/30/2023</a:t>
+              <a:t>2/18/2024</a:t>
             </a:fld>
             <a:endParaRPr lang="en-US"/>
           </a:p>
@@ -6991,7 +6214,7 @@
           <a:p>
             <a:fld id="{4852023B-35B4-406B-9C51-63D33C4B20A9}" type="datetimeFigureOut">
               <a:rPr lang="en-US" smtClean="0"/>
-              <a:t>12/30/2023</a:t>
+              <a:t>2/18/2024</a:t>
             </a:fld>
             <a:endParaRPr lang="en-US"/>
           </a:p>
@@ -7181,7 +6404,7 @@
           <a:p>
             <a:fld id="{4852023B-35B4-406B-9C51-63D33C4B20A9}" type="datetimeFigureOut">
               <a:rPr lang="en-US" smtClean="0"/>
-              <a:t>12/30/2023</a:t>
+              <a:t>2/18/2024</a:t>
             </a:fld>
             <a:endParaRPr lang="en-US"/>
           </a:p>
@@ -8153,7 +7376,7 @@
           <a:p>
             <a:fld id="{4852023B-35B4-406B-9C51-63D33C4B20A9}" type="datetimeFigureOut">
               <a:rPr lang="en-US" smtClean="0"/>
-              <a:t>12/30/2023</a:t>
+              <a:t>2/18/2024</a:t>
             </a:fld>
             <a:endParaRPr lang="en-US"/>
           </a:p>
@@ -8364,7 +7587,7 @@
           <a:p>
             <a:fld id="{4852023B-35B4-406B-9C51-63D33C4B20A9}" type="datetimeFigureOut">
               <a:rPr lang="en-US" smtClean="0"/>
-              <a:t>12/30/2023</a:t>
+              <a:t>2/18/2024</a:t>
             </a:fld>
             <a:endParaRPr lang="en-US"/>
           </a:p>
@@ -9398,7 +8621,7 @@
           <a:p>
             <a:fld id="{4852023B-35B4-406B-9C51-63D33C4B20A9}" type="datetimeFigureOut">
               <a:rPr lang="en-US" smtClean="0"/>
-              <a:t>12/30/2023</a:t>
+              <a:t>2/18/2024</a:t>
             </a:fld>
             <a:endParaRPr lang="en-US"/>
           </a:p>
@@ -9670,7 +8893,7 @@
           <a:p>
             <a:fld id="{4852023B-35B4-406B-9C51-63D33C4B20A9}" type="datetimeFigureOut">
               <a:rPr lang="en-US" smtClean="0"/>
-              <a:t>12/30/2023</a:t>
+              <a:t>2/18/2024</a:t>
             </a:fld>
             <a:endParaRPr lang="en-US"/>
           </a:p>
@@ -10080,7 +9303,7 @@
           <a:p>
             <a:fld id="{4852023B-35B4-406B-9C51-63D33C4B20A9}" type="datetimeFigureOut">
               <a:rPr lang="en-US" smtClean="0"/>
-              <a:t>12/30/2023</a:t>
+              <a:t>2/18/2024</a:t>
             </a:fld>
             <a:endParaRPr lang="en-US"/>
           </a:p>
@@ -10207,7 +9430,7 @@
           <a:p>
             <a:fld id="{4852023B-35B4-406B-9C51-63D33C4B20A9}" type="datetimeFigureOut">
               <a:rPr lang="en-US" smtClean="0"/>
-              <a:t>12/30/2023</a:t>
+              <a:t>2/18/2024</a:t>
             </a:fld>
             <a:endParaRPr lang="en-US"/>
           </a:p>
@@ -10302,7 +9525,7 @@
           <a:p>
             <a:fld id="{4852023B-35B4-406B-9C51-63D33C4B20A9}" type="datetimeFigureOut">
               <a:rPr lang="en-US" smtClean="0"/>
-              <a:t>12/30/2023</a:t>
+              <a:t>2/18/2024</a:t>
             </a:fld>
             <a:endParaRPr lang="en-US"/>
           </a:p>
@@ -11383,7 +10606,7 @@
           <a:p>
             <a:fld id="{4852023B-35B4-406B-9C51-63D33C4B20A9}" type="datetimeFigureOut">
               <a:rPr lang="en-US" smtClean="0"/>
-              <a:t>12/30/2023</a:t>
+              <a:t>2/18/2024</a:t>
             </a:fld>
             <a:endParaRPr lang="en-US"/>
           </a:p>
@@ -12491,7 +11714,7 @@
           <a:p>
             <a:fld id="{4852023B-35B4-406B-9C51-63D33C4B20A9}" type="datetimeFigureOut">
               <a:rPr lang="en-US" smtClean="0"/>
-              <a:t>12/30/2023</a:t>
+              <a:t>2/18/2024</a:t>
             </a:fld>
             <a:endParaRPr lang="en-US"/>
           </a:p>
@@ -13488,7 +12711,7 @@
           <a:p>
             <a:fld id="{4852023B-35B4-406B-9C51-63D33C4B20A9}" type="datetimeFigureOut">
               <a:rPr lang="en-US" smtClean="0"/>
-              <a:t>12/30/2023</a:t>
+              <a:t>2/18/2024</a:t>
             </a:fld>
             <a:endParaRPr lang="en-US"/>
           </a:p>
@@ -16532,6 +15755,839 @@
       <p:bldP spid="6" grpId="0"/>
       <p:bldP spid="10" grpId="0" animBg="1"/>
       <p:bldP spid="12" grpId="0" animBg="1"/>
+    </p:bldLst>
+  </p:timing>
+</p:sld>
+</file>
+
+<file path=ppt/slides/slide12.xml><?xml version="1.0" encoding="utf-8"?>
+<p:sld xmlns:a="http://schemas.openxmlformats.org/drawingml/2006/main" xmlns:r="http://schemas.openxmlformats.org/officeDocument/2006/relationships" xmlns:p="http://schemas.openxmlformats.org/presentationml/2006/main">
+  <p:cSld>
+    <p:spTree>
+      <p:nvGrpSpPr>
+        <p:cNvPr id="1" name=""/>
+        <p:cNvGrpSpPr/>
+        <p:nvPr/>
+      </p:nvGrpSpPr>
+      <p:grpSpPr>
+        <a:xfrm>
+          <a:off x="0" y="0"/>
+          <a:ext cx="0" cy="0"/>
+          <a:chOff x="0" y="0"/>
+          <a:chExt cx="0" cy="0"/>
+        </a:xfrm>
+      </p:grpSpPr>
+      <p:sp>
+        <p:nvSpPr>
+          <p:cNvPr id="4" name="Title 1">
+            <a:extLst>
+              <a:ext uri="{FF2B5EF4-FFF2-40B4-BE49-F238E27FC236}">
+                <a16:creationId xmlns:a16="http://schemas.microsoft.com/office/drawing/2014/main" id="{0A4045B0-C940-93C6-79DB-351A147113E4}"/>
+              </a:ext>
+            </a:extLst>
+          </p:cNvPr>
+          <p:cNvSpPr>
+            <a:spLocks noGrp="1"/>
+          </p:cNvSpPr>
+          <p:nvPr>
+            <p:ph type="ctrTitle"/>
+          </p:nvPr>
+        </p:nvSpPr>
+        <p:spPr>
+          <a:xfrm>
+            <a:off x="711986" y="715798"/>
+            <a:ext cx="9105782" cy="429608"/>
+          </a:xfrm>
+        </p:spPr>
+        <p:txBody>
+          <a:bodyPr/>
+          <a:lstStyle/>
+          <a:p>
+            <a:r>
+              <a:rPr lang="en-US" sz="2800" b="1" dirty="0" err="1"/>
+              <a:t>Jwt</a:t>
+            </a:r>
+            <a:r>
+              <a:rPr lang="en-US" sz="2800" b="1" dirty="0"/>
+              <a:t> Authentication in .NET Core Clean Architecture</a:t>
+            </a:r>
+          </a:p>
+        </p:txBody>
+      </p:sp>
+      <p:sp>
+        <p:nvSpPr>
+          <p:cNvPr id="7" name="TextBox 6">
+            <a:extLst>
+              <a:ext uri="{FF2B5EF4-FFF2-40B4-BE49-F238E27FC236}">
+                <a16:creationId xmlns:a16="http://schemas.microsoft.com/office/drawing/2014/main" id="{1F77591A-DB2F-9F91-4945-B2EC29845B38}"/>
+              </a:ext>
+            </a:extLst>
+          </p:cNvPr>
+          <p:cNvSpPr txBox="1"/>
+          <p:nvPr/>
+        </p:nvSpPr>
+        <p:spPr>
+          <a:xfrm>
+            <a:off x="656025" y="1145406"/>
+            <a:ext cx="10823989" cy="2739211"/>
+          </a:xfrm>
+          <a:prstGeom prst="rect">
+            <a:avLst/>
+          </a:prstGeom>
+          <a:noFill/>
+        </p:spPr>
+        <p:txBody>
+          <a:bodyPr wrap="square" rtlCol="0">
+            <a:spAutoFit/>
+          </a:bodyPr>
+          <a:lstStyle/>
+          <a:p>
+            <a:r>
+              <a:rPr lang="en-US" sz="1400" b="1" dirty="0">
+                <a:solidFill>
+                  <a:schemeClr val="bg1"/>
+                </a:solidFill>
+              </a:rPr>
+              <a:t>- What is </a:t>
+            </a:r>
+            <a:r>
+              <a:rPr lang="en-US" sz="1400" b="1" dirty="0" err="1">
+                <a:solidFill>
+                  <a:schemeClr val="bg1"/>
+                </a:solidFill>
+              </a:rPr>
+              <a:t>Jwt</a:t>
+            </a:r>
+            <a:r>
+              <a:rPr lang="en-US" sz="1400" dirty="0">
+                <a:solidFill>
+                  <a:schemeClr val="bg1"/>
+                </a:solidFill>
+              </a:rPr>
+              <a:t>: This is one of the most commonly used techniques to secure APIs, allowing users to access resources they are authorized to.</a:t>
+            </a:r>
+          </a:p>
+          <a:p>
+            <a:endParaRPr lang="en-US" sz="1600" b="1" dirty="0">
+              <a:solidFill>
+                <a:schemeClr val="bg1"/>
+              </a:solidFill>
+            </a:endParaRPr>
+          </a:p>
+          <a:p>
+            <a:r>
+              <a:rPr lang="en-US" sz="1400" b="1" dirty="0">
+                <a:solidFill>
+                  <a:schemeClr val="bg1"/>
+                </a:solidFill>
+              </a:rPr>
+              <a:t>Structure of JSON Web Token:</a:t>
+            </a:r>
+          </a:p>
+          <a:p>
+            <a:r>
+              <a:rPr lang="en-US" sz="1400" dirty="0">
+                <a:solidFill>
+                  <a:schemeClr val="bg1"/>
+                </a:solidFill>
+              </a:rPr>
+              <a:t>1- </a:t>
+            </a:r>
+            <a:r>
+              <a:rPr lang="en-US" sz="1400" b="1" dirty="0">
+                <a:solidFill>
+                  <a:schemeClr val="bg1"/>
+                </a:solidFill>
+              </a:rPr>
+              <a:t>Header</a:t>
+            </a:r>
+            <a:r>
+              <a:rPr lang="en-US" sz="1400" dirty="0">
+                <a:solidFill>
+                  <a:schemeClr val="bg1"/>
+                </a:solidFill>
+              </a:rPr>
+              <a:t>: Usually contains the details on type of Token (JWT) and the algorithm used to sign the token, such as RSA, SHA256.</a:t>
+            </a:r>
+          </a:p>
+          <a:p>
+            <a:endParaRPr lang="en-US" sz="1600" dirty="0">
+              <a:solidFill>
+                <a:schemeClr val="bg1"/>
+              </a:solidFill>
+            </a:endParaRPr>
+          </a:p>
+          <a:p>
+            <a:r>
+              <a:rPr lang="en-US" sz="1400" dirty="0">
+                <a:solidFill>
+                  <a:schemeClr val="bg1"/>
+                </a:solidFill>
+              </a:rPr>
+              <a:t>2- </a:t>
+            </a:r>
+            <a:r>
+              <a:rPr lang="en-US" sz="1400" b="1" dirty="0">
+                <a:solidFill>
+                  <a:schemeClr val="bg1"/>
+                </a:solidFill>
+              </a:rPr>
+              <a:t>Payload: </a:t>
+            </a:r>
+            <a:r>
+              <a:rPr lang="en-US" sz="1400" dirty="0">
+                <a:solidFill>
+                  <a:schemeClr val="bg1"/>
+                </a:solidFill>
+              </a:rPr>
+              <a:t>This is the most important section of the JWT. It contains the claims, which is technically the data we are trying to secure. Claims are details about the user, expiration time of the token, </a:t>
+            </a:r>
+            <a:r>
+              <a:rPr lang="en-US" sz="1400" dirty="0" err="1">
+                <a:solidFill>
+                  <a:schemeClr val="bg1"/>
+                </a:solidFill>
+              </a:rPr>
+              <a:t>etc</a:t>
+            </a:r>
+            <a:endParaRPr lang="en-US" sz="1400" dirty="0">
+              <a:solidFill>
+                <a:schemeClr val="bg1"/>
+              </a:solidFill>
+            </a:endParaRPr>
+          </a:p>
+          <a:p>
+            <a:endParaRPr lang="en-US" sz="1400" dirty="0">
+              <a:solidFill>
+                <a:schemeClr val="bg1"/>
+              </a:solidFill>
+            </a:endParaRPr>
+          </a:p>
+          <a:p>
+            <a:r>
+              <a:rPr lang="en-US" sz="1400" dirty="0">
+                <a:solidFill>
+                  <a:schemeClr val="bg1"/>
+                </a:solidFill>
+              </a:rPr>
+              <a:t>3 </a:t>
+            </a:r>
+            <a:r>
+              <a:rPr lang="en-US" sz="1400" b="1" dirty="0">
+                <a:solidFill>
+                  <a:schemeClr val="bg1"/>
+                </a:solidFill>
+              </a:rPr>
+              <a:t>Signature:</a:t>
+            </a:r>
+            <a:r>
+              <a:rPr lang="en-US" sz="1400" dirty="0">
+                <a:solidFill>
+                  <a:schemeClr val="bg1"/>
+                </a:solidFill>
+              </a:rPr>
+              <a:t> It is an encryption between the header, payload and a secret key.</a:t>
+            </a:r>
+          </a:p>
+          <a:p>
+            <a:r>
+              <a:rPr lang="en-US" sz="1400" dirty="0">
+                <a:solidFill>
+                  <a:schemeClr val="bg1"/>
+                </a:solidFill>
+              </a:rPr>
+              <a:t>URL: https://jwt.io/</a:t>
+            </a:r>
+          </a:p>
+        </p:txBody>
+      </p:sp>
+      <p:sp>
+        <p:nvSpPr>
+          <p:cNvPr id="6" name="TextBox 5">
+            <a:extLst>
+              <a:ext uri="{FF2B5EF4-FFF2-40B4-BE49-F238E27FC236}">
+                <a16:creationId xmlns:a16="http://schemas.microsoft.com/office/drawing/2014/main" id="{9CA64FD6-BEA4-2353-8A07-33D717CADA3A}"/>
+              </a:ext>
+            </a:extLst>
+          </p:cNvPr>
+          <p:cNvSpPr txBox="1"/>
+          <p:nvPr/>
+        </p:nvSpPr>
+        <p:spPr>
+          <a:xfrm>
+            <a:off x="656025" y="3884617"/>
+            <a:ext cx="7044185" cy="523220"/>
+          </a:xfrm>
+          <a:prstGeom prst="rect">
+            <a:avLst/>
+          </a:prstGeom>
+          <a:noFill/>
+        </p:spPr>
+        <p:txBody>
+          <a:bodyPr wrap="square" rtlCol="0">
+            <a:spAutoFit/>
+          </a:bodyPr>
+          <a:lstStyle/>
+          <a:p>
+            <a:r>
+              <a:rPr lang="en-US" sz="1400" b="1" dirty="0">
+                <a:solidFill>
+                  <a:schemeClr val="bg1"/>
+                </a:solidFill>
+              </a:rPr>
+              <a:t>- Before implement </a:t>
+            </a:r>
+            <a:r>
+              <a:rPr lang="en-US" sz="1400" b="1" dirty="0" err="1">
+                <a:solidFill>
+                  <a:schemeClr val="bg1"/>
+                </a:solidFill>
+              </a:rPr>
+              <a:t>Jwt</a:t>
+            </a:r>
+            <a:r>
+              <a:rPr lang="en-US" sz="1400" b="1" dirty="0">
+                <a:solidFill>
+                  <a:schemeClr val="bg1"/>
+                </a:solidFill>
+              </a:rPr>
+              <a:t> you need to install these packages:</a:t>
+            </a:r>
+          </a:p>
+          <a:p>
+            <a:pPr marL="285750" indent="-285750">
+              <a:buFont typeface="Wingdings" panose="05000000000000000000" pitchFamily="2" charset="2"/>
+              <a:buChar char="Ø"/>
+            </a:pPr>
+            <a:r>
+              <a:rPr lang="en-US" sz="1400" dirty="0">
+                <a:solidFill>
+                  <a:schemeClr val="bg1"/>
+                </a:solidFill>
+              </a:rPr>
+              <a:t>Install-Package </a:t>
+            </a:r>
+            <a:r>
+              <a:rPr lang="en-US" sz="1400" dirty="0" err="1">
+                <a:solidFill>
+                  <a:schemeClr val="bg1"/>
+                </a:solidFill>
+              </a:rPr>
+              <a:t>Microsoft.AspNetCore.Authentication.JwtBearer</a:t>
+            </a:r>
+            <a:endParaRPr lang="en-US" sz="1400" dirty="0">
+              <a:solidFill>
+                <a:schemeClr val="bg1"/>
+              </a:solidFill>
+            </a:endParaRPr>
+          </a:p>
+        </p:txBody>
+      </p:sp>
+      <p:sp>
+        <p:nvSpPr>
+          <p:cNvPr id="2" name="TextBox 1">
+            <a:extLst>
+              <a:ext uri="{FF2B5EF4-FFF2-40B4-BE49-F238E27FC236}">
+                <a16:creationId xmlns:a16="http://schemas.microsoft.com/office/drawing/2014/main" id="{AA2BD717-B48B-3A0B-5C27-23A0C68D8B05}"/>
+              </a:ext>
+            </a:extLst>
+          </p:cNvPr>
+          <p:cNvSpPr txBox="1"/>
+          <p:nvPr/>
+        </p:nvSpPr>
+        <p:spPr>
+          <a:xfrm>
+            <a:off x="656025" y="4407837"/>
+            <a:ext cx="7504780" cy="1600438"/>
+          </a:xfrm>
+          <a:prstGeom prst="rect">
+            <a:avLst/>
+          </a:prstGeom>
+          <a:noFill/>
+        </p:spPr>
+        <p:txBody>
+          <a:bodyPr wrap="square" rtlCol="0">
+            <a:spAutoFit/>
+          </a:bodyPr>
+          <a:lstStyle/>
+          <a:p>
+            <a:r>
+              <a:rPr lang="en-US" sz="1400" b="1" dirty="0">
+                <a:solidFill>
+                  <a:schemeClr val="bg1"/>
+                </a:solidFill>
+              </a:rPr>
+              <a:t>In this video we will implement:</a:t>
+            </a:r>
+            <a:endParaRPr lang="en-US" sz="1400" dirty="0">
+              <a:solidFill>
+                <a:schemeClr val="bg1"/>
+              </a:solidFill>
+            </a:endParaRPr>
+          </a:p>
+          <a:p>
+            <a:r>
+              <a:rPr lang="en-US" sz="1400" dirty="0">
+                <a:solidFill>
+                  <a:schemeClr val="bg1"/>
+                </a:solidFill>
+              </a:rPr>
+              <a:t>1 - create user login</a:t>
+            </a:r>
+          </a:p>
+          <a:p>
+            <a:r>
+              <a:rPr lang="en-US" sz="1400" dirty="0">
+                <a:solidFill>
+                  <a:schemeClr val="bg1"/>
+                </a:solidFill>
+              </a:rPr>
+              <a:t>2 - setting </a:t>
+            </a:r>
+            <a:r>
+              <a:rPr lang="en-US" sz="1400" dirty="0" err="1">
+                <a:solidFill>
+                  <a:schemeClr val="bg1"/>
+                </a:solidFill>
+              </a:rPr>
+              <a:t>jwt</a:t>
+            </a:r>
+            <a:r>
+              <a:rPr lang="en-US" sz="1400" dirty="0">
+                <a:solidFill>
+                  <a:schemeClr val="bg1"/>
+                </a:solidFill>
+              </a:rPr>
+              <a:t> in </a:t>
+            </a:r>
+            <a:r>
+              <a:rPr lang="en-US" sz="1400" dirty="0" err="1">
+                <a:solidFill>
+                  <a:schemeClr val="bg1"/>
+                </a:solidFill>
+              </a:rPr>
+              <a:t>appsetting.json</a:t>
+            </a:r>
+            <a:endParaRPr lang="en-US" sz="1400" dirty="0">
+              <a:solidFill>
+                <a:schemeClr val="bg1"/>
+              </a:solidFill>
+            </a:endParaRPr>
+          </a:p>
+          <a:p>
+            <a:r>
+              <a:rPr lang="en-US" sz="1400" dirty="0">
+                <a:solidFill>
+                  <a:schemeClr val="bg1"/>
+                </a:solidFill>
+              </a:rPr>
+              <a:t>2 - generate </a:t>
+            </a:r>
+            <a:r>
+              <a:rPr lang="en-US" sz="1400" dirty="0" err="1">
+                <a:solidFill>
+                  <a:schemeClr val="bg1"/>
+                </a:solidFill>
+              </a:rPr>
+              <a:t>Jwt</a:t>
+            </a:r>
+            <a:r>
+              <a:rPr lang="en-US" sz="1400" dirty="0">
+                <a:solidFill>
+                  <a:schemeClr val="bg1"/>
+                </a:solidFill>
+              </a:rPr>
+              <a:t> token</a:t>
+            </a:r>
+          </a:p>
+          <a:p>
+            <a:r>
+              <a:rPr lang="en-US" sz="1400" dirty="0">
+                <a:solidFill>
+                  <a:schemeClr val="bg1"/>
+                </a:solidFill>
+              </a:rPr>
+              <a:t>3 - configuration of authentication scheme and validate </a:t>
+            </a:r>
+            <a:r>
+              <a:rPr lang="en-US" sz="1400" dirty="0" err="1">
+                <a:solidFill>
+                  <a:schemeClr val="bg1"/>
+                </a:solidFill>
+              </a:rPr>
+              <a:t>Jwt</a:t>
+            </a:r>
+            <a:r>
+              <a:rPr lang="en-US" sz="1400" dirty="0">
+                <a:solidFill>
+                  <a:schemeClr val="bg1"/>
+                </a:solidFill>
+              </a:rPr>
+              <a:t> token</a:t>
+            </a:r>
+          </a:p>
+          <a:p>
+            <a:r>
+              <a:rPr lang="en-US" sz="1400" dirty="0">
+                <a:solidFill>
+                  <a:schemeClr val="bg1"/>
+                </a:solidFill>
+              </a:rPr>
+              <a:t>4 - swagger configuration for authorize bearer token</a:t>
+            </a:r>
+          </a:p>
+          <a:p>
+            <a:r>
+              <a:rPr lang="en-US" sz="1400" dirty="0">
+                <a:solidFill>
+                  <a:schemeClr val="bg1"/>
+                </a:solidFill>
+              </a:rPr>
+              <a:t>5 – Test authentication with different roles using Postman</a:t>
+            </a:r>
+          </a:p>
+        </p:txBody>
+      </p:sp>
+    </p:spTree>
+    <p:extLst>
+      <p:ext uri="{BB962C8B-B14F-4D97-AF65-F5344CB8AC3E}">
+        <p14:creationId xmlns:p14="http://schemas.microsoft.com/office/powerpoint/2010/main" val="3434718605"/>
+      </p:ext>
+    </p:extLst>
+  </p:cSld>
+  <p:clrMapOvr>
+    <a:masterClrMapping/>
+  </p:clrMapOvr>
+  <p:timing>
+    <p:tnLst>
+      <p:par>
+        <p:cTn id="1" dur="indefinite" restart="never" nodeType="tmRoot">
+          <p:childTnLst>
+            <p:seq concurrent="1" nextAc="seek">
+              <p:cTn id="2" dur="indefinite" nodeType="mainSeq">
+                <p:childTnLst>
+                  <p:par>
+                    <p:cTn id="3" fill="hold">
+                      <p:stCondLst>
+                        <p:cond delay="indefinite"/>
+                      </p:stCondLst>
+                      <p:childTnLst>
+                        <p:par>
+                          <p:cTn id="4" fill="hold">
+                            <p:stCondLst>
+                              <p:cond delay="0"/>
+                            </p:stCondLst>
+                            <p:childTnLst>
+                              <p:par>
+                                <p:cTn id="5" presetID="42" presetClass="entr" presetSubtype="0" fill="hold" grpId="0" nodeType="clickEffect">
+                                  <p:stCondLst>
+                                    <p:cond delay="0"/>
+                                  </p:stCondLst>
+                                  <p:childTnLst>
+                                    <p:set>
+                                      <p:cBhvr>
+                                        <p:cTn id="6" dur="1" fill="hold">
+                                          <p:stCondLst>
+                                            <p:cond delay="0"/>
+                                          </p:stCondLst>
+                                        </p:cTn>
+                                        <p:tgtEl>
+                                          <p:spTgt spid="7"/>
+                                        </p:tgtEl>
+                                        <p:attrNameLst>
+                                          <p:attrName>style.visibility</p:attrName>
+                                        </p:attrNameLst>
+                                      </p:cBhvr>
+                                      <p:to>
+                                        <p:strVal val="visible"/>
+                                      </p:to>
+                                    </p:set>
+                                    <p:animEffect transition="in" filter="fade">
+                                      <p:cBhvr>
+                                        <p:cTn id="7" dur="1000"/>
+                                        <p:tgtEl>
+                                          <p:spTgt spid="7"/>
+                                        </p:tgtEl>
+                                      </p:cBhvr>
+                                    </p:animEffect>
+                                    <p:anim calcmode="lin" valueType="num">
+                                      <p:cBhvr>
+                                        <p:cTn id="8" dur="1000" fill="hold"/>
+                                        <p:tgtEl>
+                                          <p:spTgt spid="7"/>
+                                        </p:tgtEl>
+                                        <p:attrNameLst>
+                                          <p:attrName>ppt_x</p:attrName>
+                                        </p:attrNameLst>
+                                      </p:cBhvr>
+                                      <p:tavLst>
+                                        <p:tav tm="0">
+                                          <p:val>
+                                            <p:strVal val="#ppt_x"/>
+                                          </p:val>
+                                        </p:tav>
+                                        <p:tav tm="100000">
+                                          <p:val>
+                                            <p:strVal val="#ppt_x"/>
+                                          </p:val>
+                                        </p:tav>
+                                      </p:tavLst>
+                                    </p:anim>
+                                    <p:anim calcmode="lin" valueType="num">
+                                      <p:cBhvr>
+                                        <p:cTn id="9" dur="1000" fill="hold"/>
+                                        <p:tgtEl>
+                                          <p:spTgt spid="7"/>
+                                        </p:tgtEl>
+                                        <p:attrNameLst>
+                                          <p:attrName>ppt_y</p:attrName>
+                                        </p:attrNameLst>
+                                      </p:cBhvr>
+                                      <p:tavLst>
+                                        <p:tav tm="0">
+                                          <p:val>
+                                            <p:strVal val="#ppt_y+.1"/>
+                                          </p:val>
+                                        </p:tav>
+                                        <p:tav tm="100000">
+                                          <p:val>
+                                            <p:strVal val="#ppt_y"/>
+                                          </p:val>
+                                        </p:tav>
+                                      </p:tavLst>
+                                    </p:anim>
+                                  </p:childTnLst>
+                                </p:cTn>
+                              </p:par>
+                            </p:childTnLst>
+                          </p:cTn>
+                        </p:par>
+                      </p:childTnLst>
+                    </p:cTn>
+                  </p:par>
+                  <p:par>
+                    <p:cTn id="10" fill="hold">
+                      <p:stCondLst>
+                        <p:cond delay="indefinite"/>
+                      </p:stCondLst>
+                      <p:childTnLst>
+                        <p:par>
+                          <p:cTn id="11" fill="hold">
+                            <p:stCondLst>
+                              <p:cond delay="0"/>
+                            </p:stCondLst>
+                            <p:childTnLst>
+                              <p:par>
+                                <p:cTn id="12" presetID="42" presetClass="entr" presetSubtype="0" fill="hold" grpId="0" nodeType="clickEffect">
+                                  <p:stCondLst>
+                                    <p:cond delay="0"/>
+                                  </p:stCondLst>
+                                  <p:childTnLst>
+                                    <p:set>
+                                      <p:cBhvr>
+                                        <p:cTn id="13" dur="1" fill="hold">
+                                          <p:stCondLst>
+                                            <p:cond delay="0"/>
+                                          </p:stCondLst>
+                                        </p:cTn>
+                                        <p:tgtEl>
+                                          <p:spTgt spid="6"/>
+                                        </p:tgtEl>
+                                        <p:attrNameLst>
+                                          <p:attrName>style.visibility</p:attrName>
+                                        </p:attrNameLst>
+                                      </p:cBhvr>
+                                      <p:to>
+                                        <p:strVal val="visible"/>
+                                      </p:to>
+                                    </p:set>
+                                    <p:animEffect transition="in" filter="fade">
+                                      <p:cBhvr>
+                                        <p:cTn id="14" dur="1000"/>
+                                        <p:tgtEl>
+                                          <p:spTgt spid="6"/>
+                                        </p:tgtEl>
+                                      </p:cBhvr>
+                                    </p:animEffect>
+                                    <p:anim calcmode="lin" valueType="num">
+                                      <p:cBhvr>
+                                        <p:cTn id="15" dur="1000" fill="hold"/>
+                                        <p:tgtEl>
+                                          <p:spTgt spid="6"/>
+                                        </p:tgtEl>
+                                        <p:attrNameLst>
+                                          <p:attrName>ppt_x</p:attrName>
+                                        </p:attrNameLst>
+                                      </p:cBhvr>
+                                      <p:tavLst>
+                                        <p:tav tm="0">
+                                          <p:val>
+                                            <p:strVal val="#ppt_x"/>
+                                          </p:val>
+                                        </p:tav>
+                                        <p:tav tm="100000">
+                                          <p:val>
+                                            <p:strVal val="#ppt_x"/>
+                                          </p:val>
+                                        </p:tav>
+                                      </p:tavLst>
+                                    </p:anim>
+                                    <p:anim calcmode="lin" valueType="num">
+                                      <p:cBhvr>
+                                        <p:cTn id="16" dur="1000" fill="hold"/>
+                                        <p:tgtEl>
+                                          <p:spTgt spid="6"/>
+                                        </p:tgtEl>
+                                        <p:attrNameLst>
+                                          <p:attrName>ppt_y</p:attrName>
+                                        </p:attrNameLst>
+                                      </p:cBhvr>
+                                      <p:tavLst>
+                                        <p:tav tm="0">
+                                          <p:val>
+                                            <p:strVal val="#ppt_y+.1"/>
+                                          </p:val>
+                                        </p:tav>
+                                        <p:tav tm="100000">
+                                          <p:val>
+                                            <p:strVal val="#ppt_y"/>
+                                          </p:val>
+                                        </p:tav>
+                                      </p:tavLst>
+                                    </p:anim>
+                                  </p:childTnLst>
+                                </p:cTn>
+                              </p:par>
+                            </p:childTnLst>
+                          </p:cTn>
+                        </p:par>
+                      </p:childTnLst>
+                    </p:cTn>
+                  </p:par>
+                  <p:par>
+                    <p:cTn id="17" fill="hold">
+                      <p:stCondLst>
+                        <p:cond delay="indefinite"/>
+                      </p:stCondLst>
+                      <p:childTnLst>
+                        <p:par>
+                          <p:cTn id="18" fill="hold">
+                            <p:stCondLst>
+                              <p:cond delay="0"/>
+                            </p:stCondLst>
+                            <p:childTnLst>
+                              <p:par>
+                                <p:cTn id="19" presetID="42" presetClass="entr" presetSubtype="0" fill="hold" grpId="0" nodeType="clickEffect">
+                                  <p:stCondLst>
+                                    <p:cond delay="0"/>
+                                  </p:stCondLst>
+                                  <p:childTnLst>
+                                    <p:set>
+                                      <p:cBhvr>
+                                        <p:cTn id="20" dur="1" fill="hold">
+                                          <p:stCondLst>
+                                            <p:cond delay="0"/>
+                                          </p:stCondLst>
+                                        </p:cTn>
+                                        <p:tgtEl>
+                                          <p:spTgt spid="2"/>
+                                        </p:tgtEl>
+                                        <p:attrNameLst>
+                                          <p:attrName>style.visibility</p:attrName>
+                                        </p:attrNameLst>
+                                      </p:cBhvr>
+                                      <p:to>
+                                        <p:strVal val="visible"/>
+                                      </p:to>
+                                    </p:set>
+                                    <p:animEffect transition="in" filter="fade">
+                                      <p:cBhvr>
+                                        <p:cTn id="21" dur="1000"/>
+                                        <p:tgtEl>
+                                          <p:spTgt spid="2"/>
+                                        </p:tgtEl>
+                                      </p:cBhvr>
+                                    </p:animEffect>
+                                    <p:anim calcmode="lin" valueType="num">
+                                      <p:cBhvr>
+                                        <p:cTn id="22" dur="1000" fill="hold"/>
+                                        <p:tgtEl>
+                                          <p:spTgt spid="2"/>
+                                        </p:tgtEl>
+                                        <p:attrNameLst>
+                                          <p:attrName>ppt_x</p:attrName>
+                                        </p:attrNameLst>
+                                      </p:cBhvr>
+                                      <p:tavLst>
+                                        <p:tav tm="0">
+                                          <p:val>
+                                            <p:strVal val="#ppt_x"/>
+                                          </p:val>
+                                        </p:tav>
+                                        <p:tav tm="100000">
+                                          <p:val>
+                                            <p:strVal val="#ppt_x"/>
+                                          </p:val>
+                                        </p:tav>
+                                      </p:tavLst>
+                                    </p:anim>
+                                    <p:anim calcmode="lin" valueType="num">
+                                      <p:cBhvr>
+                                        <p:cTn id="23" dur="1000" fill="hold"/>
+                                        <p:tgtEl>
+                                          <p:spTgt spid="2"/>
+                                        </p:tgtEl>
+                                        <p:attrNameLst>
+                                          <p:attrName>ppt_y</p:attrName>
+                                        </p:attrNameLst>
+                                      </p:cBhvr>
+                                      <p:tavLst>
+                                        <p:tav tm="0">
+                                          <p:val>
+                                            <p:strVal val="#ppt_y+.1"/>
+                                          </p:val>
+                                        </p:tav>
+                                        <p:tav tm="100000">
+                                          <p:val>
+                                            <p:strVal val="#ppt_y"/>
+                                          </p:val>
+                                        </p:tav>
+                                      </p:tavLst>
+                                    </p:anim>
+                                  </p:childTnLst>
+                                </p:cTn>
+                              </p:par>
+                            </p:childTnLst>
+                          </p:cTn>
+                        </p:par>
+                      </p:childTnLst>
+                    </p:cTn>
+                  </p:par>
+                </p:childTnLst>
+              </p:cTn>
+              <p:prevCondLst>
+                <p:cond evt="onPrev" delay="0">
+                  <p:tgtEl>
+                    <p:sldTgt/>
+                  </p:tgtEl>
+                </p:cond>
+              </p:prevCondLst>
+              <p:nextCondLst>
+                <p:cond evt="onNext" delay="0">
+                  <p:tgtEl>
+                    <p:sldTgt/>
+                  </p:tgtEl>
+                </p:cond>
+              </p:nextCondLst>
+            </p:seq>
+          </p:childTnLst>
+        </p:cTn>
+      </p:par>
+    </p:tnLst>
+    <p:bldLst>
+      <p:bldP spid="7" grpId="0"/>
+      <p:bldP spid="6" grpId="0"/>
+      <p:bldP spid="2" grpId="0"/>
     </p:bldLst>
   </p:timing>
 </p:sld>

--- a/Slides/NET 6 Clean Architecture.pptx
+++ b/Slides/NET 6 Clean Architecture.pptx
@@ -17,6 +17,7 @@
     <p:sldId id="265" r:id="rId11"/>
     <p:sldId id="266" r:id="rId12"/>
     <p:sldId id="267" r:id="rId13"/>
+    <p:sldId id="268" r:id="rId14"/>
   </p:sldIdLst>
   <p:sldSz cx="12192000" cy="6858000"/>
   <p:notesSz cx="6858000" cy="9144000"/>
@@ -458,7 +459,7 @@
           <a:p>
             <a:fld id="{4852023B-35B4-406B-9C51-63D33C4B20A9}" type="datetimeFigureOut">
               <a:rPr lang="en-US" smtClean="0"/>
-              <a:t>2/18/2024</a:t>
+              <a:t>4/6/2024</a:t>
             </a:fld>
             <a:endParaRPr lang="en-US"/>
           </a:p>
@@ -1546,7 +1547,7 @@
           <a:p>
             <a:fld id="{4852023B-35B4-406B-9C51-63D33C4B20A9}" type="datetimeFigureOut">
               <a:rPr lang="en-US" smtClean="0"/>
-              <a:t>2/18/2024</a:t>
+              <a:t>4/6/2024</a:t>
             </a:fld>
             <a:endParaRPr lang="en-US"/>
           </a:p>
@@ -2526,7 +2527,7 @@
           <a:p>
             <a:fld id="{4852023B-35B4-406B-9C51-63D33C4B20A9}" type="datetimeFigureOut">
               <a:rPr lang="en-US" smtClean="0"/>
-              <a:t>2/18/2024</a:t>
+              <a:t>4/6/2024</a:t>
             </a:fld>
             <a:endParaRPr lang="en-US"/>
           </a:p>
@@ -3660,7 +3661,7 @@
           <a:p>
             <a:fld id="{4852023B-35B4-406B-9C51-63D33C4B20A9}" type="datetimeFigureOut">
               <a:rPr lang="en-US" smtClean="0"/>
-              <a:t>2/18/2024</a:t>
+              <a:t>4/6/2024</a:t>
             </a:fld>
             <a:endParaRPr lang="en-US"/>
           </a:p>
@@ -4693,7 +4694,7 @@
           <a:p>
             <a:fld id="{4852023B-35B4-406B-9C51-63D33C4B20A9}" type="datetimeFigureOut">
               <a:rPr lang="en-US" smtClean="0"/>
-              <a:t>2/18/2024</a:t>
+              <a:t>4/6/2024</a:t>
             </a:fld>
             <a:endParaRPr lang="en-US"/>
           </a:p>
@@ -5353,7 +5354,7 @@
           <a:p>
             <a:fld id="{4852023B-35B4-406B-9C51-63D33C4B20A9}" type="datetimeFigureOut">
               <a:rPr lang="en-US" smtClean="0"/>
-              <a:t>2/18/2024</a:t>
+              <a:t>4/6/2024</a:t>
             </a:fld>
             <a:endParaRPr lang="en-US"/>
           </a:p>
@@ -6214,7 +6215,7 @@
           <a:p>
             <a:fld id="{4852023B-35B4-406B-9C51-63D33C4B20A9}" type="datetimeFigureOut">
               <a:rPr lang="en-US" smtClean="0"/>
-              <a:t>2/18/2024</a:t>
+              <a:t>4/6/2024</a:t>
             </a:fld>
             <a:endParaRPr lang="en-US"/>
           </a:p>
@@ -6404,7 +6405,7 @@
           <a:p>
             <a:fld id="{4852023B-35B4-406B-9C51-63D33C4B20A9}" type="datetimeFigureOut">
               <a:rPr lang="en-US" smtClean="0"/>
-              <a:t>2/18/2024</a:t>
+              <a:t>4/6/2024</a:t>
             </a:fld>
             <a:endParaRPr lang="en-US"/>
           </a:p>
@@ -7376,7 +7377,7 @@
           <a:p>
             <a:fld id="{4852023B-35B4-406B-9C51-63D33C4B20A9}" type="datetimeFigureOut">
               <a:rPr lang="en-US" smtClean="0"/>
-              <a:t>2/18/2024</a:t>
+              <a:t>4/6/2024</a:t>
             </a:fld>
             <a:endParaRPr lang="en-US"/>
           </a:p>
@@ -7587,7 +7588,7 @@
           <a:p>
             <a:fld id="{4852023B-35B4-406B-9C51-63D33C4B20A9}" type="datetimeFigureOut">
               <a:rPr lang="en-US" smtClean="0"/>
-              <a:t>2/18/2024</a:t>
+              <a:t>4/6/2024</a:t>
             </a:fld>
             <a:endParaRPr lang="en-US"/>
           </a:p>
@@ -8621,7 +8622,7 @@
           <a:p>
             <a:fld id="{4852023B-35B4-406B-9C51-63D33C4B20A9}" type="datetimeFigureOut">
               <a:rPr lang="en-US" smtClean="0"/>
-              <a:t>2/18/2024</a:t>
+              <a:t>4/6/2024</a:t>
             </a:fld>
             <a:endParaRPr lang="en-US"/>
           </a:p>
@@ -8893,7 +8894,7 @@
           <a:p>
             <a:fld id="{4852023B-35B4-406B-9C51-63D33C4B20A9}" type="datetimeFigureOut">
               <a:rPr lang="en-US" smtClean="0"/>
-              <a:t>2/18/2024</a:t>
+              <a:t>4/6/2024</a:t>
             </a:fld>
             <a:endParaRPr lang="en-US"/>
           </a:p>
@@ -9303,7 +9304,7 @@
           <a:p>
             <a:fld id="{4852023B-35B4-406B-9C51-63D33C4B20A9}" type="datetimeFigureOut">
               <a:rPr lang="en-US" smtClean="0"/>
-              <a:t>2/18/2024</a:t>
+              <a:t>4/6/2024</a:t>
             </a:fld>
             <a:endParaRPr lang="en-US"/>
           </a:p>
@@ -9430,7 +9431,7 @@
           <a:p>
             <a:fld id="{4852023B-35B4-406B-9C51-63D33C4B20A9}" type="datetimeFigureOut">
               <a:rPr lang="en-US" smtClean="0"/>
-              <a:t>2/18/2024</a:t>
+              <a:t>4/6/2024</a:t>
             </a:fld>
             <a:endParaRPr lang="en-US"/>
           </a:p>
@@ -9525,7 +9526,7 @@
           <a:p>
             <a:fld id="{4852023B-35B4-406B-9C51-63D33C4B20A9}" type="datetimeFigureOut">
               <a:rPr lang="en-US" smtClean="0"/>
-              <a:t>2/18/2024</a:t>
+              <a:t>4/6/2024</a:t>
             </a:fld>
             <a:endParaRPr lang="en-US"/>
           </a:p>
@@ -10606,7 +10607,7 @@
           <a:p>
             <a:fld id="{4852023B-35B4-406B-9C51-63D33C4B20A9}" type="datetimeFigureOut">
               <a:rPr lang="en-US" smtClean="0"/>
-              <a:t>2/18/2024</a:t>
+              <a:t>4/6/2024</a:t>
             </a:fld>
             <a:endParaRPr lang="en-US"/>
           </a:p>
@@ -11714,7 +11715,7 @@
           <a:p>
             <a:fld id="{4852023B-35B4-406B-9C51-63D33C4B20A9}" type="datetimeFigureOut">
               <a:rPr lang="en-US" smtClean="0"/>
-              <a:t>2/18/2024</a:t>
+              <a:t>4/6/2024</a:t>
             </a:fld>
             <a:endParaRPr lang="en-US"/>
           </a:p>
@@ -12711,7 +12712,7 @@
           <a:p>
             <a:fld id="{4852023B-35B4-406B-9C51-63D33C4B20A9}" type="datetimeFigureOut">
               <a:rPr lang="en-US" smtClean="0"/>
-              <a:t>2/18/2024</a:t>
+              <a:t>4/6/2024</a:t>
             </a:fld>
             <a:endParaRPr lang="en-US"/>
           </a:p>
@@ -15829,7 +15830,7 @@
         <p:spPr>
           <a:xfrm>
             <a:off x="656025" y="1145406"/>
-            <a:ext cx="10823989" cy="2739211"/>
+            <a:ext cx="11000169" cy="2277547"/>
           </a:xfrm>
           <a:prstGeom prst="rect">
             <a:avLst/>
@@ -15866,8 +15867,6 @@
               </a:rPr>
               <a:t>: This is one of the most commonly used techniques to secure APIs, allowing users to access resources they are authorized to.</a:t>
             </a:r>
-          </a:p>
-          <a:p>
             <a:endParaRPr lang="en-US" sz="1600" b="1" dirty="0">
               <a:solidFill>
                 <a:schemeClr val="bg1"/>
@@ -16248,6 +16247,36 @@
           </a:p>
         </p:txBody>
       </p:sp>
+      <p:pic>
+        <p:nvPicPr>
+          <p:cNvPr id="9" name="Picture 8">
+            <a:extLst>
+              <a:ext uri="{FF2B5EF4-FFF2-40B4-BE49-F238E27FC236}">
+                <a16:creationId xmlns:a16="http://schemas.microsoft.com/office/drawing/2014/main" id="{A38831D7-BB3B-C1F8-17D3-97CD0AD42136}"/>
+              </a:ext>
+            </a:extLst>
+          </p:cNvPr>
+          <p:cNvPicPr>
+            <a:picLocks noChangeAspect="1"/>
+          </p:cNvPicPr>
+          <p:nvPr/>
+        </p:nvPicPr>
+        <p:blipFill>
+          <a:blip r:embed="rId2"/>
+          <a:stretch>
+            <a:fillRect/>
+          </a:stretch>
+        </p:blipFill>
+        <p:spPr>
+          <a:xfrm>
+            <a:off x="7482177" y="2708336"/>
+            <a:ext cx="4174017" cy="3399002"/>
+          </a:xfrm>
+          <a:prstGeom prst="rect">
+            <a:avLst/>
+          </a:prstGeom>
+        </p:spPr>
+      </p:pic>
     </p:spTree>
     <p:extLst>
       <p:ext uri="{BB962C8B-B14F-4D97-AF65-F5344CB8AC3E}">
@@ -16588,6 +16617,293 @@
       <p:bldP spid="7" grpId="0"/>
       <p:bldP spid="6" grpId="0"/>
       <p:bldP spid="2" grpId="0"/>
+    </p:bldLst>
+  </p:timing>
+</p:sld>
+</file>
+
+<file path=ppt/slides/slide13.xml><?xml version="1.0" encoding="utf-8"?>
+<p:sld xmlns:a="http://schemas.openxmlformats.org/drawingml/2006/main" xmlns:r="http://schemas.openxmlformats.org/officeDocument/2006/relationships" xmlns:p="http://schemas.openxmlformats.org/presentationml/2006/main">
+  <p:cSld>
+    <p:spTree>
+      <p:nvGrpSpPr>
+        <p:cNvPr id="1" name=""/>
+        <p:cNvGrpSpPr/>
+        <p:nvPr/>
+      </p:nvGrpSpPr>
+      <p:grpSpPr>
+        <a:xfrm>
+          <a:off x="0" y="0"/>
+          <a:ext cx="0" cy="0"/>
+          <a:chOff x="0" y="0"/>
+          <a:chExt cx="0" cy="0"/>
+        </a:xfrm>
+      </p:grpSpPr>
+      <p:sp>
+        <p:nvSpPr>
+          <p:cNvPr id="4" name="Title 1">
+            <a:extLst>
+              <a:ext uri="{FF2B5EF4-FFF2-40B4-BE49-F238E27FC236}">
+                <a16:creationId xmlns:a16="http://schemas.microsoft.com/office/drawing/2014/main" id="{0A4045B0-C940-93C6-79DB-351A147113E4}"/>
+              </a:ext>
+            </a:extLst>
+          </p:cNvPr>
+          <p:cNvSpPr>
+            <a:spLocks noGrp="1"/>
+          </p:cNvSpPr>
+          <p:nvPr>
+            <p:ph type="ctrTitle"/>
+          </p:nvPr>
+        </p:nvSpPr>
+        <p:spPr>
+          <a:xfrm>
+            <a:off x="711986" y="693019"/>
+            <a:ext cx="9731426" cy="510137"/>
+          </a:xfrm>
+        </p:spPr>
+        <p:txBody>
+          <a:bodyPr/>
+          <a:lstStyle/>
+          <a:p>
+            <a:r>
+              <a:rPr lang="en-US" sz="2800" b="1" dirty="0"/>
+              <a:t>Authenticated </a:t>
+            </a:r>
+            <a:r>
+              <a:rPr lang="en-US" sz="2800" b="1" dirty="0" err="1"/>
+              <a:t>UserId</a:t>
+            </a:r>
+            <a:r>
+              <a:rPr lang="en-US" sz="2800" b="1" dirty="0"/>
+              <a:t> in .NET Core Clean Architecture</a:t>
+            </a:r>
+          </a:p>
+        </p:txBody>
+      </p:sp>
+      <p:sp>
+        <p:nvSpPr>
+          <p:cNvPr id="7" name="TextBox 6">
+            <a:extLst>
+              <a:ext uri="{FF2B5EF4-FFF2-40B4-BE49-F238E27FC236}">
+                <a16:creationId xmlns:a16="http://schemas.microsoft.com/office/drawing/2014/main" id="{1F77591A-DB2F-9F91-4945-B2EC29845B38}"/>
+              </a:ext>
+            </a:extLst>
+          </p:cNvPr>
+          <p:cNvSpPr txBox="1"/>
+          <p:nvPr/>
+        </p:nvSpPr>
+        <p:spPr>
+          <a:xfrm>
+            <a:off x="595915" y="1671692"/>
+            <a:ext cx="10713769" cy="1138773"/>
+          </a:xfrm>
+          <a:prstGeom prst="rect">
+            <a:avLst/>
+          </a:prstGeom>
+          <a:noFill/>
+        </p:spPr>
+        <p:txBody>
+          <a:bodyPr wrap="square" rtlCol="0">
+            <a:spAutoFit/>
+          </a:bodyPr>
+          <a:lstStyle/>
+          <a:p>
+            <a:r>
+              <a:rPr lang="en-US" b="1" dirty="0">
+                <a:solidFill>
+                  <a:schemeClr val="bg1"/>
+                </a:solidFill>
+              </a:rPr>
+              <a:t>Logging</a:t>
+            </a:r>
+            <a:r>
+              <a:rPr lang="en-US" dirty="0">
+                <a:solidFill>
+                  <a:schemeClr val="bg1"/>
+                </a:solidFill>
+              </a:rPr>
+              <a:t>: Logging activities and events related to a specific user helps in auditing and debugging. By associating actions with specific users, you can trace back any issues or security breaches to the responsible party.</a:t>
+            </a:r>
+          </a:p>
+          <a:p>
+            <a:endParaRPr lang="en-US" sz="1400" dirty="0">
+              <a:solidFill>
+                <a:schemeClr val="bg1"/>
+              </a:solidFill>
+            </a:endParaRPr>
+          </a:p>
+        </p:txBody>
+      </p:sp>
+      <p:pic>
+        <p:nvPicPr>
+          <p:cNvPr id="5" name="Picture 4">
+            <a:extLst>
+              <a:ext uri="{FF2B5EF4-FFF2-40B4-BE49-F238E27FC236}">
+                <a16:creationId xmlns:a16="http://schemas.microsoft.com/office/drawing/2014/main" id="{415966A0-7DD5-0960-C994-7A2F3B3FD0AC}"/>
+              </a:ext>
+            </a:extLst>
+          </p:cNvPr>
+          <p:cNvPicPr>
+            <a:picLocks noChangeAspect="1"/>
+          </p:cNvPicPr>
+          <p:nvPr/>
+        </p:nvPicPr>
+        <p:blipFill>
+          <a:blip r:embed="rId2"/>
+          <a:stretch>
+            <a:fillRect/>
+          </a:stretch>
+        </p:blipFill>
+        <p:spPr>
+          <a:xfrm>
+            <a:off x="1809702" y="2810465"/>
+            <a:ext cx="9153473" cy="3388972"/>
+          </a:xfrm>
+          <a:prstGeom prst="rect">
+            <a:avLst/>
+          </a:prstGeom>
+        </p:spPr>
+      </p:pic>
+    </p:spTree>
+    <p:extLst>
+      <p:ext uri="{BB962C8B-B14F-4D97-AF65-F5344CB8AC3E}">
+        <p14:creationId xmlns:p14="http://schemas.microsoft.com/office/powerpoint/2010/main" val="756481673"/>
+      </p:ext>
+    </p:extLst>
+  </p:cSld>
+  <p:clrMapOvr>
+    <a:masterClrMapping/>
+  </p:clrMapOvr>
+  <p:timing>
+    <p:tnLst>
+      <p:par>
+        <p:cTn id="1" dur="indefinite" restart="never" nodeType="tmRoot">
+          <p:childTnLst>
+            <p:seq concurrent="1" nextAc="seek">
+              <p:cTn id="2" dur="indefinite" nodeType="mainSeq">
+                <p:childTnLst>
+                  <p:par>
+                    <p:cTn id="3" fill="hold">
+                      <p:stCondLst>
+                        <p:cond delay="indefinite"/>
+                      </p:stCondLst>
+                      <p:childTnLst>
+                        <p:par>
+                          <p:cTn id="4" fill="hold">
+                            <p:stCondLst>
+                              <p:cond delay="0"/>
+                            </p:stCondLst>
+                            <p:childTnLst>
+                              <p:par>
+                                <p:cTn id="5" presetID="42" presetClass="entr" presetSubtype="0" fill="hold" grpId="0" nodeType="clickEffect">
+                                  <p:stCondLst>
+                                    <p:cond delay="0"/>
+                                  </p:stCondLst>
+                                  <p:childTnLst>
+                                    <p:set>
+                                      <p:cBhvr>
+                                        <p:cTn id="6" dur="1" fill="hold">
+                                          <p:stCondLst>
+                                            <p:cond delay="0"/>
+                                          </p:stCondLst>
+                                        </p:cTn>
+                                        <p:tgtEl>
+                                          <p:spTgt spid="7"/>
+                                        </p:tgtEl>
+                                        <p:attrNameLst>
+                                          <p:attrName>style.visibility</p:attrName>
+                                        </p:attrNameLst>
+                                      </p:cBhvr>
+                                      <p:to>
+                                        <p:strVal val="visible"/>
+                                      </p:to>
+                                    </p:set>
+                                    <p:animEffect transition="in" filter="fade">
+                                      <p:cBhvr>
+                                        <p:cTn id="7" dur="1000"/>
+                                        <p:tgtEl>
+                                          <p:spTgt spid="7"/>
+                                        </p:tgtEl>
+                                      </p:cBhvr>
+                                    </p:animEffect>
+                                    <p:anim calcmode="lin" valueType="num">
+                                      <p:cBhvr>
+                                        <p:cTn id="8" dur="1000" fill="hold"/>
+                                        <p:tgtEl>
+                                          <p:spTgt spid="7"/>
+                                        </p:tgtEl>
+                                        <p:attrNameLst>
+                                          <p:attrName>ppt_x</p:attrName>
+                                        </p:attrNameLst>
+                                      </p:cBhvr>
+                                      <p:tavLst>
+                                        <p:tav tm="0">
+                                          <p:val>
+                                            <p:strVal val="#ppt_x"/>
+                                          </p:val>
+                                        </p:tav>
+                                        <p:tav tm="100000">
+                                          <p:val>
+                                            <p:strVal val="#ppt_x"/>
+                                          </p:val>
+                                        </p:tav>
+                                      </p:tavLst>
+                                    </p:anim>
+                                    <p:anim calcmode="lin" valueType="num">
+                                      <p:cBhvr>
+                                        <p:cTn id="9" dur="1000" fill="hold"/>
+                                        <p:tgtEl>
+                                          <p:spTgt spid="7"/>
+                                        </p:tgtEl>
+                                        <p:attrNameLst>
+                                          <p:attrName>ppt_y</p:attrName>
+                                        </p:attrNameLst>
+                                      </p:cBhvr>
+                                      <p:tavLst>
+                                        <p:tav tm="0">
+                                          <p:val>
+                                            <p:strVal val="#ppt_y+.1"/>
+                                          </p:val>
+                                        </p:tav>
+                                        <p:tav tm="100000">
+                                          <p:val>
+                                            <p:strVal val="#ppt_y"/>
+                                          </p:val>
+                                        </p:tav>
+                                      </p:tavLst>
+                                    </p:anim>
+                                  </p:childTnLst>
+                                </p:cTn>
+                              </p:par>
+                            </p:childTnLst>
+                          </p:cTn>
+                        </p:par>
+                      </p:childTnLst>
+                    </p:cTn>
+                  </p:par>
+                </p:childTnLst>
+              </p:cTn>
+              <p:prevCondLst>
+                <p:cond evt="onPrev" delay="0">
+                  <p:tgtEl>
+                    <p:sldTgt/>
+                  </p:tgtEl>
+                </p:cond>
+              </p:prevCondLst>
+              <p:nextCondLst>
+                <p:cond evt="onNext" delay="0">
+                  <p:tgtEl>
+                    <p:sldTgt/>
+                  </p:tgtEl>
+                </p:cond>
+              </p:nextCondLst>
+            </p:seq>
+          </p:childTnLst>
+        </p:cTn>
+      </p:par>
+    </p:tnLst>
+    <p:bldLst>
+      <p:bldP spid="7" grpId="0"/>
     </p:bldLst>
   </p:timing>
 </p:sld>

--- a/Slides/NET 6 Clean Architecture.pptx
+++ b/Slides/NET 6 Clean Architecture.pptx
@@ -18,6 +18,8 @@
     <p:sldId id="266" r:id="rId12"/>
     <p:sldId id="267" r:id="rId13"/>
     <p:sldId id="268" r:id="rId14"/>
+    <p:sldId id="269" r:id="rId15"/>
+    <p:sldId id="270" r:id="rId16"/>
   </p:sldIdLst>
   <p:sldSz cx="12192000" cy="6858000"/>
   <p:notesSz cx="6858000" cy="9144000"/>
@@ -459,7 +461,7 @@
           <a:p>
             <a:fld id="{4852023B-35B4-406B-9C51-63D33C4B20A9}" type="datetimeFigureOut">
               <a:rPr lang="en-US" smtClean="0"/>
-              <a:t>4/6/2024</a:t>
+              <a:t>3/7/2025</a:t>
             </a:fld>
             <a:endParaRPr lang="en-US"/>
           </a:p>
@@ -1547,7 +1549,7 @@
           <a:p>
             <a:fld id="{4852023B-35B4-406B-9C51-63D33C4B20A9}" type="datetimeFigureOut">
               <a:rPr lang="en-US" smtClean="0"/>
-              <a:t>4/6/2024</a:t>
+              <a:t>3/7/2025</a:t>
             </a:fld>
             <a:endParaRPr lang="en-US"/>
           </a:p>
@@ -2527,7 +2529,7 @@
           <a:p>
             <a:fld id="{4852023B-35B4-406B-9C51-63D33C4B20A9}" type="datetimeFigureOut">
               <a:rPr lang="en-US" smtClean="0"/>
-              <a:t>4/6/2024</a:t>
+              <a:t>3/7/2025</a:t>
             </a:fld>
             <a:endParaRPr lang="en-US"/>
           </a:p>
@@ -3661,7 +3663,7 @@
           <a:p>
             <a:fld id="{4852023B-35B4-406B-9C51-63D33C4B20A9}" type="datetimeFigureOut">
               <a:rPr lang="en-US" smtClean="0"/>
-              <a:t>4/6/2024</a:t>
+              <a:t>3/7/2025</a:t>
             </a:fld>
             <a:endParaRPr lang="en-US"/>
           </a:p>
@@ -4694,7 +4696,7 @@
           <a:p>
             <a:fld id="{4852023B-35B4-406B-9C51-63D33C4B20A9}" type="datetimeFigureOut">
               <a:rPr lang="en-US" smtClean="0"/>
-              <a:t>4/6/2024</a:t>
+              <a:t>3/7/2025</a:t>
             </a:fld>
             <a:endParaRPr lang="en-US"/>
           </a:p>
@@ -5354,7 +5356,7 @@
           <a:p>
             <a:fld id="{4852023B-35B4-406B-9C51-63D33C4B20A9}" type="datetimeFigureOut">
               <a:rPr lang="en-US" smtClean="0"/>
-              <a:t>4/6/2024</a:t>
+              <a:t>3/7/2025</a:t>
             </a:fld>
             <a:endParaRPr lang="en-US"/>
           </a:p>
@@ -6215,7 +6217,7 @@
           <a:p>
             <a:fld id="{4852023B-35B4-406B-9C51-63D33C4B20A9}" type="datetimeFigureOut">
               <a:rPr lang="en-US" smtClean="0"/>
-              <a:t>4/6/2024</a:t>
+              <a:t>3/7/2025</a:t>
             </a:fld>
             <a:endParaRPr lang="en-US"/>
           </a:p>
@@ -6405,7 +6407,7 @@
           <a:p>
             <a:fld id="{4852023B-35B4-406B-9C51-63D33C4B20A9}" type="datetimeFigureOut">
               <a:rPr lang="en-US" smtClean="0"/>
-              <a:t>4/6/2024</a:t>
+              <a:t>3/7/2025</a:t>
             </a:fld>
             <a:endParaRPr lang="en-US"/>
           </a:p>
@@ -7377,7 +7379,7 @@
           <a:p>
             <a:fld id="{4852023B-35B4-406B-9C51-63D33C4B20A9}" type="datetimeFigureOut">
               <a:rPr lang="en-US" smtClean="0"/>
-              <a:t>4/6/2024</a:t>
+              <a:t>3/7/2025</a:t>
             </a:fld>
             <a:endParaRPr lang="en-US"/>
           </a:p>
@@ -7588,7 +7590,7 @@
           <a:p>
             <a:fld id="{4852023B-35B4-406B-9C51-63D33C4B20A9}" type="datetimeFigureOut">
               <a:rPr lang="en-US" smtClean="0"/>
-              <a:t>4/6/2024</a:t>
+              <a:t>3/7/2025</a:t>
             </a:fld>
             <a:endParaRPr lang="en-US"/>
           </a:p>
@@ -8622,7 +8624,7 @@
           <a:p>
             <a:fld id="{4852023B-35B4-406B-9C51-63D33C4B20A9}" type="datetimeFigureOut">
               <a:rPr lang="en-US" smtClean="0"/>
-              <a:t>4/6/2024</a:t>
+              <a:t>3/7/2025</a:t>
             </a:fld>
             <a:endParaRPr lang="en-US"/>
           </a:p>
@@ -8894,7 +8896,7 @@
           <a:p>
             <a:fld id="{4852023B-35B4-406B-9C51-63D33C4B20A9}" type="datetimeFigureOut">
               <a:rPr lang="en-US" smtClean="0"/>
-              <a:t>4/6/2024</a:t>
+              <a:t>3/7/2025</a:t>
             </a:fld>
             <a:endParaRPr lang="en-US"/>
           </a:p>
@@ -9304,7 +9306,7 @@
           <a:p>
             <a:fld id="{4852023B-35B4-406B-9C51-63D33C4B20A9}" type="datetimeFigureOut">
               <a:rPr lang="en-US" smtClean="0"/>
-              <a:t>4/6/2024</a:t>
+              <a:t>3/7/2025</a:t>
             </a:fld>
             <a:endParaRPr lang="en-US"/>
           </a:p>
@@ -9431,7 +9433,7 @@
           <a:p>
             <a:fld id="{4852023B-35B4-406B-9C51-63D33C4B20A9}" type="datetimeFigureOut">
               <a:rPr lang="en-US" smtClean="0"/>
-              <a:t>4/6/2024</a:t>
+              <a:t>3/7/2025</a:t>
             </a:fld>
             <a:endParaRPr lang="en-US"/>
           </a:p>
@@ -9526,7 +9528,7 @@
           <a:p>
             <a:fld id="{4852023B-35B4-406B-9C51-63D33C4B20A9}" type="datetimeFigureOut">
               <a:rPr lang="en-US" smtClean="0"/>
-              <a:t>4/6/2024</a:t>
+              <a:t>3/7/2025</a:t>
             </a:fld>
             <a:endParaRPr lang="en-US"/>
           </a:p>
@@ -10607,7 +10609,7 @@
           <a:p>
             <a:fld id="{4852023B-35B4-406B-9C51-63D33C4B20A9}" type="datetimeFigureOut">
               <a:rPr lang="en-US" smtClean="0"/>
-              <a:t>4/6/2024</a:t>
+              <a:t>3/7/2025</a:t>
             </a:fld>
             <a:endParaRPr lang="en-US"/>
           </a:p>
@@ -11715,7 +11717,7 @@
           <a:p>
             <a:fld id="{4852023B-35B4-406B-9C51-63D33C4B20A9}" type="datetimeFigureOut">
               <a:rPr lang="en-US" smtClean="0"/>
-              <a:t>4/6/2024</a:t>
+              <a:t>3/7/2025</a:t>
             </a:fld>
             <a:endParaRPr lang="en-US"/>
           </a:p>
@@ -12712,7 +12714,7 @@
           <a:p>
             <a:fld id="{4852023B-35B4-406B-9C51-63D33C4B20A9}" type="datetimeFigureOut">
               <a:rPr lang="en-US" smtClean="0"/>
-              <a:t>4/6/2024</a:t>
+              <a:t>3/7/2025</a:t>
             </a:fld>
             <a:endParaRPr lang="en-US"/>
           </a:p>
@@ -13276,7 +13278,7 @@
           <p:cNvPr id="9" name="TextBox 8">
             <a:extLst>
               <a:ext uri="{FF2B5EF4-FFF2-40B4-BE49-F238E27FC236}">
-                <a16:creationId xmlns:a16="http://schemas.microsoft.com/office/drawing/2014/main" id="{39BB7DC7-8A14-75D0-DB09-D55D93EBFBF9}"/>
+                <a16:creationId xmlns:a16="http://schemas.microsoft.com/office/drawing/2014/main" xmlns="" id="{39BB7DC7-8A14-75D0-DB09-D55D93EBFBF9}"/>
               </a:ext>
             </a:extLst>
           </p:cNvPr>
@@ -13308,7 +13310,7 @@
           <p:cNvPr id="12" name="Title 1">
             <a:extLst>
               <a:ext uri="{FF2B5EF4-FFF2-40B4-BE49-F238E27FC236}">
-                <a16:creationId xmlns:a16="http://schemas.microsoft.com/office/drawing/2014/main" id="{6BC09C08-DB38-0216-C707-8BA1E2DE56E4}"/>
+                <a16:creationId xmlns:a16="http://schemas.microsoft.com/office/drawing/2014/main" xmlns="" id="{6BC09C08-DB38-0216-C707-8BA1E2DE56E4}"/>
               </a:ext>
             </a:extLst>
           </p:cNvPr>
@@ -13341,7 +13343,7 @@
           <p:cNvPr id="2" name="TextBox 1">
             <a:extLst>
               <a:ext uri="{FF2B5EF4-FFF2-40B4-BE49-F238E27FC236}">
-                <a16:creationId xmlns:a16="http://schemas.microsoft.com/office/drawing/2014/main" id="{5BE8E56B-D104-CC08-48F4-D487AF749C7B}"/>
+                <a16:creationId xmlns:a16="http://schemas.microsoft.com/office/drawing/2014/main" xmlns="" id="{5BE8E56B-D104-CC08-48F4-D487AF749C7B}"/>
               </a:ext>
             </a:extLst>
           </p:cNvPr>
@@ -13444,7 +13446,7 @@
           <p:cNvPr id="3" name="TextBox 2">
             <a:extLst>
               <a:ext uri="{FF2B5EF4-FFF2-40B4-BE49-F238E27FC236}">
-                <a16:creationId xmlns:a16="http://schemas.microsoft.com/office/drawing/2014/main" id="{C8D9D74B-ED7B-F70B-3A5B-5356FA257D36}"/>
+                <a16:creationId xmlns:a16="http://schemas.microsoft.com/office/drawing/2014/main" xmlns="" id="{C8D9D74B-ED7B-F70B-3A5B-5356FA257D36}"/>
               </a:ext>
             </a:extLst>
           </p:cNvPr>
@@ -13536,7 +13538,7 @@
           <p:cNvPr id="7" name="Picture 6">
             <a:extLst>
               <a:ext uri="{FF2B5EF4-FFF2-40B4-BE49-F238E27FC236}">
-                <a16:creationId xmlns:a16="http://schemas.microsoft.com/office/drawing/2014/main" id="{85923558-9D5B-B7D9-795E-A80B0F560AC1}"/>
+                <a16:creationId xmlns:a16="http://schemas.microsoft.com/office/drawing/2014/main" xmlns="" id="{85923558-9D5B-B7D9-795E-A80B0F560AC1}"/>
               </a:ext>
             </a:extLst>
           </p:cNvPr>
@@ -13566,7 +13568,7 @@
           <p:cNvPr id="8" name="TextBox 7">
             <a:extLst>
               <a:ext uri="{FF2B5EF4-FFF2-40B4-BE49-F238E27FC236}">
-                <a16:creationId xmlns:a16="http://schemas.microsoft.com/office/drawing/2014/main" id="{5B300213-A76B-1DF1-2F8D-7B7E5749DD9D}"/>
+                <a16:creationId xmlns:a16="http://schemas.microsoft.com/office/drawing/2014/main" xmlns="" id="{5B300213-A76B-1DF1-2F8D-7B7E5749DD9D}"/>
               </a:ext>
             </a:extLst>
           </p:cNvPr>
@@ -14049,7 +14051,7 @@
           <p:cNvPr id="4" name="Title 1">
             <a:extLst>
               <a:ext uri="{FF2B5EF4-FFF2-40B4-BE49-F238E27FC236}">
-                <a16:creationId xmlns:a16="http://schemas.microsoft.com/office/drawing/2014/main" id="{0A4045B0-C940-93C6-79DB-351A147113E4}"/>
+                <a16:creationId xmlns:a16="http://schemas.microsoft.com/office/drawing/2014/main" xmlns="" id="{0A4045B0-C940-93C6-79DB-351A147113E4}"/>
               </a:ext>
             </a:extLst>
           </p:cNvPr>
@@ -14082,7 +14084,7 @@
           <p:cNvPr id="7" name="TextBox 6">
             <a:extLst>
               <a:ext uri="{FF2B5EF4-FFF2-40B4-BE49-F238E27FC236}">
-                <a16:creationId xmlns:a16="http://schemas.microsoft.com/office/drawing/2014/main" id="{1F77591A-DB2F-9F91-4945-B2EC29845B38}"/>
+                <a16:creationId xmlns:a16="http://schemas.microsoft.com/office/drawing/2014/main" xmlns="" id="{1F77591A-DB2F-9F91-4945-B2EC29845B38}"/>
               </a:ext>
             </a:extLst>
           </p:cNvPr>
@@ -14146,7 +14148,7 @@
           <p:cNvPr id="3" name="TextBox 2">
             <a:extLst>
               <a:ext uri="{FF2B5EF4-FFF2-40B4-BE49-F238E27FC236}">
-                <a16:creationId xmlns:a16="http://schemas.microsoft.com/office/drawing/2014/main" id="{75CE1D91-0A05-A797-DFCC-8AC0D954B8C4}"/>
+                <a16:creationId xmlns:a16="http://schemas.microsoft.com/office/drawing/2014/main" xmlns="" id="{75CE1D91-0A05-A797-DFCC-8AC0D954B8C4}"/>
               </a:ext>
             </a:extLst>
           </p:cNvPr>
@@ -14225,7 +14227,7 @@
           <p:cNvPr id="5" name="TextBox 4">
             <a:extLst>
               <a:ext uri="{FF2B5EF4-FFF2-40B4-BE49-F238E27FC236}">
-                <a16:creationId xmlns:a16="http://schemas.microsoft.com/office/drawing/2014/main" id="{D3A024AE-BC83-07F5-3885-BC864E91208B}"/>
+                <a16:creationId xmlns:a16="http://schemas.microsoft.com/office/drawing/2014/main" xmlns="" id="{D3A024AE-BC83-07F5-3885-BC864E91208B}"/>
               </a:ext>
             </a:extLst>
           </p:cNvPr>
@@ -14272,7 +14274,7 @@
           <p:cNvPr id="14" name="Picture 13">
             <a:extLst>
               <a:ext uri="{FF2B5EF4-FFF2-40B4-BE49-F238E27FC236}">
-                <a16:creationId xmlns:a16="http://schemas.microsoft.com/office/drawing/2014/main" id="{21282115-67E0-FC53-E5ED-24264FAF013C}"/>
+                <a16:creationId xmlns:a16="http://schemas.microsoft.com/office/drawing/2014/main" xmlns="" id="{21282115-67E0-FC53-E5ED-24264FAF013C}"/>
               </a:ext>
             </a:extLst>
           </p:cNvPr>
@@ -14656,7 +14658,7 @@
           <p:cNvPr id="4" name="Title 1">
             <a:extLst>
               <a:ext uri="{FF2B5EF4-FFF2-40B4-BE49-F238E27FC236}">
-                <a16:creationId xmlns:a16="http://schemas.microsoft.com/office/drawing/2014/main" id="{0A4045B0-C940-93C6-79DB-351A147113E4}"/>
+                <a16:creationId xmlns:a16="http://schemas.microsoft.com/office/drawing/2014/main" xmlns="" id="{0A4045B0-C940-93C6-79DB-351A147113E4}"/>
               </a:ext>
             </a:extLst>
           </p:cNvPr>
@@ -14689,7 +14691,7 @@
           <p:cNvPr id="7" name="TextBox 6">
             <a:extLst>
               <a:ext uri="{FF2B5EF4-FFF2-40B4-BE49-F238E27FC236}">
-                <a16:creationId xmlns:a16="http://schemas.microsoft.com/office/drawing/2014/main" id="{1F77591A-DB2F-9F91-4945-B2EC29845B38}"/>
+                <a16:creationId xmlns:a16="http://schemas.microsoft.com/office/drawing/2014/main" xmlns="" id="{1F77591A-DB2F-9F91-4945-B2EC29845B38}"/>
               </a:ext>
             </a:extLst>
           </p:cNvPr>
@@ -14791,7 +14793,7 @@
           <p:cNvPr id="6" name="TextBox 5">
             <a:extLst>
               <a:ext uri="{FF2B5EF4-FFF2-40B4-BE49-F238E27FC236}">
-                <a16:creationId xmlns:a16="http://schemas.microsoft.com/office/drawing/2014/main" id="{9CA64FD6-BEA4-2353-8A07-33D717CADA3A}"/>
+                <a16:creationId xmlns:a16="http://schemas.microsoft.com/office/drawing/2014/main" xmlns="" id="{9CA64FD6-BEA4-2353-8A07-33D717CADA3A}"/>
               </a:ext>
             </a:extLst>
           </p:cNvPr>
@@ -14887,7 +14889,7 @@
           <p:cNvPr id="10" name="TextBox 9">
             <a:extLst>
               <a:ext uri="{FF2B5EF4-FFF2-40B4-BE49-F238E27FC236}">
-                <a16:creationId xmlns:a16="http://schemas.microsoft.com/office/drawing/2014/main" id="{C89914A2-3B6D-D077-104F-47737F2D1CC9}"/>
+                <a16:creationId xmlns:a16="http://schemas.microsoft.com/office/drawing/2014/main" xmlns="" id="{C89914A2-3B6D-D077-104F-47737F2D1CC9}"/>
               </a:ext>
             </a:extLst>
           </p:cNvPr>
@@ -15080,7 +15082,7 @@
           <p:cNvPr id="12" name="TextBox 11">
             <a:extLst>
               <a:ext uri="{FF2B5EF4-FFF2-40B4-BE49-F238E27FC236}">
-                <a16:creationId xmlns:a16="http://schemas.microsoft.com/office/drawing/2014/main" id="{12B26B99-AF94-9433-984F-83ACFDE565BB}"/>
+                <a16:creationId xmlns:a16="http://schemas.microsoft.com/office/drawing/2014/main" xmlns="" id="{12B26B99-AF94-9433-984F-83ACFDE565BB}"/>
               </a:ext>
             </a:extLst>
           </p:cNvPr>
@@ -15291,7 +15293,7 @@
           <p:cNvPr id="8" name="Picture 7">
             <a:extLst>
               <a:ext uri="{FF2B5EF4-FFF2-40B4-BE49-F238E27FC236}">
-                <a16:creationId xmlns:a16="http://schemas.microsoft.com/office/drawing/2014/main" id="{CC045C0D-B68C-E07A-C5D4-4E8FBA8837BB}"/>
+                <a16:creationId xmlns:a16="http://schemas.microsoft.com/office/drawing/2014/main" xmlns="" id="{CC045C0D-B68C-E07A-C5D4-4E8FBA8837BB}"/>
               </a:ext>
             </a:extLst>
           </p:cNvPr>
@@ -15783,7 +15785,7 @@
           <p:cNvPr id="4" name="Title 1">
             <a:extLst>
               <a:ext uri="{FF2B5EF4-FFF2-40B4-BE49-F238E27FC236}">
-                <a16:creationId xmlns:a16="http://schemas.microsoft.com/office/drawing/2014/main" id="{0A4045B0-C940-93C6-79DB-351A147113E4}"/>
+                <a16:creationId xmlns:a16="http://schemas.microsoft.com/office/drawing/2014/main" xmlns="" id="{0A4045B0-C940-93C6-79DB-351A147113E4}"/>
               </a:ext>
             </a:extLst>
           </p:cNvPr>
@@ -15820,7 +15822,7 @@
           <p:cNvPr id="7" name="TextBox 6">
             <a:extLst>
               <a:ext uri="{FF2B5EF4-FFF2-40B4-BE49-F238E27FC236}">
-                <a16:creationId xmlns:a16="http://schemas.microsoft.com/office/drawing/2014/main" id="{1F77591A-DB2F-9F91-4945-B2EC29845B38}"/>
+                <a16:creationId xmlns:a16="http://schemas.microsoft.com/office/drawing/2014/main" xmlns="" id="{1F77591A-DB2F-9F91-4945-B2EC29845B38}"/>
               </a:ext>
             </a:extLst>
           </p:cNvPr>
@@ -16005,7 +16007,7 @@
           <p:cNvPr id="6" name="TextBox 5">
             <a:extLst>
               <a:ext uri="{FF2B5EF4-FFF2-40B4-BE49-F238E27FC236}">
-                <a16:creationId xmlns:a16="http://schemas.microsoft.com/office/drawing/2014/main" id="{9CA64FD6-BEA4-2353-8A07-33D717CADA3A}"/>
+                <a16:creationId xmlns:a16="http://schemas.microsoft.com/office/drawing/2014/main" xmlns="" id="{9CA64FD6-BEA4-2353-8A07-33D717CADA3A}"/>
               </a:ext>
             </a:extLst>
           </p:cNvPr>
@@ -16087,7 +16089,7 @@
           <p:cNvPr id="2" name="TextBox 1">
             <a:extLst>
               <a:ext uri="{FF2B5EF4-FFF2-40B4-BE49-F238E27FC236}">
-                <a16:creationId xmlns:a16="http://schemas.microsoft.com/office/drawing/2014/main" id="{AA2BD717-B48B-3A0B-5C27-23A0C68D8B05}"/>
+                <a16:creationId xmlns:a16="http://schemas.microsoft.com/office/drawing/2014/main" xmlns="" id="{AA2BD717-B48B-3A0B-5C27-23A0C68D8B05}"/>
               </a:ext>
             </a:extLst>
           </p:cNvPr>
@@ -16252,7 +16254,7 @@
           <p:cNvPr id="9" name="Picture 8">
             <a:extLst>
               <a:ext uri="{FF2B5EF4-FFF2-40B4-BE49-F238E27FC236}">
-                <a16:creationId xmlns:a16="http://schemas.microsoft.com/office/drawing/2014/main" id="{A38831D7-BB3B-C1F8-17D3-97CD0AD42136}"/>
+                <a16:creationId xmlns:a16="http://schemas.microsoft.com/office/drawing/2014/main" xmlns="" id="{A38831D7-BB3B-C1F8-17D3-97CD0AD42136}"/>
               </a:ext>
             </a:extLst>
           </p:cNvPr>
@@ -16644,7 +16646,7 @@
           <p:cNvPr id="4" name="Title 1">
             <a:extLst>
               <a:ext uri="{FF2B5EF4-FFF2-40B4-BE49-F238E27FC236}">
-                <a16:creationId xmlns:a16="http://schemas.microsoft.com/office/drawing/2014/main" id="{0A4045B0-C940-93C6-79DB-351A147113E4}"/>
+                <a16:creationId xmlns:a16="http://schemas.microsoft.com/office/drawing/2014/main" xmlns="" id="{0A4045B0-C940-93C6-79DB-351A147113E4}"/>
               </a:ext>
             </a:extLst>
           </p:cNvPr>
@@ -16685,7 +16687,7 @@
           <p:cNvPr id="7" name="TextBox 6">
             <a:extLst>
               <a:ext uri="{FF2B5EF4-FFF2-40B4-BE49-F238E27FC236}">
-                <a16:creationId xmlns:a16="http://schemas.microsoft.com/office/drawing/2014/main" id="{1F77591A-DB2F-9F91-4945-B2EC29845B38}"/>
+                <a16:creationId xmlns:a16="http://schemas.microsoft.com/office/drawing/2014/main" xmlns="" id="{1F77591A-DB2F-9F91-4945-B2EC29845B38}"/>
               </a:ext>
             </a:extLst>
           </p:cNvPr>
@@ -16739,7 +16741,7 @@
           <p:cNvPr id="5" name="Picture 4">
             <a:extLst>
               <a:ext uri="{FF2B5EF4-FFF2-40B4-BE49-F238E27FC236}">
-                <a16:creationId xmlns:a16="http://schemas.microsoft.com/office/drawing/2014/main" id="{415966A0-7DD5-0960-C994-7A2F3B3FD0AC}"/>
+                <a16:creationId xmlns:a16="http://schemas.microsoft.com/office/drawing/2014/main" xmlns="" id="{415966A0-7DD5-0960-C994-7A2F3B3FD0AC}"/>
               </a:ext>
             </a:extLst>
           </p:cNvPr>
@@ -16909,6 +16911,935 @@
 </p:sld>
 </file>
 
+<file path=ppt/slides/slide14.xml><?xml version="1.0" encoding="utf-8"?>
+<p:sld xmlns:a="http://schemas.openxmlformats.org/drawingml/2006/main" xmlns:r="http://schemas.openxmlformats.org/officeDocument/2006/relationships" xmlns:p="http://schemas.openxmlformats.org/presentationml/2006/main">
+  <p:cSld>
+    <p:spTree>
+      <p:nvGrpSpPr>
+        <p:cNvPr id="1" name=""/>
+        <p:cNvGrpSpPr/>
+        <p:nvPr/>
+      </p:nvGrpSpPr>
+      <p:grpSpPr>
+        <a:xfrm>
+          <a:off x="0" y="0"/>
+          <a:ext cx="0" cy="0"/>
+          <a:chOff x="0" y="0"/>
+          <a:chExt cx="0" cy="0"/>
+        </a:xfrm>
+      </p:grpSpPr>
+      <p:sp>
+        <p:nvSpPr>
+          <p:cNvPr id="4" name="Title 1">
+            <a:extLst>
+              <a:ext uri="{FF2B5EF4-FFF2-40B4-BE49-F238E27FC236}">
+                <a16:creationId xmlns:a16="http://schemas.microsoft.com/office/drawing/2014/main" xmlns="" id="{0A4045B0-C940-93C6-79DB-351A147113E4}"/>
+              </a:ext>
+            </a:extLst>
+          </p:cNvPr>
+          <p:cNvSpPr>
+            <a:spLocks noGrp="1"/>
+          </p:cNvSpPr>
+          <p:nvPr>
+            <p:ph type="ctrTitle"/>
+          </p:nvPr>
+        </p:nvSpPr>
+        <p:spPr>
+          <a:xfrm>
+            <a:off x="644435" y="762127"/>
+            <a:ext cx="10876054" cy="1959428"/>
+          </a:xfrm>
+        </p:spPr>
+        <p:txBody>
+          <a:bodyPr/>
+          <a:lstStyle/>
+          <a:p>
+            <a:r>
+              <a:rPr lang="en-US" sz="4400" b="1" dirty="0" smtClean="0"/>
+              <a:t>Send Email for Free using Gmail SMTP in </a:t>
+            </a:r>
+            <a:br>
+              <a:rPr lang="en-US" sz="4400" b="1" dirty="0" smtClean="0"/>
+            </a:br>
+            <a:r>
+              <a:rPr lang="en-US" sz="4400" b="1" dirty="0" smtClean="0">
+                <a:solidFill>
+                  <a:srgbClr val="00B0F0"/>
+                </a:solidFill>
+              </a:rPr>
+              <a:t>.</a:t>
+            </a:r>
+            <a:r>
+              <a:rPr lang="en-US" sz="4400" b="1" dirty="0" smtClean="0">
+                <a:solidFill>
+                  <a:srgbClr val="00B0F0"/>
+                </a:solidFill>
+              </a:rPr>
+              <a:t>NET Clean Architecture with dynamic User Name</a:t>
+            </a:r>
+            <a:endParaRPr lang="en-US" sz="4400" b="1" dirty="0">
+              <a:solidFill>
+                <a:srgbClr val="00B0F0"/>
+              </a:solidFill>
+            </a:endParaRPr>
+          </a:p>
+        </p:txBody>
+      </p:sp>
+      <p:pic>
+        <p:nvPicPr>
+          <p:cNvPr id="6" name="Picture 5"/>
+          <p:cNvPicPr>
+            <a:picLocks noChangeAspect="1"/>
+          </p:cNvPicPr>
+          <p:nvPr/>
+        </p:nvPicPr>
+        <p:blipFill>
+          <a:blip r:embed="rId2"/>
+          <a:stretch>
+            <a:fillRect/>
+          </a:stretch>
+        </p:blipFill>
+        <p:spPr>
+          <a:xfrm>
+            <a:off x="1489166" y="2878309"/>
+            <a:ext cx="9048205" cy="3240670"/>
+          </a:xfrm>
+          <a:prstGeom prst="rect">
+            <a:avLst/>
+          </a:prstGeom>
+        </p:spPr>
+      </p:pic>
+    </p:spTree>
+    <p:extLst>
+      <p:ext uri="{BB962C8B-B14F-4D97-AF65-F5344CB8AC3E}">
+        <p14:creationId xmlns:p14="http://schemas.microsoft.com/office/powerpoint/2010/main" val="109943643"/>
+      </p:ext>
+    </p:extLst>
+  </p:cSld>
+  <p:clrMapOvr>
+    <a:masterClrMapping/>
+  </p:clrMapOvr>
+  <p:timing>
+    <p:tnLst>
+      <p:par>
+        <p:cTn id="1" dur="indefinite" restart="never" nodeType="tmRoot">
+          <p:childTnLst>
+            <p:seq concurrent="1" nextAc="seek">
+              <p:cTn id="2" dur="indefinite" nodeType="mainSeq">
+                <p:childTnLst>
+                  <p:par>
+                    <p:cTn id="3" fill="hold">
+                      <p:stCondLst>
+                        <p:cond delay="indefinite"/>
+                      </p:stCondLst>
+                      <p:childTnLst>
+                        <p:par>
+                          <p:cTn id="4" fill="hold">
+                            <p:stCondLst>
+                              <p:cond delay="0"/>
+                            </p:stCondLst>
+                            <p:childTnLst>
+                              <p:par>
+                                <p:cTn id="5" presetID="42" presetClass="entr" presetSubtype="0" fill="hold" grpId="0" nodeType="clickEffect">
+                                  <p:stCondLst>
+                                    <p:cond delay="0"/>
+                                  </p:stCondLst>
+                                  <p:childTnLst>
+                                    <p:set>
+                                      <p:cBhvr>
+                                        <p:cTn id="6" dur="1" fill="hold">
+                                          <p:stCondLst>
+                                            <p:cond delay="0"/>
+                                          </p:stCondLst>
+                                        </p:cTn>
+                                        <p:tgtEl>
+                                          <p:spTgt spid="4"/>
+                                        </p:tgtEl>
+                                        <p:attrNameLst>
+                                          <p:attrName>style.visibility</p:attrName>
+                                        </p:attrNameLst>
+                                      </p:cBhvr>
+                                      <p:to>
+                                        <p:strVal val="visible"/>
+                                      </p:to>
+                                    </p:set>
+                                    <p:animEffect transition="in" filter="fade">
+                                      <p:cBhvr>
+                                        <p:cTn id="7" dur="1000"/>
+                                        <p:tgtEl>
+                                          <p:spTgt spid="4"/>
+                                        </p:tgtEl>
+                                      </p:cBhvr>
+                                    </p:animEffect>
+                                    <p:anim calcmode="lin" valueType="num">
+                                      <p:cBhvr>
+                                        <p:cTn id="8" dur="1000" fill="hold"/>
+                                        <p:tgtEl>
+                                          <p:spTgt spid="4"/>
+                                        </p:tgtEl>
+                                        <p:attrNameLst>
+                                          <p:attrName>ppt_x</p:attrName>
+                                        </p:attrNameLst>
+                                      </p:cBhvr>
+                                      <p:tavLst>
+                                        <p:tav tm="0">
+                                          <p:val>
+                                            <p:strVal val="#ppt_x"/>
+                                          </p:val>
+                                        </p:tav>
+                                        <p:tav tm="100000">
+                                          <p:val>
+                                            <p:strVal val="#ppt_x"/>
+                                          </p:val>
+                                        </p:tav>
+                                      </p:tavLst>
+                                    </p:anim>
+                                    <p:anim calcmode="lin" valueType="num">
+                                      <p:cBhvr>
+                                        <p:cTn id="9" dur="1000" fill="hold"/>
+                                        <p:tgtEl>
+                                          <p:spTgt spid="4"/>
+                                        </p:tgtEl>
+                                        <p:attrNameLst>
+                                          <p:attrName>ppt_y</p:attrName>
+                                        </p:attrNameLst>
+                                      </p:cBhvr>
+                                      <p:tavLst>
+                                        <p:tav tm="0">
+                                          <p:val>
+                                            <p:strVal val="#ppt_y+.1"/>
+                                          </p:val>
+                                        </p:tav>
+                                        <p:tav tm="100000">
+                                          <p:val>
+                                            <p:strVal val="#ppt_y"/>
+                                          </p:val>
+                                        </p:tav>
+                                      </p:tavLst>
+                                    </p:anim>
+                                  </p:childTnLst>
+                                </p:cTn>
+                              </p:par>
+                            </p:childTnLst>
+                          </p:cTn>
+                        </p:par>
+                      </p:childTnLst>
+                    </p:cTn>
+                  </p:par>
+                  <p:par>
+                    <p:cTn id="10" fill="hold">
+                      <p:stCondLst>
+                        <p:cond delay="indefinite"/>
+                      </p:stCondLst>
+                      <p:childTnLst>
+                        <p:par>
+                          <p:cTn id="11" fill="hold">
+                            <p:stCondLst>
+                              <p:cond delay="0"/>
+                            </p:stCondLst>
+                            <p:childTnLst>
+                              <p:par>
+                                <p:cTn id="12" presetID="42" presetClass="entr" presetSubtype="0" fill="hold" nodeType="clickEffect">
+                                  <p:stCondLst>
+                                    <p:cond delay="0"/>
+                                  </p:stCondLst>
+                                  <p:childTnLst>
+                                    <p:set>
+                                      <p:cBhvr>
+                                        <p:cTn id="13" dur="1" fill="hold">
+                                          <p:stCondLst>
+                                            <p:cond delay="0"/>
+                                          </p:stCondLst>
+                                        </p:cTn>
+                                        <p:tgtEl>
+                                          <p:spTgt spid="6"/>
+                                        </p:tgtEl>
+                                        <p:attrNameLst>
+                                          <p:attrName>style.visibility</p:attrName>
+                                        </p:attrNameLst>
+                                      </p:cBhvr>
+                                      <p:to>
+                                        <p:strVal val="visible"/>
+                                      </p:to>
+                                    </p:set>
+                                    <p:animEffect transition="in" filter="fade">
+                                      <p:cBhvr>
+                                        <p:cTn id="14" dur="1000"/>
+                                        <p:tgtEl>
+                                          <p:spTgt spid="6"/>
+                                        </p:tgtEl>
+                                      </p:cBhvr>
+                                    </p:animEffect>
+                                    <p:anim calcmode="lin" valueType="num">
+                                      <p:cBhvr>
+                                        <p:cTn id="15" dur="1000" fill="hold"/>
+                                        <p:tgtEl>
+                                          <p:spTgt spid="6"/>
+                                        </p:tgtEl>
+                                        <p:attrNameLst>
+                                          <p:attrName>ppt_x</p:attrName>
+                                        </p:attrNameLst>
+                                      </p:cBhvr>
+                                      <p:tavLst>
+                                        <p:tav tm="0">
+                                          <p:val>
+                                            <p:strVal val="#ppt_x"/>
+                                          </p:val>
+                                        </p:tav>
+                                        <p:tav tm="100000">
+                                          <p:val>
+                                            <p:strVal val="#ppt_x"/>
+                                          </p:val>
+                                        </p:tav>
+                                      </p:tavLst>
+                                    </p:anim>
+                                    <p:anim calcmode="lin" valueType="num">
+                                      <p:cBhvr>
+                                        <p:cTn id="16" dur="1000" fill="hold"/>
+                                        <p:tgtEl>
+                                          <p:spTgt spid="6"/>
+                                        </p:tgtEl>
+                                        <p:attrNameLst>
+                                          <p:attrName>ppt_y</p:attrName>
+                                        </p:attrNameLst>
+                                      </p:cBhvr>
+                                      <p:tavLst>
+                                        <p:tav tm="0">
+                                          <p:val>
+                                            <p:strVal val="#ppt_y+.1"/>
+                                          </p:val>
+                                        </p:tav>
+                                        <p:tav tm="100000">
+                                          <p:val>
+                                            <p:strVal val="#ppt_y"/>
+                                          </p:val>
+                                        </p:tav>
+                                      </p:tavLst>
+                                    </p:anim>
+                                  </p:childTnLst>
+                                </p:cTn>
+                              </p:par>
+                            </p:childTnLst>
+                          </p:cTn>
+                        </p:par>
+                      </p:childTnLst>
+                    </p:cTn>
+                  </p:par>
+                </p:childTnLst>
+              </p:cTn>
+              <p:prevCondLst>
+                <p:cond evt="onPrev" delay="0">
+                  <p:tgtEl>
+                    <p:sldTgt/>
+                  </p:tgtEl>
+                </p:cond>
+              </p:prevCondLst>
+              <p:nextCondLst>
+                <p:cond evt="onNext" delay="0">
+                  <p:tgtEl>
+                    <p:sldTgt/>
+                  </p:tgtEl>
+                </p:cond>
+              </p:nextCondLst>
+            </p:seq>
+          </p:childTnLst>
+        </p:cTn>
+      </p:par>
+    </p:tnLst>
+    <p:bldLst>
+      <p:bldP spid="4" grpId="0"/>
+    </p:bldLst>
+  </p:timing>
+</p:sld>
+</file>
+
+<file path=ppt/slides/slide15.xml><?xml version="1.0" encoding="utf-8"?>
+<p:sld xmlns:a="http://schemas.openxmlformats.org/drawingml/2006/main" xmlns:r="http://schemas.openxmlformats.org/officeDocument/2006/relationships" xmlns:p="http://schemas.openxmlformats.org/presentationml/2006/main">
+  <p:cSld>
+    <p:spTree>
+      <p:nvGrpSpPr>
+        <p:cNvPr id="1" name=""/>
+        <p:cNvGrpSpPr/>
+        <p:nvPr/>
+      </p:nvGrpSpPr>
+      <p:grpSpPr>
+        <a:xfrm>
+          <a:off x="0" y="0"/>
+          <a:ext cx="0" cy="0"/>
+          <a:chOff x="0" y="0"/>
+          <a:chExt cx="0" cy="0"/>
+        </a:xfrm>
+      </p:grpSpPr>
+      <p:sp>
+        <p:nvSpPr>
+          <p:cNvPr id="4" name="Title 1">
+            <a:extLst>
+              <a:ext uri="{FF2B5EF4-FFF2-40B4-BE49-F238E27FC236}">
+                <a16:creationId xmlns:a16="http://schemas.microsoft.com/office/drawing/2014/main" xmlns="" id="{0A4045B0-C940-93C6-79DB-351A147113E4}"/>
+              </a:ext>
+            </a:extLst>
+          </p:cNvPr>
+          <p:cNvSpPr>
+            <a:spLocks noGrp="1"/>
+          </p:cNvSpPr>
+          <p:nvPr>
+            <p:ph type="ctrTitle"/>
+          </p:nvPr>
+        </p:nvSpPr>
+        <p:spPr>
+          <a:xfrm>
+            <a:off x="591123" y="670560"/>
+            <a:ext cx="10955492" cy="1245326"/>
+          </a:xfrm>
+        </p:spPr>
+        <p:txBody>
+          <a:bodyPr/>
+          <a:lstStyle/>
+          <a:p>
+            <a:r>
+              <a:rPr lang="en-US" sz="4000" b="1" dirty="0" smtClean="0"/>
+              <a:t>How to send Text &amp; HTML Template Email in .</a:t>
+            </a:r>
+            <a:r>
+              <a:rPr lang="en-US" sz="4000" b="1" dirty="0" smtClean="0"/>
+              <a:t>NET Clean Architecture</a:t>
+            </a:r>
+            <a:endParaRPr lang="en-US" sz="4000" b="1" dirty="0"/>
+          </a:p>
+        </p:txBody>
+      </p:sp>
+      <p:sp>
+        <p:nvSpPr>
+          <p:cNvPr id="7" name="TextBox 6">
+            <a:extLst>
+              <a:ext uri="{FF2B5EF4-FFF2-40B4-BE49-F238E27FC236}">
+                <a16:creationId xmlns:a16="http://schemas.microsoft.com/office/drawing/2014/main" xmlns="" id="{1F77591A-DB2F-9F91-4945-B2EC29845B38}"/>
+              </a:ext>
+            </a:extLst>
+          </p:cNvPr>
+          <p:cNvSpPr txBox="1"/>
+          <p:nvPr/>
+        </p:nvSpPr>
+        <p:spPr>
+          <a:xfrm>
+            <a:off x="591123" y="2046514"/>
+            <a:ext cx="11043528" cy="3970318"/>
+          </a:xfrm>
+          <a:prstGeom prst="rect">
+            <a:avLst/>
+          </a:prstGeom>
+          <a:noFill/>
+        </p:spPr>
+        <p:txBody>
+          <a:bodyPr wrap="square" rtlCol="0">
+            <a:spAutoFit/>
+          </a:bodyPr>
+          <a:lstStyle/>
+          <a:p>
+            <a:r>
+              <a:rPr lang="en-US" sz="1400" dirty="0">
+                <a:solidFill>
+                  <a:schemeClr val="bg1"/>
+                </a:solidFill>
+              </a:rPr>
+              <a:t>There are several ways to send emails in .NET applications, such as using </a:t>
+            </a:r>
+            <a:r>
+              <a:rPr lang="en-US" sz="1400" dirty="0" err="1">
+                <a:solidFill>
+                  <a:schemeClr val="bg1"/>
+                </a:solidFill>
+              </a:rPr>
+              <a:t>SendGrid</a:t>
+            </a:r>
+            <a:r>
+              <a:rPr lang="en-US" sz="1400" dirty="0">
+                <a:solidFill>
+                  <a:schemeClr val="bg1"/>
+                </a:solidFill>
+              </a:rPr>
+              <a:t>, AWS SES, or SMTP Relay. However, in this tutorial, we will use </a:t>
+            </a:r>
+            <a:r>
+              <a:rPr lang="en-US" sz="1400" b="1" dirty="0" err="1" smtClean="0">
+                <a:solidFill>
+                  <a:schemeClr val="bg1"/>
+                </a:solidFill>
+              </a:rPr>
+              <a:t>MailKit</a:t>
+            </a:r>
+            <a:r>
+              <a:rPr lang="en-US" sz="1400" b="1" dirty="0" smtClean="0">
+                <a:solidFill>
+                  <a:schemeClr val="bg1"/>
+                </a:solidFill>
+              </a:rPr>
+              <a:t>.</a:t>
+            </a:r>
+            <a:r>
+              <a:rPr lang="en-US" sz="1400" dirty="0">
+                <a:solidFill>
+                  <a:schemeClr val="bg1"/>
+                </a:solidFill>
+              </a:rPr>
+              <a:t> </a:t>
+            </a:r>
+            <a:r>
+              <a:rPr lang="en-US" sz="1400" b="1" dirty="0" smtClean="0">
+                <a:solidFill>
+                  <a:schemeClr val="bg1"/>
+                </a:solidFill>
+              </a:rPr>
+              <a:t>Install-Package </a:t>
+            </a:r>
+            <a:r>
+              <a:rPr lang="en-US" sz="1400" b="1" dirty="0" err="1" smtClean="0">
+                <a:solidFill>
+                  <a:schemeClr val="bg1"/>
+                </a:solidFill>
+              </a:rPr>
+              <a:t>MailKit</a:t>
+            </a:r>
+            <a:endParaRPr lang="en-US" sz="1400" b="1" dirty="0" smtClean="0">
+              <a:solidFill>
+                <a:schemeClr val="bg1"/>
+              </a:solidFill>
+            </a:endParaRPr>
+          </a:p>
+          <a:p>
+            <a:endParaRPr lang="en-US" sz="1400" dirty="0">
+              <a:solidFill>
+                <a:schemeClr val="bg1"/>
+              </a:solidFill>
+            </a:endParaRPr>
+          </a:p>
+          <a:p>
+            <a:r>
+              <a:rPr lang="en-US" sz="1400" dirty="0" smtClean="0">
+                <a:solidFill>
+                  <a:schemeClr val="bg1"/>
+                </a:solidFill>
+              </a:rPr>
+              <a:t>What’s an SMTP Server?</a:t>
+            </a:r>
+          </a:p>
+          <a:p>
+            <a:r>
+              <a:rPr lang="en-US" sz="1400" dirty="0" smtClean="0">
+                <a:solidFill>
+                  <a:schemeClr val="bg1"/>
+                </a:solidFill>
+              </a:rPr>
+              <a:t>SMTP stand for (Simple </a:t>
+            </a:r>
+            <a:r>
+              <a:rPr lang="en-US" sz="1400" dirty="0">
+                <a:solidFill>
+                  <a:schemeClr val="bg1"/>
+                </a:solidFill>
+              </a:rPr>
+              <a:t>Mail Transfer Protocol) server is a mail server responsible for sending, receiving, and relaying email messages between senders and recipients. It acts as a digital postman, ensuring that your emails reach the correct </a:t>
+            </a:r>
+            <a:r>
+              <a:rPr lang="en-US" sz="1400" dirty="0" smtClean="0">
+                <a:solidFill>
+                  <a:schemeClr val="bg1"/>
+                </a:solidFill>
+              </a:rPr>
+              <a:t>destination, and </a:t>
+            </a:r>
+            <a:r>
+              <a:rPr lang="en-US" sz="1400" dirty="0">
+                <a:solidFill>
+                  <a:schemeClr val="bg1"/>
+                </a:solidFill>
+              </a:rPr>
+              <a:t>we will use Gmail's SMTP server to send emails.</a:t>
+            </a:r>
+            <a:endParaRPr lang="en-US" sz="1400" dirty="0" smtClean="0">
+              <a:solidFill>
+                <a:schemeClr val="bg1"/>
+              </a:solidFill>
+            </a:endParaRPr>
+          </a:p>
+          <a:p>
+            <a:endParaRPr lang="en-US" sz="1400" dirty="0">
+              <a:solidFill>
+                <a:schemeClr val="bg1"/>
+              </a:solidFill>
+            </a:endParaRPr>
+          </a:p>
+          <a:p>
+            <a:r>
+              <a:rPr lang="en-US" sz="1400" dirty="0" smtClean="0">
+                <a:solidFill>
+                  <a:schemeClr val="bg1"/>
+                </a:solidFill>
+              </a:rPr>
+              <a:t>Gmail </a:t>
+            </a:r>
+            <a:r>
+              <a:rPr lang="en-US" sz="1400" dirty="0">
+                <a:solidFill>
+                  <a:schemeClr val="bg1"/>
+                </a:solidFill>
+              </a:rPr>
+              <a:t>allows you to send 5</a:t>
+            </a:r>
+            <a:r>
+              <a:rPr lang="en-US" sz="1400" dirty="0" smtClean="0">
+                <a:solidFill>
+                  <a:schemeClr val="bg1"/>
+                </a:solidFill>
+              </a:rPr>
+              <a:t>00 </a:t>
+            </a:r>
+            <a:r>
+              <a:rPr lang="en-US" sz="1400" dirty="0">
+                <a:solidFill>
+                  <a:schemeClr val="bg1"/>
+                </a:solidFill>
+              </a:rPr>
+              <a:t>emails per day using the Gmail SMTP Server for </a:t>
+            </a:r>
+            <a:r>
+              <a:rPr lang="en-US" sz="1400" dirty="0" smtClean="0">
+                <a:solidFill>
+                  <a:schemeClr val="bg1"/>
+                </a:solidFill>
+              </a:rPr>
+              <a:t>FREE. </a:t>
+            </a:r>
+          </a:p>
+          <a:p>
+            <a:r>
+              <a:rPr lang="en-US" sz="1400" dirty="0" smtClean="0">
+                <a:solidFill>
+                  <a:schemeClr val="bg1"/>
+                </a:solidFill>
+              </a:rPr>
+              <a:t>Here is what you will need to use Gmail SMTP.</a:t>
+            </a:r>
+          </a:p>
+          <a:p>
+            <a:endParaRPr lang="en-US" sz="1400" dirty="0">
+              <a:solidFill>
+                <a:schemeClr val="bg1"/>
+              </a:solidFill>
+            </a:endParaRPr>
+          </a:p>
+          <a:p>
+            <a:pPr marL="285750" indent="-285750">
+              <a:buFont typeface="Wingdings" panose="05000000000000000000" pitchFamily="2" charset="2"/>
+              <a:buChar char="Ø"/>
+            </a:pPr>
+            <a:r>
+              <a:rPr lang="en-US" sz="1400" dirty="0" smtClean="0">
+                <a:solidFill>
+                  <a:schemeClr val="bg1"/>
+                </a:solidFill>
+              </a:rPr>
+              <a:t>Gmail </a:t>
+            </a:r>
+            <a:r>
+              <a:rPr lang="en-US" sz="1400" dirty="0">
+                <a:solidFill>
+                  <a:schemeClr val="bg1"/>
+                </a:solidFill>
+              </a:rPr>
+              <a:t>ID (Do not use a personal Email ID, quite risky if compromised.) </a:t>
+            </a:r>
+            <a:endParaRPr lang="en-US" sz="1400" dirty="0" smtClean="0">
+              <a:solidFill>
+                <a:schemeClr val="bg1"/>
+              </a:solidFill>
+            </a:endParaRPr>
+          </a:p>
+          <a:p>
+            <a:pPr marL="285750" indent="-285750">
+              <a:buFont typeface="Wingdings" panose="05000000000000000000" pitchFamily="2" charset="2"/>
+              <a:buChar char="Ø"/>
+            </a:pPr>
+            <a:r>
+              <a:rPr lang="en-US" sz="1400" dirty="0" smtClean="0">
+                <a:solidFill>
+                  <a:schemeClr val="bg1"/>
+                </a:solidFill>
+              </a:rPr>
+              <a:t>Gmail Password</a:t>
+            </a:r>
+            <a:r>
+              <a:rPr lang="en-US" sz="1400" dirty="0">
+                <a:solidFill>
+                  <a:schemeClr val="bg1"/>
+                </a:solidFill>
+              </a:rPr>
+              <a:t>.</a:t>
+            </a:r>
+          </a:p>
+          <a:p>
+            <a:pPr marL="285750" indent="-285750">
+              <a:buFont typeface="Wingdings" panose="05000000000000000000" pitchFamily="2" charset="2"/>
+              <a:buChar char="Ø"/>
+            </a:pPr>
+            <a:r>
+              <a:rPr lang="en-US" sz="1400" dirty="0" smtClean="0">
+                <a:solidFill>
+                  <a:schemeClr val="bg1"/>
+                </a:solidFill>
+              </a:rPr>
+              <a:t>Host </a:t>
+            </a:r>
+            <a:r>
+              <a:rPr lang="en-US" sz="1400" dirty="0">
+                <a:solidFill>
+                  <a:schemeClr val="bg1"/>
+                </a:solidFill>
+              </a:rPr>
+              <a:t>or SMTP Server address - If you are going with Gmail, use smtp.gmail.com</a:t>
+            </a:r>
+          </a:p>
+          <a:p>
+            <a:pPr marL="285750" indent="-285750">
+              <a:buFont typeface="Wingdings" panose="05000000000000000000" pitchFamily="2" charset="2"/>
+              <a:buChar char="Ø"/>
+            </a:pPr>
+            <a:r>
+              <a:rPr lang="en-US" sz="1400" dirty="0" smtClean="0">
+                <a:solidFill>
+                  <a:schemeClr val="bg1"/>
+                </a:solidFill>
+              </a:rPr>
+              <a:t>Port </a:t>
+            </a:r>
+            <a:r>
+              <a:rPr lang="en-US" sz="1400" dirty="0">
+                <a:solidFill>
+                  <a:schemeClr val="bg1"/>
+                </a:solidFill>
+              </a:rPr>
+              <a:t>- Use 465 (SSL) or 587 (TLS)</a:t>
+            </a:r>
+          </a:p>
+          <a:p>
+            <a:endParaRPr lang="en-US" sz="1400" dirty="0" smtClean="0">
+              <a:solidFill>
+                <a:schemeClr val="bg1"/>
+              </a:solidFill>
+            </a:endParaRPr>
+          </a:p>
+          <a:p>
+            <a:r>
+              <a:rPr lang="en-US" sz="1400" dirty="0" smtClean="0">
+                <a:solidFill>
+                  <a:schemeClr val="bg1"/>
+                </a:solidFill>
+              </a:rPr>
+              <a:t>After </a:t>
+            </a:r>
+            <a:r>
+              <a:rPr lang="en-US" sz="1400" dirty="0">
+                <a:solidFill>
+                  <a:schemeClr val="bg1"/>
+                </a:solidFill>
+              </a:rPr>
+              <a:t>you get the details, </a:t>
+            </a:r>
+            <a:r>
+              <a:rPr lang="en-US" sz="1400" dirty="0" smtClean="0">
+                <a:solidFill>
+                  <a:schemeClr val="bg1"/>
+                </a:solidFill>
+              </a:rPr>
+              <a:t>You need to create </a:t>
+            </a:r>
+            <a:r>
+              <a:rPr lang="en-US" sz="1400" dirty="0" err="1" smtClean="0">
+                <a:solidFill>
+                  <a:schemeClr val="bg1"/>
+                </a:solidFill>
+              </a:rPr>
+              <a:t>AppPassword</a:t>
+            </a:r>
+            <a:r>
+              <a:rPr lang="en-US" sz="1400" dirty="0" smtClean="0">
+                <a:solidFill>
+                  <a:schemeClr val="bg1"/>
+                </a:solidFill>
+              </a:rPr>
+              <a:t> for specific app, </a:t>
+            </a:r>
+            <a:br>
+              <a:rPr lang="en-US" sz="1400" dirty="0" smtClean="0">
+                <a:solidFill>
+                  <a:schemeClr val="bg1"/>
+                </a:solidFill>
+              </a:rPr>
+            </a:br>
+            <a:r>
+              <a:rPr lang="en-US" sz="1400" dirty="0" smtClean="0">
+                <a:solidFill>
+                  <a:schemeClr val="bg1"/>
+                </a:solidFill>
+              </a:rPr>
+              <a:t>https</a:t>
+            </a:r>
+            <a:r>
+              <a:rPr lang="en-US" sz="1400" dirty="0">
+                <a:solidFill>
+                  <a:schemeClr val="bg1"/>
+                </a:solidFill>
+              </a:rPr>
+              <a:t>://myaccount.google.com/apppasswords</a:t>
+            </a:r>
+          </a:p>
+        </p:txBody>
+      </p:sp>
+    </p:spTree>
+    <p:extLst>
+      <p:ext uri="{BB962C8B-B14F-4D97-AF65-F5344CB8AC3E}">
+        <p14:creationId xmlns:p14="http://schemas.microsoft.com/office/powerpoint/2010/main" val="132657197"/>
+      </p:ext>
+    </p:extLst>
+  </p:cSld>
+  <p:clrMapOvr>
+    <a:masterClrMapping/>
+  </p:clrMapOvr>
+  <p:timing>
+    <p:tnLst>
+      <p:par>
+        <p:cTn id="1" dur="indefinite" restart="never" nodeType="tmRoot">
+          <p:childTnLst>
+            <p:seq concurrent="1" nextAc="seek">
+              <p:cTn id="2" dur="indefinite" nodeType="mainSeq">
+                <p:childTnLst>
+                  <p:par>
+                    <p:cTn id="3" fill="hold">
+                      <p:stCondLst>
+                        <p:cond delay="indefinite"/>
+                      </p:stCondLst>
+                      <p:childTnLst>
+                        <p:par>
+                          <p:cTn id="4" fill="hold">
+                            <p:stCondLst>
+                              <p:cond delay="0"/>
+                            </p:stCondLst>
+                            <p:childTnLst>
+                              <p:par>
+                                <p:cTn id="5" presetID="42" presetClass="entr" presetSubtype="0" fill="hold" grpId="0" nodeType="clickEffect">
+                                  <p:stCondLst>
+                                    <p:cond delay="0"/>
+                                  </p:stCondLst>
+                                  <p:childTnLst>
+                                    <p:set>
+                                      <p:cBhvr>
+                                        <p:cTn id="6" dur="1" fill="hold">
+                                          <p:stCondLst>
+                                            <p:cond delay="0"/>
+                                          </p:stCondLst>
+                                        </p:cTn>
+                                        <p:tgtEl>
+                                          <p:spTgt spid="7"/>
+                                        </p:tgtEl>
+                                        <p:attrNameLst>
+                                          <p:attrName>style.visibility</p:attrName>
+                                        </p:attrNameLst>
+                                      </p:cBhvr>
+                                      <p:to>
+                                        <p:strVal val="visible"/>
+                                      </p:to>
+                                    </p:set>
+                                    <p:animEffect transition="in" filter="fade">
+                                      <p:cBhvr>
+                                        <p:cTn id="7" dur="1000"/>
+                                        <p:tgtEl>
+                                          <p:spTgt spid="7"/>
+                                        </p:tgtEl>
+                                      </p:cBhvr>
+                                    </p:animEffect>
+                                    <p:anim calcmode="lin" valueType="num">
+                                      <p:cBhvr>
+                                        <p:cTn id="8" dur="1000" fill="hold"/>
+                                        <p:tgtEl>
+                                          <p:spTgt spid="7"/>
+                                        </p:tgtEl>
+                                        <p:attrNameLst>
+                                          <p:attrName>ppt_x</p:attrName>
+                                        </p:attrNameLst>
+                                      </p:cBhvr>
+                                      <p:tavLst>
+                                        <p:tav tm="0">
+                                          <p:val>
+                                            <p:strVal val="#ppt_x"/>
+                                          </p:val>
+                                        </p:tav>
+                                        <p:tav tm="100000">
+                                          <p:val>
+                                            <p:strVal val="#ppt_x"/>
+                                          </p:val>
+                                        </p:tav>
+                                      </p:tavLst>
+                                    </p:anim>
+                                    <p:anim calcmode="lin" valueType="num">
+                                      <p:cBhvr>
+                                        <p:cTn id="9" dur="1000" fill="hold"/>
+                                        <p:tgtEl>
+                                          <p:spTgt spid="7"/>
+                                        </p:tgtEl>
+                                        <p:attrNameLst>
+                                          <p:attrName>ppt_y</p:attrName>
+                                        </p:attrNameLst>
+                                      </p:cBhvr>
+                                      <p:tavLst>
+                                        <p:tav tm="0">
+                                          <p:val>
+                                            <p:strVal val="#ppt_y+.1"/>
+                                          </p:val>
+                                        </p:tav>
+                                        <p:tav tm="100000">
+                                          <p:val>
+                                            <p:strVal val="#ppt_y"/>
+                                          </p:val>
+                                        </p:tav>
+                                      </p:tavLst>
+                                    </p:anim>
+                                  </p:childTnLst>
+                                </p:cTn>
+                              </p:par>
+                            </p:childTnLst>
+                          </p:cTn>
+                        </p:par>
+                      </p:childTnLst>
+                    </p:cTn>
+                  </p:par>
+                </p:childTnLst>
+              </p:cTn>
+              <p:prevCondLst>
+                <p:cond evt="onPrev" delay="0">
+                  <p:tgtEl>
+                    <p:sldTgt/>
+                  </p:tgtEl>
+                </p:cond>
+              </p:prevCondLst>
+              <p:nextCondLst>
+                <p:cond evt="onNext" delay="0">
+                  <p:tgtEl>
+                    <p:sldTgt/>
+                  </p:tgtEl>
+                </p:cond>
+              </p:nextCondLst>
+            </p:seq>
+          </p:childTnLst>
+        </p:cTn>
+      </p:par>
+    </p:tnLst>
+    <p:bldLst>
+      <p:bldP spid="7" grpId="0"/>
+    </p:bldLst>
+  </p:timing>
+</p:sld>
+</file>
+
 <file path=ppt/slides/slide2.xml><?xml version="1.0" encoding="utf-8"?>
 <p:sld xmlns:a="http://schemas.openxmlformats.org/drawingml/2006/main" xmlns:r="http://schemas.openxmlformats.org/officeDocument/2006/relationships" xmlns:p="http://schemas.openxmlformats.org/presentationml/2006/main">
   <p:cSld>
@@ -16931,7 +17862,7 @@
           <p:cNvPr id="14" name="TextBox 13">
             <a:extLst>
               <a:ext uri="{FF2B5EF4-FFF2-40B4-BE49-F238E27FC236}">
-                <a16:creationId xmlns:a16="http://schemas.microsoft.com/office/drawing/2014/main" id="{2D6E2A5E-967C-56EE-C60B-33A0A449ADC0}"/>
+                <a16:creationId xmlns:a16="http://schemas.microsoft.com/office/drawing/2014/main" xmlns="" id="{2D6E2A5E-967C-56EE-C60B-33A0A449ADC0}"/>
               </a:ext>
             </a:extLst>
           </p:cNvPr>
@@ -16976,7 +17907,7 @@
           <p:cNvPr id="15" name="TextBox 14">
             <a:extLst>
               <a:ext uri="{FF2B5EF4-FFF2-40B4-BE49-F238E27FC236}">
-                <a16:creationId xmlns:a16="http://schemas.microsoft.com/office/drawing/2014/main" id="{3E986115-D58B-7571-A6A0-D672A63D6191}"/>
+                <a16:creationId xmlns:a16="http://schemas.microsoft.com/office/drawing/2014/main" xmlns="" id="{3E986115-D58B-7571-A6A0-D672A63D6191}"/>
               </a:ext>
             </a:extLst>
           </p:cNvPr>
@@ -17086,7 +18017,7 @@
           <p:cNvPr id="18" name="TextBox 17">
             <a:extLst>
               <a:ext uri="{FF2B5EF4-FFF2-40B4-BE49-F238E27FC236}">
-                <a16:creationId xmlns:a16="http://schemas.microsoft.com/office/drawing/2014/main" id="{66A86D0B-A6B0-D5E5-0596-7362FA59BAF6}"/>
+                <a16:creationId xmlns:a16="http://schemas.microsoft.com/office/drawing/2014/main" xmlns="" id="{66A86D0B-A6B0-D5E5-0596-7362FA59BAF6}"/>
               </a:ext>
             </a:extLst>
           </p:cNvPr>
@@ -17140,7 +18071,7 @@
           <p:cNvPr id="20" name="TextBox 19">
             <a:extLst>
               <a:ext uri="{FF2B5EF4-FFF2-40B4-BE49-F238E27FC236}">
-                <a16:creationId xmlns:a16="http://schemas.microsoft.com/office/drawing/2014/main" id="{0079DF3F-C0DE-642F-2ED9-10544F59D43B}"/>
+                <a16:creationId xmlns:a16="http://schemas.microsoft.com/office/drawing/2014/main" xmlns="" id="{0079DF3F-C0DE-642F-2ED9-10544F59D43B}"/>
               </a:ext>
             </a:extLst>
           </p:cNvPr>
@@ -17207,7 +18138,7 @@
           <p:cNvPr id="25" name="TextBox 24">
             <a:extLst>
               <a:ext uri="{FF2B5EF4-FFF2-40B4-BE49-F238E27FC236}">
-                <a16:creationId xmlns:a16="http://schemas.microsoft.com/office/drawing/2014/main" id="{198E47A3-C3A7-7CD4-200F-D6F44FE978FD}"/>
+                <a16:creationId xmlns:a16="http://schemas.microsoft.com/office/drawing/2014/main" xmlns="" id="{198E47A3-C3A7-7CD4-200F-D6F44FE978FD}"/>
               </a:ext>
             </a:extLst>
           </p:cNvPr>
@@ -17662,7 +18593,7 @@
           <p:cNvPr id="26" name="TextBox 25">
             <a:extLst>
               <a:ext uri="{FF2B5EF4-FFF2-40B4-BE49-F238E27FC236}">
-                <a16:creationId xmlns:a16="http://schemas.microsoft.com/office/drawing/2014/main" id="{37BEBCE1-74C6-5499-F88C-F8AE8BE63895}"/>
+                <a16:creationId xmlns:a16="http://schemas.microsoft.com/office/drawing/2014/main" xmlns="" id="{37BEBCE1-74C6-5499-F88C-F8AE8BE63895}"/>
               </a:ext>
             </a:extLst>
           </p:cNvPr>
@@ -17716,7 +18647,7 @@
           <p:cNvPr id="27" name="TextBox 26">
             <a:extLst>
               <a:ext uri="{FF2B5EF4-FFF2-40B4-BE49-F238E27FC236}">
-                <a16:creationId xmlns:a16="http://schemas.microsoft.com/office/drawing/2014/main" id="{828B7BCB-60B4-7021-116C-92B338033765}"/>
+                <a16:creationId xmlns:a16="http://schemas.microsoft.com/office/drawing/2014/main" xmlns="" id="{828B7BCB-60B4-7021-116C-92B338033765}"/>
               </a:ext>
             </a:extLst>
           </p:cNvPr>
@@ -17877,7 +18808,7 @@
           <p:cNvPr id="7" name="Title 1">
             <a:extLst>
               <a:ext uri="{FF2B5EF4-FFF2-40B4-BE49-F238E27FC236}">
-                <a16:creationId xmlns:a16="http://schemas.microsoft.com/office/drawing/2014/main" id="{0CE071D6-AF8F-9C57-F47E-6B74823ED513}"/>
+                <a16:creationId xmlns:a16="http://schemas.microsoft.com/office/drawing/2014/main" xmlns="" id="{0CE071D6-AF8F-9C57-F47E-6B74823ED513}"/>
               </a:ext>
             </a:extLst>
           </p:cNvPr>
@@ -18524,7 +19455,7 @@
           <p:cNvPr id="5" name="TextBox 4">
             <a:extLst>
               <a:ext uri="{FF2B5EF4-FFF2-40B4-BE49-F238E27FC236}">
-                <a16:creationId xmlns:a16="http://schemas.microsoft.com/office/drawing/2014/main" id="{FD94C650-D2EC-5A80-D053-15314A15912E}"/>
+                <a16:creationId xmlns:a16="http://schemas.microsoft.com/office/drawing/2014/main" xmlns="" id="{FD94C650-D2EC-5A80-D053-15314A15912E}"/>
               </a:ext>
             </a:extLst>
           </p:cNvPr>
@@ -18657,7 +19588,7 @@
           <p:cNvPr id="6" name="Title 1">
             <a:extLst>
               <a:ext uri="{FF2B5EF4-FFF2-40B4-BE49-F238E27FC236}">
-                <a16:creationId xmlns:a16="http://schemas.microsoft.com/office/drawing/2014/main" id="{C8AD9B0B-5832-FBE1-7CAF-B5DC8714288E}"/>
+                <a16:creationId xmlns:a16="http://schemas.microsoft.com/office/drawing/2014/main" xmlns="" id="{C8AD9B0B-5832-FBE1-7CAF-B5DC8714288E}"/>
               </a:ext>
             </a:extLst>
           </p:cNvPr>
@@ -18690,7 +19621,7 @@
           <p:cNvPr id="8" name="TextBox 7">
             <a:extLst>
               <a:ext uri="{FF2B5EF4-FFF2-40B4-BE49-F238E27FC236}">
-                <a16:creationId xmlns:a16="http://schemas.microsoft.com/office/drawing/2014/main" id="{05C97F0F-A9E3-7357-C0E8-A15545E41298}"/>
+                <a16:creationId xmlns:a16="http://schemas.microsoft.com/office/drawing/2014/main" xmlns="" id="{05C97F0F-A9E3-7357-C0E8-A15545E41298}"/>
               </a:ext>
             </a:extLst>
           </p:cNvPr>
@@ -18836,7 +19767,7 @@
           <p:cNvPr id="2" name="TextBox 1">
             <a:extLst>
               <a:ext uri="{FF2B5EF4-FFF2-40B4-BE49-F238E27FC236}">
-                <a16:creationId xmlns:a16="http://schemas.microsoft.com/office/drawing/2014/main" id="{FAFC4B0A-4EC1-C95B-BF8E-F2E4C60860C7}"/>
+                <a16:creationId xmlns:a16="http://schemas.microsoft.com/office/drawing/2014/main" xmlns="" id="{FAFC4B0A-4EC1-C95B-BF8E-F2E4C60860C7}"/>
               </a:ext>
             </a:extLst>
           </p:cNvPr>
@@ -19295,7 +20226,7 @@
           <p:cNvPr id="4" name="Title 1">
             <a:extLst>
               <a:ext uri="{FF2B5EF4-FFF2-40B4-BE49-F238E27FC236}">
-                <a16:creationId xmlns:a16="http://schemas.microsoft.com/office/drawing/2014/main" id="{0A4045B0-C940-93C6-79DB-351A147113E4}"/>
+                <a16:creationId xmlns:a16="http://schemas.microsoft.com/office/drawing/2014/main" xmlns="" id="{0A4045B0-C940-93C6-79DB-351A147113E4}"/>
               </a:ext>
             </a:extLst>
           </p:cNvPr>
@@ -19328,7 +20259,7 @@
           <p:cNvPr id="5" name="TextBox 4">
             <a:extLst>
               <a:ext uri="{FF2B5EF4-FFF2-40B4-BE49-F238E27FC236}">
-                <a16:creationId xmlns:a16="http://schemas.microsoft.com/office/drawing/2014/main" id="{68ED6C88-4D30-47B1-98F2-10B61639E784}"/>
+                <a16:creationId xmlns:a16="http://schemas.microsoft.com/office/drawing/2014/main" xmlns="" id="{68ED6C88-4D30-47B1-98F2-10B61639E784}"/>
               </a:ext>
             </a:extLst>
           </p:cNvPr>
@@ -19370,7 +20301,7 @@
           <p:cNvPr id="6" name="TextBox 5">
             <a:extLst>
               <a:ext uri="{FF2B5EF4-FFF2-40B4-BE49-F238E27FC236}">
-                <a16:creationId xmlns:a16="http://schemas.microsoft.com/office/drawing/2014/main" id="{DF3DBA21-50B3-332B-D2D0-1673209B9496}"/>
+                <a16:creationId xmlns:a16="http://schemas.microsoft.com/office/drawing/2014/main" xmlns="" id="{DF3DBA21-50B3-332B-D2D0-1673209B9496}"/>
               </a:ext>
             </a:extLst>
           </p:cNvPr>
@@ -19412,7 +20343,7 @@
           <p:cNvPr id="10" name="TextBox 9">
             <a:extLst>
               <a:ext uri="{FF2B5EF4-FFF2-40B4-BE49-F238E27FC236}">
-                <a16:creationId xmlns:a16="http://schemas.microsoft.com/office/drawing/2014/main" id="{95C399D3-9FFE-F9D2-8DD0-04F8296DD6C5}"/>
+                <a16:creationId xmlns:a16="http://schemas.microsoft.com/office/drawing/2014/main" xmlns="" id="{95C399D3-9FFE-F9D2-8DD0-04F8296DD6C5}"/>
               </a:ext>
             </a:extLst>
           </p:cNvPr>
@@ -19454,7 +20385,7 @@
           <p:cNvPr id="12" name="Picture 11">
             <a:extLst>
               <a:ext uri="{FF2B5EF4-FFF2-40B4-BE49-F238E27FC236}">
-                <a16:creationId xmlns:a16="http://schemas.microsoft.com/office/drawing/2014/main" id="{6F0558F7-9155-B500-7EB5-FE4B29AFAC65}"/>
+                <a16:creationId xmlns:a16="http://schemas.microsoft.com/office/drawing/2014/main" xmlns="" id="{6F0558F7-9155-B500-7EB5-FE4B29AFAC65}"/>
               </a:ext>
             </a:extLst>
           </p:cNvPr>
@@ -19846,7 +20777,7 @@
           <p:cNvPr id="4" name="Title 1">
             <a:extLst>
               <a:ext uri="{FF2B5EF4-FFF2-40B4-BE49-F238E27FC236}">
-                <a16:creationId xmlns:a16="http://schemas.microsoft.com/office/drawing/2014/main" id="{0A4045B0-C940-93C6-79DB-351A147113E4}"/>
+                <a16:creationId xmlns:a16="http://schemas.microsoft.com/office/drawing/2014/main" xmlns="" id="{0A4045B0-C940-93C6-79DB-351A147113E4}"/>
               </a:ext>
             </a:extLst>
           </p:cNvPr>
@@ -19879,7 +20810,7 @@
           <p:cNvPr id="5" name="TextBox 4">
             <a:extLst>
               <a:ext uri="{FF2B5EF4-FFF2-40B4-BE49-F238E27FC236}">
-                <a16:creationId xmlns:a16="http://schemas.microsoft.com/office/drawing/2014/main" id="{68ED6C88-4D30-47B1-98F2-10B61639E784}"/>
+                <a16:creationId xmlns:a16="http://schemas.microsoft.com/office/drawing/2014/main" xmlns="" id="{68ED6C88-4D30-47B1-98F2-10B61639E784}"/>
               </a:ext>
             </a:extLst>
           </p:cNvPr>
@@ -19921,7 +20852,7 @@
           <p:cNvPr id="16" name="TextBox 15">
             <a:extLst>
               <a:ext uri="{FF2B5EF4-FFF2-40B4-BE49-F238E27FC236}">
-                <a16:creationId xmlns:a16="http://schemas.microsoft.com/office/drawing/2014/main" id="{34FEC4EB-6265-3C9A-194F-C9E41AAAC52C}"/>
+                <a16:creationId xmlns:a16="http://schemas.microsoft.com/office/drawing/2014/main" xmlns="" id="{34FEC4EB-6265-3C9A-194F-C9E41AAAC52C}"/>
               </a:ext>
             </a:extLst>
           </p:cNvPr>
@@ -19967,7 +20898,7 @@
           <p:cNvPr id="17" name="TextBox 16">
             <a:extLst>
               <a:ext uri="{FF2B5EF4-FFF2-40B4-BE49-F238E27FC236}">
-                <a16:creationId xmlns:a16="http://schemas.microsoft.com/office/drawing/2014/main" id="{21C37205-2E9B-A3D7-453C-BA1143389C47}"/>
+                <a16:creationId xmlns:a16="http://schemas.microsoft.com/office/drawing/2014/main" xmlns="" id="{21C37205-2E9B-A3D7-453C-BA1143389C47}"/>
               </a:ext>
             </a:extLst>
           </p:cNvPr>
@@ -20006,7 +20937,7 @@
           <p:cNvPr id="18" name="TextBox 17">
             <a:extLst>
               <a:ext uri="{FF2B5EF4-FFF2-40B4-BE49-F238E27FC236}">
-                <a16:creationId xmlns:a16="http://schemas.microsoft.com/office/drawing/2014/main" id="{C11EB94A-7599-12BE-A015-138DF82E7D88}"/>
+                <a16:creationId xmlns:a16="http://schemas.microsoft.com/office/drawing/2014/main" xmlns="" id="{C11EB94A-7599-12BE-A015-138DF82E7D88}"/>
               </a:ext>
             </a:extLst>
           </p:cNvPr>
@@ -20048,7 +20979,7 @@
           <p:cNvPr id="9" name="Picture 8">
             <a:extLst>
               <a:ext uri="{FF2B5EF4-FFF2-40B4-BE49-F238E27FC236}">
-                <a16:creationId xmlns:a16="http://schemas.microsoft.com/office/drawing/2014/main" id="{F3934AA7-7FA1-4AF5-11DF-34C8209BBBC5}"/>
+                <a16:creationId xmlns:a16="http://schemas.microsoft.com/office/drawing/2014/main" xmlns="" id="{F3934AA7-7FA1-4AF5-11DF-34C8209BBBC5}"/>
               </a:ext>
             </a:extLst>
           </p:cNvPr>
@@ -20546,7 +21477,7 @@
           <p:cNvPr id="4" name="Title 1">
             <a:extLst>
               <a:ext uri="{FF2B5EF4-FFF2-40B4-BE49-F238E27FC236}">
-                <a16:creationId xmlns:a16="http://schemas.microsoft.com/office/drawing/2014/main" id="{0A4045B0-C940-93C6-79DB-351A147113E4}"/>
+                <a16:creationId xmlns:a16="http://schemas.microsoft.com/office/drawing/2014/main" xmlns="" id="{0A4045B0-C940-93C6-79DB-351A147113E4}"/>
               </a:ext>
             </a:extLst>
           </p:cNvPr>
@@ -20579,7 +21510,7 @@
           <p:cNvPr id="5" name="TextBox 4">
             <a:extLst>
               <a:ext uri="{FF2B5EF4-FFF2-40B4-BE49-F238E27FC236}">
-                <a16:creationId xmlns:a16="http://schemas.microsoft.com/office/drawing/2014/main" id="{AAC62DE3-37FA-81ED-2B19-6155C5C4FB6A}"/>
+                <a16:creationId xmlns:a16="http://schemas.microsoft.com/office/drawing/2014/main" xmlns="" id="{AAC62DE3-37FA-81ED-2B19-6155C5C4FB6A}"/>
               </a:ext>
             </a:extLst>
           </p:cNvPr>
@@ -20943,7 +21874,7 @@
           <p:cNvPr id="9" name="Picture 8">
             <a:extLst>
               <a:ext uri="{FF2B5EF4-FFF2-40B4-BE49-F238E27FC236}">
-                <a16:creationId xmlns:a16="http://schemas.microsoft.com/office/drawing/2014/main" id="{DC69AF7A-D5F6-AF94-6226-64A1B3D13F3D}"/>
+                <a16:creationId xmlns:a16="http://schemas.microsoft.com/office/drawing/2014/main" xmlns="" id="{DC69AF7A-D5F6-AF94-6226-64A1B3D13F3D}"/>
               </a:ext>
             </a:extLst>
           </p:cNvPr>
@@ -21135,7 +22066,7 @@
           <p:cNvPr id="4" name="Title 1">
             <a:extLst>
               <a:ext uri="{FF2B5EF4-FFF2-40B4-BE49-F238E27FC236}">
-                <a16:creationId xmlns:a16="http://schemas.microsoft.com/office/drawing/2014/main" id="{0A4045B0-C940-93C6-79DB-351A147113E4}"/>
+                <a16:creationId xmlns:a16="http://schemas.microsoft.com/office/drawing/2014/main" xmlns="" id="{0A4045B0-C940-93C6-79DB-351A147113E4}"/>
               </a:ext>
             </a:extLst>
           </p:cNvPr>
@@ -21168,7 +22099,7 @@
           <p:cNvPr id="5" name="TextBox 4">
             <a:extLst>
               <a:ext uri="{FF2B5EF4-FFF2-40B4-BE49-F238E27FC236}">
-                <a16:creationId xmlns:a16="http://schemas.microsoft.com/office/drawing/2014/main" id="{AAC62DE3-37FA-81ED-2B19-6155C5C4FB6A}"/>
+                <a16:creationId xmlns:a16="http://schemas.microsoft.com/office/drawing/2014/main" xmlns="" id="{AAC62DE3-37FA-81ED-2B19-6155C5C4FB6A}"/>
               </a:ext>
             </a:extLst>
           </p:cNvPr>
@@ -21450,7 +22381,7 @@
           <p:cNvPr id="3" name="Picture 2">
             <a:extLst>
               <a:ext uri="{FF2B5EF4-FFF2-40B4-BE49-F238E27FC236}">
-                <a16:creationId xmlns:a16="http://schemas.microsoft.com/office/drawing/2014/main" id="{26D9E3AC-C35C-EBF0-20C7-EAD5FC9B88C7}"/>
+                <a16:creationId xmlns:a16="http://schemas.microsoft.com/office/drawing/2014/main" xmlns="" id="{26D9E3AC-C35C-EBF0-20C7-EAD5FC9B88C7}"/>
               </a:ext>
             </a:extLst>
           </p:cNvPr>
@@ -21642,7 +22573,7 @@
           <p:cNvPr id="4" name="Title 1">
             <a:extLst>
               <a:ext uri="{FF2B5EF4-FFF2-40B4-BE49-F238E27FC236}">
-                <a16:creationId xmlns:a16="http://schemas.microsoft.com/office/drawing/2014/main" id="{0A4045B0-C940-93C6-79DB-351A147113E4}"/>
+                <a16:creationId xmlns:a16="http://schemas.microsoft.com/office/drawing/2014/main" xmlns="" id="{0A4045B0-C940-93C6-79DB-351A147113E4}"/>
               </a:ext>
             </a:extLst>
           </p:cNvPr>
@@ -21679,7 +22610,7 @@
           <p:cNvPr id="5" name="TextBox 4">
             <a:extLst>
               <a:ext uri="{FF2B5EF4-FFF2-40B4-BE49-F238E27FC236}">
-                <a16:creationId xmlns:a16="http://schemas.microsoft.com/office/drawing/2014/main" id="{AAC62DE3-37FA-81ED-2B19-6155C5C4FB6A}"/>
+                <a16:creationId xmlns:a16="http://schemas.microsoft.com/office/drawing/2014/main" xmlns="" id="{AAC62DE3-37FA-81ED-2B19-6155C5C4FB6A}"/>
               </a:ext>
             </a:extLst>
           </p:cNvPr>
@@ -21942,7 +22873,7 @@
           <p:cNvPr id="6" name="Picture 5">
             <a:extLst>
               <a:ext uri="{FF2B5EF4-FFF2-40B4-BE49-F238E27FC236}">
-                <a16:creationId xmlns:a16="http://schemas.microsoft.com/office/drawing/2014/main" id="{7C88032A-86F2-5985-C0A4-6E39C9F51CC6}"/>
+                <a16:creationId xmlns:a16="http://schemas.microsoft.com/office/drawing/2014/main" xmlns="" id="{7C88032A-86F2-5985-C0A4-6E39C9F51CC6}"/>
               </a:ext>
             </a:extLst>
           </p:cNvPr>
@@ -21978,7 +22909,7 @@
           <p:cNvPr id="7" name="TextBox 6">
             <a:extLst>
               <a:ext uri="{FF2B5EF4-FFF2-40B4-BE49-F238E27FC236}">
-                <a16:creationId xmlns:a16="http://schemas.microsoft.com/office/drawing/2014/main" id="{1F77591A-DB2F-9F91-4945-B2EC29845B38}"/>
+                <a16:creationId xmlns:a16="http://schemas.microsoft.com/office/drawing/2014/main" xmlns="" id="{1F77591A-DB2F-9F91-4945-B2EC29845B38}"/>
               </a:ext>
             </a:extLst>
           </p:cNvPr>
@@ -22340,7 +23271,7 @@
           <p:cNvPr id="4" name="Title 1">
             <a:extLst>
               <a:ext uri="{FF2B5EF4-FFF2-40B4-BE49-F238E27FC236}">
-                <a16:creationId xmlns:a16="http://schemas.microsoft.com/office/drawing/2014/main" id="{0A4045B0-C940-93C6-79DB-351A147113E4}"/>
+                <a16:creationId xmlns:a16="http://schemas.microsoft.com/office/drawing/2014/main" xmlns="" id="{0A4045B0-C940-93C6-79DB-351A147113E4}"/>
               </a:ext>
             </a:extLst>
           </p:cNvPr>
@@ -22373,7 +23304,7 @@
           <p:cNvPr id="7" name="TextBox 6">
             <a:extLst>
               <a:ext uri="{FF2B5EF4-FFF2-40B4-BE49-F238E27FC236}">
-                <a16:creationId xmlns:a16="http://schemas.microsoft.com/office/drawing/2014/main" id="{1F77591A-DB2F-9F91-4945-B2EC29845B38}"/>
+                <a16:creationId xmlns:a16="http://schemas.microsoft.com/office/drawing/2014/main" xmlns="" id="{1F77591A-DB2F-9F91-4945-B2EC29845B38}"/>
               </a:ext>
             </a:extLst>
           </p:cNvPr>
@@ -22489,7 +23420,7 @@
           <p:cNvPr id="8" name="Picture 7">
             <a:extLst>
               <a:ext uri="{FF2B5EF4-FFF2-40B4-BE49-F238E27FC236}">
-                <a16:creationId xmlns:a16="http://schemas.microsoft.com/office/drawing/2014/main" id="{B643EA6D-4B4D-8F4A-AF04-E12FB151ED2B}"/>
+                <a16:creationId xmlns:a16="http://schemas.microsoft.com/office/drawing/2014/main" xmlns="" id="{B643EA6D-4B4D-8F4A-AF04-E12FB151ED2B}"/>
               </a:ext>
             </a:extLst>
           </p:cNvPr>
@@ -22519,7 +23450,7 @@
           <p:cNvPr id="9" name="TextBox 8">
             <a:extLst>
               <a:ext uri="{FF2B5EF4-FFF2-40B4-BE49-F238E27FC236}">
-                <a16:creationId xmlns:a16="http://schemas.microsoft.com/office/drawing/2014/main" id="{4CEDAA70-1CF5-7892-405B-9D24EFE25BE8}"/>
+                <a16:creationId xmlns:a16="http://schemas.microsoft.com/office/drawing/2014/main" xmlns="" id="{4CEDAA70-1CF5-7892-405B-9D24EFE25BE8}"/>
               </a:ext>
             </a:extLst>
           </p:cNvPr>

--- a/Slides/NET 6 Clean Architecture.pptx
+++ b/Slides/NET 6 Clean Architecture.pptx
@@ -20,6 +20,7 @@
     <p:sldId id="268" r:id="rId14"/>
     <p:sldId id="269" r:id="rId15"/>
     <p:sldId id="270" r:id="rId16"/>
+    <p:sldId id="271" r:id="rId17"/>
   </p:sldIdLst>
   <p:sldSz cx="12192000" cy="6858000"/>
   <p:notesSz cx="6858000" cy="9144000"/>
@@ -461,7 +462,7 @@
           <a:p>
             <a:fld id="{4852023B-35B4-406B-9C51-63D33C4B20A9}" type="datetimeFigureOut">
               <a:rPr lang="en-US" smtClean="0"/>
-              <a:t>3/7/2025</a:t>
+              <a:t>4/5/2025</a:t>
             </a:fld>
             <a:endParaRPr lang="en-US"/>
           </a:p>
@@ -1549,7 +1550,7 @@
           <a:p>
             <a:fld id="{4852023B-35B4-406B-9C51-63D33C4B20A9}" type="datetimeFigureOut">
               <a:rPr lang="en-US" smtClean="0"/>
-              <a:t>3/7/2025</a:t>
+              <a:t>4/5/2025</a:t>
             </a:fld>
             <a:endParaRPr lang="en-US"/>
           </a:p>
@@ -2529,7 +2530,7 @@
           <a:p>
             <a:fld id="{4852023B-35B4-406B-9C51-63D33C4B20A9}" type="datetimeFigureOut">
               <a:rPr lang="en-US" smtClean="0"/>
-              <a:t>3/7/2025</a:t>
+              <a:t>4/5/2025</a:t>
             </a:fld>
             <a:endParaRPr lang="en-US"/>
           </a:p>
@@ -3663,7 +3664,7 @@
           <a:p>
             <a:fld id="{4852023B-35B4-406B-9C51-63D33C4B20A9}" type="datetimeFigureOut">
               <a:rPr lang="en-US" smtClean="0"/>
-              <a:t>3/7/2025</a:t>
+              <a:t>4/5/2025</a:t>
             </a:fld>
             <a:endParaRPr lang="en-US"/>
           </a:p>
@@ -4696,7 +4697,7 @@
           <a:p>
             <a:fld id="{4852023B-35B4-406B-9C51-63D33C4B20A9}" type="datetimeFigureOut">
               <a:rPr lang="en-US" smtClean="0"/>
-              <a:t>3/7/2025</a:t>
+              <a:t>4/5/2025</a:t>
             </a:fld>
             <a:endParaRPr lang="en-US"/>
           </a:p>
@@ -5356,7 +5357,7 @@
           <a:p>
             <a:fld id="{4852023B-35B4-406B-9C51-63D33C4B20A9}" type="datetimeFigureOut">
               <a:rPr lang="en-US" smtClean="0"/>
-              <a:t>3/7/2025</a:t>
+              <a:t>4/5/2025</a:t>
             </a:fld>
             <a:endParaRPr lang="en-US"/>
           </a:p>
@@ -6217,7 +6218,7 @@
           <a:p>
             <a:fld id="{4852023B-35B4-406B-9C51-63D33C4B20A9}" type="datetimeFigureOut">
               <a:rPr lang="en-US" smtClean="0"/>
-              <a:t>3/7/2025</a:t>
+              <a:t>4/5/2025</a:t>
             </a:fld>
             <a:endParaRPr lang="en-US"/>
           </a:p>
@@ -6407,7 +6408,7 @@
           <a:p>
             <a:fld id="{4852023B-35B4-406B-9C51-63D33C4B20A9}" type="datetimeFigureOut">
               <a:rPr lang="en-US" smtClean="0"/>
-              <a:t>3/7/2025</a:t>
+              <a:t>4/5/2025</a:t>
             </a:fld>
             <a:endParaRPr lang="en-US"/>
           </a:p>
@@ -7379,7 +7380,7 @@
           <a:p>
             <a:fld id="{4852023B-35B4-406B-9C51-63D33C4B20A9}" type="datetimeFigureOut">
               <a:rPr lang="en-US" smtClean="0"/>
-              <a:t>3/7/2025</a:t>
+              <a:t>4/5/2025</a:t>
             </a:fld>
             <a:endParaRPr lang="en-US"/>
           </a:p>
@@ -7590,7 +7591,7 @@
           <a:p>
             <a:fld id="{4852023B-35B4-406B-9C51-63D33C4B20A9}" type="datetimeFigureOut">
               <a:rPr lang="en-US" smtClean="0"/>
-              <a:t>3/7/2025</a:t>
+              <a:t>4/5/2025</a:t>
             </a:fld>
             <a:endParaRPr lang="en-US"/>
           </a:p>
@@ -8624,7 +8625,7 @@
           <a:p>
             <a:fld id="{4852023B-35B4-406B-9C51-63D33C4B20A9}" type="datetimeFigureOut">
               <a:rPr lang="en-US" smtClean="0"/>
-              <a:t>3/7/2025</a:t>
+              <a:t>4/5/2025</a:t>
             </a:fld>
             <a:endParaRPr lang="en-US"/>
           </a:p>
@@ -8896,7 +8897,7 @@
           <a:p>
             <a:fld id="{4852023B-35B4-406B-9C51-63D33C4B20A9}" type="datetimeFigureOut">
               <a:rPr lang="en-US" smtClean="0"/>
-              <a:t>3/7/2025</a:t>
+              <a:t>4/5/2025</a:t>
             </a:fld>
             <a:endParaRPr lang="en-US"/>
           </a:p>
@@ -9306,7 +9307,7 @@
           <a:p>
             <a:fld id="{4852023B-35B4-406B-9C51-63D33C4B20A9}" type="datetimeFigureOut">
               <a:rPr lang="en-US" smtClean="0"/>
-              <a:t>3/7/2025</a:t>
+              <a:t>4/5/2025</a:t>
             </a:fld>
             <a:endParaRPr lang="en-US"/>
           </a:p>
@@ -9433,7 +9434,7 @@
           <a:p>
             <a:fld id="{4852023B-35B4-406B-9C51-63D33C4B20A9}" type="datetimeFigureOut">
               <a:rPr lang="en-US" smtClean="0"/>
-              <a:t>3/7/2025</a:t>
+              <a:t>4/5/2025</a:t>
             </a:fld>
             <a:endParaRPr lang="en-US"/>
           </a:p>
@@ -9528,7 +9529,7 @@
           <a:p>
             <a:fld id="{4852023B-35B4-406B-9C51-63D33C4B20A9}" type="datetimeFigureOut">
               <a:rPr lang="en-US" smtClean="0"/>
-              <a:t>3/7/2025</a:t>
+              <a:t>4/5/2025</a:t>
             </a:fld>
             <a:endParaRPr lang="en-US"/>
           </a:p>
@@ -10609,7 +10610,7 @@
           <a:p>
             <a:fld id="{4852023B-35B4-406B-9C51-63D33C4B20A9}" type="datetimeFigureOut">
               <a:rPr lang="en-US" smtClean="0"/>
-              <a:t>3/7/2025</a:t>
+              <a:t>4/5/2025</a:t>
             </a:fld>
             <a:endParaRPr lang="en-US"/>
           </a:p>
@@ -11717,7 +11718,7 @@
           <a:p>
             <a:fld id="{4852023B-35B4-406B-9C51-63D33C4B20A9}" type="datetimeFigureOut">
               <a:rPr lang="en-US" smtClean="0"/>
-              <a:t>3/7/2025</a:t>
+              <a:t>4/5/2025</a:t>
             </a:fld>
             <a:endParaRPr lang="en-US"/>
           </a:p>
@@ -12714,7 +12715,7 @@
           <a:p>
             <a:fld id="{4852023B-35B4-406B-9C51-63D33C4B20A9}" type="datetimeFigureOut">
               <a:rPr lang="en-US" smtClean="0"/>
-              <a:t>3/7/2025</a:t>
+              <a:t>4/5/2025</a:t>
             </a:fld>
             <a:endParaRPr lang="en-US"/>
           </a:p>
@@ -13278,7 +13279,7 @@
           <p:cNvPr id="9" name="TextBox 8">
             <a:extLst>
               <a:ext uri="{FF2B5EF4-FFF2-40B4-BE49-F238E27FC236}">
-                <a16:creationId xmlns:a16="http://schemas.microsoft.com/office/drawing/2014/main" xmlns="" id="{39BB7DC7-8A14-75D0-DB09-D55D93EBFBF9}"/>
+                <a16:creationId xmlns="" xmlns:a16="http://schemas.microsoft.com/office/drawing/2014/main" id="{39BB7DC7-8A14-75D0-DB09-D55D93EBFBF9}"/>
               </a:ext>
             </a:extLst>
           </p:cNvPr>
@@ -13310,7 +13311,7 @@
           <p:cNvPr id="12" name="Title 1">
             <a:extLst>
               <a:ext uri="{FF2B5EF4-FFF2-40B4-BE49-F238E27FC236}">
-                <a16:creationId xmlns:a16="http://schemas.microsoft.com/office/drawing/2014/main" xmlns="" id="{6BC09C08-DB38-0216-C707-8BA1E2DE56E4}"/>
+                <a16:creationId xmlns="" xmlns:a16="http://schemas.microsoft.com/office/drawing/2014/main" id="{6BC09C08-DB38-0216-C707-8BA1E2DE56E4}"/>
               </a:ext>
             </a:extLst>
           </p:cNvPr>
@@ -13343,7 +13344,7 @@
           <p:cNvPr id="2" name="TextBox 1">
             <a:extLst>
               <a:ext uri="{FF2B5EF4-FFF2-40B4-BE49-F238E27FC236}">
-                <a16:creationId xmlns:a16="http://schemas.microsoft.com/office/drawing/2014/main" xmlns="" id="{5BE8E56B-D104-CC08-48F4-D487AF749C7B}"/>
+                <a16:creationId xmlns="" xmlns:a16="http://schemas.microsoft.com/office/drawing/2014/main" id="{5BE8E56B-D104-CC08-48F4-D487AF749C7B}"/>
               </a:ext>
             </a:extLst>
           </p:cNvPr>
@@ -13446,7 +13447,7 @@
           <p:cNvPr id="3" name="TextBox 2">
             <a:extLst>
               <a:ext uri="{FF2B5EF4-FFF2-40B4-BE49-F238E27FC236}">
-                <a16:creationId xmlns:a16="http://schemas.microsoft.com/office/drawing/2014/main" xmlns="" id="{C8D9D74B-ED7B-F70B-3A5B-5356FA257D36}"/>
+                <a16:creationId xmlns="" xmlns:a16="http://schemas.microsoft.com/office/drawing/2014/main" id="{C8D9D74B-ED7B-F70B-3A5B-5356FA257D36}"/>
               </a:ext>
             </a:extLst>
           </p:cNvPr>
@@ -13538,7 +13539,7 @@
           <p:cNvPr id="7" name="Picture 6">
             <a:extLst>
               <a:ext uri="{FF2B5EF4-FFF2-40B4-BE49-F238E27FC236}">
-                <a16:creationId xmlns:a16="http://schemas.microsoft.com/office/drawing/2014/main" xmlns="" id="{85923558-9D5B-B7D9-795E-A80B0F560AC1}"/>
+                <a16:creationId xmlns="" xmlns:a16="http://schemas.microsoft.com/office/drawing/2014/main" id="{85923558-9D5B-B7D9-795E-A80B0F560AC1}"/>
               </a:ext>
             </a:extLst>
           </p:cNvPr>
@@ -13568,7 +13569,7 @@
           <p:cNvPr id="8" name="TextBox 7">
             <a:extLst>
               <a:ext uri="{FF2B5EF4-FFF2-40B4-BE49-F238E27FC236}">
-                <a16:creationId xmlns:a16="http://schemas.microsoft.com/office/drawing/2014/main" xmlns="" id="{5B300213-A76B-1DF1-2F8D-7B7E5749DD9D}"/>
+                <a16:creationId xmlns="" xmlns:a16="http://schemas.microsoft.com/office/drawing/2014/main" id="{5B300213-A76B-1DF1-2F8D-7B7E5749DD9D}"/>
               </a:ext>
             </a:extLst>
           </p:cNvPr>
@@ -14051,7 +14052,7 @@
           <p:cNvPr id="4" name="Title 1">
             <a:extLst>
               <a:ext uri="{FF2B5EF4-FFF2-40B4-BE49-F238E27FC236}">
-                <a16:creationId xmlns:a16="http://schemas.microsoft.com/office/drawing/2014/main" xmlns="" id="{0A4045B0-C940-93C6-79DB-351A147113E4}"/>
+                <a16:creationId xmlns="" xmlns:a16="http://schemas.microsoft.com/office/drawing/2014/main" id="{0A4045B0-C940-93C6-79DB-351A147113E4}"/>
               </a:ext>
             </a:extLst>
           </p:cNvPr>
@@ -14084,7 +14085,7 @@
           <p:cNvPr id="7" name="TextBox 6">
             <a:extLst>
               <a:ext uri="{FF2B5EF4-FFF2-40B4-BE49-F238E27FC236}">
-                <a16:creationId xmlns:a16="http://schemas.microsoft.com/office/drawing/2014/main" xmlns="" id="{1F77591A-DB2F-9F91-4945-B2EC29845B38}"/>
+                <a16:creationId xmlns="" xmlns:a16="http://schemas.microsoft.com/office/drawing/2014/main" id="{1F77591A-DB2F-9F91-4945-B2EC29845B38}"/>
               </a:ext>
             </a:extLst>
           </p:cNvPr>
@@ -14148,7 +14149,7 @@
           <p:cNvPr id="3" name="TextBox 2">
             <a:extLst>
               <a:ext uri="{FF2B5EF4-FFF2-40B4-BE49-F238E27FC236}">
-                <a16:creationId xmlns:a16="http://schemas.microsoft.com/office/drawing/2014/main" xmlns="" id="{75CE1D91-0A05-A797-DFCC-8AC0D954B8C4}"/>
+                <a16:creationId xmlns="" xmlns:a16="http://schemas.microsoft.com/office/drawing/2014/main" id="{75CE1D91-0A05-A797-DFCC-8AC0D954B8C4}"/>
               </a:ext>
             </a:extLst>
           </p:cNvPr>
@@ -14227,7 +14228,7 @@
           <p:cNvPr id="5" name="TextBox 4">
             <a:extLst>
               <a:ext uri="{FF2B5EF4-FFF2-40B4-BE49-F238E27FC236}">
-                <a16:creationId xmlns:a16="http://schemas.microsoft.com/office/drawing/2014/main" xmlns="" id="{D3A024AE-BC83-07F5-3885-BC864E91208B}"/>
+                <a16:creationId xmlns="" xmlns:a16="http://schemas.microsoft.com/office/drawing/2014/main" id="{D3A024AE-BC83-07F5-3885-BC864E91208B}"/>
               </a:ext>
             </a:extLst>
           </p:cNvPr>
@@ -14274,7 +14275,7 @@
           <p:cNvPr id="14" name="Picture 13">
             <a:extLst>
               <a:ext uri="{FF2B5EF4-FFF2-40B4-BE49-F238E27FC236}">
-                <a16:creationId xmlns:a16="http://schemas.microsoft.com/office/drawing/2014/main" xmlns="" id="{21282115-67E0-FC53-E5ED-24264FAF013C}"/>
+                <a16:creationId xmlns="" xmlns:a16="http://schemas.microsoft.com/office/drawing/2014/main" id="{21282115-67E0-FC53-E5ED-24264FAF013C}"/>
               </a:ext>
             </a:extLst>
           </p:cNvPr>
@@ -14658,7 +14659,7 @@
           <p:cNvPr id="4" name="Title 1">
             <a:extLst>
               <a:ext uri="{FF2B5EF4-FFF2-40B4-BE49-F238E27FC236}">
-                <a16:creationId xmlns:a16="http://schemas.microsoft.com/office/drawing/2014/main" xmlns="" id="{0A4045B0-C940-93C6-79DB-351A147113E4}"/>
+                <a16:creationId xmlns="" xmlns:a16="http://schemas.microsoft.com/office/drawing/2014/main" id="{0A4045B0-C940-93C6-79DB-351A147113E4}"/>
               </a:ext>
             </a:extLst>
           </p:cNvPr>
@@ -14691,7 +14692,7 @@
           <p:cNvPr id="7" name="TextBox 6">
             <a:extLst>
               <a:ext uri="{FF2B5EF4-FFF2-40B4-BE49-F238E27FC236}">
-                <a16:creationId xmlns:a16="http://schemas.microsoft.com/office/drawing/2014/main" xmlns="" id="{1F77591A-DB2F-9F91-4945-B2EC29845B38}"/>
+                <a16:creationId xmlns="" xmlns:a16="http://schemas.microsoft.com/office/drawing/2014/main" id="{1F77591A-DB2F-9F91-4945-B2EC29845B38}"/>
               </a:ext>
             </a:extLst>
           </p:cNvPr>
@@ -14793,7 +14794,7 @@
           <p:cNvPr id="6" name="TextBox 5">
             <a:extLst>
               <a:ext uri="{FF2B5EF4-FFF2-40B4-BE49-F238E27FC236}">
-                <a16:creationId xmlns:a16="http://schemas.microsoft.com/office/drawing/2014/main" xmlns="" id="{9CA64FD6-BEA4-2353-8A07-33D717CADA3A}"/>
+                <a16:creationId xmlns="" xmlns:a16="http://schemas.microsoft.com/office/drawing/2014/main" id="{9CA64FD6-BEA4-2353-8A07-33D717CADA3A}"/>
               </a:ext>
             </a:extLst>
           </p:cNvPr>
@@ -14889,7 +14890,7 @@
           <p:cNvPr id="10" name="TextBox 9">
             <a:extLst>
               <a:ext uri="{FF2B5EF4-FFF2-40B4-BE49-F238E27FC236}">
-                <a16:creationId xmlns:a16="http://schemas.microsoft.com/office/drawing/2014/main" xmlns="" id="{C89914A2-3B6D-D077-104F-47737F2D1CC9}"/>
+                <a16:creationId xmlns="" xmlns:a16="http://schemas.microsoft.com/office/drawing/2014/main" id="{C89914A2-3B6D-D077-104F-47737F2D1CC9}"/>
               </a:ext>
             </a:extLst>
           </p:cNvPr>
@@ -15082,7 +15083,7 @@
           <p:cNvPr id="12" name="TextBox 11">
             <a:extLst>
               <a:ext uri="{FF2B5EF4-FFF2-40B4-BE49-F238E27FC236}">
-                <a16:creationId xmlns:a16="http://schemas.microsoft.com/office/drawing/2014/main" xmlns="" id="{12B26B99-AF94-9433-984F-83ACFDE565BB}"/>
+                <a16:creationId xmlns="" xmlns:a16="http://schemas.microsoft.com/office/drawing/2014/main" id="{12B26B99-AF94-9433-984F-83ACFDE565BB}"/>
               </a:ext>
             </a:extLst>
           </p:cNvPr>
@@ -15293,7 +15294,7 @@
           <p:cNvPr id="8" name="Picture 7">
             <a:extLst>
               <a:ext uri="{FF2B5EF4-FFF2-40B4-BE49-F238E27FC236}">
-                <a16:creationId xmlns:a16="http://schemas.microsoft.com/office/drawing/2014/main" xmlns="" id="{CC045C0D-B68C-E07A-C5D4-4E8FBA8837BB}"/>
+                <a16:creationId xmlns="" xmlns:a16="http://schemas.microsoft.com/office/drawing/2014/main" id="{CC045C0D-B68C-E07A-C5D4-4E8FBA8837BB}"/>
               </a:ext>
             </a:extLst>
           </p:cNvPr>
@@ -15785,7 +15786,7 @@
           <p:cNvPr id="4" name="Title 1">
             <a:extLst>
               <a:ext uri="{FF2B5EF4-FFF2-40B4-BE49-F238E27FC236}">
-                <a16:creationId xmlns:a16="http://schemas.microsoft.com/office/drawing/2014/main" xmlns="" id="{0A4045B0-C940-93C6-79DB-351A147113E4}"/>
+                <a16:creationId xmlns="" xmlns:a16="http://schemas.microsoft.com/office/drawing/2014/main" id="{0A4045B0-C940-93C6-79DB-351A147113E4}"/>
               </a:ext>
             </a:extLst>
           </p:cNvPr>
@@ -15822,7 +15823,7 @@
           <p:cNvPr id="7" name="TextBox 6">
             <a:extLst>
               <a:ext uri="{FF2B5EF4-FFF2-40B4-BE49-F238E27FC236}">
-                <a16:creationId xmlns:a16="http://schemas.microsoft.com/office/drawing/2014/main" xmlns="" id="{1F77591A-DB2F-9F91-4945-B2EC29845B38}"/>
+                <a16:creationId xmlns="" xmlns:a16="http://schemas.microsoft.com/office/drawing/2014/main" id="{1F77591A-DB2F-9F91-4945-B2EC29845B38}"/>
               </a:ext>
             </a:extLst>
           </p:cNvPr>
@@ -16007,7 +16008,7 @@
           <p:cNvPr id="6" name="TextBox 5">
             <a:extLst>
               <a:ext uri="{FF2B5EF4-FFF2-40B4-BE49-F238E27FC236}">
-                <a16:creationId xmlns:a16="http://schemas.microsoft.com/office/drawing/2014/main" xmlns="" id="{9CA64FD6-BEA4-2353-8A07-33D717CADA3A}"/>
+                <a16:creationId xmlns="" xmlns:a16="http://schemas.microsoft.com/office/drawing/2014/main" id="{9CA64FD6-BEA4-2353-8A07-33D717CADA3A}"/>
               </a:ext>
             </a:extLst>
           </p:cNvPr>
@@ -16089,7 +16090,7 @@
           <p:cNvPr id="2" name="TextBox 1">
             <a:extLst>
               <a:ext uri="{FF2B5EF4-FFF2-40B4-BE49-F238E27FC236}">
-                <a16:creationId xmlns:a16="http://schemas.microsoft.com/office/drawing/2014/main" xmlns="" id="{AA2BD717-B48B-3A0B-5C27-23A0C68D8B05}"/>
+                <a16:creationId xmlns="" xmlns:a16="http://schemas.microsoft.com/office/drawing/2014/main" id="{AA2BD717-B48B-3A0B-5C27-23A0C68D8B05}"/>
               </a:ext>
             </a:extLst>
           </p:cNvPr>
@@ -16254,7 +16255,7 @@
           <p:cNvPr id="9" name="Picture 8">
             <a:extLst>
               <a:ext uri="{FF2B5EF4-FFF2-40B4-BE49-F238E27FC236}">
-                <a16:creationId xmlns:a16="http://schemas.microsoft.com/office/drawing/2014/main" xmlns="" id="{A38831D7-BB3B-C1F8-17D3-97CD0AD42136}"/>
+                <a16:creationId xmlns="" xmlns:a16="http://schemas.microsoft.com/office/drawing/2014/main" id="{A38831D7-BB3B-C1F8-17D3-97CD0AD42136}"/>
               </a:ext>
             </a:extLst>
           </p:cNvPr>
@@ -16646,7 +16647,7 @@
           <p:cNvPr id="4" name="Title 1">
             <a:extLst>
               <a:ext uri="{FF2B5EF4-FFF2-40B4-BE49-F238E27FC236}">
-                <a16:creationId xmlns:a16="http://schemas.microsoft.com/office/drawing/2014/main" xmlns="" id="{0A4045B0-C940-93C6-79DB-351A147113E4}"/>
+                <a16:creationId xmlns="" xmlns:a16="http://schemas.microsoft.com/office/drawing/2014/main" id="{0A4045B0-C940-93C6-79DB-351A147113E4}"/>
               </a:ext>
             </a:extLst>
           </p:cNvPr>
@@ -16687,7 +16688,7 @@
           <p:cNvPr id="7" name="TextBox 6">
             <a:extLst>
               <a:ext uri="{FF2B5EF4-FFF2-40B4-BE49-F238E27FC236}">
-                <a16:creationId xmlns:a16="http://schemas.microsoft.com/office/drawing/2014/main" xmlns="" id="{1F77591A-DB2F-9F91-4945-B2EC29845B38}"/>
+                <a16:creationId xmlns="" xmlns:a16="http://schemas.microsoft.com/office/drawing/2014/main" id="{1F77591A-DB2F-9F91-4945-B2EC29845B38}"/>
               </a:ext>
             </a:extLst>
           </p:cNvPr>
@@ -16741,7 +16742,7 @@
           <p:cNvPr id="5" name="Picture 4">
             <a:extLst>
               <a:ext uri="{FF2B5EF4-FFF2-40B4-BE49-F238E27FC236}">
-                <a16:creationId xmlns:a16="http://schemas.microsoft.com/office/drawing/2014/main" xmlns="" id="{415966A0-7DD5-0960-C994-7A2F3B3FD0AC}"/>
+                <a16:creationId xmlns="" xmlns:a16="http://schemas.microsoft.com/office/drawing/2014/main" id="{415966A0-7DD5-0960-C994-7A2F3B3FD0AC}"/>
               </a:ext>
             </a:extLst>
           </p:cNvPr>
@@ -16933,7 +16934,7 @@
           <p:cNvPr id="4" name="Title 1">
             <a:extLst>
               <a:ext uri="{FF2B5EF4-FFF2-40B4-BE49-F238E27FC236}">
-                <a16:creationId xmlns:a16="http://schemas.microsoft.com/office/drawing/2014/main" xmlns="" id="{0A4045B0-C940-93C6-79DB-351A147113E4}"/>
+                <a16:creationId xmlns="" xmlns:a16="http://schemas.microsoft.com/office/drawing/2014/main" id="{0A4045B0-C940-93C6-79DB-351A147113E4}"/>
               </a:ext>
             </a:extLst>
           </p:cNvPr>
@@ -16967,15 +16968,7 @@
                   <a:srgbClr val="00B0F0"/>
                 </a:solidFill>
               </a:rPr>
-              <a:t>.</a:t>
-            </a:r>
-            <a:r>
-              <a:rPr lang="en-US" sz="4400" b="1" dirty="0" smtClean="0">
-                <a:solidFill>
-                  <a:srgbClr val="00B0F0"/>
-                </a:solidFill>
-              </a:rPr>
-              <a:t>NET Clean Architecture with dynamic User Name</a:t>
+              <a:t>.NET Clean Architecture with dynamic User Name</a:t>
             </a:r>
             <a:endParaRPr lang="en-US" sz="4400" b="1" dirty="0">
               <a:solidFill>
@@ -17275,7 +17268,7 @@
           <p:cNvPr id="4" name="Title 1">
             <a:extLst>
               <a:ext uri="{FF2B5EF4-FFF2-40B4-BE49-F238E27FC236}">
-                <a16:creationId xmlns:a16="http://schemas.microsoft.com/office/drawing/2014/main" xmlns="" id="{0A4045B0-C940-93C6-79DB-351A147113E4}"/>
+                <a16:creationId xmlns="" xmlns:a16="http://schemas.microsoft.com/office/drawing/2014/main" id="{0A4045B0-C940-93C6-79DB-351A147113E4}"/>
               </a:ext>
             </a:extLst>
           </p:cNvPr>
@@ -17298,11 +17291,7 @@
           <a:p>
             <a:r>
               <a:rPr lang="en-US" sz="4000" b="1" dirty="0" smtClean="0"/>
-              <a:t>How to send Text &amp; HTML Template Email in .</a:t>
-            </a:r>
-            <a:r>
-              <a:rPr lang="en-US" sz="4000" b="1" dirty="0" smtClean="0"/>
-              <a:t>NET Clean Architecture</a:t>
+              <a:t>How to send Text &amp; HTML Template Email in .NET Clean Architecture</a:t>
             </a:r>
             <a:endParaRPr lang="en-US" sz="4000" b="1" dirty="0"/>
           </a:p>
@@ -17313,7 +17302,7 @@
           <p:cNvPr id="7" name="TextBox 6">
             <a:extLst>
               <a:ext uri="{FF2B5EF4-FFF2-40B4-BE49-F238E27FC236}">
-                <a16:creationId xmlns:a16="http://schemas.microsoft.com/office/drawing/2014/main" xmlns="" id="{1F77591A-DB2F-9F91-4945-B2EC29845B38}"/>
+                <a16:creationId xmlns="" xmlns:a16="http://schemas.microsoft.com/office/drawing/2014/main" id="{1F77591A-DB2F-9F91-4945-B2EC29845B38}"/>
               </a:ext>
             </a:extLst>
           </p:cNvPr>
@@ -17840,6 +17829,459 @@
 </p:sld>
 </file>
 
+<file path=ppt/slides/slide16.xml><?xml version="1.0" encoding="utf-8"?>
+<p:sld xmlns:a="http://schemas.openxmlformats.org/drawingml/2006/main" xmlns:r="http://schemas.openxmlformats.org/officeDocument/2006/relationships" xmlns:p="http://schemas.openxmlformats.org/presentationml/2006/main">
+  <p:cSld>
+    <p:spTree>
+      <p:nvGrpSpPr>
+        <p:cNvPr id="1" name=""/>
+        <p:cNvGrpSpPr/>
+        <p:nvPr/>
+      </p:nvGrpSpPr>
+      <p:grpSpPr>
+        <a:xfrm>
+          <a:off x="0" y="0"/>
+          <a:ext cx="0" cy="0"/>
+          <a:chOff x="0" y="0"/>
+          <a:chExt cx="0" cy="0"/>
+        </a:xfrm>
+      </p:grpSpPr>
+      <p:sp>
+        <p:nvSpPr>
+          <p:cNvPr id="4" name="Title 1">
+            <a:extLst>
+              <a:ext uri="{FF2B5EF4-FFF2-40B4-BE49-F238E27FC236}">
+                <a16:creationId xmlns="" xmlns:a16="http://schemas.microsoft.com/office/drawing/2014/main" id="{0A4045B0-C940-93C6-79DB-351A147113E4}"/>
+              </a:ext>
+            </a:extLst>
+          </p:cNvPr>
+          <p:cNvSpPr>
+            <a:spLocks noGrp="1"/>
+          </p:cNvSpPr>
+          <p:nvPr>
+            <p:ph type="ctrTitle"/>
+          </p:nvPr>
+        </p:nvSpPr>
+        <p:spPr>
+          <a:xfrm>
+            <a:off x="591123" y="600891"/>
+            <a:ext cx="9031848" cy="1262741"/>
+          </a:xfrm>
+        </p:spPr>
+        <p:txBody>
+          <a:bodyPr/>
+          <a:lstStyle/>
+          <a:p>
+            <a:r>
+              <a:rPr lang="en-US" sz="4000" b="1" dirty="0" smtClean="0">
+                <a:solidFill>
+                  <a:srgbClr val="FFC000"/>
+                </a:solidFill>
+              </a:rPr>
+              <a:t>Email</a:t>
+            </a:r>
+            <a:r>
+              <a:rPr lang="en-US" sz="4000" b="1" dirty="0" smtClean="0">
+                <a:solidFill>
+                  <a:schemeClr val="bg1">
+                    <a:lumMod val="95000"/>
+                  </a:schemeClr>
+                </a:solidFill>
+              </a:rPr>
+              <a:t> </a:t>
+            </a:r>
+            <a:r>
+              <a:rPr lang="en-US" sz="4000" b="1" dirty="0" smtClean="0">
+                <a:solidFill>
+                  <a:srgbClr val="FFC000"/>
+                </a:solidFill>
+              </a:rPr>
+              <a:t>Confirmation</a:t>
+            </a:r>
+            <a:r>
+              <a:rPr lang="en-US" sz="4000" b="1" dirty="0" smtClean="0">
+                <a:solidFill>
+                  <a:schemeClr val="bg1">
+                    <a:lumMod val="95000"/>
+                  </a:schemeClr>
+                </a:solidFill>
+              </a:rPr>
+              <a:t> in </a:t>
+            </a:r>
+            <a:r>
+              <a:rPr lang="en-US" sz="4000" b="1" dirty="0" err="1" smtClean="0">
+                <a:solidFill>
+                  <a:schemeClr val="bg1">
+                    <a:lumMod val="95000"/>
+                  </a:schemeClr>
+                </a:solidFill>
+              </a:rPr>
+              <a:t>.Net</a:t>
+            </a:r>
+            <a:r>
+              <a:rPr lang="en-US" sz="4000" b="1" dirty="0" smtClean="0">
+                <a:solidFill>
+                  <a:schemeClr val="bg1">
+                    <a:lumMod val="95000"/>
+                  </a:schemeClr>
+                </a:solidFill>
+              </a:rPr>
+              <a:t> Core</a:t>
+            </a:r>
+            <a:br>
+              <a:rPr lang="en-US" sz="4000" b="1" dirty="0" smtClean="0">
+                <a:solidFill>
+                  <a:schemeClr val="bg1">
+                    <a:lumMod val="95000"/>
+                  </a:schemeClr>
+                </a:solidFill>
+              </a:rPr>
+            </a:br>
+            <a:r>
+              <a:rPr lang="en-US" sz="4000" b="1" dirty="0" smtClean="0">
+                <a:solidFill>
+                  <a:srgbClr val="92D050"/>
+                </a:solidFill>
+              </a:rPr>
+              <a:t>Clean Architecture </a:t>
+            </a:r>
+            <a:r>
+              <a:rPr lang="en-US" sz="4000" b="1" dirty="0" smtClean="0">
+                <a:solidFill>
+                  <a:schemeClr val="bg1">
+                    <a:lumMod val="95000"/>
+                  </a:schemeClr>
+                </a:solidFill>
+              </a:rPr>
+              <a:t>Part </a:t>
+            </a:r>
+            <a:r>
+              <a:rPr lang="en-US" sz="4000" b="1" dirty="0" smtClean="0">
+                <a:solidFill>
+                  <a:srgbClr val="FFFF00"/>
+                </a:solidFill>
+              </a:rPr>
+              <a:t>13</a:t>
+            </a:r>
+            <a:endParaRPr lang="en-US" sz="4000" b="1" dirty="0">
+              <a:solidFill>
+                <a:srgbClr val="FFFF00"/>
+              </a:solidFill>
+            </a:endParaRPr>
+          </a:p>
+        </p:txBody>
+      </p:sp>
+      <p:sp>
+        <p:nvSpPr>
+          <p:cNvPr id="2" name="TextBox 1"/>
+          <p:cNvSpPr txBox="1"/>
+          <p:nvPr/>
+        </p:nvSpPr>
+        <p:spPr>
+          <a:xfrm>
+            <a:off x="591122" y="4249783"/>
+            <a:ext cx="6889540" cy="1107996"/>
+          </a:xfrm>
+          <a:prstGeom prst="rect">
+            <a:avLst/>
+          </a:prstGeom>
+          <a:noFill/>
+        </p:spPr>
+        <p:txBody>
+          <a:bodyPr wrap="square" rtlCol="0">
+            <a:spAutoFit/>
+          </a:bodyPr>
+          <a:lstStyle/>
+          <a:p>
+            <a:r>
+              <a:rPr lang="en-US" b="1" dirty="0" smtClean="0">
+                <a:solidFill>
+                  <a:schemeClr val="bg1"/>
+                </a:solidFill>
+              </a:rPr>
+              <a:t>Example Email Confirmation Link:</a:t>
+            </a:r>
+            <a:endParaRPr lang="en-US" b="1" dirty="0">
+              <a:solidFill>
+                <a:schemeClr val="bg1"/>
+              </a:solidFill>
+            </a:endParaRPr>
+          </a:p>
+          <a:p>
+            <a:r>
+              <a:rPr lang="en-US" sz="1600" b="1" dirty="0">
+                <a:solidFill>
+                  <a:srgbClr val="00B0F0"/>
+                </a:solidFill>
+              </a:rPr>
+              <a:t>https://</a:t>
+            </a:r>
+            <a:r>
+              <a:rPr lang="en-US" sz="1600" b="1" dirty="0" smtClean="0">
+                <a:solidFill>
+                  <a:srgbClr val="00B0F0"/>
+                </a:solidFill>
+              </a:rPr>
+              <a:t>localhost:5001/account/confirm-email?userId=ab12345c-678d-9ef0-gh12-ijk345lmn678&amp;code=VGVzdENvbmZpcm1hdGlvblRva2Vu</a:t>
+            </a:r>
+            <a:endParaRPr lang="en-US" sz="1600" b="1" dirty="0">
+              <a:solidFill>
+                <a:srgbClr val="00B0F0"/>
+              </a:solidFill>
+            </a:endParaRPr>
+          </a:p>
+        </p:txBody>
+      </p:sp>
+      <p:pic>
+        <p:nvPicPr>
+          <p:cNvPr id="5" name="Picture 4"/>
+          <p:cNvPicPr>
+            <a:picLocks noChangeAspect="1"/>
+          </p:cNvPicPr>
+          <p:nvPr/>
+        </p:nvPicPr>
+        <p:blipFill>
+          <a:blip r:embed="rId2"/>
+          <a:stretch>
+            <a:fillRect/>
+          </a:stretch>
+        </p:blipFill>
+        <p:spPr>
+          <a:xfrm>
+            <a:off x="7722709" y="1245325"/>
+            <a:ext cx="3800523" cy="5092165"/>
+          </a:xfrm>
+          <a:prstGeom prst="rect">
+            <a:avLst/>
+          </a:prstGeom>
+        </p:spPr>
+      </p:pic>
+      <p:sp>
+        <p:nvSpPr>
+          <p:cNvPr id="6" name="TextBox 5"/>
+          <p:cNvSpPr txBox="1"/>
+          <p:nvPr/>
+        </p:nvSpPr>
+        <p:spPr>
+          <a:xfrm>
+            <a:off x="591122" y="2073311"/>
+            <a:ext cx="6758911" cy="1661993"/>
+          </a:xfrm>
+          <a:prstGeom prst="rect">
+            <a:avLst/>
+          </a:prstGeom>
+          <a:noFill/>
+        </p:spPr>
+        <p:txBody>
+          <a:bodyPr wrap="square" rtlCol="0">
+            <a:spAutoFit/>
+          </a:bodyPr>
+          <a:lstStyle/>
+          <a:p>
+            <a:r>
+              <a:rPr lang="en-US" b="1" dirty="0">
+                <a:solidFill>
+                  <a:schemeClr val="bg1">
+                    <a:lumMod val="95000"/>
+                  </a:schemeClr>
+                </a:solidFill>
+              </a:rPr>
+              <a:t>Why Do We Confirm </a:t>
+            </a:r>
+            <a:r>
+              <a:rPr lang="en-US" b="1" dirty="0" smtClean="0">
+                <a:solidFill>
+                  <a:schemeClr val="bg1">
+                    <a:lumMod val="95000"/>
+                  </a:schemeClr>
+                </a:solidFill>
+              </a:rPr>
+              <a:t>Emails?</a:t>
+            </a:r>
+          </a:p>
+          <a:p>
+            <a:endParaRPr lang="en-US" sz="1400" dirty="0">
+              <a:solidFill>
+                <a:schemeClr val="bg1">
+                  <a:lumMod val="95000"/>
+                </a:schemeClr>
+              </a:solidFill>
+            </a:endParaRPr>
+          </a:p>
+          <a:p>
+            <a:pPr marL="285750" indent="-285750">
+              <a:buFont typeface="Wingdings" panose="05000000000000000000" pitchFamily="2" charset="2"/>
+              <a:buChar char="Ø"/>
+            </a:pPr>
+            <a:r>
+              <a:rPr lang="en-US" sz="1400" dirty="0" smtClean="0">
+                <a:solidFill>
+                  <a:schemeClr val="bg1">
+                    <a:lumMod val="95000"/>
+                  </a:schemeClr>
+                </a:solidFill>
+              </a:rPr>
+              <a:t>Verify </a:t>
+            </a:r>
+            <a:r>
+              <a:rPr lang="en-US" sz="1400" dirty="0">
+                <a:solidFill>
+                  <a:schemeClr val="bg1">
+                    <a:lumMod val="95000"/>
+                  </a:schemeClr>
+                </a:solidFill>
+              </a:rPr>
+              <a:t>Ownership of the </a:t>
+            </a:r>
+            <a:r>
+              <a:rPr lang="en-US" sz="1400" dirty="0" smtClean="0">
+                <a:solidFill>
+                  <a:schemeClr val="bg1">
+                    <a:lumMod val="95000"/>
+                  </a:schemeClr>
+                </a:solidFill>
+              </a:rPr>
+              <a:t>Email.</a:t>
+            </a:r>
+            <a:endParaRPr lang="en-US" sz="1400" dirty="0">
+              <a:solidFill>
+                <a:schemeClr val="bg1">
+                  <a:lumMod val="95000"/>
+                </a:schemeClr>
+              </a:solidFill>
+            </a:endParaRPr>
+          </a:p>
+          <a:p>
+            <a:pPr marL="285750" indent="-285750">
+              <a:buFont typeface="Wingdings" panose="05000000000000000000" pitchFamily="2" charset="2"/>
+              <a:buChar char="Ø"/>
+            </a:pPr>
+            <a:r>
+              <a:rPr lang="en-US" sz="1400" dirty="0">
+                <a:solidFill>
+                  <a:schemeClr val="bg1">
+                    <a:lumMod val="95000"/>
+                  </a:schemeClr>
+                </a:solidFill>
+              </a:rPr>
+              <a:t>To make sure the person signing up actually owns the email they entered</a:t>
+            </a:r>
+            <a:r>
+              <a:rPr lang="en-US" sz="1400" dirty="0" smtClean="0">
+                <a:solidFill>
+                  <a:schemeClr val="bg1">
+                    <a:lumMod val="95000"/>
+                  </a:schemeClr>
+                </a:solidFill>
+              </a:rPr>
+              <a:t>.</a:t>
+            </a:r>
+            <a:endParaRPr lang="en-US" sz="1400" dirty="0">
+              <a:solidFill>
+                <a:schemeClr val="bg1">
+                  <a:lumMod val="95000"/>
+                </a:schemeClr>
+              </a:solidFill>
+            </a:endParaRPr>
+          </a:p>
+          <a:p>
+            <a:pPr marL="285750" indent="-285750">
+              <a:buFont typeface="Wingdings" panose="05000000000000000000" pitchFamily="2" charset="2"/>
+              <a:buChar char="Ø"/>
+            </a:pPr>
+            <a:r>
+              <a:rPr lang="en-US" sz="1400" dirty="0">
+                <a:solidFill>
+                  <a:schemeClr val="bg1">
+                    <a:lumMod val="95000"/>
+                  </a:schemeClr>
+                </a:solidFill>
+              </a:rPr>
+              <a:t>Prevents people from signing up with someone else's email</a:t>
+            </a:r>
+            <a:r>
+              <a:rPr lang="en-US" sz="1400" dirty="0" smtClean="0">
+                <a:solidFill>
+                  <a:schemeClr val="bg1">
+                    <a:lumMod val="95000"/>
+                  </a:schemeClr>
+                </a:solidFill>
+              </a:rPr>
+              <a:t>.</a:t>
+            </a:r>
+            <a:endParaRPr lang="en-US" sz="1400" dirty="0">
+              <a:solidFill>
+                <a:schemeClr val="bg1">
+                  <a:lumMod val="95000"/>
+                </a:schemeClr>
+              </a:solidFill>
+            </a:endParaRPr>
+          </a:p>
+          <a:p>
+            <a:pPr marL="285750" indent="-285750">
+              <a:buFont typeface="Wingdings" panose="05000000000000000000" pitchFamily="2" charset="2"/>
+              <a:buChar char="Ø"/>
+            </a:pPr>
+            <a:r>
+              <a:rPr lang="en-US" sz="1400" dirty="0" smtClean="0">
+                <a:solidFill>
+                  <a:schemeClr val="bg1">
+                    <a:lumMod val="95000"/>
+                  </a:schemeClr>
+                </a:solidFill>
+              </a:rPr>
+              <a:t>Password </a:t>
+            </a:r>
+            <a:r>
+              <a:rPr lang="en-US" sz="1400" dirty="0">
+                <a:solidFill>
+                  <a:schemeClr val="bg1">
+                    <a:lumMod val="95000"/>
+                  </a:schemeClr>
+                </a:solidFill>
+              </a:rPr>
+              <a:t>resets, </a:t>
+            </a:r>
+            <a:r>
+              <a:rPr lang="en-US" sz="1400" dirty="0" smtClean="0">
+                <a:solidFill>
+                  <a:schemeClr val="bg1">
+                    <a:lumMod val="95000"/>
+                  </a:schemeClr>
+                </a:solidFill>
+              </a:rPr>
+              <a:t>notifications etc.</a:t>
+            </a:r>
+            <a:endParaRPr lang="en-US" sz="1400" dirty="0">
+              <a:solidFill>
+                <a:schemeClr val="bg1">
+                  <a:lumMod val="95000"/>
+                </a:schemeClr>
+              </a:solidFill>
+            </a:endParaRPr>
+          </a:p>
+        </p:txBody>
+      </p:sp>
+    </p:spTree>
+    <p:extLst>
+      <p:ext uri="{BB962C8B-B14F-4D97-AF65-F5344CB8AC3E}">
+        <p14:creationId xmlns:p14="http://schemas.microsoft.com/office/powerpoint/2010/main" val="2768917761"/>
+      </p:ext>
+    </p:extLst>
+  </p:cSld>
+  <p:clrMapOvr>
+    <a:masterClrMapping/>
+  </p:clrMapOvr>
+  <p:timing>
+    <p:tnLst>
+      <p:par>
+        <p:cTn id="1" dur="indefinite" restart="never" nodeType="tmRoot"/>
+      </p:par>
+    </p:tnLst>
+  </p:timing>
+</p:sld>
+</file>
+
 <file path=ppt/slides/slide2.xml><?xml version="1.0" encoding="utf-8"?>
 <p:sld xmlns:a="http://schemas.openxmlformats.org/drawingml/2006/main" xmlns:r="http://schemas.openxmlformats.org/officeDocument/2006/relationships" xmlns:p="http://schemas.openxmlformats.org/presentationml/2006/main">
   <p:cSld>
@@ -17862,7 +18304,7 @@
           <p:cNvPr id="14" name="TextBox 13">
             <a:extLst>
               <a:ext uri="{FF2B5EF4-FFF2-40B4-BE49-F238E27FC236}">
-                <a16:creationId xmlns:a16="http://schemas.microsoft.com/office/drawing/2014/main" xmlns="" id="{2D6E2A5E-967C-56EE-C60B-33A0A449ADC0}"/>
+                <a16:creationId xmlns="" xmlns:a16="http://schemas.microsoft.com/office/drawing/2014/main" id="{2D6E2A5E-967C-56EE-C60B-33A0A449ADC0}"/>
               </a:ext>
             </a:extLst>
           </p:cNvPr>
@@ -17907,7 +18349,7 @@
           <p:cNvPr id="15" name="TextBox 14">
             <a:extLst>
               <a:ext uri="{FF2B5EF4-FFF2-40B4-BE49-F238E27FC236}">
-                <a16:creationId xmlns:a16="http://schemas.microsoft.com/office/drawing/2014/main" xmlns="" id="{3E986115-D58B-7571-A6A0-D672A63D6191}"/>
+                <a16:creationId xmlns="" xmlns:a16="http://schemas.microsoft.com/office/drawing/2014/main" id="{3E986115-D58B-7571-A6A0-D672A63D6191}"/>
               </a:ext>
             </a:extLst>
           </p:cNvPr>
@@ -18017,7 +18459,7 @@
           <p:cNvPr id="18" name="TextBox 17">
             <a:extLst>
               <a:ext uri="{FF2B5EF4-FFF2-40B4-BE49-F238E27FC236}">
-                <a16:creationId xmlns:a16="http://schemas.microsoft.com/office/drawing/2014/main" xmlns="" id="{66A86D0B-A6B0-D5E5-0596-7362FA59BAF6}"/>
+                <a16:creationId xmlns="" xmlns:a16="http://schemas.microsoft.com/office/drawing/2014/main" id="{66A86D0B-A6B0-D5E5-0596-7362FA59BAF6}"/>
               </a:ext>
             </a:extLst>
           </p:cNvPr>
@@ -18071,7 +18513,7 @@
           <p:cNvPr id="20" name="TextBox 19">
             <a:extLst>
               <a:ext uri="{FF2B5EF4-FFF2-40B4-BE49-F238E27FC236}">
-                <a16:creationId xmlns:a16="http://schemas.microsoft.com/office/drawing/2014/main" xmlns="" id="{0079DF3F-C0DE-642F-2ED9-10544F59D43B}"/>
+                <a16:creationId xmlns="" xmlns:a16="http://schemas.microsoft.com/office/drawing/2014/main" id="{0079DF3F-C0DE-642F-2ED9-10544F59D43B}"/>
               </a:ext>
             </a:extLst>
           </p:cNvPr>
@@ -18138,7 +18580,7 @@
           <p:cNvPr id="25" name="TextBox 24">
             <a:extLst>
               <a:ext uri="{FF2B5EF4-FFF2-40B4-BE49-F238E27FC236}">
-                <a16:creationId xmlns:a16="http://schemas.microsoft.com/office/drawing/2014/main" xmlns="" id="{198E47A3-C3A7-7CD4-200F-D6F44FE978FD}"/>
+                <a16:creationId xmlns="" xmlns:a16="http://schemas.microsoft.com/office/drawing/2014/main" id="{198E47A3-C3A7-7CD4-200F-D6F44FE978FD}"/>
               </a:ext>
             </a:extLst>
           </p:cNvPr>
@@ -18593,7 +19035,7 @@
           <p:cNvPr id="26" name="TextBox 25">
             <a:extLst>
               <a:ext uri="{FF2B5EF4-FFF2-40B4-BE49-F238E27FC236}">
-                <a16:creationId xmlns:a16="http://schemas.microsoft.com/office/drawing/2014/main" xmlns="" id="{37BEBCE1-74C6-5499-F88C-F8AE8BE63895}"/>
+                <a16:creationId xmlns="" xmlns:a16="http://schemas.microsoft.com/office/drawing/2014/main" id="{37BEBCE1-74C6-5499-F88C-F8AE8BE63895}"/>
               </a:ext>
             </a:extLst>
           </p:cNvPr>
@@ -18647,7 +19089,7 @@
           <p:cNvPr id="27" name="TextBox 26">
             <a:extLst>
               <a:ext uri="{FF2B5EF4-FFF2-40B4-BE49-F238E27FC236}">
-                <a16:creationId xmlns:a16="http://schemas.microsoft.com/office/drawing/2014/main" xmlns="" id="{828B7BCB-60B4-7021-116C-92B338033765}"/>
+                <a16:creationId xmlns="" xmlns:a16="http://schemas.microsoft.com/office/drawing/2014/main" id="{828B7BCB-60B4-7021-116C-92B338033765}"/>
               </a:ext>
             </a:extLst>
           </p:cNvPr>
@@ -18808,7 +19250,7 @@
           <p:cNvPr id="7" name="Title 1">
             <a:extLst>
               <a:ext uri="{FF2B5EF4-FFF2-40B4-BE49-F238E27FC236}">
-                <a16:creationId xmlns:a16="http://schemas.microsoft.com/office/drawing/2014/main" xmlns="" id="{0CE071D6-AF8F-9C57-F47E-6B74823ED513}"/>
+                <a16:creationId xmlns="" xmlns:a16="http://schemas.microsoft.com/office/drawing/2014/main" id="{0CE071D6-AF8F-9C57-F47E-6B74823ED513}"/>
               </a:ext>
             </a:extLst>
           </p:cNvPr>
@@ -19455,7 +19897,7 @@
           <p:cNvPr id="5" name="TextBox 4">
             <a:extLst>
               <a:ext uri="{FF2B5EF4-FFF2-40B4-BE49-F238E27FC236}">
-                <a16:creationId xmlns:a16="http://schemas.microsoft.com/office/drawing/2014/main" xmlns="" id="{FD94C650-D2EC-5A80-D053-15314A15912E}"/>
+                <a16:creationId xmlns="" xmlns:a16="http://schemas.microsoft.com/office/drawing/2014/main" id="{FD94C650-D2EC-5A80-D053-15314A15912E}"/>
               </a:ext>
             </a:extLst>
           </p:cNvPr>
@@ -19588,7 +20030,7 @@
           <p:cNvPr id="6" name="Title 1">
             <a:extLst>
               <a:ext uri="{FF2B5EF4-FFF2-40B4-BE49-F238E27FC236}">
-                <a16:creationId xmlns:a16="http://schemas.microsoft.com/office/drawing/2014/main" xmlns="" id="{C8AD9B0B-5832-FBE1-7CAF-B5DC8714288E}"/>
+                <a16:creationId xmlns="" xmlns:a16="http://schemas.microsoft.com/office/drawing/2014/main" id="{C8AD9B0B-5832-FBE1-7CAF-B5DC8714288E}"/>
               </a:ext>
             </a:extLst>
           </p:cNvPr>
@@ -19621,7 +20063,7 @@
           <p:cNvPr id="8" name="TextBox 7">
             <a:extLst>
               <a:ext uri="{FF2B5EF4-FFF2-40B4-BE49-F238E27FC236}">
-                <a16:creationId xmlns:a16="http://schemas.microsoft.com/office/drawing/2014/main" xmlns="" id="{05C97F0F-A9E3-7357-C0E8-A15545E41298}"/>
+                <a16:creationId xmlns="" xmlns:a16="http://schemas.microsoft.com/office/drawing/2014/main" id="{05C97F0F-A9E3-7357-C0E8-A15545E41298}"/>
               </a:ext>
             </a:extLst>
           </p:cNvPr>
@@ -19767,7 +20209,7 @@
           <p:cNvPr id="2" name="TextBox 1">
             <a:extLst>
               <a:ext uri="{FF2B5EF4-FFF2-40B4-BE49-F238E27FC236}">
-                <a16:creationId xmlns:a16="http://schemas.microsoft.com/office/drawing/2014/main" xmlns="" id="{FAFC4B0A-4EC1-C95B-BF8E-F2E4C60860C7}"/>
+                <a16:creationId xmlns="" xmlns:a16="http://schemas.microsoft.com/office/drawing/2014/main" id="{FAFC4B0A-4EC1-C95B-BF8E-F2E4C60860C7}"/>
               </a:ext>
             </a:extLst>
           </p:cNvPr>
@@ -20226,7 +20668,7 @@
           <p:cNvPr id="4" name="Title 1">
             <a:extLst>
               <a:ext uri="{FF2B5EF4-FFF2-40B4-BE49-F238E27FC236}">
-                <a16:creationId xmlns:a16="http://schemas.microsoft.com/office/drawing/2014/main" xmlns="" id="{0A4045B0-C940-93C6-79DB-351A147113E4}"/>
+                <a16:creationId xmlns="" xmlns:a16="http://schemas.microsoft.com/office/drawing/2014/main" id="{0A4045B0-C940-93C6-79DB-351A147113E4}"/>
               </a:ext>
             </a:extLst>
           </p:cNvPr>
@@ -20259,7 +20701,7 @@
           <p:cNvPr id="5" name="TextBox 4">
             <a:extLst>
               <a:ext uri="{FF2B5EF4-FFF2-40B4-BE49-F238E27FC236}">
-                <a16:creationId xmlns:a16="http://schemas.microsoft.com/office/drawing/2014/main" xmlns="" id="{68ED6C88-4D30-47B1-98F2-10B61639E784}"/>
+                <a16:creationId xmlns="" xmlns:a16="http://schemas.microsoft.com/office/drawing/2014/main" id="{68ED6C88-4D30-47B1-98F2-10B61639E784}"/>
               </a:ext>
             </a:extLst>
           </p:cNvPr>
@@ -20301,7 +20743,7 @@
           <p:cNvPr id="6" name="TextBox 5">
             <a:extLst>
               <a:ext uri="{FF2B5EF4-FFF2-40B4-BE49-F238E27FC236}">
-                <a16:creationId xmlns:a16="http://schemas.microsoft.com/office/drawing/2014/main" xmlns="" id="{DF3DBA21-50B3-332B-D2D0-1673209B9496}"/>
+                <a16:creationId xmlns="" xmlns:a16="http://schemas.microsoft.com/office/drawing/2014/main" id="{DF3DBA21-50B3-332B-D2D0-1673209B9496}"/>
               </a:ext>
             </a:extLst>
           </p:cNvPr>
@@ -20343,7 +20785,7 @@
           <p:cNvPr id="10" name="TextBox 9">
             <a:extLst>
               <a:ext uri="{FF2B5EF4-FFF2-40B4-BE49-F238E27FC236}">
-                <a16:creationId xmlns:a16="http://schemas.microsoft.com/office/drawing/2014/main" xmlns="" id="{95C399D3-9FFE-F9D2-8DD0-04F8296DD6C5}"/>
+                <a16:creationId xmlns="" xmlns:a16="http://schemas.microsoft.com/office/drawing/2014/main" id="{95C399D3-9FFE-F9D2-8DD0-04F8296DD6C5}"/>
               </a:ext>
             </a:extLst>
           </p:cNvPr>
@@ -20385,7 +20827,7 @@
           <p:cNvPr id="12" name="Picture 11">
             <a:extLst>
               <a:ext uri="{FF2B5EF4-FFF2-40B4-BE49-F238E27FC236}">
-                <a16:creationId xmlns:a16="http://schemas.microsoft.com/office/drawing/2014/main" xmlns="" id="{6F0558F7-9155-B500-7EB5-FE4B29AFAC65}"/>
+                <a16:creationId xmlns="" xmlns:a16="http://schemas.microsoft.com/office/drawing/2014/main" id="{6F0558F7-9155-B500-7EB5-FE4B29AFAC65}"/>
               </a:ext>
             </a:extLst>
           </p:cNvPr>
@@ -20777,7 +21219,7 @@
           <p:cNvPr id="4" name="Title 1">
             <a:extLst>
               <a:ext uri="{FF2B5EF4-FFF2-40B4-BE49-F238E27FC236}">
-                <a16:creationId xmlns:a16="http://schemas.microsoft.com/office/drawing/2014/main" xmlns="" id="{0A4045B0-C940-93C6-79DB-351A147113E4}"/>
+                <a16:creationId xmlns="" xmlns:a16="http://schemas.microsoft.com/office/drawing/2014/main" id="{0A4045B0-C940-93C6-79DB-351A147113E4}"/>
               </a:ext>
             </a:extLst>
           </p:cNvPr>
@@ -20810,7 +21252,7 @@
           <p:cNvPr id="5" name="TextBox 4">
             <a:extLst>
               <a:ext uri="{FF2B5EF4-FFF2-40B4-BE49-F238E27FC236}">
-                <a16:creationId xmlns:a16="http://schemas.microsoft.com/office/drawing/2014/main" xmlns="" id="{68ED6C88-4D30-47B1-98F2-10B61639E784}"/>
+                <a16:creationId xmlns="" xmlns:a16="http://schemas.microsoft.com/office/drawing/2014/main" id="{68ED6C88-4D30-47B1-98F2-10B61639E784}"/>
               </a:ext>
             </a:extLst>
           </p:cNvPr>
@@ -20852,7 +21294,7 @@
           <p:cNvPr id="16" name="TextBox 15">
             <a:extLst>
               <a:ext uri="{FF2B5EF4-FFF2-40B4-BE49-F238E27FC236}">
-                <a16:creationId xmlns:a16="http://schemas.microsoft.com/office/drawing/2014/main" xmlns="" id="{34FEC4EB-6265-3C9A-194F-C9E41AAAC52C}"/>
+                <a16:creationId xmlns="" xmlns:a16="http://schemas.microsoft.com/office/drawing/2014/main" id="{34FEC4EB-6265-3C9A-194F-C9E41AAAC52C}"/>
               </a:ext>
             </a:extLst>
           </p:cNvPr>
@@ -20898,7 +21340,7 @@
           <p:cNvPr id="17" name="TextBox 16">
             <a:extLst>
               <a:ext uri="{FF2B5EF4-FFF2-40B4-BE49-F238E27FC236}">
-                <a16:creationId xmlns:a16="http://schemas.microsoft.com/office/drawing/2014/main" xmlns="" id="{21C37205-2E9B-A3D7-453C-BA1143389C47}"/>
+                <a16:creationId xmlns="" xmlns:a16="http://schemas.microsoft.com/office/drawing/2014/main" id="{21C37205-2E9B-A3D7-453C-BA1143389C47}"/>
               </a:ext>
             </a:extLst>
           </p:cNvPr>
@@ -20937,7 +21379,7 @@
           <p:cNvPr id="18" name="TextBox 17">
             <a:extLst>
               <a:ext uri="{FF2B5EF4-FFF2-40B4-BE49-F238E27FC236}">
-                <a16:creationId xmlns:a16="http://schemas.microsoft.com/office/drawing/2014/main" xmlns="" id="{C11EB94A-7599-12BE-A015-138DF82E7D88}"/>
+                <a16:creationId xmlns="" xmlns:a16="http://schemas.microsoft.com/office/drawing/2014/main" id="{C11EB94A-7599-12BE-A015-138DF82E7D88}"/>
               </a:ext>
             </a:extLst>
           </p:cNvPr>
@@ -20979,7 +21421,7 @@
           <p:cNvPr id="9" name="Picture 8">
             <a:extLst>
               <a:ext uri="{FF2B5EF4-FFF2-40B4-BE49-F238E27FC236}">
-                <a16:creationId xmlns:a16="http://schemas.microsoft.com/office/drawing/2014/main" xmlns="" id="{F3934AA7-7FA1-4AF5-11DF-34C8209BBBC5}"/>
+                <a16:creationId xmlns="" xmlns:a16="http://schemas.microsoft.com/office/drawing/2014/main" id="{F3934AA7-7FA1-4AF5-11DF-34C8209BBBC5}"/>
               </a:ext>
             </a:extLst>
           </p:cNvPr>
@@ -21477,7 +21919,7 @@
           <p:cNvPr id="4" name="Title 1">
             <a:extLst>
               <a:ext uri="{FF2B5EF4-FFF2-40B4-BE49-F238E27FC236}">
-                <a16:creationId xmlns:a16="http://schemas.microsoft.com/office/drawing/2014/main" xmlns="" id="{0A4045B0-C940-93C6-79DB-351A147113E4}"/>
+                <a16:creationId xmlns="" xmlns:a16="http://schemas.microsoft.com/office/drawing/2014/main" id="{0A4045B0-C940-93C6-79DB-351A147113E4}"/>
               </a:ext>
             </a:extLst>
           </p:cNvPr>
@@ -21510,7 +21952,7 @@
           <p:cNvPr id="5" name="TextBox 4">
             <a:extLst>
               <a:ext uri="{FF2B5EF4-FFF2-40B4-BE49-F238E27FC236}">
-                <a16:creationId xmlns:a16="http://schemas.microsoft.com/office/drawing/2014/main" xmlns="" id="{AAC62DE3-37FA-81ED-2B19-6155C5C4FB6A}"/>
+                <a16:creationId xmlns="" xmlns:a16="http://schemas.microsoft.com/office/drawing/2014/main" id="{AAC62DE3-37FA-81ED-2B19-6155C5C4FB6A}"/>
               </a:ext>
             </a:extLst>
           </p:cNvPr>
@@ -21874,7 +22316,7 @@
           <p:cNvPr id="9" name="Picture 8">
             <a:extLst>
               <a:ext uri="{FF2B5EF4-FFF2-40B4-BE49-F238E27FC236}">
-                <a16:creationId xmlns:a16="http://schemas.microsoft.com/office/drawing/2014/main" xmlns="" id="{DC69AF7A-D5F6-AF94-6226-64A1B3D13F3D}"/>
+                <a16:creationId xmlns="" xmlns:a16="http://schemas.microsoft.com/office/drawing/2014/main" id="{DC69AF7A-D5F6-AF94-6226-64A1B3D13F3D}"/>
               </a:ext>
             </a:extLst>
           </p:cNvPr>
@@ -22066,7 +22508,7 @@
           <p:cNvPr id="4" name="Title 1">
             <a:extLst>
               <a:ext uri="{FF2B5EF4-FFF2-40B4-BE49-F238E27FC236}">
-                <a16:creationId xmlns:a16="http://schemas.microsoft.com/office/drawing/2014/main" xmlns="" id="{0A4045B0-C940-93C6-79DB-351A147113E4}"/>
+                <a16:creationId xmlns="" xmlns:a16="http://schemas.microsoft.com/office/drawing/2014/main" id="{0A4045B0-C940-93C6-79DB-351A147113E4}"/>
               </a:ext>
             </a:extLst>
           </p:cNvPr>
@@ -22099,7 +22541,7 @@
           <p:cNvPr id="5" name="TextBox 4">
             <a:extLst>
               <a:ext uri="{FF2B5EF4-FFF2-40B4-BE49-F238E27FC236}">
-                <a16:creationId xmlns:a16="http://schemas.microsoft.com/office/drawing/2014/main" xmlns="" id="{AAC62DE3-37FA-81ED-2B19-6155C5C4FB6A}"/>
+                <a16:creationId xmlns="" xmlns:a16="http://schemas.microsoft.com/office/drawing/2014/main" id="{AAC62DE3-37FA-81ED-2B19-6155C5C4FB6A}"/>
               </a:ext>
             </a:extLst>
           </p:cNvPr>
@@ -22381,7 +22823,7 @@
           <p:cNvPr id="3" name="Picture 2">
             <a:extLst>
               <a:ext uri="{FF2B5EF4-FFF2-40B4-BE49-F238E27FC236}">
-                <a16:creationId xmlns:a16="http://schemas.microsoft.com/office/drawing/2014/main" xmlns="" id="{26D9E3AC-C35C-EBF0-20C7-EAD5FC9B88C7}"/>
+                <a16:creationId xmlns="" xmlns:a16="http://schemas.microsoft.com/office/drawing/2014/main" id="{26D9E3AC-C35C-EBF0-20C7-EAD5FC9B88C7}"/>
               </a:ext>
             </a:extLst>
           </p:cNvPr>
@@ -22573,7 +23015,7 @@
           <p:cNvPr id="4" name="Title 1">
             <a:extLst>
               <a:ext uri="{FF2B5EF4-FFF2-40B4-BE49-F238E27FC236}">
-                <a16:creationId xmlns:a16="http://schemas.microsoft.com/office/drawing/2014/main" xmlns="" id="{0A4045B0-C940-93C6-79DB-351A147113E4}"/>
+                <a16:creationId xmlns="" xmlns:a16="http://schemas.microsoft.com/office/drawing/2014/main" id="{0A4045B0-C940-93C6-79DB-351A147113E4}"/>
               </a:ext>
             </a:extLst>
           </p:cNvPr>
@@ -22610,7 +23052,7 @@
           <p:cNvPr id="5" name="TextBox 4">
             <a:extLst>
               <a:ext uri="{FF2B5EF4-FFF2-40B4-BE49-F238E27FC236}">
-                <a16:creationId xmlns:a16="http://schemas.microsoft.com/office/drawing/2014/main" xmlns="" id="{AAC62DE3-37FA-81ED-2B19-6155C5C4FB6A}"/>
+                <a16:creationId xmlns="" xmlns:a16="http://schemas.microsoft.com/office/drawing/2014/main" id="{AAC62DE3-37FA-81ED-2B19-6155C5C4FB6A}"/>
               </a:ext>
             </a:extLst>
           </p:cNvPr>
@@ -22873,7 +23315,7 @@
           <p:cNvPr id="6" name="Picture 5">
             <a:extLst>
               <a:ext uri="{FF2B5EF4-FFF2-40B4-BE49-F238E27FC236}">
-                <a16:creationId xmlns:a16="http://schemas.microsoft.com/office/drawing/2014/main" xmlns="" id="{7C88032A-86F2-5985-C0A4-6E39C9F51CC6}"/>
+                <a16:creationId xmlns="" xmlns:a16="http://schemas.microsoft.com/office/drawing/2014/main" id="{7C88032A-86F2-5985-C0A4-6E39C9F51CC6}"/>
               </a:ext>
             </a:extLst>
           </p:cNvPr>
@@ -22909,7 +23351,7 @@
           <p:cNvPr id="7" name="TextBox 6">
             <a:extLst>
               <a:ext uri="{FF2B5EF4-FFF2-40B4-BE49-F238E27FC236}">
-                <a16:creationId xmlns:a16="http://schemas.microsoft.com/office/drawing/2014/main" xmlns="" id="{1F77591A-DB2F-9F91-4945-B2EC29845B38}"/>
+                <a16:creationId xmlns="" xmlns:a16="http://schemas.microsoft.com/office/drawing/2014/main" id="{1F77591A-DB2F-9F91-4945-B2EC29845B38}"/>
               </a:ext>
             </a:extLst>
           </p:cNvPr>
@@ -23271,7 +23713,7 @@
           <p:cNvPr id="4" name="Title 1">
             <a:extLst>
               <a:ext uri="{FF2B5EF4-FFF2-40B4-BE49-F238E27FC236}">
-                <a16:creationId xmlns:a16="http://schemas.microsoft.com/office/drawing/2014/main" xmlns="" id="{0A4045B0-C940-93C6-79DB-351A147113E4}"/>
+                <a16:creationId xmlns="" xmlns:a16="http://schemas.microsoft.com/office/drawing/2014/main" id="{0A4045B0-C940-93C6-79DB-351A147113E4}"/>
               </a:ext>
             </a:extLst>
           </p:cNvPr>
@@ -23304,7 +23746,7 @@
           <p:cNvPr id="7" name="TextBox 6">
             <a:extLst>
               <a:ext uri="{FF2B5EF4-FFF2-40B4-BE49-F238E27FC236}">
-                <a16:creationId xmlns:a16="http://schemas.microsoft.com/office/drawing/2014/main" xmlns="" id="{1F77591A-DB2F-9F91-4945-B2EC29845B38}"/>
+                <a16:creationId xmlns="" xmlns:a16="http://schemas.microsoft.com/office/drawing/2014/main" id="{1F77591A-DB2F-9F91-4945-B2EC29845B38}"/>
               </a:ext>
             </a:extLst>
           </p:cNvPr>
@@ -23420,7 +23862,7 @@
           <p:cNvPr id="8" name="Picture 7">
             <a:extLst>
               <a:ext uri="{FF2B5EF4-FFF2-40B4-BE49-F238E27FC236}">
-                <a16:creationId xmlns:a16="http://schemas.microsoft.com/office/drawing/2014/main" xmlns="" id="{B643EA6D-4B4D-8F4A-AF04-E12FB151ED2B}"/>
+                <a16:creationId xmlns="" xmlns:a16="http://schemas.microsoft.com/office/drawing/2014/main" id="{B643EA6D-4B4D-8F4A-AF04-E12FB151ED2B}"/>
               </a:ext>
             </a:extLst>
           </p:cNvPr>
@@ -23450,7 +23892,7 @@
           <p:cNvPr id="9" name="TextBox 8">
             <a:extLst>
               <a:ext uri="{FF2B5EF4-FFF2-40B4-BE49-F238E27FC236}">
-                <a16:creationId xmlns:a16="http://schemas.microsoft.com/office/drawing/2014/main" xmlns="" id="{4CEDAA70-1CF5-7892-405B-9D24EFE25BE8}"/>
+                <a16:creationId xmlns="" xmlns:a16="http://schemas.microsoft.com/office/drawing/2014/main" id="{4CEDAA70-1CF5-7892-405B-9D24EFE25BE8}"/>
               </a:ext>
             </a:extLst>
           </p:cNvPr>

--- a/Slides/NET 6 Clean Architecture.pptx
+++ b/Slides/NET 6 Clean Architecture.pptx
@@ -21,6 +21,7 @@
     <p:sldId id="269" r:id="rId15"/>
     <p:sldId id="270" r:id="rId16"/>
     <p:sldId id="271" r:id="rId17"/>
+    <p:sldId id="272" r:id="rId18"/>
   </p:sldIdLst>
   <p:sldSz cx="12192000" cy="6858000"/>
   <p:notesSz cx="6858000" cy="9144000"/>
@@ -462,7 +463,7 @@
           <a:p>
             <a:fld id="{4852023B-35B4-406B-9C51-63D33C4B20A9}" type="datetimeFigureOut">
               <a:rPr lang="en-US" smtClean="0"/>
-              <a:t>4/5/2025</a:t>
+              <a:t>4/18/2025</a:t>
             </a:fld>
             <a:endParaRPr lang="en-US"/>
           </a:p>
@@ -1550,7 +1551,7 @@
           <a:p>
             <a:fld id="{4852023B-35B4-406B-9C51-63D33C4B20A9}" type="datetimeFigureOut">
               <a:rPr lang="en-US" smtClean="0"/>
-              <a:t>4/5/2025</a:t>
+              <a:t>4/18/2025</a:t>
             </a:fld>
             <a:endParaRPr lang="en-US"/>
           </a:p>
@@ -2530,7 +2531,7 @@
           <a:p>
             <a:fld id="{4852023B-35B4-406B-9C51-63D33C4B20A9}" type="datetimeFigureOut">
               <a:rPr lang="en-US" smtClean="0"/>
-              <a:t>4/5/2025</a:t>
+              <a:t>4/18/2025</a:t>
             </a:fld>
             <a:endParaRPr lang="en-US"/>
           </a:p>
@@ -3664,7 +3665,7 @@
           <a:p>
             <a:fld id="{4852023B-35B4-406B-9C51-63D33C4B20A9}" type="datetimeFigureOut">
               <a:rPr lang="en-US" smtClean="0"/>
-              <a:t>4/5/2025</a:t>
+              <a:t>4/18/2025</a:t>
             </a:fld>
             <a:endParaRPr lang="en-US"/>
           </a:p>
@@ -4697,7 +4698,7 @@
           <a:p>
             <a:fld id="{4852023B-35B4-406B-9C51-63D33C4B20A9}" type="datetimeFigureOut">
               <a:rPr lang="en-US" smtClean="0"/>
-              <a:t>4/5/2025</a:t>
+              <a:t>4/18/2025</a:t>
             </a:fld>
             <a:endParaRPr lang="en-US"/>
           </a:p>
@@ -5357,7 +5358,7 @@
           <a:p>
             <a:fld id="{4852023B-35B4-406B-9C51-63D33C4B20A9}" type="datetimeFigureOut">
               <a:rPr lang="en-US" smtClean="0"/>
-              <a:t>4/5/2025</a:t>
+              <a:t>4/18/2025</a:t>
             </a:fld>
             <a:endParaRPr lang="en-US"/>
           </a:p>
@@ -6218,7 +6219,7 @@
           <a:p>
             <a:fld id="{4852023B-35B4-406B-9C51-63D33C4B20A9}" type="datetimeFigureOut">
               <a:rPr lang="en-US" smtClean="0"/>
-              <a:t>4/5/2025</a:t>
+              <a:t>4/18/2025</a:t>
             </a:fld>
             <a:endParaRPr lang="en-US"/>
           </a:p>
@@ -6408,7 +6409,7 @@
           <a:p>
             <a:fld id="{4852023B-35B4-406B-9C51-63D33C4B20A9}" type="datetimeFigureOut">
               <a:rPr lang="en-US" smtClean="0"/>
-              <a:t>4/5/2025</a:t>
+              <a:t>4/18/2025</a:t>
             </a:fld>
             <a:endParaRPr lang="en-US"/>
           </a:p>
@@ -7380,7 +7381,7 @@
           <a:p>
             <a:fld id="{4852023B-35B4-406B-9C51-63D33C4B20A9}" type="datetimeFigureOut">
               <a:rPr lang="en-US" smtClean="0"/>
-              <a:t>4/5/2025</a:t>
+              <a:t>4/18/2025</a:t>
             </a:fld>
             <a:endParaRPr lang="en-US"/>
           </a:p>
@@ -7591,7 +7592,7 @@
           <a:p>
             <a:fld id="{4852023B-35B4-406B-9C51-63D33C4B20A9}" type="datetimeFigureOut">
               <a:rPr lang="en-US" smtClean="0"/>
-              <a:t>4/5/2025</a:t>
+              <a:t>4/18/2025</a:t>
             </a:fld>
             <a:endParaRPr lang="en-US"/>
           </a:p>
@@ -8625,7 +8626,7 @@
           <a:p>
             <a:fld id="{4852023B-35B4-406B-9C51-63D33C4B20A9}" type="datetimeFigureOut">
               <a:rPr lang="en-US" smtClean="0"/>
-              <a:t>4/5/2025</a:t>
+              <a:t>4/18/2025</a:t>
             </a:fld>
             <a:endParaRPr lang="en-US"/>
           </a:p>
@@ -8897,7 +8898,7 @@
           <a:p>
             <a:fld id="{4852023B-35B4-406B-9C51-63D33C4B20A9}" type="datetimeFigureOut">
               <a:rPr lang="en-US" smtClean="0"/>
-              <a:t>4/5/2025</a:t>
+              <a:t>4/18/2025</a:t>
             </a:fld>
             <a:endParaRPr lang="en-US"/>
           </a:p>
@@ -9307,7 +9308,7 @@
           <a:p>
             <a:fld id="{4852023B-35B4-406B-9C51-63D33C4B20A9}" type="datetimeFigureOut">
               <a:rPr lang="en-US" smtClean="0"/>
-              <a:t>4/5/2025</a:t>
+              <a:t>4/18/2025</a:t>
             </a:fld>
             <a:endParaRPr lang="en-US"/>
           </a:p>
@@ -9434,7 +9435,7 @@
           <a:p>
             <a:fld id="{4852023B-35B4-406B-9C51-63D33C4B20A9}" type="datetimeFigureOut">
               <a:rPr lang="en-US" smtClean="0"/>
-              <a:t>4/5/2025</a:t>
+              <a:t>4/18/2025</a:t>
             </a:fld>
             <a:endParaRPr lang="en-US"/>
           </a:p>
@@ -9529,7 +9530,7 @@
           <a:p>
             <a:fld id="{4852023B-35B4-406B-9C51-63D33C4B20A9}" type="datetimeFigureOut">
               <a:rPr lang="en-US" smtClean="0"/>
-              <a:t>4/5/2025</a:t>
+              <a:t>4/18/2025</a:t>
             </a:fld>
             <a:endParaRPr lang="en-US"/>
           </a:p>
@@ -10610,7 +10611,7 @@
           <a:p>
             <a:fld id="{4852023B-35B4-406B-9C51-63D33C4B20A9}" type="datetimeFigureOut">
               <a:rPr lang="en-US" smtClean="0"/>
-              <a:t>4/5/2025</a:t>
+              <a:t>4/18/2025</a:t>
             </a:fld>
             <a:endParaRPr lang="en-US"/>
           </a:p>
@@ -11718,7 +11719,7 @@
           <a:p>
             <a:fld id="{4852023B-35B4-406B-9C51-63D33C4B20A9}" type="datetimeFigureOut">
               <a:rPr lang="en-US" smtClean="0"/>
-              <a:t>4/5/2025</a:t>
+              <a:t>4/18/2025</a:t>
             </a:fld>
             <a:endParaRPr lang="en-US"/>
           </a:p>
@@ -12715,7 +12716,7 @@
           <a:p>
             <a:fld id="{4852023B-35B4-406B-9C51-63D33C4B20A9}" type="datetimeFigureOut">
               <a:rPr lang="en-US" smtClean="0"/>
-              <a:t>4/5/2025</a:t>
+              <a:t>4/18/2025</a:t>
             </a:fld>
             <a:endParaRPr lang="en-US"/>
           </a:p>
@@ -13279,7 +13280,7 @@
           <p:cNvPr id="9" name="TextBox 8">
             <a:extLst>
               <a:ext uri="{FF2B5EF4-FFF2-40B4-BE49-F238E27FC236}">
-                <a16:creationId xmlns="" xmlns:a16="http://schemas.microsoft.com/office/drawing/2014/main" id="{39BB7DC7-8A14-75D0-DB09-D55D93EBFBF9}"/>
+                <a16:creationId xmlns:a16="http://schemas.microsoft.com/office/drawing/2014/main" xmlns="" id="{39BB7DC7-8A14-75D0-DB09-D55D93EBFBF9}"/>
               </a:ext>
             </a:extLst>
           </p:cNvPr>
@@ -13311,7 +13312,7 @@
           <p:cNvPr id="12" name="Title 1">
             <a:extLst>
               <a:ext uri="{FF2B5EF4-FFF2-40B4-BE49-F238E27FC236}">
-                <a16:creationId xmlns="" xmlns:a16="http://schemas.microsoft.com/office/drawing/2014/main" id="{6BC09C08-DB38-0216-C707-8BA1E2DE56E4}"/>
+                <a16:creationId xmlns:a16="http://schemas.microsoft.com/office/drawing/2014/main" xmlns="" id="{6BC09C08-DB38-0216-C707-8BA1E2DE56E4}"/>
               </a:ext>
             </a:extLst>
           </p:cNvPr>
@@ -13344,7 +13345,7 @@
           <p:cNvPr id="2" name="TextBox 1">
             <a:extLst>
               <a:ext uri="{FF2B5EF4-FFF2-40B4-BE49-F238E27FC236}">
-                <a16:creationId xmlns="" xmlns:a16="http://schemas.microsoft.com/office/drawing/2014/main" id="{5BE8E56B-D104-CC08-48F4-D487AF749C7B}"/>
+                <a16:creationId xmlns:a16="http://schemas.microsoft.com/office/drawing/2014/main" xmlns="" id="{5BE8E56B-D104-CC08-48F4-D487AF749C7B}"/>
               </a:ext>
             </a:extLst>
           </p:cNvPr>
@@ -13447,7 +13448,7 @@
           <p:cNvPr id="3" name="TextBox 2">
             <a:extLst>
               <a:ext uri="{FF2B5EF4-FFF2-40B4-BE49-F238E27FC236}">
-                <a16:creationId xmlns="" xmlns:a16="http://schemas.microsoft.com/office/drawing/2014/main" id="{C8D9D74B-ED7B-F70B-3A5B-5356FA257D36}"/>
+                <a16:creationId xmlns:a16="http://schemas.microsoft.com/office/drawing/2014/main" xmlns="" id="{C8D9D74B-ED7B-F70B-3A5B-5356FA257D36}"/>
               </a:ext>
             </a:extLst>
           </p:cNvPr>
@@ -13539,7 +13540,7 @@
           <p:cNvPr id="7" name="Picture 6">
             <a:extLst>
               <a:ext uri="{FF2B5EF4-FFF2-40B4-BE49-F238E27FC236}">
-                <a16:creationId xmlns="" xmlns:a16="http://schemas.microsoft.com/office/drawing/2014/main" id="{85923558-9D5B-B7D9-795E-A80B0F560AC1}"/>
+                <a16:creationId xmlns:a16="http://schemas.microsoft.com/office/drawing/2014/main" xmlns="" id="{85923558-9D5B-B7D9-795E-A80B0F560AC1}"/>
               </a:ext>
             </a:extLst>
           </p:cNvPr>
@@ -13569,7 +13570,7 @@
           <p:cNvPr id="8" name="TextBox 7">
             <a:extLst>
               <a:ext uri="{FF2B5EF4-FFF2-40B4-BE49-F238E27FC236}">
-                <a16:creationId xmlns="" xmlns:a16="http://schemas.microsoft.com/office/drawing/2014/main" id="{5B300213-A76B-1DF1-2F8D-7B7E5749DD9D}"/>
+                <a16:creationId xmlns:a16="http://schemas.microsoft.com/office/drawing/2014/main" xmlns="" id="{5B300213-A76B-1DF1-2F8D-7B7E5749DD9D}"/>
               </a:ext>
             </a:extLst>
           </p:cNvPr>
@@ -14052,7 +14053,7 @@
           <p:cNvPr id="4" name="Title 1">
             <a:extLst>
               <a:ext uri="{FF2B5EF4-FFF2-40B4-BE49-F238E27FC236}">
-                <a16:creationId xmlns="" xmlns:a16="http://schemas.microsoft.com/office/drawing/2014/main" id="{0A4045B0-C940-93C6-79DB-351A147113E4}"/>
+                <a16:creationId xmlns:a16="http://schemas.microsoft.com/office/drawing/2014/main" xmlns="" id="{0A4045B0-C940-93C6-79DB-351A147113E4}"/>
               </a:ext>
             </a:extLst>
           </p:cNvPr>
@@ -14085,7 +14086,7 @@
           <p:cNvPr id="7" name="TextBox 6">
             <a:extLst>
               <a:ext uri="{FF2B5EF4-FFF2-40B4-BE49-F238E27FC236}">
-                <a16:creationId xmlns="" xmlns:a16="http://schemas.microsoft.com/office/drawing/2014/main" id="{1F77591A-DB2F-9F91-4945-B2EC29845B38}"/>
+                <a16:creationId xmlns:a16="http://schemas.microsoft.com/office/drawing/2014/main" xmlns="" id="{1F77591A-DB2F-9F91-4945-B2EC29845B38}"/>
               </a:ext>
             </a:extLst>
           </p:cNvPr>
@@ -14149,7 +14150,7 @@
           <p:cNvPr id="3" name="TextBox 2">
             <a:extLst>
               <a:ext uri="{FF2B5EF4-FFF2-40B4-BE49-F238E27FC236}">
-                <a16:creationId xmlns="" xmlns:a16="http://schemas.microsoft.com/office/drawing/2014/main" id="{75CE1D91-0A05-A797-DFCC-8AC0D954B8C4}"/>
+                <a16:creationId xmlns:a16="http://schemas.microsoft.com/office/drawing/2014/main" xmlns="" id="{75CE1D91-0A05-A797-DFCC-8AC0D954B8C4}"/>
               </a:ext>
             </a:extLst>
           </p:cNvPr>
@@ -14228,7 +14229,7 @@
           <p:cNvPr id="5" name="TextBox 4">
             <a:extLst>
               <a:ext uri="{FF2B5EF4-FFF2-40B4-BE49-F238E27FC236}">
-                <a16:creationId xmlns="" xmlns:a16="http://schemas.microsoft.com/office/drawing/2014/main" id="{D3A024AE-BC83-07F5-3885-BC864E91208B}"/>
+                <a16:creationId xmlns:a16="http://schemas.microsoft.com/office/drawing/2014/main" xmlns="" id="{D3A024AE-BC83-07F5-3885-BC864E91208B}"/>
               </a:ext>
             </a:extLst>
           </p:cNvPr>
@@ -14275,7 +14276,7 @@
           <p:cNvPr id="14" name="Picture 13">
             <a:extLst>
               <a:ext uri="{FF2B5EF4-FFF2-40B4-BE49-F238E27FC236}">
-                <a16:creationId xmlns="" xmlns:a16="http://schemas.microsoft.com/office/drawing/2014/main" id="{21282115-67E0-FC53-E5ED-24264FAF013C}"/>
+                <a16:creationId xmlns:a16="http://schemas.microsoft.com/office/drawing/2014/main" xmlns="" id="{21282115-67E0-FC53-E5ED-24264FAF013C}"/>
               </a:ext>
             </a:extLst>
           </p:cNvPr>
@@ -14659,7 +14660,7 @@
           <p:cNvPr id="4" name="Title 1">
             <a:extLst>
               <a:ext uri="{FF2B5EF4-FFF2-40B4-BE49-F238E27FC236}">
-                <a16:creationId xmlns="" xmlns:a16="http://schemas.microsoft.com/office/drawing/2014/main" id="{0A4045B0-C940-93C6-79DB-351A147113E4}"/>
+                <a16:creationId xmlns:a16="http://schemas.microsoft.com/office/drawing/2014/main" xmlns="" id="{0A4045B0-C940-93C6-79DB-351A147113E4}"/>
               </a:ext>
             </a:extLst>
           </p:cNvPr>
@@ -14692,7 +14693,7 @@
           <p:cNvPr id="7" name="TextBox 6">
             <a:extLst>
               <a:ext uri="{FF2B5EF4-FFF2-40B4-BE49-F238E27FC236}">
-                <a16:creationId xmlns="" xmlns:a16="http://schemas.microsoft.com/office/drawing/2014/main" id="{1F77591A-DB2F-9F91-4945-B2EC29845B38}"/>
+                <a16:creationId xmlns:a16="http://schemas.microsoft.com/office/drawing/2014/main" xmlns="" id="{1F77591A-DB2F-9F91-4945-B2EC29845B38}"/>
               </a:ext>
             </a:extLst>
           </p:cNvPr>
@@ -14794,7 +14795,7 @@
           <p:cNvPr id="6" name="TextBox 5">
             <a:extLst>
               <a:ext uri="{FF2B5EF4-FFF2-40B4-BE49-F238E27FC236}">
-                <a16:creationId xmlns="" xmlns:a16="http://schemas.microsoft.com/office/drawing/2014/main" id="{9CA64FD6-BEA4-2353-8A07-33D717CADA3A}"/>
+                <a16:creationId xmlns:a16="http://schemas.microsoft.com/office/drawing/2014/main" xmlns="" id="{9CA64FD6-BEA4-2353-8A07-33D717CADA3A}"/>
               </a:ext>
             </a:extLst>
           </p:cNvPr>
@@ -14890,7 +14891,7 @@
           <p:cNvPr id="10" name="TextBox 9">
             <a:extLst>
               <a:ext uri="{FF2B5EF4-FFF2-40B4-BE49-F238E27FC236}">
-                <a16:creationId xmlns="" xmlns:a16="http://schemas.microsoft.com/office/drawing/2014/main" id="{C89914A2-3B6D-D077-104F-47737F2D1CC9}"/>
+                <a16:creationId xmlns:a16="http://schemas.microsoft.com/office/drawing/2014/main" xmlns="" id="{C89914A2-3B6D-D077-104F-47737F2D1CC9}"/>
               </a:ext>
             </a:extLst>
           </p:cNvPr>
@@ -15083,7 +15084,7 @@
           <p:cNvPr id="12" name="TextBox 11">
             <a:extLst>
               <a:ext uri="{FF2B5EF4-FFF2-40B4-BE49-F238E27FC236}">
-                <a16:creationId xmlns="" xmlns:a16="http://schemas.microsoft.com/office/drawing/2014/main" id="{12B26B99-AF94-9433-984F-83ACFDE565BB}"/>
+                <a16:creationId xmlns:a16="http://schemas.microsoft.com/office/drawing/2014/main" xmlns="" id="{12B26B99-AF94-9433-984F-83ACFDE565BB}"/>
               </a:ext>
             </a:extLst>
           </p:cNvPr>
@@ -15294,7 +15295,7 @@
           <p:cNvPr id="8" name="Picture 7">
             <a:extLst>
               <a:ext uri="{FF2B5EF4-FFF2-40B4-BE49-F238E27FC236}">
-                <a16:creationId xmlns="" xmlns:a16="http://schemas.microsoft.com/office/drawing/2014/main" id="{CC045C0D-B68C-E07A-C5D4-4E8FBA8837BB}"/>
+                <a16:creationId xmlns:a16="http://schemas.microsoft.com/office/drawing/2014/main" xmlns="" id="{CC045C0D-B68C-E07A-C5D4-4E8FBA8837BB}"/>
               </a:ext>
             </a:extLst>
           </p:cNvPr>
@@ -15786,7 +15787,7 @@
           <p:cNvPr id="4" name="Title 1">
             <a:extLst>
               <a:ext uri="{FF2B5EF4-FFF2-40B4-BE49-F238E27FC236}">
-                <a16:creationId xmlns="" xmlns:a16="http://schemas.microsoft.com/office/drawing/2014/main" id="{0A4045B0-C940-93C6-79DB-351A147113E4}"/>
+                <a16:creationId xmlns:a16="http://schemas.microsoft.com/office/drawing/2014/main" xmlns="" id="{0A4045B0-C940-93C6-79DB-351A147113E4}"/>
               </a:ext>
             </a:extLst>
           </p:cNvPr>
@@ -15823,7 +15824,7 @@
           <p:cNvPr id="7" name="TextBox 6">
             <a:extLst>
               <a:ext uri="{FF2B5EF4-FFF2-40B4-BE49-F238E27FC236}">
-                <a16:creationId xmlns="" xmlns:a16="http://schemas.microsoft.com/office/drawing/2014/main" id="{1F77591A-DB2F-9F91-4945-B2EC29845B38}"/>
+                <a16:creationId xmlns:a16="http://schemas.microsoft.com/office/drawing/2014/main" xmlns="" id="{1F77591A-DB2F-9F91-4945-B2EC29845B38}"/>
               </a:ext>
             </a:extLst>
           </p:cNvPr>
@@ -16008,7 +16009,7 @@
           <p:cNvPr id="6" name="TextBox 5">
             <a:extLst>
               <a:ext uri="{FF2B5EF4-FFF2-40B4-BE49-F238E27FC236}">
-                <a16:creationId xmlns="" xmlns:a16="http://schemas.microsoft.com/office/drawing/2014/main" id="{9CA64FD6-BEA4-2353-8A07-33D717CADA3A}"/>
+                <a16:creationId xmlns:a16="http://schemas.microsoft.com/office/drawing/2014/main" xmlns="" id="{9CA64FD6-BEA4-2353-8A07-33D717CADA3A}"/>
               </a:ext>
             </a:extLst>
           </p:cNvPr>
@@ -16090,7 +16091,7 @@
           <p:cNvPr id="2" name="TextBox 1">
             <a:extLst>
               <a:ext uri="{FF2B5EF4-FFF2-40B4-BE49-F238E27FC236}">
-                <a16:creationId xmlns="" xmlns:a16="http://schemas.microsoft.com/office/drawing/2014/main" id="{AA2BD717-B48B-3A0B-5C27-23A0C68D8B05}"/>
+                <a16:creationId xmlns:a16="http://schemas.microsoft.com/office/drawing/2014/main" xmlns="" id="{AA2BD717-B48B-3A0B-5C27-23A0C68D8B05}"/>
               </a:ext>
             </a:extLst>
           </p:cNvPr>
@@ -16255,7 +16256,7 @@
           <p:cNvPr id="9" name="Picture 8">
             <a:extLst>
               <a:ext uri="{FF2B5EF4-FFF2-40B4-BE49-F238E27FC236}">
-                <a16:creationId xmlns="" xmlns:a16="http://schemas.microsoft.com/office/drawing/2014/main" id="{A38831D7-BB3B-C1F8-17D3-97CD0AD42136}"/>
+                <a16:creationId xmlns:a16="http://schemas.microsoft.com/office/drawing/2014/main" xmlns="" id="{A38831D7-BB3B-C1F8-17D3-97CD0AD42136}"/>
               </a:ext>
             </a:extLst>
           </p:cNvPr>
@@ -16647,7 +16648,7 @@
           <p:cNvPr id="4" name="Title 1">
             <a:extLst>
               <a:ext uri="{FF2B5EF4-FFF2-40B4-BE49-F238E27FC236}">
-                <a16:creationId xmlns="" xmlns:a16="http://schemas.microsoft.com/office/drawing/2014/main" id="{0A4045B0-C940-93C6-79DB-351A147113E4}"/>
+                <a16:creationId xmlns:a16="http://schemas.microsoft.com/office/drawing/2014/main" xmlns="" id="{0A4045B0-C940-93C6-79DB-351A147113E4}"/>
               </a:ext>
             </a:extLst>
           </p:cNvPr>
@@ -16688,7 +16689,7 @@
           <p:cNvPr id="7" name="TextBox 6">
             <a:extLst>
               <a:ext uri="{FF2B5EF4-FFF2-40B4-BE49-F238E27FC236}">
-                <a16:creationId xmlns="" xmlns:a16="http://schemas.microsoft.com/office/drawing/2014/main" id="{1F77591A-DB2F-9F91-4945-B2EC29845B38}"/>
+                <a16:creationId xmlns:a16="http://schemas.microsoft.com/office/drawing/2014/main" xmlns="" id="{1F77591A-DB2F-9F91-4945-B2EC29845B38}"/>
               </a:ext>
             </a:extLst>
           </p:cNvPr>
@@ -16742,7 +16743,7 @@
           <p:cNvPr id="5" name="Picture 4">
             <a:extLst>
               <a:ext uri="{FF2B5EF4-FFF2-40B4-BE49-F238E27FC236}">
-                <a16:creationId xmlns="" xmlns:a16="http://schemas.microsoft.com/office/drawing/2014/main" id="{415966A0-7DD5-0960-C994-7A2F3B3FD0AC}"/>
+                <a16:creationId xmlns:a16="http://schemas.microsoft.com/office/drawing/2014/main" xmlns="" id="{415966A0-7DD5-0960-C994-7A2F3B3FD0AC}"/>
               </a:ext>
             </a:extLst>
           </p:cNvPr>
@@ -16934,7 +16935,7 @@
           <p:cNvPr id="4" name="Title 1">
             <a:extLst>
               <a:ext uri="{FF2B5EF4-FFF2-40B4-BE49-F238E27FC236}">
-                <a16:creationId xmlns="" xmlns:a16="http://schemas.microsoft.com/office/drawing/2014/main" id="{0A4045B0-C940-93C6-79DB-351A147113E4}"/>
+                <a16:creationId xmlns:a16="http://schemas.microsoft.com/office/drawing/2014/main" xmlns="" id="{0A4045B0-C940-93C6-79DB-351A147113E4}"/>
               </a:ext>
             </a:extLst>
           </p:cNvPr>
@@ -17268,7 +17269,7 @@
           <p:cNvPr id="4" name="Title 1">
             <a:extLst>
               <a:ext uri="{FF2B5EF4-FFF2-40B4-BE49-F238E27FC236}">
-                <a16:creationId xmlns="" xmlns:a16="http://schemas.microsoft.com/office/drawing/2014/main" id="{0A4045B0-C940-93C6-79DB-351A147113E4}"/>
+                <a16:creationId xmlns:a16="http://schemas.microsoft.com/office/drawing/2014/main" xmlns="" id="{0A4045B0-C940-93C6-79DB-351A147113E4}"/>
               </a:ext>
             </a:extLst>
           </p:cNvPr>
@@ -17302,7 +17303,7 @@
           <p:cNvPr id="7" name="TextBox 6">
             <a:extLst>
               <a:ext uri="{FF2B5EF4-FFF2-40B4-BE49-F238E27FC236}">
-                <a16:creationId xmlns="" xmlns:a16="http://schemas.microsoft.com/office/drawing/2014/main" id="{1F77591A-DB2F-9F91-4945-B2EC29845B38}"/>
+                <a16:creationId xmlns:a16="http://schemas.microsoft.com/office/drawing/2014/main" xmlns="" id="{1F77591A-DB2F-9F91-4945-B2EC29845B38}"/>
               </a:ext>
             </a:extLst>
           </p:cNvPr>
@@ -17851,7 +17852,7 @@
           <p:cNvPr id="4" name="Title 1">
             <a:extLst>
               <a:ext uri="{FF2B5EF4-FFF2-40B4-BE49-F238E27FC236}">
-                <a16:creationId xmlns="" xmlns:a16="http://schemas.microsoft.com/office/drawing/2014/main" id="{0A4045B0-C940-93C6-79DB-351A147113E4}"/>
+                <a16:creationId xmlns:a16="http://schemas.microsoft.com/office/drawing/2014/main" xmlns="" id="{0A4045B0-C940-93C6-79DB-351A147113E4}"/>
               </a:ext>
             </a:extLst>
           </p:cNvPr>
@@ -18282,6 +18283,244 @@
 </p:sld>
 </file>
 
+<file path=ppt/slides/slide17.xml><?xml version="1.0" encoding="utf-8"?>
+<p:sld xmlns:a="http://schemas.openxmlformats.org/drawingml/2006/main" xmlns:r="http://schemas.openxmlformats.org/officeDocument/2006/relationships" xmlns:p="http://schemas.openxmlformats.org/presentationml/2006/main">
+  <p:cSld>
+    <p:spTree>
+      <p:nvGrpSpPr>
+        <p:cNvPr id="1" name=""/>
+        <p:cNvGrpSpPr/>
+        <p:nvPr/>
+      </p:nvGrpSpPr>
+      <p:grpSpPr>
+        <a:xfrm>
+          <a:off x="0" y="0"/>
+          <a:ext cx="0" cy="0"/>
+          <a:chOff x="0" y="0"/>
+          <a:chExt cx="0" cy="0"/>
+        </a:xfrm>
+      </p:grpSpPr>
+      <p:sp>
+        <p:nvSpPr>
+          <p:cNvPr id="4" name="Title 1">
+            <a:extLst>
+              <a:ext uri="{FF2B5EF4-FFF2-40B4-BE49-F238E27FC236}">
+                <a16:creationId xmlns:a16="http://schemas.microsoft.com/office/drawing/2014/main" xmlns="" id="{0A4045B0-C940-93C6-79DB-351A147113E4}"/>
+              </a:ext>
+            </a:extLst>
+          </p:cNvPr>
+          <p:cNvSpPr>
+            <a:spLocks noGrp="1"/>
+          </p:cNvSpPr>
+          <p:nvPr>
+            <p:ph type="ctrTitle"/>
+          </p:nvPr>
+        </p:nvSpPr>
+        <p:spPr>
+          <a:xfrm>
+            <a:off x="670560" y="757645"/>
+            <a:ext cx="7968343" cy="5050971"/>
+          </a:xfrm>
+        </p:spPr>
+        <p:txBody>
+          <a:bodyPr/>
+          <a:lstStyle/>
+          <a:p>
+            <a:r>
+              <a:rPr lang="en-US" sz="6600" b="1" dirty="0" smtClean="0">
+                <a:solidFill>
+                  <a:srgbClr val="FFC000"/>
+                </a:solidFill>
+              </a:rPr>
+              <a:t>Resend Email</a:t>
+            </a:r>
+            <a:r>
+              <a:rPr lang="en-US" sz="6600" b="1" dirty="0" smtClean="0">
+                <a:solidFill>
+                  <a:schemeClr val="bg1">
+                    <a:lumMod val="95000"/>
+                  </a:schemeClr>
+                </a:solidFill>
+              </a:rPr>
+              <a:t> </a:t>
+            </a:r>
+            <a:r>
+              <a:rPr lang="en-US" sz="6600" b="1" dirty="0" smtClean="0">
+                <a:solidFill>
+                  <a:srgbClr val="FFC000"/>
+                </a:solidFill>
+              </a:rPr>
+              <a:t>Confirmation</a:t>
+            </a:r>
+            <a:r>
+              <a:rPr lang="en-US" sz="6600" b="1" dirty="0" smtClean="0">
+                <a:solidFill>
+                  <a:schemeClr val="bg1">
+                    <a:lumMod val="95000"/>
+                  </a:schemeClr>
+                </a:solidFill>
+              </a:rPr>
+              <a:t/>
+            </a:r>
+            <a:br>
+              <a:rPr lang="en-US" sz="6600" b="1" dirty="0" smtClean="0">
+                <a:solidFill>
+                  <a:schemeClr val="bg1">
+                    <a:lumMod val="95000"/>
+                  </a:schemeClr>
+                </a:solidFill>
+              </a:rPr>
+            </a:br>
+            <a:r>
+              <a:rPr lang="en-US" sz="6600" b="1" dirty="0" smtClean="0">
+                <a:solidFill>
+                  <a:schemeClr val="bg1">
+                    <a:lumMod val="95000"/>
+                  </a:schemeClr>
+                </a:solidFill>
+              </a:rPr>
+              <a:t>in </a:t>
+            </a:r>
+            <a:r>
+              <a:rPr lang="en-US" sz="6600" b="1" dirty="0" err="1" smtClean="0">
+                <a:solidFill>
+                  <a:schemeClr val="bg1">
+                    <a:lumMod val="95000"/>
+                  </a:schemeClr>
+                </a:solidFill>
+              </a:rPr>
+              <a:t>.Net</a:t>
+            </a:r>
+            <a:r>
+              <a:rPr lang="en-US" sz="6600" b="1" dirty="0" smtClean="0">
+                <a:solidFill>
+                  <a:schemeClr val="bg1">
+                    <a:lumMod val="95000"/>
+                  </a:schemeClr>
+                </a:solidFill>
+              </a:rPr>
+              <a:t> </a:t>
+            </a:r>
+            <a:r>
+              <a:rPr lang="en-US" sz="6600" b="1" dirty="0" smtClean="0">
+                <a:solidFill>
+                  <a:schemeClr val="bg1">
+                    <a:lumMod val="95000"/>
+                  </a:schemeClr>
+                </a:solidFill>
+              </a:rPr>
+              <a:t>Core </a:t>
+            </a:r>
+            <a:br>
+              <a:rPr lang="en-US" sz="6600" b="1" dirty="0" smtClean="0">
+                <a:solidFill>
+                  <a:schemeClr val="bg1">
+                    <a:lumMod val="95000"/>
+                  </a:schemeClr>
+                </a:solidFill>
+              </a:rPr>
+            </a:br>
+            <a:r>
+              <a:rPr lang="en-US" sz="6600" b="1" dirty="0" smtClean="0">
+                <a:solidFill>
+                  <a:srgbClr val="92D050"/>
+                </a:solidFill>
+              </a:rPr>
+              <a:t>Clean </a:t>
+            </a:r>
+            <a:r>
+              <a:rPr lang="en-US" sz="6600" b="1" dirty="0" smtClean="0">
+                <a:solidFill>
+                  <a:srgbClr val="92D050"/>
+                </a:solidFill>
+              </a:rPr>
+              <a:t>Architecture </a:t>
+            </a:r>
+            <a:r>
+              <a:rPr lang="en-US" sz="6600" b="1" dirty="0" smtClean="0">
+                <a:solidFill>
+                  <a:srgbClr val="92D050"/>
+                </a:solidFill>
+              </a:rPr>
+              <a:t/>
+            </a:r>
+            <a:br>
+              <a:rPr lang="en-US" sz="6600" b="1" dirty="0" smtClean="0">
+                <a:solidFill>
+                  <a:srgbClr val="92D050"/>
+                </a:solidFill>
+              </a:rPr>
+            </a:br>
+            <a:r>
+              <a:rPr lang="en-US" sz="6600" b="1" dirty="0" smtClean="0">
+                <a:solidFill>
+                  <a:schemeClr val="bg1">
+                    <a:lumMod val="95000"/>
+                  </a:schemeClr>
+                </a:solidFill>
+              </a:rPr>
+              <a:t>Part </a:t>
+            </a:r>
+            <a:r>
+              <a:rPr lang="en-US" sz="6600" b="1" dirty="0" smtClean="0">
+                <a:solidFill>
+                  <a:srgbClr val="FFFF00"/>
+                </a:solidFill>
+              </a:rPr>
+              <a:t>14</a:t>
+            </a:r>
+            <a:endParaRPr lang="en-US" sz="6600" b="1" dirty="0">
+              <a:solidFill>
+                <a:srgbClr val="FFFF00"/>
+              </a:solidFill>
+            </a:endParaRPr>
+          </a:p>
+        </p:txBody>
+      </p:sp>
+      <p:pic>
+        <p:nvPicPr>
+          <p:cNvPr id="3" name="Picture 2"/>
+          <p:cNvPicPr>
+            <a:picLocks noChangeAspect="1"/>
+          </p:cNvPicPr>
+          <p:nvPr/>
+        </p:nvPicPr>
+        <p:blipFill>
+          <a:blip r:embed="rId2"/>
+          <a:stretch>
+            <a:fillRect/>
+          </a:stretch>
+        </p:blipFill>
+        <p:spPr>
+          <a:xfrm>
+            <a:off x="8638903" y="1280158"/>
+            <a:ext cx="2969622" cy="4127865"/>
+          </a:xfrm>
+          <a:prstGeom prst="rect">
+            <a:avLst/>
+          </a:prstGeom>
+        </p:spPr>
+      </p:pic>
+    </p:spTree>
+    <p:extLst>
+      <p:ext uri="{BB962C8B-B14F-4D97-AF65-F5344CB8AC3E}">
+        <p14:creationId xmlns:p14="http://schemas.microsoft.com/office/powerpoint/2010/main" val="3432929825"/>
+      </p:ext>
+    </p:extLst>
+  </p:cSld>
+  <p:clrMapOvr>
+    <a:masterClrMapping/>
+  </p:clrMapOvr>
+  <p:timing>
+    <p:tnLst>
+      <p:par>
+        <p:cTn id="1" dur="indefinite" restart="never" nodeType="tmRoot"/>
+      </p:par>
+    </p:tnLst>
+  </p:timing>
+</p:sld>
+</file>
+
 <file path=ppt/slides/slide2.xml><?xml version="1.0" encoding="utf-8"?>
 <p:sld xmlns:a="http://schemas.openxmlformats.org/drawingml/2006/main" xmlns:r="http://schemas.openxmlformats.org/officeDocument/2006/relationships" xmlns:p="http://schemas.openxmlformats.org/presentationml/2006/main">
   <p:cSld>
@@ -18304,7 +18543,7 @@
           <p:cNvPr id="14" name="TextBox 13">
             <a:extLst>
               <a:ext uri="{FF2B5EF4-FFF2-40B4-BE49-F238E27FC236}">
-                <a16:creationId xmlns="" xmlns:a16="http://schemas.microsoft.com/office/drawing/2014/main" id="{2D6E2A5E-967C-56EE-C60B-33A0A449ADC0}"/>
+                <a16:creationId xmlns:a16="http://schemas.microsoft.com/office/drawing/2014/main" xmlns="" id="{2D6E2A5E-967C-56EE-C60B-33A0A449ADC0}"/>
               </a:ext>
             </a:extLst>
           </p:cNvPr>
@@ -18349,7 +18588,7 @@
           <p:cNvPr id="15" name="TextBox 14">
             <a:extLst>
               <a:ext uri="{FF2B5EF4-FFF2-40B4-BE49-F238E27FC236}">
-                <a16:creationId xmlns="" xmlns:a16="http://schemas.microsoft.com/office/drawing/2014/main" id="{3E986115-D58B-7571-A6A0-D672A63D6191}"/>
+                <a16:creationId xmlns:a16="http://schemas.microsoft.com/office/drawing/2014/main" xmlns="" id="{3E986115-D58B-7571-A6A0-D672A63D6191}"/>
               </a:ext>
             </a:extLst>
           </p:cNvPr>
@@ -18459,7 +18698,7 @@
           <p:cNvPr id="18" name="TextBox 17">
             <a:extLst>
               <a:ext uri="{FF2B5EF4-FFF2-40B4-BE49-F238E27FC236}">
-                <a16:creationId xmlns="" xmlns:a16="http://schemas.microsoft.com/office/drawing/2014/main" id="{66A86D0B-A6B0-D5E5-0596-7362FA59BAF6}"/>
+                <a16:creationId xmlns:a16="http://schemas.microsoft.com/office/drawing/2014/main" xmlns="" id="{66A86D0B-A6B0-D5E5-0596-7362FA59BAF6}"/>
               </a:ext>
             </a:extLst>
           </p:cNvPr>
@@ -18513,7 +18752,7 @@
           <p:cNvPr id="20" name="TextBox 19">
             <a:extLst>
               <a:ext uri="{FF2B5EF4-FFF2-40B4-BE49-F238E27FC236}">
-                <a16:creationId xmlns="" xmlns:a16="http://schemas.microsoft.com/office/drawing/2014/main" id="{0079DF3F-C0DE-642F-2ED9-10544F59D43B}"/>
+                <a16:creationId xmlns:a16="http://schemas.microsoft.com/office/drawing/2014/main" xmlns="" id="{0079DF3F-C0DE-642F-2ED9-10544F59D43B}"/>
               </a:ext>
             </a:extLst>
           </p:cNvPr>
@@ -18580,7 +18819,7 @@
           <p:cNvPr id="25" name="TextBox 24">
             <a:extLst>
               <a:ext uri="{FF2B5EF4-FFF2-40B4-BE49-F238E27FC236}">
-                <a16:creationId xmlns="" xmlns:a16="http://schemas.microsoft.com/office/drawing/2014/main" id="{198E47A3-C3A7-7CD4-200F-D6F44FE978FD}"/>
+                <a16:creationId xmlns:a16="http://schemas.microsoft.com/office/drawing/2014/main" xmlns="" id="{198E47A3-C3A7-7CD4-200F-D6F44FE978FD}"/>
               </a:ext>
             </a:extLst>
           </p:cNvPr>
@@ -19035,7 +19274,7 @@
           <p:cNvPr id="26" name="TextBox 25">
             <a:extLst>
               <a:ext uri="{FF2B5EF4-FFF2-40B4-BE49-F238E27FC236}">
-                <a16:creationId xmlns="" xmlns:a16="http://schemas.microsoft.com/office/drawing/2014/main" id="{37BEBCE1-74C6-5499-F88C-F8AE8BE63895}"/>
+                <a16:creationId xmlns:a16="http://schemas.microsoft.com/office/drawing/2014/main" xmlns="" id="{37BEBCE1-74C6-5499-F88C-F8AE8BE63895}"/>
               </a:ext>
             </a:extLst>
           </p:cNvPr>
@@ -19089,7 +19328,7 @@
           <p:cNvPr id="27" name="TextBox 26">
             <a:extLst>
               <a:ext uri="{FF2B5EF4-FFF2-40B4-BE49-F238E27FC236}">
-                <a16:creationId xmlns="" xmlns:a16="http://schemas.microsoft.com/office/drawing/2014/main" id="{828B7BCB-60B4-7021-116C-92B338033765}"/>
+                <a16:creationId xmlns:a16="http://schemas.microsoft.com/office/drawing/2014/main" xmlns="" id="{828B7BCB-60B4-7021-116C-92B338033765}"/>
               </a:ext>
             </a:extLst>
           </p:cNvPr>
@@ -19250,7 +19489,7 @@
           <p:cNvPr id="7" name="Title 1">
             <a:extLst>
               <a:ext uri="{FF2B5EF4-FFF2-40B4-BE49-F238E27FC236}">
-                <a16:creationId xmlns="" xmlns:a16="http://schemas.microsoft.com/office/drawing/2014/main" id="{0CE071D6-AF8F-9C57-F47E-6B74823ED513}"/>
+                <a16:creationId xmlns:a16="http://schemas.microsoft.com/office/drawing/2014/main" xmlns="" id="{0CE071D6-AF8F-9C57-F47E-6B74823ED513}"/>
               </a:ext>
             </a:extLst>
           </p:cNvPr>
@@ -19897,7 +20136,7 @@
           <p:cNvPr id="5" name="TextBox 4">
             <a:extLst>
               <a:ext uri="{FF2B5EF4-FFF2-40B4-BE49-F238E27FC236}">
-                <a16:creationId xmlns="" xmlns:a16="http://schemas.microsoft.com/office/drawing/2014/main" id="{FD94C650-D2EC-5A80-D053-15314A15912E}"/>
+                <a16:creationId xmlns:a16="http://schemas.microsoft.com/office/drawing/2014/main" xmlns="" id="{FD94C650-D2EC-5A80-D053-15314A15912E}"/>
               </a:ext>
             </a:extLst>
           </p:cNvPr>
@@ -20030,7 +20269,7 @@
           <p:cNvPr id="6" name="Title 1">
             <a:extLst>
               <a:ext uri="{FF2B5EF4-FFF2-40B4-BE49-F238E27FC236}">
-                <a16:creationId xmlns="" xmlns:a16="http://schemas.microsoft.com/office/drawing/2014/main" id="{C8AD9B0B-5832-FBE1-7CAF-B5DC8714288E}"/>
+                <a16:creationId xmlns:a16="http://schemas.microsoft.com/office/drawing/2014/main" xmlns="" id="{C8AD9B0B-5832-FBE1-7CAF-B5DC8714288E}"/>
               </a:ext>
             </a:extLst>
           </p:cNvPr>
@@ -20063,7 +20302,7 @@
           <p:cNvPr id="8" name="TextBox 7">
             <a:extLst>
               <a:ext uri="{FF2B5EF4-FFF2-40B4-BE49-F238E27FC236}">
-                <a16:creationId xmlns="" xmlns:a16="http://schemas.microsoft.com/office/drawing/2014/main" id="{05C97F0F-A9E3-7357-C0E8-A15545E41298}"/>
+                <a16:creationId xmlns:a16="http://schemas.microsoft.com/office/drawing/2014/main" xmlns="" id="{05C97F0F-A9E3-7357-C0E8-A15545E41298}"/>
               </a:ext>
             </a:extLst>
           </p:cNvPr>
@@ -20209,7 +20448,7 @@
           <p:cNvPr id="2" name="TextBox 1">
             <a:extLst>
               <a:ext uri="{FF2B5EF4-FFF2-40B4-BE49-F238E27FC236}">
-                <a16:creationId xmlns="" xmlns:a16="http://schemas.microsoft.com/office/drawing/2014/main" id="{FAFC4B0A-4EC1-C95B-BF8E-F2E4C60860C7}"/>
+                <a16:creationId xmlns:a16="http://schemas.microsoft.com/office/drawing/2014/main" xmlns="" id="{FAFC4B0A-4EC1-C95B-BF8E-F2E4C60860C7}"/>
               </a:ext>
             </a:extLst>
           </p:cNvPr>
@@ -20668,7 +20907,7 @@
           <p:cNvPr id="4" name="Title 1">
             <a:extLst>
               <a:ext uri="{FF2B5EF4-FFF2-40B4-BE49-F238E27FC236}">
-                <a16:creationId xmlns="" xmlns:a16="http://schemas.microsoft.com/office/drawing/2014/main" id="{0A4045B0-C940-93C6-79DB-351A147113E4}"/>
+                <a16:creationId xmlns:a16="http://schemas.microsoft.com/office/drawing/2014/main" xmlns="" id="{0A4045B0-C940-93C6-79DB-351A147113E4}"/>
               </a:ext>
             </a:extLst>
           </p:cNvPr>
@@ -20701,7 +20940,7 @@
           <p:cNvPr id="5" name="TextBox 4">
             <a:extLst>
               <a:ext uri="{FF2B5EF4-FFF2-40B4-BE49-F238E27FC236}">
-                <a16:creationId xmlns="" xmlns:a16="http://schemas.microsoft.com/office/drawing/2014/main" id="{68ED6C88-4D30-47B1-98F2-10B61639E784}"/>
+                <a16:creationId xmlns:a16="http://schemas.microsoft.com/office/drawing/2014/main" xmlns="" id="{68ED6C88-4D30-47B1-98F2-10B61639E784}"/>
               </a:ext>
             </a:extLst>
           </p:cNvPr>
@@ -20743,7 +20982,7 @@
           <p:cNvPr id="6" name="TextBox 5">
             <a:extLst>
               <a:ext uri="{FF2B5EF4-FFF2-40B4-BE49-F238E27FC236}">
-                <a16:creationId xmlns="" xmlns:a16="http://schemas.microsoft.com/office/drawing/2014/main" id="{DF3DBA21-50B3-332B-D2D0-1673209B9496}"/>
+                <a16:creationId xmlns:a16="http://schemas.microsoft.com/office/drawing/2014/main" xmlns="" id="{DF3DBA21-50B3-332B-D2D0-1673209B9496}"/>
               </a:ext>
             </a:extLst>
           </p:cNvPr>
@@ -20785,7 +21024,7 @@
           <p:cNvPr id="10" name="TextBox 9">
             <a:extLst>
               <a:ext uri="{FF2B5EF4-FFF2-40B4-BE49-F238E27FC236}">
-                <a16:creationId xmlns="" xmlns:a16="http://schemas.microsoft.com/office/drawing/2014/main" id="{95C399D3-9FFE-F9D2-8DD0-04F8296DD6C5}"/>
+                <a16:creationId xmlns:a16="http://schemas.microsoft.com/office/drawing/2014/main" xmlns="" id="{95C399D3-9FFE-F9D2-8DD0-04F8296DD6C5}"/>
               </a:ext>
             </a:extLst>
           </p:cNvPr>
@@ -20827,7 +21066,7 @@
           <p:cNvPr id="12" name="Picture 11">
             <a:extLst>
               <a:ext uri="{FF2B5EF4-FFF2-40B4-BE49-F238E27FC236}">
-                <a16:creationId xmlns="" xmlns:a16="http://schemas.microsoft.com/office/drawing/2014/main" id="{6F0558F7-9155-B500-7EB5-FE4B29AFAC65}"/>
+                <a16:creationId xmlns:a16="http://schemas.microsoft.com/office/drawing/2014/main" xmlns="" id="{6F0558F7-9155-B500-7EB5-FE4B29AFAC65}"/>
               </a:ext>
             </a:extLst>
           </p:cNvPr>
@@ -21219,7 +21458,7 @@
           <p:cNvPr id="4" name="Title 1">
             <a:extLst>
               <a:ext uri="{FF2B5EF4-FFF2-40B4-BE49-F238E27FC236}">
-                <a16:creationId xmlns="" xmlns:a16="http://schemas.microsoft.com/office/drawing/2014/main" id="{0A4045B0-C940-93C6-79DB-351A147113E4}"/>
+                <a16:creationId xmlns:a16="http://schemas.microsoft.com/office/drawing/2014/main" xmlns="" id="{0A4045B0-C940-93C6-79DB-351A147113E4}"/>
               </a:ext>
             </a:extLst>
           </p:cNvPr>
@@ -21252,7 +21491,7 @@
           <p:cNvPr id="5" name="TextBox 4">
             <a:extLst>
               <a:ext uri="{FF2B5EF4-FFF2-40B4-BE49-F238E27FC236}">
-                <a16:creationId xmlns="" xmlns:a16="http://schemas.microsoft.com/office/drawing/2014/main" id="{68ED6C88-4D30-47B1-98F2-10B61639E784}"/>
+                <a16:creationId xmlns:a16="http://schemas.microsoft.com/office/drawing/2014/main" xmlns="" id="{68ED6C88-4D30-47B1-98F2-10B61639E784}"/>
               </a:ext>
             </a:extLst>
           </p:cNvPr>
@@ -21294,7 +21533,7 @@
           <p:cNvPr id="16" name="TextBox 15">
             <a:extLst>
               <a:ext uri="{FF2B5EF4-FFF2-40B4-BE49-F238E27FC236}">
-                <a16:creationId xmlns="" xmlns:a16="http://schemas.microsoft.com/office/drawing/2014/main" id="{34FEC4EB-6265-3C9A-194F-C9E41AAAC52C}"/>
+                <a16:creationId xmlns:a16="http://schemas.microsoft.com/office/drawing/2014/main" xmlns="" id="{34FEC4EB-6265-3C9A-194F-C9E41AAAC52C}"/>
               </a:ext>
             </a:extLst>
           </p:cNvPr>
@@ -21340,7 +21579,7 @@
           <p:cNvPr id="17" name="TextBox 16">
             <a:extLst>
               <a:ext uri="{FF2B5EF4-FFF2-40B4-BE49-F238E27FC236}">
-                <a16:creationId xmlns="" xmlns:a16="http://schemas.microsoft.com/office/drawing/2014/main" id="{21C37205-2E9B-A3D7-453C-BA1143389C47}"/>
+                <a16:creationId xmlns:a16="http://schemas.microsoft.com/office/drawing/2014/main" xmlns="" id="{21C37205-2E9B-A3D7-453C-BA1143389C47}"/>
               </a:ext>
             </a:extLst>
           </p:cNvPr>
@@ -21379,7 +21618,7 @@
           <p:cNvPr id="18" name="TextBox 17">
             <a:extLst>
               <a:ext uri="{FF2B5EF4-FFF2-40B4-BE49-F238E27FC236}">
-                <a16:creationId xmlns="" xmlns:a16="http://schemas.microsoft.com/office/drawing/2014/main" id="{C11EB94A-7599-12BE-A015-138DF82E7D88}"/>
+                <a16:creationId xmlns:a16="http://schemas.microsoft.com/office/drawing/2014/main" xmlns="" id="{C11EB94A-7599-12BE-A015-138DF82E7D88}"/>
               </a:ext>
             </a:extLst>
           </p:cNvPr>
@@ -21421,7 +21660,7 @@
           <p:cNvPr id="9" name="Picture 8">
             <a:extLst>
               <a:ext uri="{FF2B5EF4-FFF2-40B4-BE49-F238E27FC236}">
-                <a16:creationId xmlns="" xmlns:a16="http://schemas.microsoft.com/office/drawing/2014/main" id="{F3934AA7-7FA1-4AF5-11DF-34C8209BBBC5}"/>
+                <a16:creationId xmlns:a16="http://schemas.microsoft.com/office/drawing/2014/main" xmlns="" id="{F3934AA7-7FA1-4AF5-11DF-34C8209BBBC5}"/>
               </a:ext>
             </a:extLst>
           </p:cNvPr>
@@ -21919,7 +22158,7 @@
           <p:cNvPr id="4" name="Title 1">
             <a:extLst>
               <a:ext uri="{FF2B5EF4-FFF2-40B4-BE49-F238E27FC236}">
-                <a16:creationId xmlns="" xmlns:a16="http://schemas.microsoft.com/office/drawing/2014/main" id="{0A4045B0-C940-93C6-79DB-351A147113E4}"/>
+                <a16:creationId xmlns:a16="http://schemas.microsoft.com/office/drawing/2014/main" xmlns="" id="{0A4045B0-C940-93C6-79DB-351A147113E4}"/>
               </a:ext>
             </a:extLst>
           </p:cNvPr>
@@ -21952,7 +22191,7 @@
           <p:cNvPr id="5" name="TextBox 4">
             <a:extLst>
               <a:ext uri="{FF2B5EF4-FFF2-40B4-BE49-F238E27FC236}">
-                <a16:creationId xmlns="" xmlns:a16="http://schemas.microsoft.com/office/drawing/2014/main" id="{AAC62DE3-37FA-81ED-2B19-6155C5C4FB6A}"/>
+                <a16:creationId xmlns:a16="http://schemas.microsoft.com/office/drawing/2014/main" xmlns="" id="{AAC62DE3-37FA-81ED-2B19-6155C5C4FB6A}"/>
               </a:ext>
             </a:extLst>
           </p:cNvPr>
@@ -22316,7 +22555,7 @@
           <p:cNvPr id="9" name="Picture 8">
             <a:extLst>
               <a:ext uri="{FF2B5EF4-FFF2-40B4-BE49-F238E27FC236}">
-                <a16:creationId xmlns="" xmlns:a16="http://schemas.microsoft.com/office/drawing/2014/main" id="{DC69AF7A-D5F6-AF94-6226-64A1B3D13F3D}"/>
+                <a16:creationId xmlns:a16="http://schemas.microsoft.com/office/drawing/2014/main" xmlns="" id="{DC69AF7A-D5F6-AF94-6226-64A1B3D13F3D}"/>
               </a:ext>
             </a:extLst>
           </p:cNvPr>
@@ -22508,7 +22747,7 @@
           <p:cNvPr id="4" name="Title 1">
             <a:extLst>
               <a:ext uri="{FF2B5EF4-FFF2-40B4-BE49-F238E27FC236}">
-                <a16:creationId xmlns="" xmlns:a16="http://schemas.microsoft.com/office/drawing/2014/main" id="{0A4045B0-C940-93C6-79DB-351A147113E4}"/>
+                <a16:creationId xmlns:a16="http://schemas.microsoft.com/office/drawing/2014/main" xmlns="" id="{0A4045B0-C940-93C6-79DB-351A147113E4}"/>
               </a:ext>
             </a:extLst>
           </p:cNvPr>
@@ -22541,7 +22780,7 @@
           <p:cNvPr id="5" name="TextBox 4">
             <a:extLst>
               <a:ext uri="{FF2B5EF4-FFF2-40B4-BE49-F238E27FC236}">
-                <a16:creationId xmlns="" xmlns:a16="http://schemas.microsoft.com/office/drawing/2014/main" id="{AAC62DE3-37FA-81ED-2B19-6155C5C4FB6A}"/>
+                <a16:creationId xmlns:a16="http://schemas.microsoft.com/office/drawing/2014/main" xmlns="" id="{AAC62DE3-37FA-81ED-2B19-6155C5C4FB6A}"/>
               </a:ext>
             </a:extLst>
           </p:cNvPr>
@@ -22823,7 +23062,7 @@
           <p:cNvPr id="3" name="Picture 2">
             <a:extLst>
               <a:ext uri="{FF2B5EF4-FFF2-40B4-BE49-F238E27FC236}">
-                <a16:creationId xmlns="" xmlns:a16="http://schemas.microsoft.com/office/drawing/2014/main" id="{26D9E3AC-C35C-EBF0-20C7-EAD5FC9B88C7}"/>
+                <a16:creationId xmlns:a16="http://schemas.microsoft.com/office/drawing/2014/main" xmlns="" id="{26D9E3AC-C35C-EBF0-20C7-EAD5FC9B88C7}"/>
               </a:ext>
             </a:extLst>
           </p:cNvPr>
@@ -23015,7 +23254,7 @@
           <p:cNvPr id="4" name="Title 1">
             <a:extLst>
               <a:ext uri="{FF2B5EF4-FFF2-40B4-BE49-F238E27FC236}">
-                <a16:creationId xmlns="" xmlns:a16="http://schemas.microsoft.com/office/drawing/2014/main" id="{0A4045B0-C940-93C6-79DB-351A147113E4}"/>
+                <a16:creationId xmlns:a16="http://schemas.microsoft.com/office/drawing/2014/main" xmlns="" id="{0A4045B0-C940-93C6-79DB-351A147113E4}"/>
               </a:ext>
             </a:extLst>
           </p:cNvPr>
@@ -23052,7 +23291,7 @@
           <p:cNvPr id="5" name="TextBox 4">
             <a:extLst>
               <a:ext uri="{FF2B5EF4-FFF2-40B4-BE49-F238E27FC236}">
-                <a16:creationId xmlns="" xmlns:a16="http://schemas.microsoft.com/office/drawing/2014/main" id="{AAC62DE3-37FA-81ED-2B19-6155C5C4FB6A}"/>
+                <a16:creationId xmlns:a16="http://schemas.microsoft.com/office/drawing/2014/main" xmlns="" id="{AAC62DE3-37FA-81ED-2B19-6155C5C4FB6A}"/>
               </a:ext>
             </a:extLst>
           </p:cNvPr>
@@ -23315,7 +23554,7 @@
           <p:cNvPr id="6" name="Picture 5">
             <a:extLst>
               <a:ext uri="{FF2B5EF4-FFF2-40B4-BE49-F238E27FC236}">
-                <a16:creationId xmlns="" xmlns:a16="http://schemas.microsoft.com/office/drawing/2014/main" id="{7C88032A-86F2-5985-C0A4-6E39C9F51CC6}"/>
+                <a16:creationId xmlns:a16="http://schemas.microsoft.com/office/drawing/2014/main" xmlns="" id="{7C88032A-86F2-5985-C0A4-6E39C9F51CC6}"/>
               </a:ext>
             </a:extLst>
           </p:cNvPr>
@@ -23351,7 +23590,7 @@
           <p:cNvPr id="7" name="TextBox 6">
             <a:extLst>
               <a:ext uri="{FF2B5EF4-FFF2-40B4-BE49-F238E27FC236}">
-                <a16:creationId xmlns="" xmlns:a16="http://schemas.microsoft.com/office/drawing/2014/main" id="{1F77591A-DB2F-9F91-4945-B2EC29845B38}"/>
+                <a16:creationId xmlns:a16="http://schemas.microsoft.com/office/drawing/2014/main" xmlns="" id="{1F77591A-DB2F-9F91-4945-B2EC29845B38}"/>
               </a:ext>
             </a:extLst>
           </p:cNvPr>
@@ -23713,7 +23952,7 @@
           <p:cNvPr id="4" name="Title 1">
             <a:extLst>
               <a:ext uri="{FF2B5EF4-FFF2-40B4-BE49-F238E27FC236}">
-                <a16:creationId xmlns="" xmlns:a16="http://schemas.microsoft.com/office/drawing/2014/main" id="{0A4045B0-C940-93C6-79DB-351A147113E4}"/>
+                <a16:creationId xmlns:a16="http://schemas.microsoft.com/office/drawing/2014/main" xmlns="" id="{0A4045B0-C940-93C6-79DB-351A147113E4}"/>
               </a:ext>
             </a:extLst>
           </p:cNvPr>
@@ -23746,7 +23985,7 @@
           <p:cNvPr id="7" name="TextBox 6">
             <a:extLst>
               <a:ext uri="{FF2B5EF4-FFF2-40B4-BE49-F238E27FC236}">
-                <a16:creationId xmlns="" xmlns:a16="http://schemas.microsoft.com/office/drawing/2014/main" id="{1F77591A-DB2F-9F91-4945-B2EC29845B38}"/>
+                <a16:creationId xmlns:a16="http://schemas.microsoft.com/office/drawing/2014/main" xmlns="" id="{1F77591A-DB2F-9F91-4945-B2EC29845B38}"/>
               </a:ext>
             </a:extLst>
           </p:cNvPr>
@@ -23862,7 +24101,7 @@
           <p:cNvPr id="8" name="Picture 7">
             <a:extLst>
               <a:ext uri="{FF2B5EF4-FFF2-40B4-BE49-F238E27FC236}">
-                <a16:creationId xmlns="" xmlns:a16="http://schemas.microsoft.com/office/drawing/2014/main" id="{B643EA6D-4B4D-8F4A-AF04-E12FB151ED2B}"/>
+                <a16:creationId xmlns:a16="http://schemas.microsoft.com/office/drawing/2014/main" xmlns="" id="{B643EA6D-4B4D-8F4A-AF04-E12FB151ED2B}"/>
               </a:ext>
             </a:extLst>
           </p:cNvPr>
@@ -23892,7 +24131,7 @@
           <p:cNvPr id="9" name="TextBox 8">
             <a:extLst>
               <a:ext uri="{FF2B5EF4-FFF2-40B4-BE49-F238E27FC236}">
-                <a16:creationId xmlns="" xmlns:a16="http://schemas.microsoft.com/office/drawing/2014/main" id="{4CEDAA70-1CF5-7892-405B-9D24EFE25BE8}"/>
+                <a16:creationId xmlns:a16="http://schemas.microsoft.com/office/drawing/2014/main" xmlns="" id="{4CEDAA70-1CF5-7892-405B-9D24EFE25BE8}"/>
               </a:ext>
             </a:extLst>
           </p:cNvPr>

--- a/Slides/NET 6 Clean Architecture.pptx
+++ b/Slides/NET 6 Clean Architecture.pptx
@@ -22,6 +22,7 @@
     <p:sldId id="270" r:id="rId16"/>
     <p:sldId id="271" r:id="rId17"/>
     <p:sldId id="272" r:id="rId18"/>
+    <p:sldId id="273" r:id="rId19"/>
   </p:sldIdLst>
   <p:sldSz cx="12192000" cy="6858000"/>
   <p:notesSz cx="6858000" cy="9144000"/>
@@ -463,7 +464,7 @@
           <a:p>
             <a:fld id="{4852023B-35B4-406B-9C51-63D33C4B20A9}" type="datetimeFigureOut">
               <a:rPr lang="en-US" smtClean="0"/>
-              <a:t>4/18/2025</a:t>
+              <a:t>4/25/2025</a:t>
             </a:fld>
             <a:endParaRPr lang="en-US"/>
           </a:p>
@@ -1551,7 +1552,7 @@
           <a:p>
             <a:fld id="{4852023B-35B4-406B-9C51-63D33C4B20A9}" type="datetimeFigureOut">
               <a:rPr lang="en-US" smtClean="0"/>
-              <a:t>4/18/2025</a:t>
+              <a:t>4/25/2025</a:t>
             </a:fld>
             <a:endParaRPr lang="en-US"/>
           </a:p>
@@ -2531,7 +2532,7 @@
           <a:p>
             <a:fld id="{4852023B-35B4-406B-9C51-63D33C4B20A9}" type="datetimeFigureOut">
               <a:rPr lang="en-US" smtClean="0"/>
-              <a:t>4/18/2025</a:t>
+              <a:t>4/25/2025</a:t>
             </a:fld>
             <a:endParaRPr lang="en-US"/>
           </a:p>
@@ -3665,7 +3666,7 @@
           <a:p>
             <a:fld id="{4852023B-35B4-406B-9C51-63D33C4B20A9}" type="datetimeFigureOut">
               <a:rPr lang="en-US" smtClean="0"/>
-              <a:t>4/18/2025</a:t>
+              <a:t>4/25/2025</a:t>
             </a:fld>
             <a:endParaRPr lang="en-US"/>
           </a:p>
@@ -4698,7 +4699,7 @@
           <a:p>
             <a:fld id="{4852023B-35B4-406B-9C51-63D33C4B20A9}" type="datetimeFigureOut">
               <a:rPr lang="en-US" smtClean="0"/>
-              <a:t>4/18/2025</a:t>
+              <a:t>4/25/2025</a:t>
             </a:fld>
             <a:endParaRPr lang="en-US"/>
           </a:p>
@@ -5358,7 +5359,7 @@
           <a:p>
             <a:fld id="{4852023B-35B4-406B-9C51-63D33C4B20A9}" type="datetimeFigureOut">
               <a:rPr lang="en-US" smtClean="0"/>
-              <a:t>4/18/2025</a:t>
+              <a:t>4/25/2025</a:t>
             </a:fld>
             <a:endParaRPr lang="en-US"/>
           </a:p>
@@ -6219,7 +6220,7 @@
           <a:p>
             <a:fld id="{4852023B-35B4-406B-9C51-63D33C4B20A9}" type="datetimeFigureOut">
               <a:rPr lang="en-US" smtClean="0"/>
-              <a:t>4/18/2025</a:t>
+              <a:t>4/25/2025</a:t>
             </a:fld>
             <a:endParaRPr lang="en-US"/>
           </a:p>
@@ -6409,7 +6410,7 @@
           <a:p>
             <a:fld id="{4852023B-35B4-406B-9C51-63D33C4B20A9}" type="datetimeFigureOut">
               <a:rPr lang="en-US" smtClean="0"/>
-              <a:t>4/18/2025</a:t>
+              <a:t>4/25/2025</a:t>
             </a:fld>
             <a:endParaRPr lang="en-US"/>
           </a:p>
@@ -7381,7 +7382,7 @@
           <a:p>
             <a:fld id="{4852023B-35B4-406B-9C51-63D33C4B20A9}" type="datetimeFigureOut">
               <a:rPr lang="en-US" smtClean="0"/>
-              <a:t>4/18/2025</a:t>
+              <a:t>4/25/2025</a:t>
             </a:fld>
             <a:endParaRPr lang="en-US"/>
           </a:p>
@@ -7592,7 +7593,7 @@
           <a:p>
             <a:fld id="{4852023B-35B4-406B-9C51-63D33C4B20A9}" type="datetimeFigureOut">
               <a:rPr lang="en-US" smtClean="0"/>
-              <a:t>4/18/2025</a:t>
+              <a:t>4/25/2025</a:t>
             </a:fld>
             <a:endParaRPr lang="en-US"/>
           </a:p>
@@ -8626,7 +8627,7 @@
           <a:p>
             <a:fld id="{4852023B-35B4-406B-9C51-63D33C4B20A9}" type="datetimeFigureOut">
               <a:rPr lang="en-US" smtClean="0"/>
-              <a:t>4/18/2025</a:t>
+              <a:t>4/25/2025</a:t>
             </a:fld>
             <a:endParaRPr lang="en-US"/>
           </a:p>
@@ -8898,7 +8899,7 @@
           <a:p>
             <a:fld id="{4852023B-35B4-406B-9C51-63D33C4B20A9}" type="datetimeFigureOut">
               <a:rPr lang="en-US" smtClean="0"/>
-              <a:t>4/18/2025</a:t>
+              <a:t>4/25/2025</a:t>
             </a:fld>
             <a:endParaRPr lang="en-US"/>
           </a:p>
@@ -9308,7 +9309,7 @@
           <a:p>
             <a:fld id="{4852023B-35B4-406B-9C51-63D33C4B20A9}" type="datetimeFigureOut">
               <a:rPr lang="en-US" smtClean="0"/>
-              <a:t>4/18/2025</a:t>
+              <a:t>4/25/2025</a:t>
             </a:fld>
             <a:endParaRPr lang="en-US"/>
           </a:p>
@@ -9435,7 +9436,7 @@
           <a:p>
             <a:fld id="{4852023B-35B4-406B-9C51-63D33C4B20A9}" type="datetimeFigureOut">
               <a:rPr lang="en-US" smtClean="0"/>
-              <a:t>4/18/2025</a:t>
+              <a:t>4/25/2025</a:t>
             </a:fld>
             <a:endParaRPr lang="en-US"/>
           </a:p>
@@ -9530,7 +9531,7 @@
           <a:p>
             <a:fld id="{4852023B-35B4-406B-9C51-63D33C4B20A9}" type="datetimeFigureOut">
               <a:rPr lang="en-US" smtClean="0"/>
-              <a:t>4/18/2025</a:t>
+              <a:t>4/25/2025</a:t>
             </a:fld>
             <a:endParaRPr lang="en-US"/>
           </a:p>
@@ -10611,7 +10612,7 @@
           <a:p>
             <a:fld id="{4852023B-35B4-406B-9C51-63D33C4B20A9}" type="datetimeFigureOut">
               <a:rPr lang="en-US" smtClean="0"/>
-              <a:t>4/18/2025</a:t>
+              <a:t>4/25/2025</a:t>
             </a:fld>
             <a:endParaRPr lang="en-US"/>
           </a:p>
@@ -11719,7 +11720,7 @@
           <a:p>
             <a:fld id="{4852023B-35B4-406B-9C51-63D33C4B20A9}" type="datetimeFigureOut">
               <a:rPr lang="en-US" smtClean="0"/>
-              <a:t>4/18/2025</a:t>
+              <a:t>4/25/2025</a:t>
             </a:fld>
             <a:endParaRPr lang="en-US"/>
           </a:p>
@@ -12716,7 +12717,7 @@
           <a:p>
             <a:fld id="{4852023B-35B4-406B-9C51-63D33C4B20A9}" type="datetimeFigureOut">
               <a:rPr lang="en-US" smtClean="0"/>
-              <a:t>4/18/2025</a:t>
+              <a:t>4/25/2025</a:t>
             </a:fld>
             <a:endParaRPr lang="en-US"/>
           </a:p>
@@ -13280,7 +13281,7 @@
           <p:cNvPr id="9" name="TextBox 8">
             <a:extLst>
               <a:ext uri="{FF2B5EF4-FFF2-40B4-BE49-F238E27FC236}">
-                <a16:creationId xmlns:a16="http://schemas.microsoft.com/office/drawing/2014/main" xmlns="" id="{39BB7DC7-8A14-75D0-DB09-D55D93EBFBF9}"/>
+                <a16:creationId xmlns="" xmlns:a16="http://schemas.microsoft.com/office/drawing/2014/main" id="{39BB7DC7-8A14-75D0-DB09-D55D93EBFBF9}"/>
               </a:ext>
             </a:extLst>
           </p:cNvPr>
@@ -13312,7 +13313,7 @@
           <p:cNvPr id="12" name="Title 1">
             <a:extLst>
               <a:ext uri="{FF2B5EF4-FFF2-40B4-BE49-F238E27FC236}">
-                <a16:creationId xmlns:a16="http://schemas.microsoft.com/office/drawing/2014/main" xmlns="" id="{6BC09C08-DB38-0216-C707-8BA1E2DE56E4}"/>
+                <a16:creationId xmlns="" xmlns:a16="http://schemas.microsoft.com/office/drawing/2014/main" id="{6BC09C08-DB38-0216-C707-8BA1E2DE56E4}"/>
               </a:ext>
             </a:extLst>
           </p:cNvPr>
@@ -13345,7 +13346,7 @@
           <p:cNvPr id="2" name="TextBox 1">
             <a:extLst>
               <a:ext uri="{FF2B5EF4-FFF2-40B4-BE49-F238E27FC236}">
-                <a16:creationId xmlns:a16="http://schemas.microsoft.com/office/drawing/2014/main" xmlns="" id="{5BE8E56B-D104-CC08-48F4-D487AF749C7B}"/>
+                <a16:creationId xmlns="" xmlns:a16="http://schemas.microsoft.com/office/drawing/2014/main" id="{5BE8E56B-D104-CC08-48F4-D487AF749C7B}"/>
               </a:ext>
             </a:extLst>
           </p:cNvPr>
@@ -13448,7 +13449,7 @@
           <p:cNvPr id="3" name="TextBox 2">
             <a:extLst>
               <a:ext uri="{FF2B5EF4-FFF2-40B4-BE49-F238E27FC236}">
-                <a16:creationId xmlns:a16="http://schemas.microsoft.com/office/drawing/2014/main" xmlns="" id="{C8D9D74B-ED7B-F70B-3A5B-5356FA257D36}"/>
+                <a16:creationId xmlns="" xmlns:a16="http://schemas.microsoft.com/office/drawing/2014/main" id="{C8D9D74B-ED7B-F70B-3A5B-5356FA257D36}"/>
               </a:ext>
             </a:extLst>
           </p:cNvPr>
@@ -13540,7 +13541,7 @@
           <p:cNvPr id="7" name="Picture 6">
             <a:extLst>
               <a:ext uri="{FF2B5EF4-FFF2-40B4-BE49-F238E27FC236}">
-                <a16:creationId xmlns:a16="http://schemas.microsoft.com/office/drawing/2014/main" xmlns="" id="{85923558-9D5B-B7D9-795E-A80B0F560AC1}"/>
+                <a16:creationId xmlns="" xmlns:a16="http://schemas.microsoft.com/office/drawing/2014/main" id="{85923558-9D5B-B7D9-795E-A80B0F560AC1}"/>
               </a:ext>
             </a:extLst>
           </p:cNvPr>
@@ -13570,7 +13571,7 @@
           <p:cNvPr id="8" name="TextBox 7">
             <a:extLst>
               <a:ext uri="{FF2B5EF4-FFF2-40B4-BE49-F238E27FC236}">
-                <a16:creationId xmlns:a16="http://schemas.microsoft.com/office/drawing/2014/main" xmlns="" id="{5B300213-A76B-1DF1-2F8D-7B7E5749DD9D}"/>
+                <a16:creationId xmlns="" xmlns:a16="http://schemas.microsoft.com/office/drawing/2014/main" id="{5B300213-A76B-1DF1-2F8D-7B7E5749DD9D}"/>
               </a:ext>
             </a:extLst>
           </p:cNvPr>
@@ -14053,7 +14054,7 @@
           <p:cNvPr id="4" name="Title 1">
             <a:extLst>
               <a:ext uri="{FF2B5EF4-FFF2-40B4-BE49-F238E27FC236}">
-                <a16:creationId xmlns:a16="http://schemas.microsoft.com/office/drawing/2014/main" xmlns="" id="{0A4045B0-C940-93C6-79DB-351A147113E4}"/>
+                <a16:creationId xmlns="" xmlns:a16="http://schemas.microsoft.com/office/drawing/2014/main" id="{0A4045B0-C940-93C6-79DB-351A147113E4}"/>
               </a:ext>
             </a:extLst>
           </p:cNvPr>
@@ -14086,7 +14087,7 @@
           <p:cNvPr id="7" name="TextBox 6">
             <a:extLst>
               <a:ext uri="{FF2B5EF4-FFF2-40B4-BE49-F238E27FC236}">
-                <a16:creationId xmlns:a16="http://schemas.microsoft.com/office/drawing/2014/main" xmlns="" id="{1F77591A-DB2F-9F91-4945-B2EC29845B38}"/>
+                <a16:creationId xmlns="" xmlns:a16="http://schemas.microsoft.com/office/drawing/2014/main" id="{1F77591A-DB2F-9F91-4945-B2EC29845B38}"/>
               </a:ext>
             </a:extLst>
           </p:cNvPr>
@@ -14150,7 +14151,7 @@
           <p:cNvPr id="3" name="TextBox 2">
             <a:extLst>
               <a:ext uri="{FF2B5EF4-FFF2-40B4-BE49-F238E27FC236}">
-                <a16:creationId xmlns:a16="http://schemas.microsoft.com/office/drawing/2014/main" xmlns="" id="{75CE1D91-0A05-A797-DFCC-8AC0D954B8C4}"/>
+                <a16:creationId xmlns="" xmlns:a16="http://schemas.microsoft.com/office/drawing/2014/main" id="{75CE1D91-0A05-A797-DFCC-8AC0D954B8C4}"/>
               </a:ext>
             </a:extLst>
           </p:cNvPr>
@@ -14229,7 +14230,7 @@
           <p:cNvPr id="5" name="TextBox 4">
             <a:extLst>
               <a:ext uri="{FF2B5EF4-FFF2-40B4-BE49-F238E27FC236}">
-                <a16:creationId xmlns:a16="http://schemas.microsoft.com/office/drawing/2014/main" xmlns="" id="{D3A024AE-BC83-07F5-3885-BC864E91208B}"/>
+                <a16:creationId xmlns="" xmlns:a16="http://schemas.microsoft.com/office/drawing/2014/main" id="{D3A024AE-BC83-07F5-3885-BC864E91208B}"/>
               </a:ext>
             </a:extLst>
           </p:cNvPr>
@@ -14276,7 +14277,7 @@
           <p:cNvPr id="14" name="Picture 13">
             <a:extLst>
               <a:ext uri="{FF2B5EF4-FFF2-40B4-BE49-F238E27FC236}">
-                <a16:creationId xmlns:a16="http://schemas.microsoft.com/office/drawing/2014/main" xmlns="" id="{21282115-67E0-FC53-E5ED-24264FAF013C}"/>
+                <a16:creationId xmlns="" xmlns:a16="http://schemas.microsoft.com/office/drawing/2014/main" id="{21282115-67E0-FC53-E5ED-24264FAF013C}"/>
               </a:ext>
             </a:extLst>
           </p:cNvPr>
@@ -14660,7 +14661,7 @@
           <p:cNvPr id="4" name="Title 1">
             <a:extLst>
               <a:ext uri="{FF2B5EF4-FFF2-40B4-BE49-F238E27FC236}">
-                <a16:creationId xmlns:a16="http://schemas.microsoft.com/office/drawing/2014/main" xmlns="" id="{0A4045B0-C940-93C6-79DB-351A147113E4}"/>
+                <a16:creationId xmlns="" xmlns:a16="http://schemas.microsoft.com/office/drawing/2014/main" id="{0A4045B0-C940-93C6-79DB-351A147113E4}"/>
               </a:ext>
             </a:extLst>
           </p:cNvPr>
@@ -14693,7 +14694,7 @@
           <p:cNvPr id="7" name="TextBox 6">
             <a:extLst>
               <a:ext uri="{FF2B5EF4-FFF2-40B4-BE49-F238E27FC236}">
-                <a16:creationId xmlns:a16="http://schemas.microsoft.com/office/drawing/2014/main" xmlns="" id="{1F77591A-DB2F-9F91-4945-B2EC29845B38}"/>
+                <a16:creationId xmlns="" xmlns:a16="http://schemas.microsoft.com/office/drawing/2014/main" id="{1F77591A-DB2F-9F91-4945-B2EC29845B38}"/>
               </a:ext>
             </a:extLst>
           </p:cNvPr>
@@ -14795,7 +14796,7 @@
           <p:cNvPr id="6" name="TextBox 5">
             <a:extLst>
               <a:ext uri="{FF2B5EF4-FFF2-40B4-BE49-F238E27FC236}">
-                <a16:creationId xmlns:a16="http://schemas.microsoft.com/office/drawing/2014/main" xmlns="" id="{9CA64FD6-BEA4-2353-8A07-33D717CADA3A}"/>
+                <a16:creationId xmlns="" xmlns:a16="http://schemas.microsoft.com/office/drawing/2014/main" id="{9CA64FD6-BEA4-2353-8A07-33D717CADA3A}"/>
               </a:ext>
             </a:extLst>
           </p:cNvPr>
@@ -14891,7 +14892,7 @@
           <p:cNvPr id="10" name="TextBox 9">
             <a:extLst>
               <a:ext uri="{FF2B5EF4-FFF2-40B4-BE49-F238E27FC236}">
-                <a16:creationId xmlns:a16="http://schemas.microsoft.com/office/drawing/2014/main" xmlns="" id="{C89914A2-3B6D-D077-104F-47737F2D1CC9}"/>
+                <a16:creationId xmlns="" xmlns:a16="http://schemas.microsoft.com/office/drawing/2014/main" id="{C89914A2-3B6D-D077-104F-47737F2D1CC9}"/>
               </a:ext>
             </a:extLst>
           </p:cNvPr>
@@ -15084,7 +15085,7 @@
           <p:cNvPr id="12" name="TextBox 11">
             <a:extLst>
               <a:ext uri="{FF2B5EF4-FFF2-40B4-BE49-F238E27FC236}">
-                <a16:creationId xmlns:a16="http://schemas.microsoft.com/office/drawing/2014/main" xmlns="" id="{12B26B99-AF94-9433-984F-83ACFDE565BB}"/>
+                <a16:creationId xmlns="" xmlns:a16="http://schemas.microsoft.com/office/drawing/2014/main" id="{12B26B99-AF94-9433-984F-83ACFDE565BB}"/>
               </a:ext>
             </a:extLst>
           </p:cNvPr>
@@ -15295,7 +15296,7 @@
           <p:cNvPr id="8" name="Picture 7">
             <a:extLst>
               <a:ext uri="{FF2B5EF4-FFF2-40B4-BE49-F238E27FC236}">
-                <a16:creationId xmlns:a16="http://schemas.microsoft.com/office/drawing/2014/main" xmlns="" id="{CC045C0D-B68C-E07A-C5D4-4E8FBA8837BB}"/>
+                <a16:creationId xmlns="" xmlns:a16="http://schemas.microsoft.com/office/drawing/2014/main" id="{CC045C0D-B68C-E07A-C5D4-4E8FBA8837BB}"/>
               </a:ext>
             </a:extLst>
           </p:cNvPr>
@@ -15787,7 +15788,7 @@
           <p:cNvPr id="4" name="Title 1">
             <a:extLst>
               <a:ext uri="{FF2B5EF4-FFF2-40B4-BE49-F238E27FC236}">
-                <a16:creationId xmlns:a16="http://schemas.microsoft.com/office/drawing/2014/main" xmlns="" id="{0A4045B0-C940-93C6-79DB-351A147113E4}"/>
+                <a16:creationId xmlns="" xmlns:a16="http://schemas.microsoft.com/office/drawing/2014/main" id="{0A4045B0-C940-93C6-79DB-351A147113E4}"/>
               </a:ext>
             </a:extLst>
           </p:cNvPr>
@@ -15824,7 +15825,7 @@
           <p:cNvPr id="7" name="TextBox 6">
             <a:extLst>
               <a:ext uri="{FF2B5EF4-FFF2-40B4-BE49-F238E27FC236}">
-                <a16:creationId xmlns:a16="http://schemas.microsoft.com/office/drawing/2014/main" xmlns="" id="{1F77591A-DB2F-9F91-4945-B2EC29845B38}"/>
+                <a16:creationId xmlns="" xmlns:a16="http://schemas.microsoft.com/office/drawing/2014/main" id="{1F77591A-DB2F-9F91-4945-B2EC29845B38}"/>
               </a:ext>
             </a:extLst>
           </p:cNvPr>
@@ -16009,7 +16010,7 @@
           <p:cNvPr id="6" name="TextBox 5">
             <a:extLst>
               <a:ext uri="{FF2B5EF4-FFF2-40B4-BE49-F238E27FC236}">
-                <a16:creationId xmlns:a16="http://schemas.microsoft.com/office/drawing/2014/main" xmlns="" id="{9CA64FD6-BEA4-2353-8A07-33D717CADA3A}"/>
+                <a16:creationId xmlns="" xmlns:a16="http://schemas.microsoft.com/office/drawing/2014/main" id="{9CA64FD6-BEA4-2353-8A07-33D717CADA3A}"/>
               </a:ext>
             </a:extLst>
           </p:cNvPr>
@@ -16091,7 +16092,7 @@
           <p:cNvPr id="2" name="TextBox 1">
             <a:extLst>
               <a:ext uri="{FF2B5EF4-FFF2-40B4-BE49-F238E27FC236}">
-                <a16:creationId xmlns:a16="http://schemas.microsoft.com/office/drawing/2014/main" xmlns="" id="{AA2BD717-B48B-3A0B-5C27-23A0C68D8B05}"/>
+                <a16:creationId xmlns="" xmlns:a16="http://schemas.microsoft.com/office/drawing/2014/main" id="{AA2BD717-B48B-3A0B-5C27-23A0C68D8B05}"/>
               </a:ext>
             </a:extLst>
           </p:cNvPr>
@@ -16256,7 +16257,7 @@
           <p:cNvPr id="9" name="Picture 8">
             <a:extLst>
               <a:ext uri="{FF2B5EF4-FFF2-40B4-BE49-F238E27FC236}">
-                <a16:creationId xmlns:a16="http://schemas.microsoft.com/office/drawing/2014/main" xmlns="" id="{A38831D7-BB3B-C1F8-17D3-97CD0AD42136}"/>
+                <a16:creationId xmlns="" xmlns:a16="http://schemas.microsoft.com/office/drawing/2014/main" id="{A38831D7-BB3B-C1F8-17D3-97CD0AD42136}"/>
               </a:ext>
             </a:extLst>
           </p:cNvPr>
@@ -16648,7 +16649,7 @@
           <p:cNvPr id="4" name="Title 1">
             <a:extLst>
               <a:ext uri="{FF2B5EF4-FFF2-40B4-BE49-F238E27FC236}">
-                <a16:creationId xmlns:a16="http://schemas.microsoft.com/office/drawing/2014/main" xmlns="" id="{0A4045B0-C940-93C6-79DB-351A147113E4}"/>
+                <a16:creationId xmlns="" xmlns:a16="http://schemas.microsoft.com/office/drawing/2014/main" id="{0A4045B0-C940-93C6-79DB-351A147113E4}"/>
               </a:ext>
             </a:extLst>
           </p:cNvPr>
@@ -16689,7 +16690,7 @@
           <p:cNvPr id="7" name="TextBox 6">
             <a:extLst>
               <a:ext uri="{FF2B5EF4-FFF2-40B4-BE49-F238E27FC236}">
-                <a16:creationId xmlns:a16="http://schemas.microsoft.com/office/drawing/2014/main" xmlns="" id="{1F77591A-DB2F-9F91-4945-B2EC29845B38}"/>
+                <a16:creationId xmlns="" xmlns:a16="http://schemas.microsoft.com/office/drawing/2014/main" id="{1F77591A-DB2F-9F91-4945-B2EC29845B38}"/>
               </a:ext>
             </a:extLst>
           </p:cNvPr>
@@ -16743,7 +16744,7 @@
           <p:cNvPr id="5" name="Picture 4">
             <a:extLst>
               <a:ext uri="{FF2B5EF4-FFF2-40B4-BE49-F238E27FC236}">
-                <a16:creationId xmlns:a16="http://schemas.microsoft.com/office/drawing/2014/main" xmlns="" id="{415966A0-7DD5-0960-C994-7A2F3B3FD0AC}"/>
+                <a16:creationId xmlns="" xmlns:a16="http://schemas.microsoft.com/office/drawing/2014/main" id="{415966A0-7DD5-0960-C994-7A2F3B3FD0AC}"/>
               </a:ext>
             </a:extLst>
           </p:cNvPr>
@@ -16935,7 +16936,7 @@
           <p:cNvPr id="4" name="Title 1">
             <a:extLst>
               <a:ext uri="{FF2B5EF4-FFF2-40B4-BE49-F238E27FC236}">
-                <a16:creationId xmlns:a16="http://schemas.microsoft.com/office/drawing/2014/main" xmlns="" id="{0A4045B0-C940-93C6-79DB-351A147113E4}"/>
+                <a16:creationId xmlns="" xmlns:a16="http://schemas.microsoft.com/office/drawing/2014/main" id="{0A4045B0-C940-93C6-79DB-351A147113E4}"/>
               </a:ext>
             </a:extLst>
           </p:cNvPr>
@@ -17269,7 +17270,7 @@
           <p:cNvPr id="4" name="Title 1">
             <a:extLst>
               <a:ext uri="{FF2B5EF4-FFF2-40B4-BE49-F238E27FC236}">
-                <a16:creationId xmlns:a16="http://schemas.microsoft.com/office/drawing/2014/main" xmlns="" id="{0A4045B0-C940-93C6-79DB-351A147113E4}"/>
+                <a16:creationId xmlns="" xmlns:a16="http://schemas.microsoft.com/office/drawing/2014/main" id="{0A4045B0-C940-93C6-79DB-351A147113E4}"/>
               </a:ext>
             </a:extLst>
           </p:cNvPr>
@@ -17303,7 +17304,7 @@
           <p:cNvPr id="7" name="TextBox 6">
             <a:extLst>
               <a:ext uri="{FF2B5EF4-FFF2-40B4-BE49-F238E27FC236}">
-                <a16:creationId xmlns:a16="http://schemas.microsoft.com/office/drawing/2014/main" xmlns="" id="{1F77591A-DB2F-9F91-4945-B2EC29845B38}"/>
+                <a16:creationId xmlns="" xmlns:a16="http://schemas.microsoft.com/office/drawing/2014/main" id="{1F77591A-DB2F-9F91-4945-B2EC29845B38}"/>
               </a:ext>
             </a:extLst>
           </p:cNvPr>
@@ -17852,7 +17853,7 @@
           <p:cNvPr id="4" name="Title 1">
             <a:extLst>
               <a:ext uri="{FF2B5EF4-FFF2-40B4-BE49-F238E27FC236}">
-                <a16:creationId xmlns:a16="http://schemas.microsoft.com/office/drawing/2014/main" xmlns="" id="{0A4045B0-C940-93C6-79DB-351A147113E4}"/>
+                <a16:creationId xmlns="" xmlns:a16="http://schemas.microsoft.com/office/drawing/2014/main" id="{0A4045B0-C940-93C6-79DB-351A147113E4}"/>
               </a:ext>
             </a:extLst>
           </p:cNvPr>
@@ -18305,7 +18306,7 @@
           <p:cNvPr id="4" name="Title 1">
             <a:extLst>
               <a:ext uri="{FF2B5EF4-FFF2-40B4-BE49-F238E27FC236}">
-                <a16:creationId xmlns:a16="http://schemas.microsoft.com/office/drawing/2014/main" xmlns="" id="{0A4045B0-C940-93C6-79DB-351A147113E4}"/>
+                <a16:creationId xmlns="" xmlns:a16="http://schemas.microsoft.com/office/drawing/2014/main" id="{0A4045B0-C940-93C6-79DB-351A147113E4}"/>
               </a:ext>
             </a:extLst>
           </p:cNvPr>
@@ -18399,9 +18400,9 @@
                   </a:schemeClr>
                 </a:solidFill>
               </a:rPr>
-              <a:t> </a:t>
-            </a:r>
-            <a:r>
+              <a:t> Core </a:t>
+            </a:r>
+            <a:br>
               <a:rPr lang="en-US" sz="6600" b="1" dirty="0" smtClean="0">
                 <a:solidFill>
                   <a:schemeClr val="bg1">
@@ -18409,40 +18410,14 @@
                   </a:schemeClr>
                 </a:solidFill>
               </a:rPr>
-              <a:t>Core </a:t>
-            </a:r>
-            <a:br>
+            </a:br>
+            <a:r>
               <a:rPr lang="en-US" sz="6600" b="1" dirty="0" smtClean="0">
                 <a:solidFill>
-                  <a:schemeClr val="bg1">
-                    <a:lumMod val="95000"/>
-                  </a:schemeClr>
-                </a:solidFill>
-              </a:rPr>
-            </a:br>
-            <a:r>
-              <a:rPr lang="en-US" sz="6600" b="1" dirty="0" smtClean="0">
-                <a:solidFill>
                   <a:srgbClr val="92D050"/>
                 </a:solidFill>
               </a:rPr>
-              <a:t>Clean </a:t>
-            </a:r>
-            <a:r>
-              <a:rPr lang="en-US" sz="6600" b="1" dirty="0" smtClean="0">
-                <a:solidFill>
-                  <a:srgbClr val="92D050"/>
-                </a:solidFill>
-              </a:rPr>
-              <a:t>Architecture </a:t>
-            </a:r>
-            <a:r>
-              <a:rPr lang="en-US" sz="6600" b="1" dirty="0" smtClean="0">
-                <a:solidFill>
-                  <a:srgbClr val="92D050"/>
-                </a:solidFill>
-              </a:rPr>
-              <a:t/>
+              <a:t>Clean Architecture </a:t>
             </a:r>
             <a:br>
               <a:rPr lang="en-US" sz="6600" b="1" dirty="0" smtClean="0">
@@ -18521,6 +18496,211 @@
 </p:sld>
 </file>
 
+<file path=ppt/slides/slide18.xml><?xml version="1.0" encoding="utf-8"?>
+<p:sld xmlns:a="http://schemas.openxmlformats.org/drawingml/2006/main" xmlns:r="http://schemas.openxmlformats.org/officeDocument/2006/relationships" xmlns:p="http://schemas.openxmlformats.org/presentationml/2006/main">
+  <p:cSld>
+    <p:spTree>
+      <p:nvGrpSpPr>
+        <p:cNvPr id="1" name=""/>
+        <p:cNvGrpSpPr/>
+        <p:nvPr/>
+      </p:nvGrpSpPr>
+      <p:grpSpPr>
+        <a:xfrm>
+          <a:off x="0" y="0"/>
+          <a:ext cx="0" cy="0"/>
+          <a:chOff x="0" y="0"/>
+          <a:chExt cx="0" cy="0"/>
+        </a:xfrm>
+      </p:grpSpPr>
+      <p:sp>
+        <p:nvSpPr>
+          <p:cNvPr id="4" name="Title 1">
+            <a:extLst>
+              <a:ext uri="{FF2B5EF4-FFF2-40B4-BE49-F238E27FC236}">
+                <a16:creationId xmlns="" xmlns:a16="http://schemas.microsoft.com/office/drawing/2014/main" id="{0A4045B0-C940-93C6-79DB-351A147113E4}"/>
+              </a:ext>
+            </a:extLst>
+          </p:cNvPr>
+          <p:cNvSpPr>
+            <a:spLocks noGrp="1"/>
+          </p:cNvSpPr>
+          <p:nvPr>
+            <p:ph type="ctrTitle"/>
+          </p:nvPr>
+        </p:nvSpPr>
+        <p:spPr>
+          <a:xfrm>
+            <a:off x="670560" y="757645"/>
+            <a:ext cx="7968343" cy="5050971"/>
+          </a:xfrm>
+        </p:spPr>
+        <p:txBody>
+          <a:bodyPr/>
+          <a:lstStyle/>
+          <a:p>
+            <a:r>
+              <a:rPr lang="en-US" sz="6600" b="1" dirty="0" smtClean="0">
+                <a:solidFill>
+                  <a:srgbClr val="FFC000"/>
+                </a:solidFill>
+              </a:rPr>
+              <a:t>Forgot password using Identity</a:t>
+            </a:r>
+            <a:r>
+              <a:rPr lang="en-US" sz="6600" b="1" dirty="0">
+                <a:solidFill>
+                  <a:schemeClr val="bg1">
+                    <a:lumMod val="95000"/>
+                  </a:schemeClr>
+                </a:solidFill>
+              </a:rPr>
+              <a:t> </a:t>
+            </a:r>
+            <a:r>
+              <a:rPr lang="en-US" sz="6600" b="1" dirty="0" smtClean="0">
+                <a:solidFill>
+                  <a:schemeClr val="bg1">
+                    <a:lumMod val="95000"/>
+                  </a:schemeClr>
+                </a:solidFill>
+              </a:rPr>
+              <a:t>in </a:t>
+            </a:r>
+            <a:r>
+              <a:rPr lang="en-US" sz="6600" b="1" dirty="0" err="1" smtClean="0">
+                <a:solidFill>
+                  <a:schemeClr val="bg1">
+                    <a:lumMod val="95000"/>
+                  </a:schemeClr>
+                </a:solidFill>
+              </a:rPr>
+              <a:t>.Net</a:t>
+            </a:r>
+            <a:r>
+              <a:rPr lang="en-US" sz="6600" b="1" dirty="0" smtClean="0">
+                <a:solidFill>
+                  <a:schemeClr val="bg1">
+                    <a:lumMod val="95000"/>
+                  </a:schemeClr>
+                </a:solidFill>
+              </a:rPr>
+              <a:t> </a:t>
+            </a:r>
+            <a:r>
+              <a:rPr lang="en-US" sz="6600" b="1" dirty="0" smtClean="0">
+                <a:solidFill>
+                  <a:schemeClr val="bg1">
+                    <a:lumMod val="95000"/>
+                  </a:schemeClr>
+                </a:solidFill>
+              </a:rPr>
+              <a:t>Core</a:t>
+            </a:r>
+            <a:r>
+              <a:rPr lang="en-US" sz="6600" b="1" dirty="0" smtClean="0">
+                <a:solidFill>
+                  <a:schemeClr val="bg1">
+                    <a:lumMod val="95000"/>
+                  </a:schemeClr>
+                </a:solidFill>
+              </a:rPr>
+              <a:t/>
+            </a:r>
+            <a:br>
+              <a:rPr lang="en-US" sz="6600" b="1" dirty="0" smtClean="0">
+                <a:solidFill>
+                  <a:schemeClr val="bg1">
+                    <a:lumMod val="95000"/>
+                  </a:schemeClr>
+                </a:solidFill>
+              </a:rPr>
+            </a:br>
+            <a:r>
+              <a:rPr lang="en-US" sz="6600" b="1" dirty="0" smtClean="0">
+                <a:solidFill>
+                  <a:srgbClr val="92D050"/>
+                </a:solidFill>
+              </a:rPr>
+              <a:t>Clean Architecture </a:t>
+            </a:r>
+            <a:br>
+              <a:rPr lang="en-US" sz="6600" b="1" dirty="0" smtClean="0">
+                <a:solidFill>
+                  <a:srgbClr val="92D050"/>
+                </a:solidFill>
+              </a:rPr>
+            </a:br>
+            <a:r>
+              <a:rPr lang="en-US" sz="6600" b="1" dirty="0" smtClean="0">
+                <a:solidFill>
+                  <a:schemeClr val="bg1">
+                    <a:lumMod val="95000"/>
+                  </a:schemeClr>
+                </a:solidFill>
+              </a:rPr>
+              <a:t>Part </a:t>
+            </a:r>
+            <a:r>
+              <a:rPr lang="en-US" sz="6600" b="1" dirty="0" smtClean="0">
+                <a:solidFill>
+                  <a:srgbClr val="FFFF00"/>
+                </a:solidFill>
+              </a:rPr>
+              <a:t>15</a:t>
+            </a:r>
+            <a:endParaRPr lang="en-US" sz="6600" b="1" dirty="0">
+              <a:solidFill>
+                <a:srgbClr val="FFFF00"/>
+              </a:solidFill>
+            </a:endParaRPr>
+          </a:p>
+        </p:txBody>
+      </p:sp>
+      <p:pic>
+        <p:nvPicPr>
+          <p:cNvPr id="3" name="Picture 2"/>
+          <p:cNvPicPr>
+            <a:picLocks noChangeAspect="1"/>
+          </p:cNvPicPr>
+          <p:nvPr/>
+        </p:nvPicPr>
+        <p:blipFill>
+          <a:blip r:embed="rId2"/>
+          <a:stretch>
+            <a:fillRect/>
+          </a:stretch>
+        </p:blipFill>
+        <p:spPr>
+          <a:xfrm>
+            <a:off x="8638903" y="1280158"/>
+            <a:ext cx="2969622" cy="4127865"/>
+          </a:xfrm>
+          <a:prstGeom prst="rect">
+            <a:avLst/>
+          </a:prstGeom>
+        </p:spPr>
+      </p:pic>
+    </p:spTree>
+    <p:extLst>
+      <p:ext uri="{BB962C8B-B14F-4D97-AF65-F5344CB8AC3E}">
+        <p14:creationId xmlns:p14="http://schemas.microsoft.com/office/powerpoint/2010/main" val="3875036348"/>
+      </p:ext>
+    </p:extLst>
+  </p:cSld>
+  <p:clrMapOvr>
+    <a:masterClrMapping/>
+  </p:clrMapOvr>
+  <p:timing>
+    <p:tnLst>
+      <p:par>
+        <p:cTn id="1" dur="indefinite" restart="never" nodeType="tmRoot"/>
+      </p:par>
+    </p:tnLst>
+  </p:timing>
+</p:sld>
+</file>
+
 <file path=ppt/slides/slide2.xml><?xml version="1.0" encoding="utf-8"?>
 <p:sld xmlns:a="http://schemas.openxmlformats.org/drawingml/2006/main" xmlns:r="http://schemas.openxmlformats.org/officeDocument/2006/relationships" xmlns:p="http://schemas.openxmlformats.org/presentationml/2006/main">
   <p:cSld>
@@ -18543,7 +18723,7 @@
           <p:cNvPr id="14" name="TextBox 13">
             <a:extLst>
               <a:ext uri="{FF2B5EF4-FFF2-40B4-BE49-F238E27FC236}">
-                <a16:creationId xmlns:a16="http://schemas.microsoft.com/office/drawing/2014/main" xmlns="" id="{2D6E2A5E-967C-56EE-C60B-33A0A449ADC0}"/>
+                <a16:creationId xmlns="" xmlns:a16="http://schemas.microsoft.com/office/drawing/2014/main" id="{2D6E2A5E-967C-56EE-C60B-33A0A449ADC0}"/>
               </a:ext>
             </a:extLst>
           </p:cNvPr>
@@ -18588,7 +18768,7 @@
           <p:cNvPr id="15" name="TextBox 14">
             <a:extLst>
               <a:ext uri="{FF2B5EF4-FFF2-40B4-BE49-F238E27FC236}">
-                <a16:creationId xmlns:a16="http://schemas.microsoft.com/office/drawing/2014/main" xmlns="" id="{3E986115-D58B-7571-A6A0-D672A63D6191}"/>
+                <a16:creationId xmlns="" xmlns:a16="http://schemas.microsoft.com/office/drawing/2014/main" id="{3E986115-D58B-7571-A6A0-D672A63D6191}"/>
               </a:ext>
             </a:extLst>
           </p:cNvPr>
@@ -18698,7 +18878,7 @@
           <p:cNvPr id="18" name="TextBox 17">
             <a:extLst>
               <a:ext uri="{FF2B5EF4-FFF2-40B4-BE49-F238E27FC236}">
-                <a16:creationId xmlns:a16="http://schemas.microsoft.com/office/drawing/2014/main" xmlns="" id="{66A86D0B-A6B0-D5E5-0596-7362FA59BAF6}"/>
+                <a16:creationId xmlns="" xmlns:a16="http://schemas.microsoft.com/office/drawing/2014/main" id="{66A86D0B-A6B0-D5E5-0596-7362FA59BAF6}"/>
               </a:ext>
             </a:extLst>
           </p:cNvPr>
@@ -18752,7 +18932,7 @@
           <p:cNvPr id="20" name="TextBox 19">
             <a:extLst>
               <a:ext uri="{FF2B5EF4-FFF2-40B4-BE49-F238E27FC236}">
-                <a16:creationId xmlns:a16="http://schemas.microsoft.com/office/drawing/2014/main" xmlns="" id="{0079DF3F-C0DE-642F-2ED9-10544F59D43B}"/>
+                <a16:creationId xmlns="" xmlns:a16="http://schemas.microsoft.com/office/drawing/2014/main" id="{0079DF3F-C0DE-642F-2ED9-10544F59D43B}"/>
               </a:ext>
             </a:extLst>
           </p:cNvPr>
@@ -18819,7 +18999,7 @@
           <p:cNvPr id="25" name="TextBox 24">
             <a:extLst>
               <a:ext uri="{FF2B5EF4-FFF2-40B4-BE49-F238E27FC236}">
-                <a16:creationId xmlns:a16="http://schemas.microsoft.com/office/drawing/2014/main" xmlns="" id="{198E47A3-C3A7-7CD4-200F-D6F44FE978FD}"/>
+                <a16:creationId xmlns="" xmlns:a16="http://schemas.microsoft.com/office/drawing/2014/main" id="{198E47A3-C3A7-7CD4-200F-D6F44FE978FD}"/>
               </a:ext>
             </a:extLst>
           </p:cNvPr>
@@ -19274,7 +19454,7 @@
           <p:cNvPr id="26" name="TextBox 25">
             <a:extLst>
               <a:ext uri="{FF2B5EF4-FFF2-40B4-BE49-F238E27FC236}">
-                <a16:creationId xmlns:a16="http://schemas.microsoft.com/office/drawing/2014/main" xmlns="" id="{37BEBCE1-74C6-5499-F88C-F8AE8BE63895}"/>
+                <a16:creationId xmlns="" xmlns:a16="http://schemas.microsoft.com/office/drawing/2014/main" id="{37BEBCE1-74C6-5499-F88C-F8AE8BE63895}"/>
               </a:ext>
             </a:extLst>
           </p:cNvPr>
@@ -19328,7 +19508,7 @@
           <p:cNvPr id="27" name="TextBox 26">
             <a:extLst>
               <a:ext uri="{FF2B5EF4-FFF2-40B4-BE49-F238E27FC236}">
-                <a16:creationId xmlns:a16="http://schemas.microsoft.com/office/drawing/2014/main" xmlns="" id="{828B7BCB-60B4-7021-116C-92B338033765}"/>
+                <a16:creationId xmlns="" xmlns:a16="http://schemas.microsoft.com/office/drawing/2014/main" id="{828B7BCB-60B4-7021-116C-92B338033765}"/>
               </a:ext>
             </a:extLst>
           </p:cNvPr>
@@ -19489,7 +19669,7 @@
           <p:cNvPr id="7" name="Title 1">
             <a:extLst>
               <a:ext uri="{FF2B5EF4-FFF2-40B4-BE49-F238E27FC236}">
-                <a16:creationId xmlns:a16="http://schemas.microsoft.com/office/drawing/2014/main" xmlns="" id="{0CE071D6-AF8F-9C57-F47E-6B74823ED513}"/>
+                <a16:creationId xmlns="" xmlns:a16="http://schemas.microsoft.com/office/drawing/2014/main" id="{0CE071D6-AF8F-9C57-F47E-6B74823ED513}"/>
               </a:ext>
             </a:extLst>
           </p:cNvPr>
@@ -20136,7 +20316,7 @@
           <p:cNvPr id="5" name="TextBox 4">
             <a:extLst>
               <a:ext uri="{FF2B5EF4-FFF2-40B4-BE49-F238E27FC236}">
-                <a16:creationId xmlns:a16="http://schemas.microsoft.com/office/drawing/2014/main" xmlns="" id="{FD94C650-D2EC-5A80-D053-15314A15912E}"/>
+                <a16:creationId xmlns="" xmlns:a16="http://schemas.microsoft.com/office/drawing/2014/main" id="{FD94C650-D2EC-5A80-D053-15314A15912E}"/>
               </a:ext>
             </a:extLst>
           </p:cNvPr>
@@ -20269,7 +20449,7 @@
           <p:cNvPr id="6" name="Title 1">
             <a:extLst>
               <a:ext uri="{FF2B5EF4-FFF2-40B4-BE49-F238E27FC236}">
-                <a16:creationId xmlns:a16="http://schemas.microsoft.com/office/drawing/2014/main" xmlns="" id="{C8AD9B0B-5832-FBE1-7CAF-B5DC8714288E}"/>
+                <a16:creationId xmlns="" xmlns:a16="http://schemas.microsoft.com/office/drawing/2014/main" id="{C8AD9B0B-5832-FBE1-7CAF-B5DC8714288E}"/>
               </a:ext>
             </a:extLst>
           </p:cNvPr>
@@ -20302,7 +20482,7 @@
           <p:cNvPr id="8" name="TextBox 7">
             <a:extLst>
               <a:ext uri="{FF2B5EF4-FFF2-40B4-BE49-F238E27FC236}">
-                <a16:creationId xmlns:a16="http://schemas.microsoft.com/office/drawing/2014/main" xmlns="" id="{05C97F0F-A9E3-7357-C0E8-A15545E41298}"/>
+                <a16:creationId xmlns="" xmlns:a16="http://schemas.microsoft.com/office/drawing/2014/main" id="{05C97F0F-A9E3-7357-C0E8-A15545E41298}"/>
               </a:ext>
             </a:extLst>
           </p:cNvPr>
@@ -20448,7 +20628,7 @@
           <p:cNvPr id="2" name="TextBox 1">
             <a:extLst>
               <a:ext uri="{FF2B5EF4-FFF2-40B4-BE49-F238E27FC236}">
-                <a16:creationId xmlns:a16="http://schemas.microsoft.com/office/drawing/2014/main" xmlns="" id="{FAFC4B0A-4EC1-C95B-BF8E-F2E4C60860C7}"/>
+                <a16:creationId xmlns="" xmlns:a16="http://schemas.microsoft.com/office/drawing/2014/main" id="{FAFC4B0A-4EC1-C95B-BF8E-F2E4C60860C7}"/>
               </a:ext>
             </a:extLst>
           </p:cNvPr>
@@ -20907,7 +21087,7 @@
           <p:cNvPr id="4" name="Title 1">
             <a:extLst>
               <a:ext uri="{FF2B5EF4-FFF2-40B4-BE49-F238E27FC236}">
-                <a16:creationId xmlns:a16="http://schemas.microsoft.com/office/drawing/2014/main" xmlns="" id="{0A4045B0-C940-93C6-79DB-351A147113E4}"/>
+                <a16:creationId xmlns="" xmlns:a16="http://schemas.microsoft.com/office/drawing/2014/main" id="{0A4045B0-C940-93C6-79DB-351A147113E4}"/>
               </a:ext>
             </a:extLst>
           </p:cNvPr>
@@ -20940,7 +21120,7 @@
           <p:cNvPr id="5" name="TextBox 4">
             <a:extLst>
               <a:ext uri="{FF2B5EF4-FFF2-40B4-BE49-F238E27FC236}">
-                <a16:creationId xmlns:a16="http://schemas.microsoft.com/office/drawing/2014/main" xmlns="" id="{68ED6C88-4D30-47B1-98F2-10B61639E784}"/>
+                <a16:creationId xmlns="" xmlns:a16="http://schemas.microsoft.com/office/drawing/2014/main" id="{68ED6C88-4D30-47B1-98F2-10B61639E784}"/>
               </a:ext>
             </a:extLst>
           </p:cNvPr>
@@ -20982,7 +21162,7 @@
           <p:cNvPr id="6" name="TextBox 5">
             <a:extLst>
               <a:ext uri="{FF2B5EF4-FFF2-40B4-BE49-F238E27FC236}">
-                <a16:creationId xmlns:a16="http://schemas.microsoft.com/office/drawing/2014/main" xmlns="" id="{DF3DBA21-50B3-332B-D2D0-1673209B9496}"/>
+                <a16:creationId xmlns="" xmlns:a16="http://schemas.microsoft.com/office/drawing/2014/main" id="{DF3DBA21-50B3-332B-D2D0-1673209B9496}"/>
               </a:ext>
             </a:extLst>
           </p:cNvPr>
@@ -21024,7 +21204,7 @@
           <p:cNvPr id="10" name="TextBox 9">
             <a:extLst>
               <a:ext uri="{FF2B5EF4-FFF2-40B4-BE49-F238E27FC236}">
-                <a16:creationId xmlns:a16="http://schemas.microsoft.com/office/drawing/2014/main" xmlns="" id="{95C399D3-9FFE-F9D2-8DD0-04F8296DD6C5}"/>
+                <a16:creationId xmlns="" xmlns:a16="http://schemas.microsoft.com/office/drawing/2014/main" id="{95C399D3-9FFE-F9D2-8DD0-04F8296DD6C5}"/>
               </a:ext>
             </a:extLst>
           </p:cNvPr>
@@ -21066,7 +21246,7 @@
           <p:cNvPr id="12" name="Picture 11">
             <a:extLst>
               <a:ext uri="{FF2B5EF4-FFF2-40B4-BE49-F238E27FC236}">
-                <a16:creationId xmlns:a16="http://schemas.microsoft.com/office/drawing/2014/main" xmlns="" id="{6F0558F7-9155-B500-7EB5-FE4B29AFAC65}"/>
+                <a16:creationId xmlns="" xmlns:a16="http://schemas.microsoft.com/office/drawing/2014/main" id="{6F0558F7-9155-B500-7EB5-FE4B29AFAC65}"/>
               </a:ext>
             </a:extLst>
           </p:cNvPr>
@@ -21458,7 +21638,7 @@
           <p:cNvPr id="4" name="Title 1">
             <a:extLst>
               <a:ext uri="{FF2B5EF4-FFF2-40B4-BE49-F238E27FC236}">
-                <a16:creationId xmlns:a16="http://schemas.microsoft.com/office/drawing/2014/main" xmlns="" id="{0A4045B0-C940-93C6-79DB-351A147113E4}"/>
+                <a16:creationId xmlns="" xmlns:a16="http://schemas.microsoft.com/office/drawing/2014/main" id="{0A4045B0-C940-93C6-79DB-351A147113E4}"/>
               </a:ext>
             </a:extLst>
           </p:cNvPr>
@@ -21491,7 +21671,7 @@
           <p:cNvPr id="5" name="TextBox 4">
             <a:extLst>
               <a:ext uri="{FF2B5EF4-FFF2-40B4-BE49-F238E27FC236}">
-                <a16:creationId xmlns:a16="http://schemas.microsoft.com/office/drawing/2014/main" xmlns="" id="{68ED6C88-4D30-47B1-98F2-10B61639E784}"/>
+                <a16:creationId xmlns="" xmlns:a16="http://schemas.microsoft.com/office/drawing/2014/main" id="{68ED6C88-4D30-47B1-98F2-10B61639E784}"/>
               </a:ext>
             </a:extLst>
           </p:cNvPr>
@@ -21533,7 +21713,7 @@
           <p:cNvPr id="16" name="TextBox 15">
             <a:extLst>
               <a:ext uri="{FF2B5EF4-FFF2-40B4-BE49-F238E27FC236}">
-                <a16:creationId xmlns:a16="http://schemas.microsoft.com/office/drawing/2014/main" xmlns="" id="{34FEC4EB-6265-3C9A-194F-C9E41AAAC52C}"/>
+                <a16:creationId xmlns="" xmlns:a16="http://schemas.microsoft.com/office/drawing/2014/main" id="{34FEC4EB-6265-3C9A-194F-C9E41AAAC52C}"/>
               </a:ext>
             </a:extLst>
           </p:cNvPr>
@@ -21579,7 +21759,7 @@
           <p:cNvPr id="17" name="TextBox 16">
             <a:extLst>
               <a:ext uri="{FF2B5EF4-FFF2-40B4-BE49-F238E27FC236}">
-                <a16:creationId xmlns:a16="http://schemas.microsoft.com/office/drawing/2014/main" xmlns="" id="{21C37205-2E9B-A3D7-453C-BA1143389C47}"/>
+                <a16:creationId xmlns="" xmlns:a16="http://schemas.microsoft.com/office/drawing/2014/main" id="{21C37205-2E9B-A3D7-453C-BA1143389C47}"/>
               </a:ext>
             </a:extLst>
           </p:cNvPr>
@@ -21618,7 +21798,7 @@
           <p:cNvPr id="18" name="TextBox 17">
             <a:extLst>
               <a:ext uri="{FF2B5EF4-FFF2-40B4-BE49-F238E27FC236}">
-                <a16:creationId xmlns:a16="http://schemas.microsoft.com/office/drawing/2014/main" xmlns="" id="{C11EB94A-7599-12BE-A015-138DF82E7D88}"/>
+                <a16:creationId xmlns="" xmlns:a16="http://schemas.microsoft.com/office/drawing/2014/main" id="{C11EB94A-7599-12BE-A015-138DF82E7D88}"/>
               </a:ext>
             </a:extLst>
           </p:cNvPr>
@@ -21660,7 +21840,7 @@
           <p:cNvPr id="9" name="Picture 8">
             <a:extLst>
               <a:ext uri="{FF2B5EF4-FFF2-40B4-BE49-F238E27FC236}">
-                <a16:creationId xmlns:a16="http://schemas.microsoft.com/office/drawing/2014/main" xmlns="" id="{F3934AA7-7FA1-4AF5-11DF-34C8209BBBC5}"/>
+                <a16:creationId xmlns="" xmlns:a16="http://schemas.microsoft.com/office/drawing/2014/main" id="{F3934AA7-7FA1-4AF5-11DF-34C8209BBBC5}"/>
               </a:ext>
             </a:extLst>
           </p:cNvPr>
@@ -22158,7 +22338,7 @@
           <p:cNvPr id="4" name="Title 1">
             <a:extLst>
               <a:ext uri="{FF2B5EF4-FFF2-40B4-BE49-F238E27FC236}">
-                <a16:creationId xmlns:a16="http://schemas.microsoft.com/office/drawing/2014/main" xmlns="" id="{0A4045B0-C940-93C6-79DB-351A147113E4}"/>
+                <a16:creationId xmlns="" xmlns:a16="http://schemas.microsoft.com/office/drawing/2014/main" id="{0A4045B0-C940-93C6-79DB-351A147113E4}"/>
               </a:ext>
             </a:extLst>
           </p:cNvPr>
@@ -22191,7 +22371,7 @@
           <p:cNvPr id="5" name="TextBox 4">
             <a:extLst>
               <a:ext uri="{FF2B5EF4-FFF2-40B4-BE49-F238E27FC236}">
-                <a16:creationId xmlns:a16="http://schemas.microsoft.com/office/drawing/2014/main" xmlns="" id="{AAC62DE3-37FA-81ED-2B19-6155C5C4FB6A}"/>
+                <a16:creationId xmlns="" xmlns:a16="http://schemas.microsoft.com/office/drawing/2014/main" id="{AAC62DE3-37FA-81ED-2B19-6155C5C4FB6A}"/>
               </a:ext>
             </a:extLst>
           </p:cNvPr>
@@ -22555,7 +22735,7 @@
           <p:cNvPr id="9" name="Picture 8">
             <a:extLst>
               <a:ext uri="{FF2B5EF4-FFF2-40B4-BE49-F238E27FC236}">
-                <a16:creationId xmlns:a16="http://schemas.microsoft.com/office/drawing/2014/main" xmlns="" id="{DC69AF7A-D5F6-AF94-6226-64A1B3D13F3D}"/>
+                <a16:creationId xmlns="" xmlns:a16="http://schemas.microsoft.com/office/drawing/2014/main" id="{DC69AF7A-D5F6-AF94-6226-64A1B3D13F3D}"/>
               </a:ext>
             </a:extLst>
           </p:cNvPr>
@@ -22747,7 +22927,7 @@
           <p:cNvPr id="4" name="Title 1">
             <a:extLst>
               <a:ext uri="{FF2B5EF4-FFF2-40B4-BE49-F238E27FC236}">
-                <a16:creationId xmlns:a16="http://schemas.microsoft.com/office/drawing/2014/main" xmlns="" id="{0A4045B0-C940-93C6-79DB-351A147113E4}"/>
+                <a16:creationId xmlns="" xmlns:a16="http://schemas.microsoft.com/office/drawing/2014/main" id="{0A4045B0-C940-93C6-79DB-351A147113E4}"/>
               </a:ext>
             </a:extLst>
           </p:cNvPr>
@@ -22780,7 +22960,7 @@
           <p:cNvPr id="5" name="TextBox 4">
             <a:extLst>
               <a:ext uri="{FF2B5EF4-FFF2-40B4-BE49-F238E27FC236}">
-                <a16:creationId xmlns:a16="http://schemas.microsoft.com/office/drawing/2014/main" xmlns="" id="{AAC62DE3-37FA-81ED-2B19-6155C5C4FB6A}"/>
+                <a16:creationId xmlns="" xmlns:a16="http://schemas.microsoft.com/office/drawing/2014/main" id="{AAC62DE3-37FA-81ED-2B19-6155C5C4FB6A}"/>
               </a:ext>
             </a:extLst>
           </p:cNvPr>
@@ -23062,7 +23242,7 @@
           <p:cNvPr id="3" name="Picture 2">
             <a:extLst>
               <a:ext uri="{FF2B5EF4-FFF2-40B4-BE49-F238E27FC236}">
-                <a16:creationId xmlns:a16="http://schemas.microsoft.com/office/drawing/2014/main" xmlns="" id="{26D9E3AC-C35C-EBF0-20C7-EAD5FC9B88C7}"/>
+                <a16:creationId xmlns="" xmlns:a16="http://schemas.microsoft.com/office/drawing/2014/main" id="{26D9E3AC-C35C-EBF0-20C7-EAD5FC9B88C7}"/>
               </a:ext>
             </a:extLst>
           </p:cNvPr>
@@ -23254,7 +23434,7 @@
           <p:cNvPr id="4" name="Title 1">
             <a:extLst>
               <a:ext uri="{FF2B5EF4-FFF2-40B4-BE49-F238E27FC236}">
-                <a16:creationId xmlns:a16="http://schemas.microsoft.com/office/drawing/2014/main" xmlns="" id="{0A4045B0-C940-93C6-79DB-351A147113E4}"/>
+                <a16:creationId xmlns="" xmlns:a16="http://schemas.microsoft.com/office/drawing/2014/main" id="{0A4045B0-C940-93C6-79DB-351A147113E4}"/>
               </a:ext>
             </a:extLst>
           </p:cNvPr>
@@ -23291,7 +23471,7 @@
           <p:cNvPr id="5" name="TextBox 4">
             <a:extLst>
               <a:ext uri="{FF2B5EF4-FFF2-40B4-BE49-F238E27FC236}">
-                <a16:creationId xmlns:a16="http://schemas.microsoft.com/office/drawing/2014/main" xmlns="" id="{AAC62DE3-37FA-81ED-2B19-6155C5C4FB6A}"/>
+                <a16:creationId xmlns="" xmlns:a16="http://schemas.microsoft.com/office/drawing/2014/main" id="{AAC62DE3-37FA-81ED-2B19-6155C5C4FB6A}"/>
               </a:ext>
             </a:extLst>
           </p:cNvPr>
@@ -23554,7 +23734,7 @@
           <p:cNvPr id="6" name="Picture 5">
             <a:extLst>
               <a:ext uri="{FF2B5EF4-FFF2-40B4-BE49-F238E27FC236}">
-                <a16:creationId xmlns:a16="http://schemas.microsoft.com/office/drawing/2014/main" xmlns="" id="{7C88032A-86F2-5985-C0A4-6E39C9F51CC6}"/>
+                <a16:creationId xmlns="" xmlns:a16="http://schemas.microsoft.com/office/drawing/2014/main" id="{7C88032A-86F2-5985-C0A4-6E39C9F51CC6}"/>
               </a:ext>
             </a:extLst>
           </p:cNvPr>
@@ -23590,7 +23770,7 @@
           <p:cNvPr id="7" name="TextBox 6">
             <a:extLst>
               <a:ext uri="{FF2B5EF4-FFF2-40B4-BE49-F238E27FC236}">
-                <a16:creationId xmlns:a16="http://schemas.microsoft.com/office/drawing/2014/main" xmlns="" id="{1F77591A-DB2F-9F91-4945-B2EC29845B38}"/>
+                <a16:creationId xmlns="" xmlns:a16="http://schemas.microsoft.com/office/drawing/2014/main" id="{1F77591A-DB2F-9F91-4945-B2EC29845B38}"/>
               </a:ext>
             </a:extLst>
           </p:cNvPr>
@@ -23952,7 +24132,7 @@
           <p:cNvPr id="4" name="Title 1">
             <a:extLst>
               <a:ext uri="{FF2B5EF4-FFF2-40B4-BE49-F238E27FC236}">
-                <a16:creationId xmlns:a16="http://schemas.microsoft.com/office/drawing/2014/main" xmlns="" id="{0A4045B0-C940-93C6-79DB-351A147113E4}"/>
+                <a16:creationId xmlns="" xmlns:a16="http://schemas.microsoft.com/office/drawing/2014/main" id="{0A4045B0-C940-93C6-79DB-351A147113E4}"/>
               </a:ext>
             </a:extLst>
           </p:cNvPr>
@@ -23985,7 +24165,7 @@
           <p:cNvPr id="7" name="TextBox 6">
             <a:extLst>
               <a:ext uri="{FF2B5EF4-FFF2-40B4-BE49-F238E27FC236}">
-                <a16:creationId xmlns:a16="http://schemas.microsoft.com/office/drawing/2014/main" xmlns="" id="{1F77591A-DB2F-9F91-4945-B2EC29845B38}"/>
+                <a16:creationId xmlns="" xmlns:a16="http://schemas.microsoft.com/office/drawing/2014/main" id="{1F77591A-DB2F-9F91-4945-B2EC29845B38}"/>
               </a:ext>
             </a:extLst>
           </p:cNvPr>
@@ -24101,7 +24281,7 @@
           <p:cNvPr id="8" name="Picture 7">
             <a:extLst>
               <a:ext uri="{FF2B5EF4-FFF2-40B4-BE49-F238E27FC236}">
-                <a16:creationId xmlns:a16="http://schemas.microsoft.com/office/drawing/2014/main" xmlns="" id="{B643EA6D-4B4D-8F4A-AF04-E12FB151ED2B}"/>
+                <a16:creationId xmlns="" xmlns:a16="http://schemas.microsoft.com/office/drawing/2014/main" id="{B643EA6D-4B4D-8F4A-AF04-E12FB151ED2B}"/>
               </a:ext>
             </a:extLst>
           </p:cNvPr>
@@ -24131,7 +24311,7 @@
           <p:cNvPr id="9" name="TextBox 8">
             <a:extLst>
               <a:ext uri="{FF2B5EF4-FFF2-40B4-BE49-F238E27FC236}">
-                <a16:creationId xmlns:a16="http://schemas.microsoft.com/office/drawing/2014/main" xmlns="" id="{4CEDAA70-1CF5-7892-405B-9D24EFE25BE8}"/>
+                <a16:creationId xmlns="" xmlns:a16="http://schemas.microsoft.com/office/drawing/2014/main" id="{4CEDAA70-1CF5-7892-405B-9D24EFE25BE8}"/>
               </a:ext>
             </a:extLst>
           </p:cNvPr>

--- a/Slides/NET 6 Clean Architecture.pptx
+++ b/Slides/NET 6 Clean Architecture.pptx
@@ -23,6 +23,7 @@
     <p:sldId id="271" r:id="rId17"/>
     <p:sldId id="272" r:id="rId18"/>
     <p:sldId id="273" r:id="rId19"/>
+    <p:sldId id="274" r:id="rId20"/>
   </p:sldIdLst>
   <p:sldSz cx="12192000" cy="6858000"/>
   <p:notesSz cx="6858000" cy="9144000"/>
@@ -464,7 +465,7 @@
           <a:p>
             <a:fld id="{4852023B-35B4-406B-9C51-63D33C4B20A9}" type="datetimeFigureOut">
               <a:rPr lang="en-US" smtClean="0"/>
-              <a:t>4/25/2025</a:t>
+              <a:t>5/10/2025</a:t>
             </a:fld>
             <a:endParaRPr lang="en-US"/>
           </a:p>
@@ -1552,7 +1553,7 @@
           <a:p>
             <a:fld id="{4852023B-35B4-406B-9C51-63D33C4B20A9}" type="datetimeFigureOut">
               <a:rPr lang="en-US" smtClean="0"/>
-              <a:t>4/25/2025</a:t>
+              <a:t>5/10/2025</a:t>
             </a:fld>
             <a:endParaRPr lang="en-US"/>
           </a:p>
@@ -2532,7 +2533,7 @@
           <a:p>
             <a:fld id="{4852023B-35B4-406B-9C51-63D33C4B20A9}" type="datetimeFigureOut">
               <a:rPr lang="en-US" smtClean="0"/>
-              <a:t>4/25/2025</a:t>
+              <a:t>5/10/2025</a:t>
             </a:fld>
             <a:endParaRPr lang="en-US"/>
           </a:p>
@@ -3666,7 +3667,7 @@
           <a:p>
             <a:fld id="{4852023B-35B4-406B-9C51-63D33C4B20A9}" type="datetimeFigureOut">
               <a:rPr lang="en-US" smtClean="0"/>
-              <a:t>4/25/2025</a:t>
+              <a:t>5/10/2025</a:t>
             </a:fld>
             <a:endParaRPr lang="en-US"/>
           </a:p>
@@ -4699,7 +4700,7 @@
           <a:p>
             <a:fld id="{4852023B-35B4-406B-9C51-63D33C4B20A9}" type="datetimeFigureOut">
               <a:rPr lang="en-US" smtClean="0"/>
-              <a:t>4/25/2025</a:t>
+              <a:t>5/10/2025</a:t>
             </a:fld>
             <a:endParaRPr lang="en-US"/>
           </a:p>
@@ -5359,7 +5360,7 @@
           <a:p>
             <a:fld id="{4852023B-35B4-406B-9C51-63D33C4B20A9}" type="datetimeFigureOut">
               <a:rPr lang="en-US" smtClean="0"/>
-              <a:t>4/25/2025</a:t>
+              <a:t>5/10/2025</a:t>
             </a:fld>
             <a:endParaRPr lang="en-US"/>
           </a:p>
@@ -6220,7 +6221,7 @@
           <a:p>
             <a:fld id="{4852023B-35B4-406B-9C51-63D33C4B20A9}" type="datetimeFigureOut">
               <a:rPr lang="en-US" smtClean="0"/>
-              <a:t>4/25/2025</a:t>
+              <a:t>5/10/2025</a:t>
             </a:fld>
             <a:endParaRPr lang="en-US"/>
           </a:p>
@@ -6410,7 +6411,7 @@
           <a:p>
             <a:fld id="{4852023B-35B4-406B-9C51-63D33C4B20A9}" type="datetimeFigureOut">
               <a:rPr lang="en-US" smtClean="0"/>
-              <a:t>4/25/2025</a:t>
+              <a:t>5/10/2025</a:t>
             </a:fld>
             <a:endParaRPr lang="en-US"/>
           </a:p>
@@ -7382,7 +7383,7 @@
           <a:p>
             <a:fld id="{4852023B-35B4-406B-9C51-63D33C4B20A9}" type="datetimeFigureOut">
               <a:rPr lang="en-US" smtClean="0"/>
-              <a:t>4/25/2025</a:t>
+              <a:t>5/10/2025</a:t>
             </a:fld>
             <a:endParaRPr lang="en-US"/>
           </a:p>
@@ -7593,7 +7594,7 @@
           <a:p>
             <a:fld id="{4852023B-35B4-406B-9C51-63D33C4B20A9}" type="datetimeFigureOut">
               <a:rPr lang="en-US" smtClean="0"/>
-              <a:t>4/25/2025</a:t>
+              <a:t>5/10/2025</a:t>
             </a:fld>
             <a:endParaRPr lang="en-US"/>
           </a:p>
@@ -8627,7 +8628,7 @@
           <a:p>
             <a:fld id="{4852023B-35B4-406B-9C51-63D33C4B20A9}" type="datetimeFigureOut">
               <a:rPr lang="en-US" smtClean="0"/>
-              <a:t>4/25/2025</a:t>
+              <a:t>5/10/2025</a:t>
             </a:fld>
             <a:endParaRPr lang="en-US"/>
           </a:p>
@@ -8899,7 +8900,7 @@
           <a:p>
             <a:fld id="{4852023B-35B4-406B-9C51-63D33C4B20A9}" type="datetimeFigureOut">
               <a:rPr lang="en-US" smtClean="0"/>
-              <a:t>4/25/2025</a:t>
+              <a:t>5/10/2025</a:t>
             </a:fld>
             <a:endParaRPr lang="en-US"/>
           </a:p>
@@ -9309,7 +9310,7 @@
           <a:p>
             <a:fld id="{4852023B-35B4-406B-9C51-63D33C4B20A9}" type="datetimeFigureOut">
               <a:rPr lang="en-US" smtClean="0"/>
-              <a:t>4/25/2025</a:t>
+              <a:t>5/10/2025</a:t>
             </a:fld>
             <a:endParaRPr lang="en-US"/>
           </a:p>
@@ -9436,7 +9437,7 @@
           <a:p>
             <a:fld id="{4852023B-35B4-406B-9C51-63D33C4B20A9}" type="datetimeFigureOut">
               <a:rPr lang="en-US" smtClean="0"/>
-              <a:t>4/25/2025</a:t>
+              <a:t>5/10/2025</a:t>
             </a:fld>
             <a:endParaRPr lang="en-US"/>
           </a:p>
@@ -9531,7 +9532,7 @@
           <a:p>
             <a:fld id="{4852023B-35B4-406B-9C51-63D33C4B20A9}" type="datetimeFigureOut">
               <a:rPr lang="en-US" smtClean="0"/>
-              <a:t>4/25/2025</a:t>
+              <a:t>5/10/2025</a:t>
             </a:fld>
             <a:endParaRPr lang="en-US"/>
           </a:p>
@@ -10612,7 +10613,7 @@
           <a:p>
             <a:fld id="{4852023B-35B4-406B-9C51-63D33C4B20A9}" type="datetimeFigureOut">
               <a:rPr lang="en-US" smtClean="0"/>
-              <a:t>4/25/2025</a:t>
+              <a:t>5/10/2025</a:t>
             </a:fld>
             <a:endParaRPr lang="en-US"/>
           </a:p>
@@ -11720,7 +11721,7 @@
           <a:p>
             <a:fld id="{4852023B-35B4-406B-9C51-63D33C4B20A9}" type="datetimeFigureOut">
               <a:rPr lang="en-US" smtClean="0"/>
-              <a:t>4/25/2025</a:t>
+              <a:t>5/10/2025</a:t>
             </a:fld>
             <a:endParaRPr lang="en-US"/>
           </a:p>
@@ -12717,7 +12718,7 @@
           <a:p>
             <a:fld id="{4852023B-35B4-406B-9C51-63D33C4B20A9}" type="datetimeFigureOut">
               <a:rPr lang="en-US" smtClean="0"/>
-              <a:t>4/25/2025</a:t>
+              <a:t>5/10/2025</a:t>
             </a:fld>
             <a:endParaRPr lang="en-US"/>
           </a:p>
@@ -13281,7 +13282,7 @@
           <p:cNvPr id="9" name="TextBox 8">
             <a:extLst>
               <a:ext uri="{FF2B5EF4-FFF2-40B4-BE49-F238E27FC236}">
-                <a16:creationId xmlns="" xmlns:a16="http://schemas.microsoft.com/office/drawing/2014/main" id="{39BB7DC7-8A14-75D0-DB09-D55D93EBFBF9}"/>
+                <a16:creationId xmlns:a16="http://schemas.microsoft.com/office/drawing/2014/main" xmlns="" id="{39BB7DC7-8A14-75D0-DB09-D55D93EBFBF9}"/>
               </a:ext>
             </a:extLst>
           </p:cNvPr>
@@ -13313,7 +13314,7 @@
           <p:cNvPr id="12" name="Title 1">
             <a:extLst>
               <a:ext uri="{FF2B5EF4-FFF2-40B4-BE49-F238E27FC236}">
-                <a16:creationId xmlns="" xmlns:a16="http://schemas.microsoft.com/office/drawing/2014/main" id="{6BC09C08-DB38-0216-C707-8BA1E2DE56E4}"/>
+                <a16:creationId xmlns:a16="http://schemas.microsoft.com/office/drawing/2014/main" xmlns="" id="{6BC09C08-DB38-0216-C707-8BA1E2DE56E4}"/>
               </a:ext>
             </a:extLst>
           </p:cNvPr>
@@ -13346,7 +13347,7 @@
           <p:cNvPr id="2" name="TextBox 1">
             <a:extLst>
               <a:ext uri="{FF2B5EF4-FFF2-40B4-BE49-F238E27FC236}">
-                <a16:creationId xmlns="" xmlns:a16="http://schemas.microsoft.com/office/drawing/2014/main" id="{5BE8E56B-D104-CC08-48F4-D487AF749C7B}"/>
+                <a16:creationId xmlns:a16="http://schemas.microsoft.com/office/drawing/2014/main" xmlns="" id="{5BE8E56B-D104-CC08-48F4-D487AF749C7B}"/>
               </a:ext>
             </a:extLst>
           </p:cNvPr>
@@ -13449,7 +13450,7 @@
           <p:cNvPr id="3" name="TextBox 2">
             <a:extLst>
               <a:ext uri="{FF2B5EF4-FFF2-40B4-BE49-F238E27FC236}">
-                <a16:creationId xmlns="" xmlns:a16="http://schemas.microsoft.com/office/drawing/2014/main" id="{C8D9D74B-ED7B-F70B-3A5B-5356FA257D36}"/>
+                <a16:creationId xmlns:a16="http://schemas.microsoft.com/office/drawing/2014/main" xmlns="" id="{C8D9D74B-ED7B-F70B-3A5B-5356FA257D36}"/>
               </a:ext>
             </a:extLst>
           </p:cNvPr>
@@ -13541,7 +13542,7 @@
           <p:cNvPr id="7" name="Picture 6">
             <a:extLst>
               <a:ext uri="{FF2B5EF4-FFF2-40B4-BE49-F238E27FC236}">
-                <a16:creationId xmlns="" xmlns:a16="http://schemas.microsoft.com/office/drawing/2014/main" id="{85923558-9D5B-B7D9-795E-A80B0F560AC1}"/>
+                <a16:creationId xmlns:a16="http://schemas.microsoft.com/office/drawing/2014/main" xmlns="" id="{85923558-9D5B-B7D9-795E-A80B0F560AC1}"/>
               </a:ext>
             </a:extLst>
           </p:cNvPr>
@@ -13571,7 +13572,7 @@
           <p:cNvPr id="8" name="TextBox 7">
             <a:extLst>
               <a:ext uri="{FF2B5EF4-FFF2-40B4-BE49-F238E27FC236}">
-                <a16:creationId xmlns="" xmlns:a16="http://schemas.microsoft.com/office/drawing/2014/main" id="{5B300213-A76B-1DF1-2F8D-7B7E5749DD9D}"/>
+                <a16:creationId xmlns:a16="http://schemas.microsoft.com/office/drawing/2014/main" xmlns="" id="{5B300213-A76B-1DF1-2F8D-7B7E5749DD9D}"/>
               </a:ext>
             </a:extLst>
           </p:cNvPr>
@@ -14054,7 +14055,7 @@
           <p:cNvPr id="4" name="Title 1">
             <a:extLst>
               <a:ext uri="{FF2B5EF4-FFF2-40B4-BE49-F238E27FC236}">
-                <a16:creationId xmlns="" xmlns:a16="http://schemas.microsoft.com/office/drawing/2014/main" id="{0A4045B0-C940-93C6-79DB-351A147113E4}"/>
+                <a16:creationId xmlns:a16="http://schemas.microsoft.com/office/drawing/2014/main" xmlns="" id="{0A4045B0-C940-93C6-79DB-351A147113E4}"/>
               </a:ext>
             </a:extLst>
           </p:cNvPr>
@@ -14087,7 +14088,7 @@
           <p:cNvPr id="7" name="TextBox 6">
             <a:extLst>
               <a:ext uri="{FF2B5EF4-FFF2-40B4-BE49-F238E27FC236}">
-                <a16:creationId xmlns="" xmlns:a16="http://schemas.microsoft.com/office/drawing/2014/main" id="{1F77591A-DB2F-9F91-4945-B2EC29845B38}"/>
+                <a16:creationId xmlns:a16="http://schemas.microsoft.com/office/drawing/2014/main" xmlns="" id="{1F77591A-DB2F-9F91-4945-B2EC29845B38}"/>
               </a:ext>
             </a:extLst>
           </p:cNvPr>
@@ -14151,7 +14152,7 @@
           <p:cNvPr id="3" name="TextBox 2">
             <a:extLst>
               <a:ext uri="{FF2B5EF4-FFF2-40B4-BE49-F238E27FC236}">
-                <a16:creationId xmlns="" xmlns:a16="http://schemas.microsoft.com/office/drawing/2014/main" id="{75CE1D91-0A05-A797-DFCC-8AC0D954B8C4}"/>
+                <a16:creationId xmlns:a16="http://schemas.microsoft.com/office/drawing/2014/main" xmlns="" id="{75CE1D91-0A05-A797-DFCC-8AC0D954B8C4}"/>
               </a:ext>
             </a:extLst>
           </p:cNvPr>
@@ -14230,7 +14231,7 @@
           <p:cNvPr id="5" name="TextBox 4">
             <a:extLst>
               <a:ext uri="{FF2B5EF4-FFF2-40B4-BE49-F238E27FC236}">
-                <a16:creationId xmlns="" xmlns:a16="http://schemas.microsoft.com/office/drawing/2014/main" id="{D3A024AE-BC83-07F5-3885-BC864E91208B}"/>
+                <a16:creationId xmlns:a16="http://schemas.microsoft.com/office/drawing/2014/main" xmlns="" id="{D3A024AE-BC83-07F5-3885-BC864E91208B}"/>
               </a:ext>
             </a:extLst>
           </p:cNvPr>
@@ -14277,7 +14278,7 @@
           <p:cNvPr id="14" name="Picture 13">
             <a:extLst>
               <a:ext uri="{FF2B5EF4-FFF2-40B4-BE49-F238E27FC236}">
-                <a16:creationId xmlns="" xmlns:a16="http://schemas.microsoft.com/office/drawing/2014/main" id="{21282115-67E0-FC53-E5ED-24264FAF013C}"/>
+                <a16:creationId xmlns:a16="http://schemas.microsoft.com/office/drawing/2014/main" xmlns="" id="{21282115-67E0-FC53-E5ED-24264FAF013C}"/>
               </a:ext>
             </a:extLst>
           </p:cNvPr>
@@ -14661,7 +14662,7 @@
           <p:cNvPr id="4" name="Title 1">
             <a:extLst>
               <a:ext uri="{FF2B5EF4-FFF2-40B4-BE49-F238E27FC236}">
-                <a16:creationId xmlns="" xmlns:a16="http://schemas.microsoft.com/office/drawing/2014/main" id="{0A4045B0-C940-93C6-79DB-351A147113E4}"/>
+                <a16:creationId xmlns:a16="http://schemas.microsoft.com/office/drawing/2014/main" xmlns="" id="{0A4045B0-C940-93C6-79DB-351A147113E4}"/>
               </a:ext>
             </a:extLst>
           </p:cNvPr>
@@ -14694,7 +14695,7 @@
           <p:cNvPr id="7" name="TextBox 6">
             <a:extLst>
               <a:ext uri="{FF2B5EF4-FFF2-40B4-BE49-F238E27FC236}">
-                <a16:creationId xmlns="" xmlns:a16="http://schemas.microsoft.com/office/drawing/2014/main" id="{1F77591A-DB2F-9F91-4945-B2EC29845B38}"/>
+                <a16:creationId xmlns:a16="http://schemas.microsoft.com/office/drawing/2014/main" xmlns="" id="{1F77591A-DB2F-9F91-4945-B2EC29845B38}"/>
               </a:ext>
             </a:extLst>
           </p:cNvPr>
@@ -14796,7 +14797,7 @@
           <p:cNvPr id="6" name="TextBox 5">
             <a:extLst>
               <a:ext uri="{FF2B5EF4-FFF2-40B4-BE49-F238E27FC236}">
-                <a16:creationId xmlns="" xmlns:a16="http://schemas.microsoft.com/office/drawing/2014/main" id="{9CA64FD6-BEA4-2353-8A07-33D717CADA3A}"/>
+                <a16:creationId xmlns:a16="http://schemas.microsoft.com/office/drawing/2014/main" xmlns="" id="{9CA64FD6-BEA4-2353-8A07-33D717CADA3A}"/>
               </a:ext>
             </a:extLst>
           </p:cNvPr>
@@ -14892,7 +14893,7 @@
           <p:cNvPr id="10" name="TextBox 9">
             <a:extLst>
               <a:ext uri="{FF2B5EF4-FFF2-40B4-BE49-F238E27FC236}">
-                <a16:creationId xmlns="" xmlns:a16="http://schemas.microsoft.com/office/drawing/2014/main" id="{C89914A2-3B6D-D077-104F-47737F2D1CC9}"/>
+                <a16:creationId xmlns:a16="http://schemas.microsoft.com/office/drawing/2014/main" xmlns="" id="{C89914A2-3B6D-D077-104F-47737F2D1CC9}"/>
               </a:ext>
             </a:extLst>
           </p:cNvPr>
@@ -15085,7 +15086,7 @@
           <p:cNvPr id="12" name="TextBox 11">
             <a:extLst>
               <a:ext uri="{FF2B5EF4-FFF2-40B4-BE49-F238E27FC236}">
-                <a16:creationId xmlns="" xmlns:a16="http://schemas.microsoft.com/office/drawing/2014/main" id="{12B26B99-AF94-9433-984F-83ACFDE565BB}"/>
+                <a16:creationId xmlns:a16="http://schemas.microsoft.com/office/drawing/2014/main" xmlns="" id="{12B26B99-AF94-9433-984F-83ACFDE565BB}"/>
               </a:ext>
             </a:extLst>
           </p:cNvPr>
@@ -15296,7 +15297,7 @@
           <p:cNvPr id="8" name="Picture 7">
             <a:extLst>
               <a:ext uri="{FF2B5EF4-FFF2-40B4-BE49-F238E27FC236}">
-                <a16:creationId xmlns="" xmlns:a16="http://schemas.microsoft.com/office/drawing/2014/main" id="{CC045C0D-B68C-E07A-C5D4-4E8FBA8837BB}"/>
+                <a16:creationId xmlns:a16="http://schemas.microsoft.com/office/drawing/2014/main" xmlns="" id="{CC045C0D-B68C-E07A-C5D4-4E8FBA8837BB}"/>
               </a:ext>
             </a:extLst>
           </p:cNvPr>
@@ -15788,7 +15789,7 @@
           <p:cNvPr id="4" name="Title 1">
             <a:extLst>
               <a:ext uri="{FF2B5EF4-FFF2-40B4-BE49-F238E27FC236}">
-                <a16:creationId xmlns="" xmlns:a16="http://schemas.microsoft.com/office/drawing/2014/main" id="{0A4045B0-C940-93C6-79DB-351A147113E4}"/>
+                <a16:creationId xmlns:a16="http://schemas.microsoft.com/office/drawing/2014/main" xmlns="" id="{0A4045B0-C940-93C6-79DB-351A147113E4}"/>
               </a:ext>
             </a:extLst>
           </p:cNvPr>
@@ -15825,7 +15826,7 @@
           <p:cNvPr id="7" name="TextBox 6">
             <a:extLst>
               <a:ext uri="{FF2B5EF4-FFF2-40B4-BE49-F238E27FC236}">
-                <a16:creationId xmlns="" xmlns:a16="http://schemas.microsoft.com/office/drawing/2014/main" id="{1F77591A-DB2F-9F91-4945-B2EC29845B38}"/>
+                <a16:creationId xmlns:a16="http://schemas.microsoft.com/office/drawing/2014/main" xmlns="" id="{1F77591A-DB2F-9F91-4945-B2EC29845B38}"/>
               </a:ext>
             </a:extLst>
           </p:cNvPr>
@@ -16010,7 +16011,7 @@
           <p:cNvPr id="6" name="TextBox 5">
             <a:extLst>
               <a:ext uri="{FF2B5EF4-FFF2-40B4-BE49-F238E27FC236}">
-                <a16:creationId xmlns="" xmlns:a16="http://schemas.microsoft.com/office/drawing/2014/main" id="{9CA64FD6-BEA4-2353-8A07-33D717CADA3A}"/>
+                <a16:creationId xmlns:a16="http://schemas.microsoft.com/office/drawing/2014/main" xmlns="" id="{9CA64FD6-BEA4-2353-8A07-33D717CADA3A}"/>
               </a:ext>
             </a:extLst>
           </p:cNvPr>
@@ -16092,7 +16093,7 @@
           <p:cNvPr id="2" name="TextBox 1">
             <a:extLst>
               <a:ext uri="{FF2B5EF4-FFF2-40B4-BE49-F238E27FC236}">
-                <a16:creationId xmlns="" xmlns:a16="http://schemas.microsoft.com/office/drawing/2014/main" id="{AA2BD717-B48B-3A0B-5C27-23A0C68D8B05}"/>
+                <a16:creationId xmlns:a16="http://schemas.microsoft.com/office/drawing/2014/main" xmlns="" id="{AA2BD717-B48B-3A0B-5C27-23A0C68D8B05}"/>
               </a:ext>
             </a:extLst>
           </p:cNvPr>
@@ -16257,7 +16258,7 @@
           <p:cNvPr id="9" name="Picture 8">
             <a:extLst>
               <a:ext uri="{FF2B5EF4-FFF2-40B4-BE49-F238E27FC236}">
-                <a16:creationId xmlns="" xmlns:a16="http://schemas.microsoft.com/office/drawing/2014/main" id="{A38831D7-BB3B-C1F8-17D3-97CD0AD42136}"/>
+                <a16:creationId xmlns:a16="http://schemas.microsoft.com/office/drawing/2014/main" xmlns="" id="{A38831D7-BB3B-C1F8-17D3-97CD0AD42136}"/>
               </a:ext>
             </a:extLst>
           </p:cNvPr>
@@ -16649,7 +16650,7 @@
           <p:cNvPr id="4" name="Title 1">
             <a:extLst>
               <a:ext uri="{FF2B5EF4-FFF2-40B4-BE49-F238E27FC236}">
-                <a16:creationId xmlns="" xmlns:a16="http://schemas.microsoft.com/office/drawing/2014/main" id="{0A4045B0-C940-93C6-79DB-351A147113E4}"/>
+                <a16:creationId xmlns:a16="http://schemas.microsoft.com/office/drawing/2014/main" xmlns="" id="{0A4045B0-C940-93C6-79DB-351A147113E4}"/>
               </a:ext>
             </a:extLst>
           </p:cNvPr>
@@ -16690,7 +16691,7 @@
           <p:cNvPr id="7" name="TextBox 6">
             <a:extLst>
               <a:ext uri="{FF2B5EF4-FFF2-40B4-BE49-F238E27FC236}">
-                <a16:creationId xmlns="" xmlns:a16="http://schemas.microsoft.com/office/drawing/2014/main" id="{1F77591A-DB2F-9F91-4945-B2EC29845B38}"/>
+                <a16:creationId xmlns:a16="http://schemas.microsoft.com/office/drawing/2014/main" xmlns="" id="{1F77591A-DB2F-9F91-4945-B2EC29845B38}"/>
               </a:ext>
             </a:extLst>
           </p:cNvPr>
@@ -16744,7 +16745,7 @@
           <p:cNvPr id="5" name="Picture 4">
             <a:extLst>
               <a:ext uri="{FF2B5EF4-FFF2-40B4-BE49-F238E27FC236}">
-                <a16:creationId xmlns="" xmlns:a16="http://schemas.microsoft.com/office/drawing/2014/main" id="{415966A0-7DD5-0960-C994-7A2F3B3FD0AC}"/>
+                <a16:creationId xmlns:a16="http://schemas.microsoft.com/office/drawing/2014/main" xmlns="" id="{415966A0-7DD5-0960-C994-7A2F3B3FD0AC}"/>
               </a:ext>
             </a:extLst>
           </p:cNvPr>
@@ -16936,7 +16937,7 @@
           <p:cNvPr id="4" name="Title 1">
             <a:extLst>
               <a:ext uri="{FF2B5EF4-FFF2-40B4-BE49-F238E27FC236}">
-                <a16:creationId xmlns="" xmlns:a16="http://schemas.microsoft.com/office/drawing/2014/main" id="{0A4045B0-C940-93C6-79DB-351A147113E4}"/>
+                <a16:creationId xmlns:a16="http://schemas.microsoft.com/office/drawing/2014/main" xmlns="" id="{0A4045B0-C940-93C6-79DB-351A147113E4}"/>
               </a:ext>
             </a:extLst>
           </p:cNvPr>
@@ -17270,7 +17271,7 @@
           <p:cNvPr id="4" name="Title 1">
             <a:extLst>
               <a:ext uri="{FF2B5EF4-FFF2-40B4-BE49-F238E27FC236}">
-                <a16:creationId xmlns="" xmlns:a16="http://schemas.microsoft.com/office/drawing/2014/main" id="{0A4045B0-C940-93C6-79DB-351A147113E4}"/>
+                <a16:creationId xmlns:a16="http://schemas.microsoft.com/office/drawing/2014/main" xmlns="" id="{0A4045B0-C940-93C6-79DB-351A147113E4}"/>
               </a:ext>
             </a:extLst>
           </p:cNvPr>
@@ -17304,7 +17305,7 @@
           <p:cNvPr id="7" name="TextBox 6">
             <a:extLst>
               <a:ext uri="{FF2B5EF4-FFF2-40B4-BE49-F238E27FC236}">
-                <a16:creationId xmlns="" xmlns:a16="http://schemas.microsoft.com/office/drawing/2014/main" id="{1F77591A-DB2F-9F91-4945-B2EC29845B38}"/>
+                <a16:creationId xmlns:a16="http://schemas.microsoft.com/office/drawing/2014/main" xmlns="" id="{1F77591A-DB2F-9F91-4945-B2EC29845B38}"/>
               </a:ext>
             </a:extLst>
           </p:cNvPr>
@@ -17853,7 +17854,7 @@
           <p:cNvPr id="4" name="Title 1">
             <a:extLst>
               <a:ext uri="{FF2B5EF4-FFF2-40B4-BE49-F238E27FC236}">
-                <a16:creationId xmlns="" xmlns:a16="http://schemas.microsoft.com/office/drawing/2014/main" id="{0A4045B0-C940-93C6-79DB-351A147113E4}"/>
+                <a16:creationId xmlns:a16="http://schemas.microsoft.com/office/drawing/2014/main" xmlns="" id="{0A4045B0-C940-93C6-79DB-351A147113E4}"/>
               </a:ext>
             </a:extLst>
           </p:cNvPr>
@@ -18306,7 +18307,7 @@
           <p:cNvPr id="4" name="Title 1">
             <a:extLst>
               <a:ext uri="{FF2B5EF4-FFF2-40B4-BE49-F238E27FC236}">
-                <a16:creationId xmlns="" xmlns:a16="http://schemas.microsoft.com/office/drawing/2014/main" id="{0A4045B0-C940-93C6-79DB-351A147113E4}"/>
+                <a16:creationId xmlns:a16="http://schemas.microsoft.com/office/drawing/2014/main" xmlns="" id="{0A4045B0-C940-93C6-79DB-351A147113E4}"/>
               </a:ext>
             </a:extLst>
           </p:cNvPr>
@@ -18518,7 +18519,7 @@
           <p:cNvPr id="4" name="Title 1">
             <a:extLst>
               <a:ext uri="{FF2B5EF4-FFF2-40B4-BE49-F238E27FC236}">
-                <a16:creationId xmlns="" xmlns:a16="http://schemas.microsoft.com/office/drawing/2014/main" id="{0A4045B0-C940-93C6-79DB-351A147113E4}"/>
+                <a16:creationId xmlns:a16="http://schemas.microsoft.com/office/drawing/2014/main" xmlns="" id="{0A4045B0-C940-93C6-79DB-351A147113E4}"/>
               </a:ext>
             </a:extLst>
           </p:cNvPr>
@@ -18585,27 +18586,7 @@
                   </a:schemeClr>
                 </a:solidFill>
               </a:rPr>
-              <a:t> </a:t>
-            </a:r>
-            <a:r>
-              <a:rPr lang="en-US" sz="6600" b="1" dirty="0" smtClean="0">
-                <a:solidFill>
-                  <a:schemeClr val="bg1">
-                    <a:lumMod val="95000"/>
-                  </a:schemeClr>
-                </a:solidFill>
-              </a:rPr>
-              <a:t>Core</a:t>
-            </a:r>
-            <a:r>
-              <a:rPr lang="en-US" sz="6600" b="1" dirty="0" smtClean="0">
-                <a:solidFill>
-                  <a:schemeClr val="bg1">
-                    <a:lumMod val="95000"/>
-                  </a:schemeClr>
-                </a:solidFill>
-              </a:rPr>
-              <a:t/>
+              <a:t> Core</a:t>
             </a:r>
             <a:br>
               <a:rPr lang="en-US" sz="6600" b="1" dirty="0" smtClean="0">
@@ -18701,6 +18682,73 @@
 </p:sld>
 </file>
 
+<file path=ppt/slides/slide19.xml><?xml version="1.0" encoding="utf-8"?>
+<p:sld xmlns:a="http://schemas.openxmlformats.org/drawingml/2006/main" xmlns:r="http://schemas.openxmlformats.org/officeDocument/2006/relationships" xmlns:p="http://schemas.openxmlformats.org/presentationml/2006/main">
+  <p:cSld>
+    <p:spTree>
+      <p:nvGrpSpPr>
+        <p:cNvPr id="1" name=""/>
+        <p:cNvGrpSpPr/>
+        <p:nvPr/>
+      </p:nvGrpSpPr>
+      <p:grpSpPr>
+        <a:xfrm>
+          <a:off x="0" y="0"/>
+          <a:ext cx="0" cy="0"/>
+          <a:chOff x="0" y="0"/>
+          <a:chExt cx="0" cy="0"/>
+        </a:xfrm>
+      </p:grpSpPr>
+      <p:pic>
+        <p:nvPicPr>
+          <p:cNvPr id="8" name="Picture 7"/>
+          <p:cNvPicPr>
+            <a:picLocks noChangeAspect="1"/>
+          </p:cNvPicPr>
+          <p:nvPr/>
+        </p:nvPicPr>
+        <p:blipFill>
+          <a:blip r:embed="rId2">
+            <a:extLst>
+              <a:ext uri="{28A0092B-C50C-407E-A947-70E740481C1C}">
+                <a14:useLocalDpi xmlns:a14="http://schemas.microsoft.com/office/drawing/2010/main" val="0"/>
+              </a:ext>
+            </a:extLst>
+          </a:blip>
+          <a:stretch>
+            <a:fillRect/>
+          </a:stretch>
+        </p:blipFill>
+        <p:spPr>
+          <a:xfrm>
+            <a:off x="1117964" y="618307"/>
+            <a:ext cx="8792391" cy="5621054"/>
+          </a:xfrm>
+          <a:prstGeom prst="rect">
+            <a:avLst/>
+          </a:prstGeom>
+        </p:spPr>
+      </p:pic>
+    </p:spTree>
+    <p:extLst>
+      <p:ext uri="{BB962C8B-B14F-4D97-AF65-F5344CB8AC3E}">
+        <p14:creationId xmlns:p14="http://schemas.microsoft.com/office/powerpoint/2010/main" val="2921649511"/>
+      </p:ext>
+    </p:extLst>
+  </p:cSld>
+  <p:clrMapOvr>
+    <a:masterClrMapping/>
+  </p:clrMapOvr>
+  <p:timing>
+    <p:tnLst>
+      <p:par>
+        <p:cTn id="1" dur="indefinite" restart="never" nodeType="tmRoot"/>
+      </p:par>
+    </p:tnLst>
+  </p:timing>
+</p:sld>
+</file>
+
 <file path=ppt/slides/slide2.xml><?xml version="1.0" encoding="utf-8"?>
 <p:sld xmlns:a="http://schemas.openxmlformats.org/drawingml/2006/main" xmlns:r="http://schemas.openxmlformats.org/officeDocument/2006/relationships" xmlns:p="http://schemas.openxmlformats.org/presentationml/2006/main">
   <p:cSld>
@@ -18723,7 +18771,7 @@
           <p:cNvPr id="14" name="TextBox 13">
             <a:extLst>
               <a:ext uri="{FF2B5EF4-FFF2-40B4-BE49-F238E27FC236}">
-                <a16:creationId xmlns="" xmlns:a16="http://schemas.microsoft.com/office/drawing/2014/main" id="{2D6E2A5E-967C-56EE-C60B-33A0A449ADC0}"/>
+                <a16:creationId xmlns:a16="http://schemas.microsoft.com/office/drawing/2014/main" xmlns="" id="{2D6E2A5E-967C-56EE-C60B-33A0A449ADC0}"/>
               </a:ext>
             </a:extLst>
           </p:cNvPr>
@@ -18768,7 +18816,7 @@
           <p:cNvPr id="15" name="TextBox 14">
             <a:extLst>
               <a:ext uri="{FF2B5EF4-FFF2-40B4-BE49-F238E27FC236}">
-                <a16:creationId xmlns="" xmlns:a16="http://schemas.microsoft.com/office/drawing/2014/main" id="{3E986115-D58B-7571-A6A0-D672A63D6191}"/>
+                <a16:creationId xmlns:a16="http://schemas.microsoft.com/office/drawing/2014/main" xmlns="" id="{3E986115-D58B-7571-A6A0-D672A63D6191}"/>
               </a:ext>
             </a:extLst>
           </p:cNvPr>
@@ -18878,7 +18926,7 @@
           <p:cNvPr id="18" name="TextBox 17">
             <a:extLst>
               <a:ext uri="{FF2B5EF4-FFF2-40B4-BE49-F238E27FC236}">
-                <a16:creationId xmlns="" xmlns:a16="http://schemas.microsoft.com/office/drawing/2014/main" id="{66A86D0B-A6B0-D5E5-0596-7362FA59BAF6}"/>
+                <a16:creationId xmlns:a16="http://schemas.microsoft.com/office/drawing/2014/main" xmlns="" id="{66A86D0B-A6B0-D5E5-0596-7362FA59BAF6}"/>
               </a:ext>
             </a:extLst>
           </p:cNvPr>
@@ -18932,7 +18980,7 @@
           <p:cNvPr id="20" name="TextBox 19">
             <a:extLst>
               <a:ext uri="{FF2B5EF4-FFF2-40B4-BE49-F238E27FC236}">
-                <a16:creationId xmlns="" xmlns:a16="http://schemas.microsoft.com/office/drawing/2014/main" id="{0079DF3F-C0DE-642F-2ED9-10544F59D43B}"/>
+                <a16:creationId xmlns:a16="http://schemas.microsoft.com/office/drawing/2014/main" xmlns="" id="{0079DF3F-C0DE-642F-2ED9-10544F59D43B}"/>
               </a:ext>
             </a:extLst>
           </p:cNvPr>
@@ -18999,7 +19047,7 @@
           <p:cNvPr id="25" name="TextBox 24">
             <a:extLst>
               <a:ext uri="{FF2B5EF4-FFF2-40B4-BE49-F238E27FC236}">
-                <a16:creationId xmlns="" xmlns:a16="http://schemas.microsoft.com/office/drawing/2014/main" id="{198E47A3-C3A7-7CD4-200F-D6F44FE978FD}"/>
+                <a16:creationId xmlns:a16="http://schemas.microsoft.com/office/drawing/2014/main" xmlns="" id="{198E47A3-C3A7-7CD4-200F-D6F44FE978FD}"/>
               </a:ext>
             </a:extLst>
           </p:cNvPr>
@@ -19454,7 +19502,7 @@
           <p:cNvPr id="26" name="TextBox 25">
             <a:extLst>
               <a:ext uri="{FF2B5EF4-FFF2-40B4-BE49-F238E27FC236}">
-                <a16:creationId xmlns="" xmlns:a16="http://schemas.microsoft.com/office/drawing/2014/main" id="{37BEBCE1-74C6-5499-F88C-F8AE8BE63895}"/>
+                <a16:creationId xmlns:a16="http://schemas.microsoft.com/office/drawing/2014/main" xmlns="" id="{37BEBCE1-74C6-5499-F88C-F8AE8BE63895}"/>
               </a:ext>
             </a:extLst>
           </p:cNvPr>
@@ -19508,7 +19556,7 @@
           <p:cNvPr id="27" name="TextBox 26">
             <a:extLst>
               <a:ext uri="{FF2B5EF4-FFF2-40B4-BE49-F238E27FC236}">
-                <a16:creationId xmlns="" xmlns:a16="http://schemas.microsoft.com/office/drawing/2014/main" id="{828B7BCB-60B4-7021-116C-92B338033765}"/>
+                <a16:creationId xmlns:a16="http://schemas.microsoft.com/office/drawing/2014/main" xmlns="" id="{828B7BCB-60B4-7021-116C-92B338033765}"/>
               </a:ext>
             </a:extLst>
           </p:cNvPr>
@@ -19669,7 +19717,7 @@
           <p:cNvPr id="7" name="Title 1">
             <a:extLst>
               <a:ext uri="{FF2B5EF4-FFF2-40B4-BE49-F238E27FC236}">
-                <a16:creationId xmlns="" xmlns:a16="http://schemas.microsoft.com/office/drawing/2014/main" id="{0CE071D6-AF8F-9C57-F47E-6B74823ED513}"/>
+                <a16:creationId xmlns:a16="http://schemas.microsoft.com/office/drawing/2014/main" xmlns="" id="{0CE071D6-AF8F-9C57-F47E-6B74823ED513}"/>
               </a:ext>
             </a:extLst>
           </p:cNvPr>
@@ -20316,7 +20364,7 @@
           <p:cNvPr id="5" name="TextBox 4">
             <a:extLst>
               <a:ext uri="{FF2B5EF4-FFF2-40B4-BE49-F238E27FC236}">
-                <a16:creationId xmlns="" xmlns:a16="http://schemas.microsoft.com/office/drawing/2014/main" id="{FD94C650-D2EC-5A80-D053-15314A15912E}"/>
+                <a16:creationId xmlns:a16="http://schemas.microsoft.com/office/drawing/2014/main" xmlns="" id="{FD94C650-D2EC-5A80-D053-15314A15912E}"/>
               </a:ext>
             </a:extLst>
           </p:cNvPr>
@@ -20449,7 +20497,7 @@
           <p:cNvPr id="6" name="Title 1">
             <a:extLst>
               <a:ext uri="{FF2B5EF4-FFF2-40B4-BE49-F238E27FC236}">
-                <a16:creationId xmlns="" xmlns:a16="http://schemas.microsoft.com/office/drawing/2014/main" id="{C8AD9B0B-5832-FBE1-7CAF-B5DC8714288E}"/>
+                <a16:creationId xmlns:a16="http://schemas.microsoft.com/office/drawing/2014/main" xmlns="" id="{C8AD9B0B-5832-FBE1-7CAF-B5DC8714288E}"/>
               </a:ext>
             </a:extLst>
           </p:cNvPr>
@@ -20482,7 +20530,7 @@
           <p:cNvPr id="8" name="TextBox 7">
             <a:extLst>
               <a:ext uri="{FF2B5EF4-FFF2-40B4-BE49-F238E27FC236}">
-                <a16:creationId xmlns="" xmlns:a16="http://schemas.microsoft.com/office/drawing/2014/main" id="{05C97F0F-A9E3-7357-C0E8-A15545E41298}"/>
+                <a16:creationId xmlns:a16="http://schemas.microsoft.com/office/drawing/2014/main" xmlns="" id="{05C97F0F-A9E3-7357-C0E8-A15545E41298}"/>
               </a:ext>
             </a:extLst>
           </p:cNvPr>
@@ -20628,7 +20676,7 @@
           <p:cNvPr id="2" name="TextBox 1">
             <a:extLst>
               <a:ext uri="{FF2B5EF4-FFF2-40B4-BE49-F238E27FC236}">
-                <a16:creationId xmlns="" xmlns:a16="http://schemas.microsoft.com/office/drawing/2014/main" id="{FAFC4B0A-4EC1-C95B-BF8E-F2E4C60860C7}"/>
+                <a16:creationId xmlns:a16="http://schemas.microsoft.com/office/drawing/2014/main" xmlns="" id="{FAFC4B0A-4EC1-C95B-BF8E-F2E4C60860C7}"/>
               </a:ext>
             </a:extLst>
           </p:cNvPr>
@@ -21087,7 +21135,7 @@
           <p:cNvPr id="4" name="Title 1">
             <a:extLst>
               <a:ext uri="{FF2B5EF4-FFF2-40B4-BE49-F238E27FC236}">
-                <a16:creationId xmlns="" xmlns:a16="http://schemas.microsoft.com/office/drawing/2014/main" id="{0A4045B0-C940-93C6-79DB-351A147113E4}"/>
+                <a16:creationId xmlns:a16="http://schemas.microsoft.com/office/drawing/2014/main" xmlns="" id="{0A4045B0-C940-93C6-79DB-351A147113E4}"/>
               </a:ext>
             </a:extLst>
           </p:cNvPr>
@@ -21120,7 +21168,7 @@
           <p:cNvPr id="5" name="TextBox 4">
             <a:extLst>
               <a:ext uri="{FF2B5EF4-FFF2-40B4-BE49-F238E27FC236}">
-                <a16:creationId xmlns="" xmlns:a16="http://schemas.microsoft.com/office/drawing/2014/main" id="{68ED6C88-4D30-47B1-98F2-10B61639E784}"/>
+                <a16:creationId xmlns:a16="http://schemas.microsoft.com/office/drawing/2014/main" xmlns="" id="{68ED6C88-4D30-47B1-98F2-10B61639E784}"/>
               </a:ext>
             </a:extLst>
           </p:cNvPr>
@@ -21162,7 +21210,7 @@
           <p:cNvPr id="6" name="TextBox 5">
             <a:extLst>
               <a:ext uri="{FF2B5EF4-FFF2-40B4-BE49-F238E27FC236}">
-                <a16:creationId xmlns="" xmlns:a16="http://schemas.microsoft.com/office/drawing/2014/main" id="{DF3DBA21-50B3-332B-D2D0-1673209B9496}"/>
+                <a16:creationId xmlns:a16="http://schemas.microsoft.com/office/drawing/2014/main" xmlns="" id="{DF3DBA21-50B3-332B-D2D0-1673209B9496}"/>
               </a:ext>
             </a:extLst>
           </p:cNvPr>
@@ -21204,7 +21252,7 @@
           <p:cNvPr id="10" name="TextBox 9">
             <a:extLst>
               <a:ext uri="{FF2B5EF4-FFF2-40B4-BE49-F238E27FC236}">
-                <a16:creationId xmlns="" xmlns:a16="http://schemas.microsoft.com/office/drawing/2014/main" id="{95C399D3-9FFE-F9D2-8DD0-04F8296DD6C5}"/>
+                <a16:creationId xmlns:a16="http://schemas.microsoft.com/office/drawing/2014/main" xmlns="" id="{95C399D3-9FFE-F9D2-8DD0-04F8296DD6C5}"/>
               </a:ext>
             </a:extLst>
           </p:cNvPr>
@@ -21246,7 +21294,7 @@
           <p:cNvPr id="12" name="Picture 11">
             <a:extLst>
               <a:ext uri="{FF2B5EF4-FFF2-40B4-BE49-F238E27FC236}">
-                <a16:creationId xmlns="" xmlns:a16="http://schemas.microsoft.com/office/drawing/2014/main" id="{6F0558F7-9155-B500-7EB5-FE4B29AFAC65}"/>
+                <a16:creationId xmlns:a16="http://schemas.microsoft.com/office/drawing/2014/main" xmlns="" id="{6F0558F7-9155-B500-7EB5-FE4B29AFAC65}"/>
               </a:ext>
             </a:extLst>
           </p:cNvPr>
@@ -21638,7 +21686,7 @@
           <p:cNvPr id="4" name="Title 1">
             <a:extLst>
               <a:ext uri="{FF2B5EF4-FFF2-40B4-BE49-F238E27FC236}">
-                <a16:creationId xmlns="" xmlns:a16="http://schemas.microsoft.com/office/drawing/2014/main" id="{0A4045B0-C940-93C6-79DB-351A147113E4}"/>
+                <a16:creationId xmlns:a16="http://schemas.microsoft.com/office/drawing/2014/main" xmlns="" id="{0A4045B0-C940-93C6-79DB-351A147113E4}"/>
               </a:ext>
             </a:extLst>
           </p:cNvPr>
@@ -21671,7 +21719,7 @@
           <p:cNvPr id="5" name="TextBox 4">
             <a:extLst>
               <a:ext uri="{FF2B5EF4-FFF2-40B4-BE49-F238E27FC236}">
-                <a16:creationId xmlns="" xmlns:a16="http://schemas.microsoft.com/office/drawing/2014/main" id="{68ED6C88-4D30-47B1-98F2-10B61639E784}"/>
+                <a16:creationId xmlns:a16="http://schemas.microsoft.com/office/drawing/2014/main" xmlns="" id="{68ED6C88-4D30-47B1-98F2-10B61639E784}"/>
               </a:ext>
             </a:extLst>
           </p:cNvPr>
@@ -21713,7 +21761,7 @@
           <p:cNvPr id="16" name="TextBox 15">
             <a:extLst>
               <a:ext uri="{FF2B5EF4-FFF2-40B4-BE49-F238E27FC236}">
-                <a16:creationId xmlns="" xmlns:a16="http://schemas.microsoft.com/office/drawing/2014/main" id="{34FEC4EB-6265-3C9A-194F-C9E41AAAC52C}"/>
+                <a16:creationId xmlns:a16="http://schemas.microsoft.com/office/drawing/2014/main" xmlns="" id="{34FEC4EB-6265-3C9A-194F-C9E41AAAC52C}"/>
               </a:ext>
             </a:extLst>
           </p:cNvPr>
@@ -21759,7 +21807,7 @@
           <p:cNvPr id="17" name="TextBox 16">
             <a:extLst>
               <a:ext uri="{FF2B5EF4-FFF2-40B4-BE49-F238E27FC236}">
-                <a16:creationId xmlns="" xmlns:a16="http://schemas.microsoft.com/office/drawing/2014/main" id="{21C37205-2E9B-A3D7-453C-BA1143389C47}"/>
+                <a16:creationId xmlns:a16="http://schemas.microsoft.com/office/drawing/2014/main" xmlns="" id="{21C37205-2E9B-A3D7-453C-BA1143389C47}"/>
               </a:ext>
             </a:extLst>
           </p:cNvPr>
@@ -21798,7 +21846,7 @@
           <p:cNvPr id="18" name="TextBox 17">
             <a:extLst>
               <a:ext uri="{FF2B5EF4-FFF2-40B4-BE49-F238E27FC236}">
-                <a16:creationId xmlns="" xmlns:a16="http://schemas.microsoft.com/office/drawing/2014/main" id="{C11EB94A-7599-12BE-A015-138DF82E7D88}"/>
+                <a16:creationId xmlns:a16="http://schemas.microsoft.com/office/drawing/2014/main" xmlns="" id="{C11EB94A-7599-12BE-A015-138DF82E7D88}"/>
               </a:ext>
             </a:extLst>
           </p:cNvPr>
@@ -21840,7 +21888,7 @@
           <p:cNvPr id="9" name="Picture 8">
             <a:extLst>
               <a:ext uri="{FF2B5EF4-FFF2-40B4-BE49-F238E27FC236}">
-                <a16:creationId xmlns="" xmlns:a16="http://schemas.microsoft.com/office/drawing/2014/main" id="{F3934AA7-7FA1-4AF5-11DF-34C8209BBBC5}"/>
+                <a16:creationId xmlns:a16="http://schemas.microsoft.com/office/drawing/2014/main" xmlns="" id="{F3934AA7-7FA1-4AF5-11DF-34C8209BBBC5}"/>
               </a:ext>
             </a:extLst>
           </p:cNvPr>
@@ -22338,7 +22386,7 @@
           <p:cNvPr id="4" name="Title 1">
             <a:extLst>
               <a:ext uri="{FF2B5EF4-FFF2-40B4-BE49-F238E27FC236}">
-                <a16:creationId xmlns="" xmlns:a16="http://schemas.microsoft.com/office/drawing/2014/main" id="{0A4045B0-C940-93C6-79DB-351A147113E4}"/>
+                <a16:creationId xmlns:a16="http://schemas.microsoft.com/office/drawing/2014/main" xmlns="" id="{0A4045B0-C940-93C6-79DB-351A147113E4}"/>
               </a:ext>
             </a:extLst>
           </p:cNvPr>
@@ -22371,7 +22419,7 @@
           <p:cNvPr id="5" name="TextBox 4">
             <a:extLst>
               <a:ext uri="{FF2B5EF4-FFF2-40B4-BE49-F238E27FC236}">
-                <a16:creationId xmlns="" xmlns:a16="http://schemas.microsoft.com/office/drawing/2014/main" id="{AAC62DE3-37FA-81ED-2B19-6155C5C4FB6A}"/>
+                <a16:creationId xmlns:a16="http://schemas.microsoft.com/office/drawing/2014/main" xmlns="" id="{AAC62DE3-37FA-81ED-2B19-6155C5C4FB6A}"/>
               </a:ext>
             </a:extLst>
           </p:cNvPr>
@@ -22735,7 +22783,7 @@
           <p:cNvPr id="9" name="Picture 8">
             <a:extLst>
               <a:ext uri="{FF2B5EF4-FFF2-40B4-BE49-F238E27FC236}">
-                <a16:creationId xmlns="" xmlns:a16="http://schemas.microsoft.com/office/drawing/2014/main" id="{DC69AF7A-D5F6-AF94-6226-64A1B3D13F3D}"/>
+                <a16:creationId xmlns:a16="http://schemas.microsoft.com/office/drawing/2014/main" xmlns="" id="{DC69AF7A-D5F6-AF94-6226-64A1B3D13F3D}"/>
               </a:ext>
             </a:extLst>
           </p:cNvPr>
@@ -22927,7 +22975,7 @@
           <p:cNvPr id="4" name="Title 1">
             <a:extLst>
               <a:ext uri="{FF2B5EF4-FFF2-40B4-BE49-F238E27FC236}">
-                <a16:creationId xmlns="" xmlns:a16="http://schemas.microsoft.com/office/drawing/2014/main" id="{0A4045B0-C940-93C6-79DB-351A147113E4}"/>
+                <a16:creationId xmlns:a16="http://schemas.microsoft.com/office/drawing/2014/main" xmlns="" id="{0A4045B0-C940-93C6-79DB-351A147113E4}"/>
               </a:ext>
             </a:extLst>
           </p:cNvPr>
@@ -22960,7 +23008,7 @@
           <p:cNvPr id="5" name="TextBox 4">
             <a:extLst>
               <a:ext uri="{FF2B5EF4-FFF2-40B4-BE49-F238E27FC236}">
-                <a16:creationId xmlns="" xmlns:a16="http://schemas.microsoft.com/office/drawing/2014/main" id="{AAC62DE3-37FA-81ED-2B19-6155C5C4FB6A}"/>
+                <a16:creationId xmlns:a16="http://schemas.microsoft.com/office/drawing/2014/main" xmlns="" id="{AAC62DE3-37FA-81ED-2B19-6155C5C4FB6A}"/>
               </a:ext>
             </a:extLst>
           </p:cNvPr>
@@ -23242,7 +23290,7 @@
           <p:cNvPr id="3" name="Picture 2">
             <a:extLst>
               <a:ext uri="{FF2B5EF4-FFF2-40B4-BE49-F238E27FC236}">
-                <a16:creationId xmlns="" xmlns:a16="http://schemas.microsoft.com/office/drawing/2014/main" id="{26D9E3AC-C35C-EBF0-20C7-EAD5FC9B88C7}"/>
+                <a16:creationId xmlns:a16="http://schemas.microsoft.com/office/drawing/2014/main" xmlns="" id="{26D9E3AC-C35C-EBF0-20C7-EAD5FC9B88C7}"/>
               </a:ext>
             </a:extLst>
           </p:cNvPr>
@@ -23434,7 +23482,7 @@
           <p:cNvPr id="4" name="Title 1">
             <a:extLst>
               <a:ext uri="{FF2B5EF4-FFF2-40B4-BE49-F238E27FC236}">
-                <a16:creationId xmlns="" xmlns:a16="http://schemas.microsoft.com/office/drawing/2014/main" id="{0A4045B0-C940-93C6-79DB-351A147113E4}"/>
+                <a16:creationId xmlns:a16="http://schemas.microsoft.com/office/drawing/2014/main" xmlns="" id="{0A4045B0-C940-93C6-79DB-351A147113E4}"/>
               </a:ext>
             </a:extLst>
           </p:cNvPr>
@@ -23471,7 +23519,7 @@
           <p:cNvPr id="5" name="TextBox 4">
             <a:extLst>
               <a:ext uri="{FF2B5EF4-FFF2-40B4-BE49-F238E27FC236}">
-                <a16:creationId xmlns="" xmlns:a16="http://schemas.microsoft.com/office/drawing/2014/main" id="{AAC62DE3-37FA-81ED-2B19-6155C5C4FB6A}"/>
+                <a16:creationId xmlns:a16="http://schemas.microsoft.com/office/drawing/2014/main" xmlns="" id="{AAC62DE3-37FA-81ED-2B19-6155C5C4FB6A}"/>
               </a:ext>
             </a:extLst>
           </p:cNvPr>
@@ -23734,7 +23782,7 @@
           <p:cNvPr id="6" name="Picture 5">
             <a:extLst>
               <a:ext uri="{FF2B5EF4-FFF2-40B4-BE49-F238E27FC236}">
-                <a16:creationId xmlns="" xmlns:a16="http://schemas.microsoft.com/office/drawing/2014/main" id="{7C88032A-86F2-5985-C0A4-6E39C9F51CC6}"/>
+                <a16:creationId xmlns:a16="http://schemas.microsoft.com/office/drawing/2014/main" xmlns="" id="{7C88032A-86F2-5985-C0A4-6E39C9F51CC6}"/>
               </a:ext>
             </a:extLst>
           </p:cNvPr>
@@ -23770,7 +23818,7 @@
           <p:cNvPr id="7" name="TextBox 6">
             <a:extLst>
               <a:ext uri="{FF2B5EF4-FFF2-40B4-BE49-F238E27FC236}">
-                <a16:creationId xmlns="" xmlns:a16="http://schemas.microsoft.com/office/drawing/2014/main" id="{1F77591A-DB2F-9F91-4945-B2EC29845B38}"/>
+                <a16:creationId xmlns:a16="http://schemas.microsoft.com/office/drawing/2014/main" xmlns="" id="{1F77591A-DB2F-9F91-4945-B2EC29845B38}"/>
               </a:ext>
             </a:extLst>
           </p:cNvPr>
@@ -24132,7 +24180,7 @@
           <p:cNvPr id="4" name="Title 1">
             <a:extLst>
               <a:ext uri="{FF2B5EF4-FFF2-40B4-BE49-F238E27FC236}">
-                <a16:creationId xmlns="" xmlns:a16="http://schemas.microsoft.com/office/drawing/2014/main" id="{0A4045B0-C940-93C6-79DB-351A147113E4}"/>
+                <a16:creationId xmlns:a16="http://schemas.microsoft.com/office/drawing/2014/main" xmlns="" id="{0A4045B0-C940-93C6-79DB-351A147113E4}"/>
               </a:ext>
             </a:extLst>
           </p:cNvPr>
@@ -24165,7 +24213,7 @@
           <p:cNvPr id="7" name="TextBox 6">
             <a:extLst>
               <a:ext uri="{FF2B5EF4-FFF2-40B4-BE49-F238E27FC236}">
-                <a16:creationId xmlns="" xmlns:a16="http://schemas.microsoft.com/office/drawing/2014/main" id="{1F77591A-DB2F-9F91-4945-B2EC29845B38}"/>
+                <a16:creationId xmlns:a16="http://schemas.microsoft.com/office/drawing/2014/main" xmlns="" id="{1F77591A-DB2F-9F91-4945-B2EC29845B38}"/>
               </a:ext>
             </a:extLst>
           </p:cNvPr>
@@ -24281,7 +24329,7 @@
           <p:cNvPr id="8" name="Picture 7">
             <a:extLst>
               <a:ext uri="{FF2B5EF4-FFF2-40B4-BE49-F238E27FC236}">
-                <a16:creationId xmlns="" xmlns:a16="http://schemas.microsoft.com/office/drawing/2014/main" id="{B643EA6D-4B4D-8F4A-AF04-E12FB151ED2B}"/>
+                <a16:creationId xmlns:a16="http://schemas.microsoft.com/office/drawing/2014/main" xmlns="" id="{B643EA6D-4B4D-8F4A-AF04-E12FB151ED2B}"/>
               </a:ext>
             </a:extLst>
           </p:cNvPr>
@@ -24311,7 +24359,7 @@
           <p:cNvPr id="9" name="TextBox 8">
             <a:extLst>
               <a:ext uri="{FF2B5EF4-FFF2-40B4-BE49-F238E27FC236}">
-                <a16:creationId xmlns="" xmlns:a16="http://schemas.microsoft.com/office/drawing/2014/main" id="{4CEDAA70-1CF5-7892-405B-9D24EFE25BE8}"/>
+                <a16:creationId xmlns:a16="http://schemas.microsoft.com/office/drawing/2014/main" xmlns="" id="{4CEDAA70-1CF5-7892-405B-9D24EFE25BE8}"/>
               </a:ext>
             </a:extLst>
           </p:cNvPr>
